--- a/uml.pptx
+++ b/uml.pptx
@@ -114,6 +114,11 @@
       </a:defRPr>
     </a:lvl9pPr>
   </p:defaultTextStyle>
+  <p:extLst>
+    <p:ext uri="{EFAFB233-063F-42B5-8137-9DF3F51BA10A}">
+      <p15:sldGuideLst xmlns:p15="http://schemas.microsoft.com/office/powerpoint/2012/main"/>
+    </p:ext>
+  </p:extLst>
 </p:presentation>
 </file>
 
@@ -264,7 +269,7 @@
           <a:p>
             <a:fld id="{49511754-73E3-4E6F-AF62-38683F8056B7}" type="datetimeFigureOut">
               <a:rPr lang="zh-CN" altLang="en-US" smtClean="0"/>
-              <a:t>2025/11/2</a:t>
+              <a:t>2025/11/11</a:t>
             </a:fld>
             <a:endParaRPr lang="zh-CN" altLang="en-US"/>
           </a:p>
@@ -462,7 +467,7 @@
           <a:p>
             <a:fld id="{49511754-73E3-4E6F-AF62-38683F8056B7}" type="datetimeFigureOut">
               <a:rPr lang="zh-CN" altLang="en-US" smtClean="0"/>
-              <a:t>2025/11/2</a:t>
+              <a:t>2025/11/11</a:t>
             </a:fld>
             <a:endParaRPr lang="zh-CN" altLang="en-US"/>
           </a:p>
@@ -670,7 +675,7 @@
           <a:p>
             <a:fld id="{49511754-73E3-4E6F-AF62-38683F8056B7}" type="datetimeFigureOut">
               <a:rPr lang="zh-CN" altLang="en-US" smtClean="0"/>
-              <a:t>2025/11/2</a:t>
+              <a:t>2025/11/11</a:t>
             </a:fld>
             <a:endParaRPr lang="zh-CN" altLang="en-US"/>
           </a:p>
@@ -868,7 +873,7 @@
           <a:p>
             <a:fld id="{49511754-73E3-4E6F-AF62-38683F8056B7}" type="datetimeFigureOut">
               <a:rPr lang="zh-CN" altLang="en-US" smtClean="0"/>
-              <a:t>2025/11/2</a:t>
+              <a:t>2025/11/11</a:t>
             </a:fld>
             <a:endParaRPr lang="zh-CN" altLang="en-US"/>
           </a:p>
@@ -1143,7 +1148,7 @@
           <a:p>
             <a:fld id="{49511754-73E3-4E6F-AF62-38683F8056B7}" type="datetimeFigureOut">
               <a:rPr lang="zh-CN" altLang="en-US" smtClean="0"/>
-              <a:t>2025/11/2</a:t>
+              <a:t>2025/11/11</a:t>
             </a:fld>
             <a:endParaRPr lang="zh-CN" altLang="en-US"/>
           </a:p>
@@ -1408,7 +1413,7 @@
           <a:p>
             <a:fld id="{49511754-73E3-4E6F-AF62-38683F8056B7}" type="datetimeFigureOut">
               <a:rPr lang="zh-CN" altLang="en-US" smtClean="0"/>
-              <a:t>2025/11/2</a:t>
+              <a:t>2025/11/11</a:t>
             </a:fld>
             <a:endParaRPr lang="zh-CN" altLang="en-US"/>
           </a:p>
@@ -1820,7 +1825,7 @@
           <a:p>
             <a:fld id="{49511754-73E3-4E6F-AF62-38683F8056B7}" type="datetimeFigureOut">
               <a:rPr lang="zh-CN" altLang="en-US" smtClean="0"/>
-              <a:t>2025/11/2</a:t>
+              <a:t>2025/11/11</a:t>
             </a:fld>
             <a:endParaRPr lang="zh-CN" altLang="en-US"/>
           </a:p>
@@ -1961,7 +1966,7 @@
           <a:p>
             <a:fld id="{49511754-73E3-4E6F-AF62-38683F8056B7}" type="datetimeFigureOut">
               <a:rPr lang="zh-CN" altLang="en-US" smtClean="0"/>
-              <a:t>2025/11/2</a:t>
+              <a:t>2025/11/11</a:t>
             </a:fld>
             <a:endParaRPr lang="zh-CN" altLang="en-US"/>
           </a:p>
@@ -2074,7 +2079,7 @@
           <a:p>
             <a:fld id="{49511754-73E3-4E6F-AF62-38683F8056B7}" type="datetimeFigureOut">
               <a:rPr lang="zh-CN" altLang="en-US" smtClean="0"/>
-              <a:t>2025/11/2</a:t>
+              <a:t>2025/11/11</a:t>
             </a:fld>
             <a:endParaRPr lang="zh-CN" altLang="en-US"/>
           </a:p>
@@ -2385,7 +2390,7 @@
           <a:p>
             <a:fld id="{49511754-73E3-4E6F-AF62-38683F8056B7}" type="datetimeFigureOut">
               <a:rPr lang="zh-CN" altLang="en-US" smtClean="0"/>
-              <a:t>2025/11/2</a:t>
+              <a:t>2025/11/11</a:t>
             </a:fld>
             <a:endParaRPr lang="zh-CN" altLang="en-US"/>
           </a:p>
@@ -2673,7 +2678,7 @@
           <a:p>
             <a:fld id="{49511754-73E3-4E6F-AF62-38683F8056B7}" type="datetimeFigureOut">
               <a:rPr lang="zh-CN" altLang="en-US" smtClean="0"/>
-              <a:t>2025/11/2</a:t>
+              <a:t>2025/11/11</a:t>
             </a:fld>
             <a:endParaRPr lang="zh-CN" altLang="en-US"/>
           </a:p>
@@ -2914,7 +2919,7 @@
           <a:p>
             <a:fld id="{49511754-73E3-4E6F-AF62-38683F8056B7}" type="datetimeFigureOut">
               <a:rPr lang="zh-CN" altLang="en-US" smtClean="0"/>
-              <a:t>2025/11/2</a:t>
+              <a:t>2025/11/11</a:t>
             </a:fld>
             <a:endParaRPr lang="zh-CN" altLang="en-US"/>
           </a:p>
@@ -5443,8 +5448,8 @@
         </p:blipFill>
         <p:spPr>
           <a:xfrm>
-            <a:off x="0" y="1690688"/>
-            <a:ext cx="2657846" cy="3791479"/>
+            <a:off x="0" y="2328952"/>
+            <a:ext cx="2210420" cy="3153215"/>
           </a:xfrm>
           <a:prstGeom prst="rect">
             <a:avLst/>
@@ -5473,8 +5478,8 @@
         </p:blipFill>
         <p:spPr>
           <a:xfrm>
-            <a:off x="2534566" y="1852392"/>
-            <a:ext cx="3143689" cy="3153215"/>
+            <a:off x="2210420" y="2623127"/>
+            <a:ext cx="2851665" cy="2860306"/>
           </a:xfrm>
           <a:prstGeom prst="rect">
             <a:avLst/>
@@ -5495,7 +5500,7 @@
         </p:nvSpPr>
         <p:spPr>
           <a:xfrm>
-            <a:off x="3454767" y="5578824"/>
+            <a:off x="2780512" y="5661950"/>
             <a:ext cx="1107996" cy="369332"/>
           </a:xfrm>
           <a:prstGeom prst="rect">
@@ -5530,7 +5535,7 @@
         </p:nvSpPr>
         <p:spPr>
           <a:xfrm>
-            <a:off x="6686575" y="5661890"/>
+            <a:off x="5929193" y="5738684"/>
             <a:ext cx="1107996" cy="369332"/>
           </a:xfrm>
           <a:prstGeom prst="rect">
@@ -5573,20 +5578,55 @@
         </p:blipFill>
         <p:spPr>
           <a:xfrm>
-            <a:off x="5678255" y="1752964"/>
-            <a:ext cx="3124636" cy="3153215"/>
+            <a:off x="4976291" y="2638109"/>
+            <a:ext cx="2818280" cy="2844057"/>
           </a:xfrm>
           <a:prstGeom prst="rect">
             <a:avLst/>
           </a:prstGeom>
         </p:spPr>
       </p:pic>
+      <p:sp>
+        <p:nvSpPr>
+          <p:cNvPr id="18" name="文本框 17">
+            <a:extLst>
+              <a:ext uri="{FF2B5EF4-FFF2-40B4-BE49-F238E27FC236}">
+                <a16:creationId xmlns:a16="http://schemas.microsoft.com/office/drawing/2014/main" id="{3ED560CD-BF28-A872-D378-6F2F77C0ED80}"/>
+              </a:ext>
+            </a:extLst>
+          </p:cNvPr>
+          <p:cNvSpPr txBox="1"/>
+          <p:nvPr/>
+        </p:nvSpPr>
+        <p:spPr>
+          <a:xfrm>
+            <a:off x="9934084" y="5714142"/>
+            <a:ext cx="1107996" cy="369332"/>
+          </a:xfrm>
+          <a:prstGeom prst="rect">
+            <a:avLst/>
+          </a:prstGeom>
+          <a:noFill/>
+        </p:spPr>
+        <p:txBody>
+          <a:bodyPr wrap="none" rtlCol="0">
+            <a:spAutoFit/>
+          </a:bodyPr>
+          <a:lstStyle/>
+          <a:p>
+            <a:r>
+              <a:rPr lang="zh-CN" altLang="en-US" dirty="0"/>
+              <a:t>胜利界面</a:t>
+            </a:r>
+          </a:p>
+        </p:txBody>
+      </p:sp>
       <p:pic>
         <p:nvPicPr>
-          <p:cNvPr id="15" name="图片 14">
-            <a:extLst>
-              <a:ext uri="{FF2B5EF4-FFF2-40B4-BE49-F238E27FC236}">
-                <a16:creationId xmlns:a16="http://schemas.microsoft.com/office/drawing/2014/main" id="{BD0D5617-D3DC-920E-7A44-A37D02E67ECF}"/>
+          <p:cNvPr id="3" name="图片 2">
+            <a:extLst>
+              <a:ext uri="{FF2B5EF4-FFF2-40B4-BE49-F238E27FC236}">
+                <a16:creationId xmlns:a16="http://schemas.microsoft.com/office/drawing/2014/main" id="{08810751-E62D-223F-03DA-0F6F4916DDA1}"/>
               </a:ext>
             </a:extLst>
           </p:cNvPr>
@@ -5603,49 +5643,14 @@
         </p:blipFill>
         <p:spPr>
           <a:xfrm>
-            <a:off x="8802891" y="1162331"/>
-            <a:ext cx="3334215" cy="4334480"/>
+            <a:off x="7887568" y="1182255"/>
+            <a:ext cx="4304432" cy="4479695"/>
           </a:xfrm>
           <a:prstGeom prst="rect">
             <a:avLst/>
           </a:prstGeom>
         </p:spPr>
       </p:pic>
-      <p:sp>
-        <p:nvSpPr>
-          <p:cNvPr id="18" name="文本框 17">
-            <a:extLst>
-              <a:ext uri="{FF2B5EF4-FFF2-40B4-BE49-F238E27FC236}">
-                <a16:creationId xmlns:a16="http://schemas.microsoft.com/office/drawing/2014/main" id="{3ED560CD-BF28-A872-D378-6F2F77C0ED80}"/>
-              </a:ext>
-            </a:extLst>
-          </p:cNvPr>
-          <p:cNvSpPr txBox="1"/>
-          <p:nvPr/>
-        </p:nvSpPr>
-        <p:spPr>
-          <a:xfrm>
-            <a:off x="9934084" y="5714142"/>
-            <a:ext cx="1107996" cy="369332"/>
-          </a:xfrm>
-          <a:prstGeom prst="rect">
-            <a:avLst/>
-          </a:prstGeom>
-          <a:noFill/>
-        </p:spPr>
-        <p:txBody>
-          <a:bodyPr wrap="none" rtlCol="0">
-            <a:spAutoFit/>
-          </a:bodyPr>
-          <a:lstStyle/>
-          <a:p>
-            <a:r>
-              <a:rPr lang="zh-CN" altLang="en-US" dirty="0"/>
-              <a:t>胜利界面</a:t>
-            </a:r>
-          </a:p>
-        </p:txBody>
-      </p:sp>
     </p:spTree>
     <p:extLst>
       <p:ext uri="{BB962C8B-B14F-4D97-AF65-F5344CB8AC3E}">

--- a/uml.pptx
+++ b/uml.pptx
@@ -12,10 +12,11 @@
     <p:sldId id="258" r:id="rId6"/>
     <p:sldId id="259" r:id="rId7"/>
     <p:sldId id="260" r:id="rId8"/>
-    <p:sldId id="266" r:id="rId9"/>
-    <p:sldId id="263" r:id="rId10"/>
-    <p:sldId id="264" r:id="rId11"/>
-    <p:sldId id="265" r:id="rId12"/>
+    <p:sldId id="263" r:id="rId9"/>
+    <p:sldId id="266" r:id="rId10"/>
+    <p:sldId id="267" r:id="rId11"/>
+    <p:sldId id="264" r:id="rId12"/>
+    <p:sldId id="265" r:id="rId13"/>
   </p:sldIdLst>
   <p:sldSz cx="12192000" cy="6858000"/>
   <p:notesSz cx="6858000" cy="9144000"/>
@@ -269,7 +270,7 @@
           <a:p>
             <a:fld id="{49511754-73E3-4E6F-AF62-38683F8056B7}" type="datetimeFigureOut">
               <a:rPr lang="zh-CN" altLang="en-US" smtClean="0"/>
-              <a:t>2025/11/11</a:t>
+              <a:t>2025/11/26</a:t>
             </a:fld>
             <a:endParaRPr lang="zh-CN" altLang="en-US"/>
           </a:p>
@@ -467,7 +468,7 @@
           <a:p>
             <a:fld id="{49511754-73E3-4E6F-AF62-38683F8056B7}" type="datetimeFigureOut">
               <a:rPr lang="zh-CN" altLang="en-US" smtClean="0"/>
-              <a:t>2025/11/11</a:t>
+              <a:t>2025/11/26</a:t>
             </a:fld>
             <a:endParaRPr lang="zh-CN" altLang="en-US"/>
           </a:p>
@@ -675,7 +676,7 @@
           <a:p>
             <a:fld id="{49511754-73E3-4E6F-AF62-38683F8056B7}" type="datetimeFigureOut">
               <a:rPr lang="zh-CN" altLang="en-US" smtClean="0"/>
-              <a:t>2025/11/11</a:t>
+              <a:t>2025/11/26</a:t>
             </a:fld>
             <a:endParaRPr lang="zh-CN" altLang="en-US"/>
           </a:p>
@@ -873,7 +874,7 @@
           <a:p>
             <a:fld id="{49511754-73E3-4E6F-AF62-38683F8056B7}" type="datetimeFigureOut">
               <a:rPr lang="zh-CN" altLang="en-US" smtClean="0"/>
-              <a:t>2025/11/11</a:t>
+              <a:t>2025/11/26</a:t>
             </a:fld>
             <a:endParaRPr lang="zh-CN" altLang="en-US"/>
           </a:p>
@@ -1148,7 +1149,7 @@
           <a:p>
             <a:fld id="{49511754-73E3-4E6F-AF62-38683F8056B7}" type="datetimeFigureOut">
               <a:rPr lang="zh-CN" altLang="en-US" smtClean="0"/>
-              <a:t>2025/11/11</a:t>
+              <a:t>2025/11/26</a:t>
             </a:fld>
             <a:endParaRPr lang="zh-CN" altLang="en-US"/>
           </a:p>
@@ -1413,7 +1414,7 @@
           <a:p>
             <a:fld id="{49511754-73E3-4E6F-AF62-38683F8056B7}" type="datetimeFigureOut">
               <a:rPr lang="zh-CN" altLang="en-US" smtClean="0"/>
-              <a:t>2025/11/11</a:t>
+              <a:t>2025/11/26</a:t>
             </a:fld>
             <a:endParaRPr lang="zh-CN" altLang="en-US"/>
           </a:p>
@@ -1825,7 +1826,7 @@
           <a:p>
             <a:fld id="{49511754-73E3-4E6F-AF62-38683F8056B7}" type="datetimeFigureOut">
               <a:rPr lang="zh-CN" altLang="en-US" smtClean="0"/>
-              <a:t>2025/11/11</a:t>
+              <a:t>2025/11/26</a:t>
             </a:fld>
             <a:endParaRPr lang="zh-CN" altLang="en-US"/>
           </a:p>
@@ -1966,7 +1967,7 @@
           <a:p>
             <a:fld id="{49511754-73E3-4E6F-AF62-38683F8056B7}" type="datetimeFigureOut">
               <a:rPr lang="zh-CN" altLang="en-US" smtClean="0"/>
-              <a:t>2025/11/11</a:t>
+              <a:t>2025/11/26</a:t>
             </a:fld>
             <a:endParaRPr lang="zh-CN" altLang="en-US"/>
           </a:p>
@@ -2079,7 +2080,7 @@
           <a:p>
             <a:fld id="{49511754-73E3-4E6F-AF62-38683F8056B7}" type="datetimeFigureOut">
               <a:rPr lang="zh-CN" altLang="en-US" smtClean="0"/>
-              <a:t>2025/11/11</a:t>
+              <a:t>2025/11/26</a:t>
             </a:fld>
             <a:endParaRPr lang="zh-CN" altLang="en-US"/>
           </a:p>
@@ -2390,7 +2391,7 @@
           <a:p>
             <a:fld id="{49511754-73E3-4E6F-AF62-38683F8056B7}" type="datetimeFigureOut">
               <a:rPr lang="zh-CN" altLang="en-US" smtClean="0"/>
-              <a:t>2025/11/11</a:t>
+              <a:t>2025/11/26</a:t>
             </a:fld>
             <a:endParaRPr lang="zh-CN" altLang="en-US"/>
           </a:p>
@@ -2678,7 +2679,7 @@
           <a:p>
             <a:fld id="{49511754-73E3-4E6F-AF62-38683F8056B7}" type="datetimeFigureOut">
               <a:rPr lang="zh-CN" altLang="en-US" smtClean="0"/>
-              <a:t>2025/11/11</a:t>
+              <a:t>2025/11/26</a:t>
             </a:fld>
             <a:endParaRPr lang="zh-CN" altLang="en-US"/>
           </a:p>
@@ -2919,7 +2920,7 @@
           <a:p>
             <a:fld id="{49511754-73E3-4E6F-AF62-38683F8056B7}" type="datetimeFigureOut">
               <a:rPr lang="zh-CN" altLang="en-US" smtClean="0"/>
-              <a:t>2025/11/11</a:t>
+              <a:t>2025/11/26</a:t>
             </a:fld>
             <a:endParaRPr lang="zh-CN" altLang="en-US"/>
           </a:p>
@@ -3421,6 +3422,190 @@
       </p:grpSpPr>
       <p:sp>
         <p:nvSpPr>
+          <p:cNvPr id="3" name="内容占位符 2">
+            <a:extLst>
+              <a:ext uri="{FF2B5EF4-FFF2-40B4-BE49-F238E27FC236}">
+                <a16:creationId xmlns:a16="http://schemas.microsoft.com/office/drawing/2014/main" id="{530A3B4A-EB1F-46AE-0BF3-F40A62198601}"/>
+              </a:ext>
+            </a:extLst>
+          </p:cNvPr>
+          <p:cNvSpPr>
+            <a:spLocks noGrp="1"/>
+          </p:cNvSpPr>
+          <p:nvPr>
+            <p:ph idx="1"/>
+          </p:nvPr>
+        </p:nvSpPr>
+        <p:spPr>
+          <a:xfrm>
+            <a:off x="320963" y="717261"/>
+            <a:ext cx="7631545" cy="4990812"/>
+          </a:xfrm>
+        </p:spPr>
+        <p:txBody>
+          <a:bodyPr>
+            <a:normAutofit/>
+          </a:bodyPr>
+          <a:lstStyle/>
+          <a:p>
+            <a:pPr marL="0" indent="0">
+              <a:buNone/>
+            </a:pPr>
+            <a:r>
+              <a:rPr lang="zh-CN" altLang="en-US" b="1" dirty="0"/>
+              <a:t>观察者模式 </a:t>
+            </a:r>
+            <a:endParaRPr lang="en-US" altLang="zh-CN" b="1" dirty="0"/>
+          </a:p>
+          <a:p>
+            <a:pPr marL="0" indent="0">
+              <a:buNone/>
+            </a:pPr>
+            <a:r>
+              <a:rPr lang="zh-CN" altLang="en-US" dirty="0"/>
+              <a:t>体现</a:t>
+            </a:r>
+            <a:r>
+              <a:rPr lang="en-US" altLang="zh-CN" dirty="0"/>
+              <a:t>: </a:t>
+            </a:r>
+            <a:r>
+              <a:rPr lang="en-US" altLang="zh-CN" dirty="0" err="1"/>
+              <a:t>SmartSquare</a:t>
+            </a:r>
+            <a:r>
+              <a:rPr lang="en-US" altLang="zh-CN" dirty="0"/>
+              <a:t> </a:t>
+            </a:r>
+            <a:r>
+              <a:rPr lang="zh-CN" altLang="en-US" dirty="0"/>
+              <a:t>类实现了 </a:t>
+            </a:r>
+            <a:r>
+              <a:rPr lang="en-US" altLang="zh-CN" dirty="0" err="1"/>
+              <a:t>MouseListener</a:t>
+            </a:r>
+            <a:r>
+              <a:rPr lang="en-US" altLang="zh-CN" dirty="0"/>
+              <a:t> </a:t>
+            </a:r>
+            <a:r>
+              <a:rPr lang="zh-CN" altLang="en-US" dirty="0"/>
+              <a:t>接口。</a:t>
+            </a:r>
+          </a:p>
+          <a:p>
+            <a:pPr marL="0" indent="0">
+              <a:buNone/>
+            </a:pPr>
+            <a:r>
+              <a:rPr lang="zh-CN" altLang="en-US" dirty="0"/>
+              <a:t>说明</a:t>
+            </a:r>
+            <a:r>
+              <a:rPr lang="en-US" altLang="zh-CN" dirty="0"/>
+              <a:t>: </a:t>
+            </a:r>
+            <a:r>
+              <a:rPr lang="zh-CN" altLang="en-US" dirty="0"/>
+              <a:t>这是</a:t>
+            </a:r>
+            <a:r>
+              <a:rPr lang="en-US" altLang="zh-CN" dirty="0"/>
+              <a:t>Java Swing</a:t>
+            </a:r>
+            <a:r>
+              <a:rPr lang="zh-CN" altLang="en-US" dirty="0"/>
+              <a:t>事件处理机制的核心。</a:t>
+            </a:r>
+            <a:r>
+              <a:rPr lang="en-US" altLang="zh-CN" dirty="0" err="1"/>
+              <a:t>SmartSquare</a:t>
+            </a:r>
+            <a:r>
+              <a:rPr lang="zh-CN" altLang="en-US" dirty="0"/>
+              <a:t>（观察者）向事件源（如按钮本身）注册自己。当鼠标点击事件发生时，事件源会通知所有注册的观察者，并调用它们的回调方法（如 </a:t>
+            </a:r>
+            <a:r>
+              <a:rPr lang="en-US" altLang="zh-CN" dirty="0" err="1"/>
+              <a:t>mouseClicked</a:t>
+            </a:r>
+            <a:r>
+              <a:rPr lang="en-US" altLang="zh-CN" dirty="0"/>
+              <a:t>()</a:t>
+            </a:r>
+            <a:r>
+              <a:rPr lang="zh-CN" altLang="en-US" dirty="0"/>
+              <a:t>）。这实现了事件源和事件处理者之间的解耦。</a:t>
+            </a:r>
+          </a:p>
+          <a:p>
+            <a:endParaRPr lang="zh-CN" altLang="en-US" dirty="0"/>
+          </a:p>
+        </p:txBody>
+      </p:sp>
+      <p:pic>
+        <p:nvPicPr>
+          <p:cNvPr id="4" name="图片 3">
+            <a:extLst>
+              <a:ext uri="{FF2B5EF4-FFF2-40B4-BE49-F238E27FC236}">
+                <a16:creationId xmlns:a16="http://schemas.microsoft.com/office/drawing/2014/main" id="{A078B937-4094-E497-13A2-36D48A4FFAD4}"/>
+              </a:ext>
+            </a:extLst>
+          </p:cNvPr>
+          <p:cNvPicPr>
+            <a:picLocks noChangeAspect="1"/>
+          </p:cNvPicPr>
+          <p:nvPr/>
+        </p:nvPicPr>
+        <p:blipFill>
+          <a:blip r:embed="rId2"/>
+          <a:stretch>
+            <a:fillRect/>
+          </a:stretch>
+        </p:blipFill>
+        <p:spPr>
+          <a:xfrm>
+            <a:off x="8199159" y="0"/>
+            <a:ext cx="3589173" cy="6858000"/>
+          </a:xfrm>
+          <a:prstGeom prst="rect">
+            <a:avLst/>
+          </a:prstGeom>
+        </p:spPr>
+      </p:pic>
+    </p:spTree>
+    <p:extLst>
+      <p:ext uri="{BB962C8B-B14F-4D97-AF65-F5344CB8AC3E}">
+        <p14:creationId xmlns:p14="http://schemas.microsoft.com/office/powerpoint/2010/main" val="2336585099"/>
+      </p:ext>
+    </p:extLst>
+  </p:cSld>
+  <p:clrMapOvr>
+    <a:masterClrMapping/>
+  </p:clrMapOvr>
+</p:sld>
+</file>
+
+<file path=ppt/slides/slide11.xml><?xml version="1.0" encoding="utf-8"?>
+<p:sld xmlns:a="http://schemas.openxmlformats.org/drawingml/2006/main" xmlns:r="http://schemas.openxmlformats.org/officeDocument/2006/relationships" xmlns:p="http://schemas.openxmlformats.org/presentationml/2006/main">
+  <p:cSld>
+    <p:spTree>
+      <p:nvGrpSpPr>
+        <p:cNvPr id="1" name=""/>
+        <p:cNvGrpSpPr/>
+        <p:nvPr/>
+      </p:nvGrpSpPr>
+      <p:grpSpPr>
+        <a:xfrm>
+          <a:off x="0" y="0"/>
+          <a:ext cx="0" cy="0"/>
+          <a:chOff x="0" y="0"/>
+          <a:chExt cx="0" cy="0"/>
+        </a:xfrm>
+      </p:grpSpPr>
+      <p:sp>
+        <p:nvSpPr>
           <p:cNvPr id="2" name="标题 1">
             <a:extLst>
               <a:ext uri="{FF2B5EF4-FFF2-40B4-BE49-F238E27FC236}">
@@ -3690,7 +3875,7 @@
 </p:sld>
 </file>
 
-<file path=ppt/slides/slide11.xml><?xml version="1.0" encoding="utf-8"?>
+<file path=ppt/slides/slide12.xml><?xml version="1.0" encoding="utf-8"?>
 <p:sld xmlns:a="http://schemas.openxmlformats.org/drawingml/2006/main" xmlns:r="http://schemas.openxmlformats.org/officeDocument/2006/relationships" xmlns:p="http://schemas.openxmlformats.org/presentationml/2006/main">
   <p:cSld>
     <p:spTree>
@@ -5067,7 +5252,7 @@
           <p:cNvPr id="2" name="标题 1">
             <a:extLst>
               <a:ext uri="{FF2B5EF4-FFF2-40B4-BE49-F238E27FC236}">
-                <a16:creationId xmlns:a16="http://schemas.microsoft.com/office/drawing/2014/main" id="{87DE6276-FDF9-6E89-132E-5D08E20EE67C}"/>
+                <a16:creationId xmlns:a16="http://schemas.microsoft.com/office/drawing/2014/main" id="{076A25A8-4573-C01E-A498-D53BCF27D2C7}"/>
               </a:ext>
             </a:extLst>
           </p:cNvPr>
@@ -5085,258 +5270,275 @@
           <a:p>
             <a:r>
               <a:rPr lang="zh-CN" altLang="en-US" dirty="0"/>
-              <a:t>主要设计模式</a:t>
-            </a:r>
-          </a:p>
-        </p:txBody>
-      </p:sp>
-      <p:sp>
-        <p:nvSpPr>
-          <p:cNvPr id="3" name="内容占位符 2">
-            <a:extLst>
-              <a:ext uri="{FF2B5EF4-FFF2-40B4-BE49-F238E27FC236}">
-                <a16:creationId xmlns:a16="http://schemas.microsoft.com/office/drawing/2014/main" id="{E8D8274A-C9CB-EF2A-06B5-6CC6A4430165}"/>
-              </a:ext>
-            </a:extLst>
-          </p:cNvPr>
-          <p:cNvSpPr>
-            <a:spLocks noGrp="1"/>
-          </p:cNvSpPr>
-          <p:nvPr>
-            <p:ph idx="1"/>
-          </p:nvPr>
-        </p:nvSpPr>
-        <p:spPr/>
-        <p:txBody>
-          <a:bodyPr>
-            <a:normAutofit fontScale="85000" lnSpcReduction="20000"/>
+              <a:t>主要界面</a:t>
+            </a:r>
+          </a:p>
+        </p:txBody>
+      </p:sp>
+      <p:sp>
+        <p:nvSpPr>
+          <p:cNvPr id="5" name="文本框 4">
+            <a:extLst>
+              <a:ext uri="{FF2B5EF4-FFF2-40B4-BE49-F238E27FC236}">
+                <a16:creationId xmlns:a16="http://schemas.microsoft.com/office/drawing/2014/main" id="{6360A07D-6122-7D63-CA0F-FCFE0B7D5536}"/>
+              </a:ext>
+            </a:extLst>
+          </p:cNvPr>
+          <p:cNvSpPr txBox="1"/>
+          <p:nvPr/>
+        </p:nvSpPr>
+        <p:spPr>
+          <a:xfrm>
+            <a:off x="357996" y="5578824"/>
+            <a:ext cx="1112805" cy="369332"/>
+          </a:xfrm>
+          <a:prstGeom prst="rect">
+            <a:avLst/>
+          </a:prstGeom>
+          <a:noFill/>
+        </p:spPr>
+        <p:txBody>
+          <a:bodyPr wrap="none" rtlCol="0">
+            <a:spAutoFit/>
           </a:bodyPr>
           <a:lstStyle/>
           <a:p>
-            <a:pPr marL="0" indent="0">
-              <a:buNone/>
-            </a:pPr>
-            <a:r>
-              <a:rPr lang="zh-CN" altLang="en-US" b="1" dirty="0"/>
-              <a:t>模板方法模式 </a:t>
-            </a:r>
-            <a:endParaRPr lang="en-US" altLang="zh-CN" b="1" dirty="0"/>
-          </a:p>
-          <a:p>
-            <a:pPr marL="0" indent="0">
-              <a:buNone/>
-            </a:pPr>
-            <a:r>
-              <a:rPr lang="zh-CN" altLang="en-US" dirty="0"/>
-              <a:t>体现</a:t>
-            </a:r>
-            <a:r>
-              <a:rPr lang="en-US" altLang="zh-CN" dirty="0"/>
-              <a:t>: </a:t>
-            </a:r>
-            <a:r>
-              <a:rPr lang="en-US" altLang="zh-CN" dirty="0" err="1"/>
-              <a:t>GameSquare</a:t>
-            </a:r>
-            <a:r>
-              <a:rPr lang="en-US" altLang="zh-CN" dirty="0"/>
-              <a:t> </a:t>
-            </a:r>
-            <a:r>
-              <a:rPr lang="zh-CN" altLang="en-US" dirty="0"/>
-              <a:t>和 </a:t>
-            </a:r>
-            <a:r>
-              <a:rPr lang="en-US" altLang="zh-CN" dirty="0"/>
-              <a:t>Bomb </a:t>
-            </a:r>
-            <a:r>
-              <a:rPr lang="zh-CN" altLang="en-US" dirty="0"/>
-              <a:t>这两个抽象类体现了此模式。</a:t>
-            </a:r>
-          </a:p>
-          <a:p>
-            <a:pPr marL="0" indent="0">
-              <a:buNone/>
-            </a:pPr>
-            <a:r>
-              <a:rPr lang="zh-CN" altLang="en-US" dirty="0"/>
-              <a:t>说明</a:t>
-            </a:r>
-            <a:r>
-              <a:rPr lang="en-US" altLang="zh-CN" dirty="0"/>
-              <a:t>:</a:t>
-            </a:r>
-            <a:r>
-              <a:rPr lang="en-US" altLang="zh-CN" dirty="0" err="1"/>
-              <a:t>GameSquare</a:t>
-            </a:r>
-            <a:r>
-              <a:rPr lang="en-US" altLang="zh-CN" dirty="0"/>
-              <a:t> </a:t>
-            </a:r>
-            <a:r>
-              <a:rPr lang="zh-CN" altLang="en-US" dirty="0"/>
-              <a:t>定义了 </a:t>
-            </a:r>
-            <a:r>
-              <a:rPr lang="en-US" altLang="zh-CN" dirty="0"/>
-              <a:t>clicked() </a:t>
-            </a:r>
-            <a:r>
-              <a:rPr lang="zh-CN" altLang="en-US" dirty="0"/>
-              <a:t>这个抽象方法，但具体的实现延迟到子类 </a:t>
-            </a:r>
-            <a:r>
-              <a:rPr lang="en-US" altLang="zh-CN" dirty="0" err="1"/>
-              <a:t>SmartSquare</a:t>
-            </a:r>
-            <a:r>
-              <a:rPr lang="en-US" altLang="zh-CN" dirty="0"/>
-              <a:t> </a:t>
-            </a:r>
-            <a:r>
-              <a:rPr lang="zh-CN" altLang="en-US" dirty="0"/>
-              <a:t>中。父类定义了操作的骨架，而子类负责实现具体的步骤。同样，</a:t>
-            </a:r>
-            <a:r>
-              <a:rPr lang="en-US" altLang="zh-CN" dirty="0"/>
-              <a:t>Bomb </a:t>
-            </a:r>
-            <a:r>
-              <a:rPr lang="zh-CN" altLang="en-US" dirty="0"/>
-              <a:t>类在其构造函数中需要一个布雷的行为，它定义了抽象的 </a:t>
-            </a:r>
-            <a:r>
-              <a:rPr lang="en-US" altLang="zh-CN" dirty="0" err="1"/>
-              <a:t>reproduceBomb</a:t>
-            </a:r>
-            <a:r>
-              <a:rPr lang="en-US" altLang="zh-CN" dirty="0"/>
-              <a:t>() </a:t>
-            </a:r>
-            <a:r>
-              <a:rPr lang="zh-CN" altLang="en-US" dirty="0"/>
-              <a:t>方法，由子类 </a:t>
-            </a:r>
-            <a:r>
-              <a:rPr lang="en-US" altLang="zh-CN" dirty="0" err="1"/>
-              <a:t>ProduceBombs</a:t>
-            </a:r>
-            <a:r>
-              <a:rPr lang="en-US" altLang="zh-CN" dirty="0"/>
-              <a:t> </a:t>
-            </a:r>
-            <a:r>
-              <a:rPr lang="zh-CN" altLang="en-US" dirty="0"/>
-              <a:t>提供具体实现。</a:t>
-            </a:r>
-            <a:endParaRPr lang="en-US" altLang="zh-CN" dirty="0"/>
-          </a:p>
-          <a:p>
-            <a:pPr marL="0" indent="0">
-              <a:buNone/>
-            </a:pPr>
-            <a:endParaRPr lang="zh-CN" altLang="en-US" dirty="0"/>
-          </a:p>
-          <a:p>
-            <a:pPr marL="0" indent="0">
-              <a:buNone/>
-            </a:pPr>
-            <a:r>
-              <a:rPr lang="zh-CN" altLang="en-US" b="1" dirty="0"/>
-              <a:t>观察者模式 </a:t>
-            </a:r>
-            <a:endParaRPr lang="en-US" altLang="zh-CN" b="1" dirty="0"/>
-          </a:p>
-          <a:p>
-            <a:pPr marL="0" indent="0">
-              <a:buNone/>
-            </a:pPr>
-            <a:r>
-              <a:rPr lang="zh-CN" altLang="en-US" dirty="0"/>
-              <a:t>体现</a:t>
-            </a:r>
-            <a:r>
-              <a:rPr lang="en-US" altLang="zh-CN" dirty="0"/>
-              <a:t>: </a:t>
-            </a:r>
-            <a:r>
-              <a:rPr lang="en-US" altLang="zh-CN" dirty="0" err="1"/>
-              <a:t>SmartSquare</a:t>
-            </a:r>
-            <a:r>
-              <a:rPr lang="en-US" altLang="zh-CN" dirty="0"/>
-              <a:t> </a:t>
-            </a:r>
-            <a:r>
-              <a:rPr lang="zh-CN" altLang="en-US" dirty="0"/>
-              <a:t>类实现了 </a:t>
-            </a:r>
-            <a:r>
-              <a:rPr lang="en-US" altLang="zh-CN" dirty="0" err="1"/>
-              <a:t>MouseListener</a:t>
-            </a:r>
-            <a:r>
-              <a:rPr lang="en-US" altLang="zh-CN" dirty="0"/>
-              <a:t> </a:t>
-            </a:r>
-            <a:r>
-              <a:rPr lang="zh-CN" altLang="en-US" dirty="0"/>
-              <a:t>接口。</a:t>
-            </a:r>
-          </a:p>
-          <a:p>
-            <a:pPr marL="0" indent="0">
-              <a:buNone/>
-            </a:pPr>
-            <a:r>
-              <a:rPr lang="zh-CN" altLang="en-US" dirty="0"/>
-              <a:t>说明</a:t>
-            </a:r>
-            <a:r>
-              <a:rPr lang="en-US" altLang="zh-CN" dirty="0"/>
-              <a:t>: </a:t>
-            </a:r>
-            <a:r>
-              <a:rPr lang="zh-CN" altLang="en-US" dirty="0"/>
-              <a:t>这是</a:t>
-            </a:r>
-            <a:r>
-              <a:rPr lang="en-US" altLang="zh-CN" dirty="0"/>
-              <a:t>Java Swing</a:t>
-            </a:r>
-            <a:r>
-              <a:rPr lang="zh-CN" altLang="en-US" dirty="0"/>
-              <a:t>事件处理机制的核心。</a:t>
-            </a:r>
-            <a:r>
-              <a:rPr lang="en-US" altLang="zh-CN" dirty="0" err="1"/>
-              <a:t>SmartSquare</a:t>
-            </a:r>
-            <a:r>
-              <a:rPr lang="zh-CN" altLang="en-US" dirty="0"/>
-              <a:t>（观察者）向事件源（如按钮本身）注册自己。当鼠标点击事件发生时，事件源会通知所有注册的观察者，并调用它们的回调方法（如 </a:t>
-            </a:r>
-            <a:r>
-              <a:rPr lang="en-US" altLang="zh-CN" dirty="0" err="1"/>
-              <a:t>mouseClicked</a:t>
-            </a:r>
-            <a:r>
-              <a:rPr lang="en-US" altLang="zh-CN" dirty="0"/>
-              <a:t>()</a:t>
-            </a:r>
-            <a:r>
-              <a:rPr lang="zh-CN" altLang="en-US" dirty="0"/>
-              <a:t>）。这实现了事件源和事件处理者之间的解耦。</a:t>
-            </a:r>
-          </a:p>
-        </p:txBody>
-      </p:sp>
+            <a:r>
+              <a:rPr lang="zh-CN" altLang="en-US" dirty="0"/>
+              <a:t>开始界面</a:t>
+            </a:r>
+          </a:p>
+        </p:txBody>
+      </p:sp>
+      <p:pic>
+        <p:nvPicPr>
+          <p:cNvPr id="8" name="图片 7">
+            <a:extLst>
+              <a:ext uri="{FF2B5EF4-FFF2-40B4-BE49-F238E27FC236}">
+                <a16:creationId xmlns:a16="http://schemas.microsoft.com/office/drawing/2014/main" id="{475251DC-7860-6267-5D12-5A6A3BACBBBC}"/>
+              </a:ext>
+            </a:extLst>
+          </p:cNvPr>
+          <p:cNvPicPr>
+            <a:picLocks noChangeAspect="1"/>
+          </p:cNvPicPr>
+          <p:nvPr/>
+        </p:nvPicPr>
+        <p:blipFill>
+          <a:blip r:embed="rId2"/>
+          <a:stretch>
+            <a:fillRect/>
+          </a:stretch>
+        </p:blipFill>
+        <p:spPr>
+          <a:xfrm>
+            <a:off x="0" y="2328952"/>
+            <a:ext cx="2210420" cy="3153215"/>
+          </a:xfrm>
+          <a:prstGeom prst="rect">
+            <a:avLst/>
+          </a:prstGeom>
+        </p:spPr>
+      </p:pic>
+      <p:pic>
+        <p:nvPicPr>
+          <p:cNvPr id="9" name="图片 8">
+            <a:extLst>
+              <a:ext uri="{FF2B5EF4-FFF2-40B4-BE49-F238E27FC236}">
+                <a16:creationId xmlns:a16="http://schemas.microsoft.com/office/drawing/2014/main" id="{1116C28A-B86E-B95B-5059-AA3629047719}"/>
+              </a:ext>
+            </a:extLst>
+          </p:cNvPr>
+          <p:cNvPicPr>
+            <a:picLocks noChangeAspect="1"/>
+          </p:cNvPicPr>
+          <p:nvPr/>
+        </p:nvPicPr>
+        <p:blipFill>
+          <a:blip r:embed="rId3"/>
+          <a:stretch>
+            <a:fillRect/>
+          </a:stretch>
+        </p:blipFill>
+        <p:spPr>
+          <a:xfrm>
+            <a:off x="2210420" y="2623127"/>
+            <a:ext cx="2851665" cy="2860306"/>
+          </a:xfrm>
+          <a:prstGeom prst="rect">
+            <a:avLst/>
+          </a:prstGeom>
+        </p:spPr>
+      </p:pic>
+      <p:sp>
+        <p:nvSpPr>
+          <p:cNvPr id="10" name="文本框 9">
+            <a:extLst>
+              <a:ext uri="{FF2B5EF4-FFF2-40B4-BE49-F238E27FC236}">
+                <a16:creationId xmlns:a16="http://schemas.microsoft.com/office/drawing/2014/main" id="{EDE38928-859C-8F34-C325-2F40BF511378}"/>
+              </a:ext>
+            </a:extLst>
+          </p:cNvPr>
+          <p:cNvSpPr txBox="1"/>
+          <p:nvPr/>
+        </p:nvSpPr>
+        <p:spPr>
+          <a:xfrm>
+            <a:off x="2780512" y="5661950"/>
+            <a:ext cx="1107996" cy="369332"/>
+          </a:xfrm>
+          <a:prstGeom prst="rect">
+            <a:avLst/>
+          </a:prstGeom>
+          <a:noFill/>
+        </p:spPr>
+        <p:txBody>
+          <a:bodyPr wrap="none" rtlCol="0">
+            <a:spAutoFit/>
+          </a:bodyPr>
+          <a:lstStyle/>
+          <a:p>
+            <a:r>
+              <a:rPr lang="zh-CN" altLang="en-US" dirty="0"/>
+              <a:t>游戏界面</a:t>
+            </a:r>
+          </a:p>
+        </p:txBody>
+      </p:sp>
+      <p:sp>
+        <p:nvSpPr>
+          <p:cNvPr id="12" name="文本框 11">
+            <a:extLst>
+              <a:ext uri="{FF2B5EF4-FFF2-40B4-BE49-F238E27FC236}">
+                <a16:creationId xmlns:a16="http://schemas.microsoft.com/office/drawing/2014/main" id="{8702486A-33DF-F26B-701D-18FCB0124C42}"/>
+              </a:ext>
+            </a:extLst>
+          </p:cNvPr>
+          <p:cNvSpPr txBox="1"/>
+          <p:nvPr/>
+        </p:nvSpPr>
+        <p:spPr>
+          <a:xfrm>
+            <a:off x="5929193" y="5738684"/>
+            <a:ext cx="1107996" cy="369332"/>
+          </a:xfrm>
+          <a:prstGeom prst="rect">
+            <a:avLst/>
+          </a:prstGeom>
+          <a:noFill/>
+        </p:spPr>
+        <p:txBody>
+          <a:bodyPr wrap="none" rtlCol="0">
+            <a:spAutoFit/>
+          </a:bodyPr>
+          <a:lstStyle/>
+          <a:p>
+            <a:r>
+              <a:rPr lang="zh-CN" altLang="en-US" dirty="0"/>
+              <a:t>失败界面</a:t>
+            </a:r>
+          </a:p>
+        </p:txBody>
+      </p:sp>
+      <p:pic>
+        <p:nvPicPr>
+          <p:cNvPr id="14" name="图片 13">
+            <a:extLst>
+              <a:ext uri="{FF2B5EF4-FFF2-40B4-BE49-F238E27FC236}">
+                <a16:creationId xmlns:a16="http://schemas.microsoft.com/office/drawing/2014/main" id="{3BCF29C4-FF04-2710-5959-80A829D8D20E}"/>
+              </a:ext>
+            </a:extLst>
+          </p:cNvPr>
+          <p:cNvPicPr>
+            <a:picLocks noChangeAspect="1"/>
+          </p:cNvPicPr>
+          <p:nvPr/>
+        </p:nvPicPr>
+        <p:blipFill>
+          <a:blip r:embed="rId4"/>
+          <a:stretch>
+            <a:fillRect/>
+          </a:stretch>
+        </p:blipFill>
+        <p:spPr>
+          <a:xfrm>
+            <a:off x="4976291" y="2638109"/>
+            <a:ext cx="2818280" cy="2844057"/>
+          </a:xfrm>
+          <a:prstGeom prst="rect">
+            <a:avLst/>
+          </a:prstGeom>
+        </p:spPr>
+      </p:pic>
+      <p:sp>
+        <p:nvSpPr>
+          <p:cNvPr id="18" name="文本框 17">
+            <a:extLst>
+              <a:ext uri="{FF2B5EF4-FFF2-40B4-BE49-F238E27FC236}">
+                <a16:creationId xmlns:a16="http://schemas.microsoft.com/office/drawing/2014/main" id="{3ED560CD-BF28-A872-D378-6F2F77C0ED80}"/>
+              </a:ext>
+            </a:extLst>
+          </p:cNvPr>
+          <p:cNvSpPr txBox="1"/>
+          <p:nvPr/>
+        </p:nvSpPr>
+        <p:spPr>
+          <a:xfrm>
+            <a:off x="9934084" y="5714142"/>
+            <a:ext cx="1107996" cy="369332"/>
+          </a:xfrm>
+          <a:prstGeom prst="rect">
+            <a:avLst/>
+          </a:prstGeom>
+          <a:noFill/>
+        </p:spPr>
+        <p:txBody>
+          <a:bodyPr wrap="none" rtlCol="0">
+            <a:spAutoFit/>
+          </a:bodyPr>
+          <a:lstStyle/>
+          <a:p>
+            <a:r>
+              <a:rPr lang="zh-CN" altLang="en-US" dirty="0"/>
+              <a:t>胜利界面</a:t>
+            </a:r>
+          </a:p>
+        </p:txBody>
+      </p:sp>
+      <p:pic>
+        <p:nvPicPr>
+          <p:cNvPr id="3" name="图片 2">
+            <a:extLst>
+              <a:ext uri="{FF2B5EF4-FFF2-40B4-BE49-F238E27FC236}">
+                <a16:creationId xmlns:a16="http://schemas.microsoft.com/office/drawing/2014/main" id="{08810751-E62D-223F-03DA-0F6F4916DDA1}"/>
+              </a:ext>
+            </a:extLst>
+          </p:cNvPr>
+          <p:cNvPicPr>
+            <a:picLocks noChangeAspect="1"/>
+          </p:cNvPicPr>
+          <p:nvPr/>
+        </p:nvPicPr>
+        <p:blipFill>
+          <a:blip r:embed="rId5"/>
+          <a:stretch>
+            <a:fillRect/>
+          </a:stretch>
+        </p:blipFill>
+        <p:spPr>
+          <a:xfrm>
+            <a:off x="7887568" y="1182255"/>
+            <a:ext cx="4304432" cy="4479695"/>
+          </a:xfrm>
+          <a:prstGeom prst="rect">
+            <a:avLst/>
+          </a:prstGeom>
+        </p:spPr>
+      </p:pic>
     </p:spTree>
     <p:extLst>
       <p:ext uri="{BB962C8B-B14F-4D97-AF65-F5344CB8AC3E}">
-        <p14:creationId xmlns:p14="http://schemas.microsoft.com/office/powerpoint/2010/main" val="3435523463"/>
+        <p14:creationId xmlns:p14="http://schemas.microsoft.com/office/powerpoint/2010/main" val="591978579"/>
       </p:ext>
     </p:extLst>
   </p:cSld>
@@ -5368,7 +5570,7 @@
           <p:cNvPr id="2" name="标题 1">
             <a:extLst>
               <a:ext uri="{FF2B5EF4-FFF2-40B4-BE49-F238E27FC236}">
-                <a16:creationId xmlns:a16="http://schemas.microsoft.com/office/drawing/2014/main" id="{076A25A8-4573-C01E-A498-D53BCF27D2C7}"/>
+                <a16:creationId xmlns:a16="http://schemas.microsoft.com/office/drawing/2014/main" id="{87DE6276-FDF9-6E89-132E-5D08E20EE67C}"/>
               </a:ext>
             </a:extLst>
           </p:cNvPr>
@@ -5386,52 +5588,173 @@
           <a:p>
             <a:r>
               <a:rPr lang="zh-CN" altLang="en-US" dirty="0"/>
-              <a:t>主要界面</a:t>
-            </a:r>
-          </a:p>
-        </p:txBody>
-      </p:sp>
-      <p:sp>
-        <p:nvSpPr>
-          <p:cNvPr id="5" name="文本框 4">
-            <a:extLst>
-              <a:ext uri="{FF2B5EF4-FFF2-40B4-BE49-F238E27FC236}">
-                <a16:creationId xmlns:a16="http://schemas.microsoft.com/office/drawing/2014/main" id="{6360A07D-6122-7D63-CA0F-FCFE0B7D5536}"/>
-              </a:ext>
-            </a:extLst>
-          </p:cNvPr>
-          <p:cNvSpPr txBox="1"/>
-          <p:nvPr/>
+              <a:t>主要设计模式</a:t>
+            </a:r>
+          </a:p>
+        </p:txBody>
+      </p:sp>
+      <p:sp>
+        <p:nvSpPr>
+          <p:cNvPr id="3" name="内容占位符 2">
+            <a:extLst>
+              <a:ext uri="{FF2B5EF4-FFF2-40B4-BE49-F238E27FC236}">
+                <a16:creationId xmlns:a16="http://schemas.microsoft.com/office/drawing/2014/main" id="{E8D8274A-C9CB-EF2A-06B5-6CC6A4430165}"/>
+              </a:ext>
+            </a:extLst>
+          </p:cNvPr>
+          <p:cNvSpPr>
+            <a:spLocks noGrp="1"/>
+          </p:cNvSpPr>
+          <p:nvPr>
+            <p:ph idx="1"/>
+          </p:nvPr>
         </p:nvSpPr>
         <p:spPr>
           <a:xfrm>
-            <a:off x="357996" y="5578824"/>
-            <a:ext cx="1112805" cy="369332"/>
+            <a:off x="838200" y="1825625"/>
+            <a:ext cx="5229225" cy="4351338"/>
           </a:xfrm>
-          <a:prstGeom prst="rect">
-            <a:avLst/>
-          </a:prstGeom>
-          <a:noFill/>
         </p:spPr>
         <p:txBody>
-          <a:bodyPr wrap="none" rtlCol="0">
-            <a:spAutoFit/>
+          <a:bodyPr>
+            <a:normAutofit fontScale="92500" lnSpcReduction="10000"/>
           </a:bodyPr>
           <a:lstStyle/>
           <a:p>
-            <a:r>
-              <a:rPr lang="zh-CN" altLang="en-US" dirty="0"/>
-              <a:t>开始界面</a:t>
-            </a:r>
+            <a:pPr marL="0" indent="0">
+              <a:buNone/>
+            </a:pPr>
+            <a:r>
+              <a:rPr lang="zh-CN" altLang="en-US" b="1" dirty="0"/>
+              <a:t>模板方法模式 </a:t>
+            </a:r>
+            <a:endParaRPr lang="en-US" altLang="zh-CN" b="1" dirty="0"/>
+          </a:p>
+          <a:p>
+            <a:pPr marL="0" indent="0">
+              <a:buNone/>
+            </a:pPr>
+            <a:r>
+              <a:rPr lang="zh-CN" altLang="en-US" dirty="0"/>
+              <a:t>体现</a:t>
+            </a:r>
+            <a:r>
+              <a:rPr lang="en-US" altLang="zh-CN" dirty="0"/>
+              <a:t>: </a:t>
+            </a:r>
+            <a:r>
+              <a:rPr lang="en-US" altLang="zh-CN" dirty="0" err="1"/>
+              <a:t>GameSquare</a:t>
+            </a:r>
+            <a:r>
+              <a:rPr lang="en-US" altLang="zh-CN" dirty="0"/>
+              <a:t> </a:t>
+            </a:r>
+            <a:r>
+              <a:rPr lang="zh-CN" altLang="en-US" dirty="0"/>
+              <a:t>和 </a:t>
+            </a:r>
+            <a:r>
+              <a:rPr lang="en-US" altLang="zh-CN" dirty="0"/>
+              <a:t>Bomb </a:t>
+            </a:r>
+            <a:r>
+              <a:rPr lang="zh-CN" altLang="en-US" dirty="0"/>
+              <a:t>这两个抽象类体现了此模式。</a:t>
+            </a:r>
+          </a:p>
+          <a:p>
+            <a:pPr marL="0" indent="0">
+              <a:buNone/>
+            </a:pPr>
+            <a:r>
+              <a:rPr lang="zh-CN" altLang="en-US" dirty="0"/>
+              <a:t>说明</a:t>
+            </a:r>
+            <a:r>
+              <a:rPr lang="en-US" altLang="zh-CN" dirty="0"/>
+              <a:t>:</a:t>
+            </a:r>
+            <a:r>
+              <a:rPr lang="en-US" altLang="zh-CN" dirty="0" err="1"/>
+              <a:t>GameSquare</a:t>
+            </a:r>
+            <a:r>
+              <a:rPr lang="en-US" altLang="zh-CN" dirty="0"/>
+              <a:t> </a:t>
+            </a:r>
+            <a:r>
+              <a:rPr lang="zh-CN" altLang="en-US" dirty="0"/>
+              <a:t>定义了 </a:t>
+            </a:r>
+            <a:r>
+              <a:rPr lang="en-US" altLang="zh-CN" dirty="0"/>
+              <a:t>clicked() </a:t>
+            </a:r>
+            <a:r>
+              <a:rPr lang="zh-CN" altLang="en-US" dirty="0"/>
+              <a:t>这个抽象方法，但具体的实现延迟到子类 </a:t>
+            </a:r>
+            <a:r>
+              <a:rPr lang="en-US" altLang="zh-CN" dirty="0" err="1"/>
+              <a:t>SmartSquare</a:t>
+            </a:r>
+            <a:r>
+              <a:rPr lang="en-US" altLang="zh-CN" dirty="0"/>
+              <a:t> </a:t>
+            </a:r>
+            <a:r>
+              <a:rPr lang="zh-CN" altLang="en-US" dirty="0"/>
+              <a:t>中。父类定义了操作的骨架，而子类负责实现具体的步骤。同样，</a:t>
+            </a:r>
+            <a:r>
+              <a:rPr lang="en-US" altLang="zh-CN" dirty="0"/>
+              <a:t>Bomb </a:t>
+            </a:r>
+            <a:r>
+              <a:rPr lang="zh-CN" altLang="en-US" dirty="0"/>
+              <a:t>类在其构造函数中需要一个布雷的行为，它定义了抽象的 </a:t>
+            </a:r>
+            <a:r>
+              <a:rPr lang="en-US" altLang="zh-CN" dirty="0" err="1"/>
+              <a:t>reproduceBomb</a:t>
+            </a:r>
+            <a:r>
+              <a:rPr lang="en-US" altLang="zh-CN" dirty="0"/>
+              <a:t>() </a:t>
+            </a:r>
+            <a:r>
+              <a:rPr lang="zh-CN" altLang="en-US" dirty="0"/>
+              <a:t>方法，由子类 </a:t>
+            </a:r>
+            <a:r>
+              <a:rPr lang="en-US" altLang="zh-CN" dirty="0" err="1"/>
+              <a:t>ProduceBombs</a:t>
+            </a:r>
+            <a:r>
+              <a:rPr lang="en-US" altLang="zh-CN" dirty="0"/>
+              <a:t> </a:t>
+            </a:r>
+            <a:r>
+              <a:rPr lang="zh-CN" altLang="en-US" dirty="0"/>
+              <a:t>提供具体实现。</a:t>
+            </a:r>
+            <a:endParaRPr lang="en-US" altLang="zh-CN" dirty="0"/>
+          </a:p>
+          <a:p>
+            <a:pPr marL="0" indent="0">
+              <a:buNone/>
+            </a:pPr>
+            <a:endParaRPr lang="zh-CN" altLang="en-US" dirty="0"/>
           </a:p>
         </p:txBody>
       </p:sp>
       <p:pic>
         <p:nvPicPr>
-          <p:cNvPr id="8" name="图片 7">
-            <a:extLst>
-              <a:ext uri="{FF2B5EF4-FFF2-40B4-BE49-F238E27FC236}">
-                <a16:creationId xmlns:a16="http://schemas.microsoft.com/office/drawing/2014/main" id="{475251DC-7860-6267-5D12-5A6A3BACBBBC}"/>
+          <p:cNvPr id="4" name="图片 3">
+            <a:extLst>
+              <a:ext uri="{FF2B5EF4-FFF2-40B4-BE49-F238E27FC236}">
+                <a16:creationId xmlns:a16="http://schemas.microsoft.com/office/drawing/2014/main" id="{27F248FB-671F-9429-C3F4-9A7C9A9B6C1E}"/>
               </a:ext>
             </a:extLst>
           </p:cNvPr>
@@ -5448,203 +5771,8 @@
         </p:blipFill>
         <p:spPr>
           <a:xfrm>
-            <a:off x="0" y="2328952"/>
-            <a:ext cx="2210420" cy="3153215"/>
-          </a:xfrm>
-          <a:prstGeom prst="rect">
-            <a:avLst/>
-          </a:prstGeom>
-        </p:spPr>
-      </p:pic>
-      <p:pic>
-        <p:nvPicPr>
-          <p:cNvPr id="9" name="图片 8">
-            <a:extLst>
-              <a:ext uri="{FF2B5EF4-FFF2-40B4-BE49-F238E27FC236}">
-                <a16:creationId xmlns:a16="http://schemas.microsoft.com/office/drawing/2014/main" id="{1116C28A-B86E-B95B-5059-AA3629047719}"/>
-              </a:ext>
-            </a:extLst>
-          </p:cNvPr>
-          <p:cNvPicPr>
-            <a:picLocks noChangeAspect="1"/>
-          </p:cNvPicPr>
-          <p:nvPr/>
-        </p:nvPicPr>
-        <p:blipFill>
-          <a:blip r:embed="rId3"/>
-          <a:stretch>
-            <a:fillRect/>
-          </a:stretch>
-        </p:blipFill>
-        <p:spPr>
-          <a:xfrm>
-            <a:off x="2210420" y="2623127"/>
-            <a:ext cx="2851665" cy="2860306"/>
-          </a:xfrm>
-          <a:prstGeom prst="rect">
-            <a:avLst/>
-          </a:prstGeom>
-        </p:spPr>
-      </p:pic>
-      <p:sp>
-        <p:nvSpPr>
-          <p:cNvPr id="10" name="文本框 9">
-            <a:extLst>
-              <a:ext uri="{FF2B5EF4-FFF2-40B4-BE49-F238E27FC236}">
-                <a16:creationId xmlns:a16="http://schemas.microsoft.com/office/drawing/2014/main" id="{EDE38928-859C-8F34-C325-2F40BF511378}"/>
-              </a:ext>
-            </a:extLst>
-          </p:cNvPr>
-          <p:cNvSpPr txBox="1"/>
-          <p:nvPr/>
-        </p:nvSpPr>
-        <p:spPr>
-          <a:xfrm>
-            <a:off x="2780512" y="5661950"/>
-            <a:ext cx="1107996" cy="369332"/>
-          </a:xfrm>
-          <a:prstGeom prst="rect">
-            <a:avLst/>
-          </a:prstGeom>
-          <a:noFill/>
-        </p:spPr>
-        <p:txBody>
-          <a:bodyPr wrap="none" rtlCol="0">
-            <a:spAutoFit/>
-          </a:bodyPr>
-          <a:lstStyle/>
-          <a:p>
-            <a:r>
-              <a:rPr lang="zh-CN" altLang="en-US" dirty="0"/>
-              <a:t>游戏界面</a:t>
-            </a:r>
-          </a:p>
-        </p:txBody>
-      </p:sp>
-      <p:sp>
-        <p:nvSpPr>
-          <p:cNvPr id="12" name="文本框 11">
-            <a:extLst>
-              <a:ext uri="{FF2B5EF4-FFF2-40B4-BE49-F238E27FC236}">
-                <a16:creationId xmlns:a16="http://schemas.microsoft.com/office/drawing/2014/main" id="{8702486A-33DF-F26B-701D-18FCB0124C42}"/>
-              </a:ext>
-            </a:extLst>
-          </p:cNvPr>
-          <p:cNvSpPr txBox="1"/>
-          <p:nvPr/>
-        </p:nvSpPr>
-        <p:spPr>
-          <a:xfrm>
-            <a:off x="5929193" y="5738684"/>
-            <a:ext cx="1107996" cy="369332"/>
-          </a:xfrm>
-          <a:prstGeom prst="rect">
-            <a:avLst/>
-          </a:prstGeom>
-          <a:noFill/>
-        </p:spPr>
-        <p:txBody>
-          <a:bodyPr wrap="none" rtlCol="0">
-            <a:spAutoFit/>
-          </a:bodyPr>
-          <a:lstStyle/>
-          <a:p>
-            <a:r>
-              <a:rPr lang="zh-CN" altLang="en-US" dirty="0"/>
-              <a:t>失败界面</a:t>
-            </a:r>
-          </a:p>
-        </p:txBody>
-      </p:sp>
-      <p:pic>
-        <p:nvPicPr>
-          <p:cNvPr id="14" name="图片 13">
-            <a:extLst>
-              <a:ext uri="{FF2B5EF4-FFF2-40B4-BE49-F238E27FC236}">
-                <a16:creationId xmlns:a16="http://schemas.microsoft.com/office/drawing/2014/main" id="{3BCF29C4-FF04-2710-5959-80A829D8D20E}"/>
-              </a:ext>
-            </a:extLst>
-          </p:cNvPr>
-          <p:cNvPicPr>
-            <a:picLocks noChangeAspect="1"/>
-          </p:cNvPicPr>
-          <p:nvPr/>
-        </p:nvPicPr>
-        <p:blipFill>
-          <a:blip r:embed="rId4"/>
-          <a:stretch>
-            <a:fillRect/>
-          </a:stretch>
-        </p:blipFill>
-        <p:spPr>
-          <a:xfrm>
-            <a:off x="4976291" y="2638109"/>
-            <a:ext cx="2818280" cy="2844057"/>
-          </a:xfrm>
-          <a:prstGeom prst="rect">
-            <a:avLst/>
-          </a:prstGeom>
-        </p:spPr>
-      </p:pic>
-      <p:sp>
-        <p:nvSpPr>
-          <p:cNvPr id="18" name="文本框 17">
-            <a:extLst>
-              <a:ext uri="{FF2B5EF4-FFF2-40B4-BE49-F238E27FC236}">
-                <a16:creationId xmlns:a16="http://schemas.microsoft.com/office/drawing/2014/main" id="{3ED560CD-BF28-A872-D378-6F2F77C0ED80}"/>
-              </a:ext>
-            </a:extLst>
-          </p:cNvPr>
-          <p:cNvSpPr txBox="1"/>
-          <p:nvPr/>
-        </p:nvSpPr>
-        <p:spPr>
-          <a:xfrm>
-            <a:off x="9934084" y="5714142"/>
-            <a:ext cx="1107996" cy="369332"/>
-          </a:xfrm>
-          <a:prstGeom prst="rect">
-            <a:avLst/>
-          </a:prstGeom>
-          <a:noFill/>
-        </p:spPr>
-        <p:txBody>
-          <a:bodyPr wrap="none" rtlCol="0">
-            <a:spAutoFit/>
-          </a:bodyPr>
-          <a:lstStyle/>
-          <a:p>
-            <a:r>
-              <a:rPr lang="zh-CN" altLang="en-US" dirty="0"/>
-              <a:t>胜利界面</a:t>
-            </a:r>
-          </a:p>
-        </p:txBody>
-      </p:sp>
-      <p:pic>
-        <p:nvPicPr>
-          <p:cNvPr id="3" name="图片 2">
-            <a:extLst>
-              <a:ext uri="{FF2B5EF4-FFF2-40B4-BE49-F238E27FC236}">
-                <a16:creationId xmlns:a16="http://schemas.microsoft.com/office/drawing/2014/main" id="{08810751-E62D-223F-03DA-0F6F4916DDA1}"/>
-              </a:ext>
-            </a:extLst>
-          </p:cNvPr>
-          <p:cNvPicPr>
-            <a:picLocks noChangeAspect="1"/>
-          </p:cNvPicPr>
-          <p:nvPr/>
-        </p:nvPicPr>
-        <p:blipFill>
-          <a:blip r:embed="rId5"/>
-          <a:stretch>
-            <a:fillRect/>
-          </a:stretch>
-        </p:blipFill>
-        <p:spPr>
-          <a:xfrm>
-            <a:off x="7887568" y="1182255"/>
-            <a:ext cx="4304432" cy="4479695"/>
+            <a:off x="6483205" y="1690688"/>
+            <a:ext cx="5229225" cy="4324350"/>
           </a:xfrm>
           <a:prstGeom prst="rect">
             <a:avLst/>
@@ -5654,7 +5782,7 @@
     </p:spTree>
     <p:extLst>
       <p:ext uri="{BB962C8B-B14F-4D97-AF65-F5344CB8AC3E}">
-        <p14:creationId xmlns:p14="http://schemas.microsoft.com/office/powerpoint/2010/main" val="591978579"/>
+        <p14:creationId xmlns:p14="http://schemas.microsoft.com/office/powerpoint/2010/main" val="3435523463"/>
       </p:ext>
     </p:extLst>
   </p:cSld>

--- a/uml.pptx
+++ b/uml.pptx
@@ -270,7 +270,7 @@
           <a:p>
             <a:fld id="{49511754-73E3-4E6F-AF62-38683F8056B7}" type="datetimeFigureOut">
               <a:rPr lang="zh-CN" altLang="en-US" smtClean="0"/>
-              <a:t>2025/11/26</a:t>
+              <a:t>2025/11/27</a:t>
             </a:fld>
             <a:endParaRPr lang="zh-CN" altLang="en-US"/>
           </a:p>
@@ -468,7 +468,7 @@
           <a:p>
             <a:fld id="{49511754-73E3-4E6F-AF62-38683F8056B7}" type="datetimeFigureOut">
               <a:rPr lang="zh-CN" altLang="en-US" smtClean="0"/>
-              <a:t>2025/11/26</a:t>
+              <a:t>2025/11/27</a:t>
             </a:fld>
             <a:endParaRPr lang="zh-CN" altLang="en-US"/>
           </a:p>
@@ -676,7 +676,7 @@
           <a:p>
             <a:fld id="{49511754-73E3-4E6F-AF62-38683F8056B7}" type="datetimeFigureOut">
               <a:rPr lang="zh-CN" altLang="en-US" smtClean="0"/>
-              <a:t>2025/11/26</a:t>
+              <a:t>2025/11/27</a:t>
             </a:fld>
             <a:endParaRPr lang="zh-CN" altLang="en-US"/>
           </a:p>
@@ -874,7 +874,7 @@
           <a:p>
             <a:fld id="{49511754-73E3-4E6F-AF62-38683F8056B7}" type="datetimeFigureOut">
               <a:rPr lang="zh-CN" altLang="en-US" smtClean="0"/>
-              <a:t>2025/11/26</a:t>
+              <a:t>2025/11/27</a:t>
             </a:fld>
             <a:endParaRPr lang="zh-CN" altLang="en-US"/>
           </a:p>
@@ -1149,7 +1149,7 @@
           <a:p>
             <a:fld id="{49511754-73E3-4E6F-AF62-38683F8056B7}" type="datetimeFigureOut">
               <a:rPr lang="zh-CN" altLang="en-US" smtClean="0"/>
-              <a:t>2025/11/26</a:t>
+              <a:t>2025/11/27</a:t>
             </a:fld>
             <a:endParaRPr lang="zh-CN" altLang="en-US"/>
           </a:p>
@@ -1414,7 +1414,7 @@
           <a:p>
             <a:fld id="{49511754-73E3-4E6F-AF62-38683F8056B7}" type="datetimeFigureOut">
               <a:rPr lang="zh-CN" altLang="en-US" smtClean="0"/>
-              <a:t>2025/11/26</a:t>
+              <a:t>2025/11/27</a:t>
             </a:fld>
             <a:endParaRPr lang="zh-CN" altLang="en-US"/>
           </a:p>
@@ -1826,7 +1826,7 @@
           <a:p>
             <a:fld id="{49511754-73E3-4E6F-AF62-38683F8056B7}" type="datetimeFigureOut">
               <a:rPr lang="zh-CN" altLang="en-US" smtClean="0"/>
-              <a:t>2025/11/26</a:t>
+              <a:t>2025/11/27</a:t>
             </a:fld>
             <a:endParaRPr lang="zh-CN" altLang="en-US"/>
           </a:p>
@@ -1967,7 +1967,7 @@
           <a:p>
             <a:fld id="{49511754-73E3-4E6F-AF62-38683F8056B7}" type="datetimeFigureOut">
               <a:rPr lang="zh-CN" altLang="en-US" smtClean="0"/>
-              <a:t>2025/11/26</a:t>
+              <a:t>2025/11/27</a:t>
             </a:fld>
             <a:endParaRPr lang="zh-CN" altLang="en-US"/>
           </a:p>
@@ -2080,7 +2080,7 @@
           <a:p>
             <a:fld id="{49511754-73E3-4E6F-AF62-38683F8056B7}" type="datetimeFigureOut">
               <a:rPr lang="zh-CN" altLang="en-US" smtClean="0"/>
-              <a:t>2025/11/26</a:t>
+              <a:t>2025/11/27</a:t>
             </a:fld>
             <a:endParaRPr lang="zh-CN" altLang="en-US"/>
           </a:p>
@@ -2391,7 +2391,7 @@
           <a:p>
             <a:fld id="{49511754-73E3-4E6F-AF62-38683F8056B7}" type="datetimeFigureOut">
               <a:rPr lang="zh-CN" altLang="en-US" smtClean="0"/>
-              <a:t>2025/11/26</a:t>
+              <a:t>2025/11/27</a:t>
             </a:fld>
             <a:endParaRPr lang="zh-CN" altLang="en-US"/>
           </a:p>
@@ -2679,7 +2679,7 @@
           <a:p>
             <a:fld id="{49511754-73E3-4E6F-AF62-38683F8056B7}" type="datetimeFigureOut">
               <a:rPr lang="zh-CN" altLang="en-US" smtClean="0"/>
-              <a:t>2025/11/26</a:t>
+              <a:t>2025/11/27</a:t>
             </a:fld>
             <a:endParaRPr lang="zh-CN" altLang="en-US"/>
           </a:p>
@@ -2920,7 +2920,7 @@
           <a:p>
             <a:fld id="{49511754-73E3-4E6F-AF62-38683F8056B7}" type="datetimeFigureOut">
               <a:rPr lang="zh-CN" altLang="en-US" smtClean="0"/>
-              <a:t>2025/11/26</a:t>
+              <a:t>2025/11/27</a:t>
             </a:fld>
             <a:endParaRPr lang="zh-CN" altLang="en-US"/>
           </a:p>
@@ -3386,7 +3386,10 @@
           <a:bodyPr/>
           <a:lstStyle/>
           <a:p>
-            <a:endParaRPr lang="zh-CN" altLang="en-US"/>
+            <a:r>
+              <a:rPr lang="zh-CN" altLang="en-US" dirty="0"/>
+              <a:t>王志城 张鑫</a:t>
+            </a:r>
           </a:p>
         </p:txBody>
       </p:sp>

--- a/uml.pptx
+++ b/uml.pptx
@@ -6,7 +6,7 @@
     <p:sldMasterId id="2147483661" r:id="rId2"/>
   </p:sldMasterIdLst>
   <p:notesMasterIdLst>
-    <p:notesMasterId r:id="rId27"/>
+    <p:notesMasterId r:id="rId29"/>
   </p:notesMasterIdLst>
   <p:sldIdLst>
     <p:sldId id="256" r:id="rId3"/>
@@ -21,18 +21,20 @@
     <p:sldId id="281" r:id="rId12"/>
     <p:sldId id="283" r:id="rId13"/>
     <p:sldId id="276" r:id="rId14"/>
-    <p:sldId id="277" r:id="rId15"/>
-    <p:sldId id="263" r:id="rId16"/>
-    <p:sldId id="278" r:id="rId17"/>
-    <p:sldId id="264" r:id="rId18"/>
-    <p:sldId id="265" r:id="rId19"/>
-    <p:sldId id="279" r:id="rId20"/>
-    <p:sldId id="262" r:id="rId21"/>
-    <p:sldId id="261" r:id="rId22"/>
-    <p:sldId id="257" r:id="rId23"/>
-    <p:sldId id="258" r:id="rId24"/>
-    <p:sldId id="259" r:id="rId25"/>
-    <p:sldId id="260" r:id="rId26"/>
+    <p:sldId id="286" r:id="rId15"/>
+    <p:sldId id="287" r:id="rId16"/>
+    <p:sldId id="277" r:id="rId17"/>
+    <p:sldId id="263" r:id="rId18"/>
+    <p:sldId id="278" r:id="rId19"/>
+    <p:sldId id="264" r:id="rId20"/>
+    <p:sldId id="265" r:id="rId21"/>
+    <p:sldId id="279" r:id="rId22"/>
+    <p:sldId id="262" r:id="rId23"/>
+    <p:sldId id="261" r:id="rId24"/>
+    <p:sldId id="257" r:id="rId25"/>
+    <p:sldId id="258" r:id="rId26"/>
+    <p:sldId id="259" r:id="rId27"/>
+    <p:sldId id="260" r:id="rId28"/>
   </p:sldIdLst>
   <p:sldSz cx="12192000" cy="6858000"/>
   <p:notesSz cx="6858000" cy="9144000"/>
@@ -221,7 +223,7 @@
           <a:p>
             <a:fld id="{55EDAE95-B47A-40F4-B88B-3211CDD72963}" type="datetimeFigureOut">
               <a:rPr lang="zh-CN" altLang="en-US" smtClean="0"/>
-              <a:t>2025/11/27</a:t>
+              <a:t>2025/11/28</a:t>
             </a:fld>
             <a:endParaRPr lang="zh-CN" altLang="en-US"/>
           </a:p>
@@ -635,7 +637,7 @@
           <a:p>
             <a:fld id="{49511754-73E3-4E6F-AF62-38683F8056B7}" type="datetimeFigureOut">
               <a:rPr lang="zh-CN" altLang="en-US" smtClean="0"/>
-              <a:t>2025/11/27</a:t>
+              <a:t>2025/11/28</a:t>
             </a:fld>
             <a:endParaRPr lang="zh-CN" altLang="en-US"/>
           </a:p>
@@ -833,7 +835,7 @@
           <a:p>
             <a:fld id="{49511754-73E3-4E6F-AF62-38683F8056B7}" type="datetimeFigureOut">
               <a:rPr lang="zh-CN" altLang="en-US" smtClean="0"/>
-              <a:t>2025/11/27</a:t>
+              <a:t>2025/11/28</a:t>
             </a:fld>
             <a:endParaRPr lang="zh-CN" altLang="en-US"/>
           </a:p>
@@ -1041,7 +1043,7 @@
           <a:p>
             <a:fld id="{49511754-73E3-4E6F-AF62-38683F8056B7}" type="datetimeFigureOut">
               <a:rPr lang="zh-CN" altLang="en-US" smtClean="0"/>
-              <a:t>2025/11/27</a:t>
+              <a:t>2025/11/28</a:t>
             </a:fld>
             <a:endParaRPr lang="zh-CN" altLang="en-US"/>
           </a:p>
@@ -4801,7 +4803,7 @@
           <a:p>
             <a:fld id="{49511754-73E3-4E6F-AF62-38683F8056B7}" type="datetimeFigureOut">
               <a:rPr lang="zh-CN" altLang="en-US" smtClean="0"/>
-              <a:t>2025/11/27</a:t>
+              <a:t>2025/11/28</a:t>
             </a:fld>
             <a:endParaRPr lang="zh-CN" altLang="en-US"/>
           </a:p>
@@ -5076,7 +5078,7 @@
           <a:p>
             <a:fld id="{49511754-73E3-4E6F-AF62-38683F8056B7}" type="datetimeFigureOut">
               <a:rPr lang="zh-CN" altLang="en-US" smtClean="0"/>
-              <a:t>2025/11/27</a:t>
+              <a:t>2025/11/28</a:t>
             </a:fld>
             <a:endParaRPr lang="zh-CN" altLang="en-US"/>
           </a:p>
@@ -5341,7 +5343,7 @@
           <a:p>
             <a:fld id="{49511754-73E3-4E6F-AF62-38683F8056B7}" type="datetimeFigureOut">
               <a:rPr lang="zh-CN" altLang="en-US" smtClean="0"/>
-              <a:t>2025/11/27</a:t>
+              <a:t>2025/11/28</a:t>
             </a:fld>
             <a:endParaRPr lang="zh-CN" altLang="en-US"/>
           </a:p>
@@ -5753,7 +5755,7 @@
           <a:p>
             <a:fld id="{49511754-73E3-4E6F-AF62-38683F8056B7}" type="datetimeFigureOut">
               <a:rPr lang="zh-CN" altLang="en-US" smtClean="0"/>
-              <a:t>2025/11/27</a:t>
+              <a:t>2025/11/28</a:t>
             </a:fld>
             <a:endParaRPr lang="zh-CN" altLang="en-US"/>
           </a:p>
@@ -5894,7 +5896,7 @@
           <a:p>
             <a:fld id="{49511754-73E3-4E6F-AF62-38683F8056B7}" type="datetimeFigureOut">
               <a:rPr lang="zh-CN" altLang="en-US" smtClean="0"/>
-              <a:t>2025/11/27</a:t>
+              <a:t>2025/11/28</a:t>
             </a:fld>
             <a:endParaRPr lang="zh-CN" altLang="en-US"/>
           </a:p>
@@ -6007,7 +6009,7 @@
           <a:p>
             <a:fld id="{49511754-73E3-4E6F-AF62-38683F8056B7}" type="datetimeFigureOut">
               <a:rPr lang="zh-CN" altLang="en-US" smtClean="0"/>
-              <a:t>2025/11/27</a:t>
+              <a:t>2025/11/28</a:t>
             </a:fld>
             <a:endParaRPr lang="zh-CN" altLang="en-US"/>
           </a:p>
@@ -6318,7 +6320,7 @@
           <a:p>
             <a:fld id="{49511754-73E3-4E6F-AF62-38683F8056B7}" type="datetimeFigureOut">
               <a:rPr lang="zh-CN" altLang="en-US" smtClean="0"/>
-              <a:t>2025/11/27</a:t>
+              <a:t>2025/11/28</a:t>
             </a:fld>
             <a:endParaRPr lang="zh-CN" altLang="en-US"/>
           </a:p>
@@ -6606,7 +6608,7 @@
           <a:p>
             <a:fld id="{49511754-73E3-4E6F-AF62-38683F8056B7}" type="datetimeFigureOut">
               <a:rPr lang="zh-CN" altLang="en-US" smtClean="0"/>
-              <a:t>2025/11/27</a:t>
+              <a:t>2025/11/28</a:t>
             </a:fld>
             <a:endParaRPr lang="zh-CN" altLang="en-US"/>
           </a:p>
@@ -6847,7 +6849,7 @@
           <a:p>
             <a:fld id="{49511754-73E3-4E6F-AF62-38683F8056B7}" type="datetimeFigureOut">
               <a:rPr lang="zh-CN" altLang="en-US" smtClean="0"/>
-              <a:t>2025/11/27</a:t>
+              <a:t>2025/11/28</a:t>
             </a:fld>
             <a:endParaRPr lang="zh-CN" altLang="en-US"/>
           </a:p>
@@ -8265,7 +8267,7 @@
           <p:nvPr/>
         </p:nvPicPr>
         <p:blipFill>
-          <a:blip r:embed="rId2"/>
+          <a:blip r:embed="rId3"/>
           <a:stretch>
             <a:fillRect/>
           </a:stretch>
@@ -8565,7 +8567,7 @@
           </p:nvPr>
         </p:nvPicPr>
         <p:blipFill>
-          <a:blip r:embed="rId2"/>
+          <a:blip r:embed="rId3"/>
           <a:stretch>
             <a:fillRect/>
           </a:stretch>
@@ -8647,7 +8649,7 @@
           <p:nvPr/>
         </p:nvPicPr>
         <p:blipFill>
-          <a:blip r:embed="rId3"/>
+          <a:blip r:embed="rId4"/>
           <a:stretch>
             <a:fillRect/>
           </a:stretch>
@@ -8857,6 +8859,1442 @@
       </p:grpSpPr>
       <p:sp>
         <p:nvSpPr>
+          <p:cNvPr id="2" name="标题 1">
+            <a:extLst>
+              <a:ext uri="{FF2B5EF4-FFF2-40B4-BE49-F238E27FC236}">
+                <a16:creationId xmlns:a16="http://schemas.microsoft.com/office/drawing/2014/main" id="{076A25A8-4573-C01E-A498-D53BCF27D2C7}"/>
+              </a:ext>
+            </a:extLst>
+          </p:cNvPr>
+          <p:cNvSpPr>
+            <a:spLocks noGrp="1"/>
+          </p:cNvSpPr>
+          <p:nvPr>
+            <p:ph type="title"/>
+          </p:nvPr>
+        </p:nvSpPr>
+        <p:spPr/>
+        <p:txBody>
+          <a:bodyPr>
+            <a:normAutofit/>
+          </a:bodyPr>
+          <a:lstStyle/>
+          <a:p>
+            <a:r>
+              <a:rPr lang="zh-CN" altLang="en-US" sz="4400" b="0" dirty="0">
+                <a:latin typeface="等线 Light" panose="02010600030101010101" pitchFamily="2" charset="-122"/>
+                <a:ea typeface="等线 Light" panose="02010600030101010101" pitchFamily="2" charset="-122"/>
+              </a:rPr>
+              <a:t>音乐播放功能</a:t>
+            </a:r>
+          </a:p>
+        </p:txBody>
+      </p:sp>
+      <p:sp>
+        <p:nvSpPr>
+          <p:cNvPr id="6" name="文本框 5">
+            <a:extLst>
+              <a:ext uri="{FF2B5EF4-FFF2-40B4-BE49-F238E27FC236}">
+                <a16:creationId xmlns:a16="http://schemas.microsoft.com/office/drawing/2014/main" id="{55DD6961-0CC2-0AB7-26E0-9E31F43D6121}"/>
+              </a:ext>
+            </a:extLst>
+          </p:cNvPr>
+          <p:cNvSpPr txBox="1"/>
+          <p:nvPr/>
+        </p:nvSpPr>
+        <p:spPr>
+          <a:xfrm>
+            <a:off x="660400" y="1179373"/>
+            <a:ext cx="3403496" cy="369332"/>
+          </a:xfrm>
+          <a:prstGeom prst="rect">
+            <a:avLst/>
+          </a:prstGeom>
+          <a:noFill/>
+        </p:spPr>
+        <p:txBody>
+          <a:bodyPr wrap="none" rtlCol="0">
+            <a:spAutoFit/>
+          </a:bodyPr>
+          <a:lstStyle/>
+          <a:p>
+            <a:r>
+              <a:rPr lang="zh-CN" altLang="en-US" dirty="0"/>
+              <a:t>读取</a:t>
+            </a:r>
+            <a:r>
+              <a:rPr lang="en-US" altLang="zh-CN" dirty="0" err="1"/>
+              <a:t>bgm</a:t>
+            </a:r>
+            <a:r>
+              <a:rPr lang="zh-CN" altLang="en-US" dirty="0"/>
+              <a:t>文件夹中的音乐并播放</a:t>
+            </a:r>
+          </a:p>
+        </p:txBody>
+      </p:sp>
+      <p:graphicFrame>
+        <p:nvGraphicFramePr>
+          <p:cNvPr id="7" name="表格 6">
+            <a:extLst>
+              <a:ext uri="{FF2B5EF4-FFF2-40B4-BE49-F238E27FC236}">
+                <a16:creationId xmlns:a16="http://schemas.microsoft.com/office/drawing/2014/main" id="{857DF8CB-07D4-1413-8435-E7E0E87860B5}"/>
+              </a:ext>
+            </a:extLst>
+          </p:cNvPr>
+          <p:cNvGraphicFramePr>
+            <a:graphicFrameLocks noGrp="1"/>
+          </p:cNvGraphicFramePr>
+          <p:nvPr>
+            <p:extLst>
+              <p:ext uri="{D42A27DB-BD31-4B8C-83A1-F6EECF244321}">
+                <p14:modId xmlns:p14="http://schemas.microsoft.com/office/powerpoint/2010/main" val="201255883"/>
+              </p:ext>
+            </p:extLst>
+          </p:nvPr>
+        </p:nvGraphicFramePr>
+        <p:xfrm>
+          <a:off x="259184" y="1699379"/>
+          <a:ext cx="7830456" cy="4141410"/>
+        </p:xfrm>
+        <a:graphic>
+          <a:graphicData uri="http://schemas.openxmlformats.org/drawingml/2006/table">
+            <a:tbl>
+              <a:tblPr firstRow="1" bandRow="1">
+                <a:tableStyleId>{5C22544A-7EE6-4342-B048-85BDC9FD1C3A}</a:tableStyleId>
+              </a:tblPr>
+              <a:tblGrid>
+                <a:gridCol w="1385901">
+                  <a:extLst>
+                    <a:ext uri="{9D8B030D-6E8A-4147-A177-3AD203B41FA5}">
+                      <a16:colId xmlns:a16="http://schemas.microsoft.com/office/drawing/2014/main" val="1506973227"/>
+                    </a:ext>
+                  </a:extLst>
+                </a:gridCol>
+                <a:gridCol w="1398025">
+                  <a:extLst>
+                    <a:ext uri="{9D8B030D-6E8A-4147-A177-3AD203B41FA5}">
+                      <a16:colId xmlns:a16="http://schemas.microsoft.com/office/drawing/2014/main" val="213374773"/>
+                    </a:ext>
+                  </a:extLst>
+                </a:gridCol>
+                <a:gridCol w="2523265">
+                  <a:extLst>
+                    <a:ext uri="{9D8B030D-6E8A-4147-A177-3AD203B41FA5}">
+                      <a16:colId xmlns:a16="http://schemas.microsoft.com/office/drawing/2014/main" val="2321845813"/>
+                    </a:ext>
+                  </a:extLst>
+                </a:gridCol>
+                <a:gridCol w="2523265">
+                  <a:extLst>
+                    <a:ext uri="{9D8B030D-6E8A-4147-A177-3AD203B41FA5}">
+                      <a16:colId xmlns:a16="http://schemas.microsoft.com/office/drawing/2014/main" val="3335136129"/>
+                    </a:ext>
+                  </a:extLst>
+                </a:gridCol>
+              </a:tblGrid>
+              <a:tr h="372050">
+                <a:tc>
+                  <a:txBody>
+                    <a:bodyPr/>
+                    <a:lstStyle/>
+                    <a:p>
+                      <a:r>
+                        <a:rPr lang="zh-CN" altLang="en-US" dirty="0">
+                          <a:effectLst/>
+                        </a:rPr>
+                        <a:t>功能</a:t>
+                      </a:r>
+                    </a:p>
+                  </a:txBody>
+                  <a:tcPr marL="57150" marR="57150" marT="38100" marB="38100" anchor="ctr"/>
+                </a:tc>
+                <a:tc>
+                  <a:txBody>
+                    <a:bodyPr/>
+                    <a:lstStyle/>
+                    <a:p>
+                      <a:r>
+                        <a:rPr lang="zh-CN" altLang="en-US" dirty="0">
+                          <a:effectLst/>
+                        </a:rPr>
+                        <a:t>位置</a:t>
+                      </a:r>
+                    </a:p>
+                  </a:txBody>
+                  <a:tcPr marL="57150" marR="57150" marT="38100" marB="38100" anchor="ctr"/>
+                </a:tc>
+                <a:tc>
+                  <a:txBody>
+                    <a:bodyPr/>
+                    <a:lstStyle/>
+                    <a:p>
+                      <a:r>
+                        <a:rPr lang="zh-CN" altLang="en-US" dirty="0">
+                          <a:effectLst/>
+                        </a:rPr>
+                        <a:t>说明</a:t>
+                      </a:r>
+                    </a:p>
+                  </a:txBody>
+                  <a:tcPr marL="57150" marR="57150" marT="38100" marB="38100" anchor="ctr"/>
+                </a:tc>
+                <a:tc>
+                  <a:txBody>
+                    <a:bodyPr/>
+                    <a:lstStyle/>
+                    <a:p>
+                      <a:r>
+                        <a:rPr lang="zh-CN" altLang="en-US" dirty="0">
+                          <a:effectLst/>
+                        </a:rPr>
+                        <a:t>功能</a:t>
+                      </a:r>
+                    </a:p>
+                  </a:txBody>
+                  <a:tcPr marL="57150" marR="57150" marT="38100" marB="38100" anchor="ctr"/>
+                </a:tc>
+                <a:extLst>
+                  <a:ext uri="{0D108BD9-81ED-4DB2-BD59-A6C34878D82A}">
+                    <a16:rowId xmlns:a16="http://schemas.microsoft.com/office/drawing/2014/main" val="517175920"/>
+                  </a:ext>
+                </a:extLst>
+              </a:tr>
+              <a:tr h="370840">
+                <a:tc>
+                  <a:txBody>
+                    <a:bodyPr/>
+                    <a:lstStyle/>
+                    <a:p>
+                      <a:r>
+                        <a:rPr lang="zh-CN" altLang="en-US">
+                          <a:effectLst/>
+                        </a:rPr>
+                        <a:t>音乐开关</a:t>
+                      </a:r>
+                    </a:p>
+                  </a:txBody>
+                  <a:tcPr marL="57150" marR="57150" marT="38100" marB="38100" anchor="ctr"/>
+                </a:tc>
+                <a:tc>
+                  <a:txBody>
+                    <a:bodyPr/>
+                    <a:lstStyle/>
+                    <a:p>
+                      <a:r>
+                        <a:rPr lang="en-US">
+                          <a:effectLst/>
+                        </a:rPr>
+                        <a:t>Menu</a:t>
+                      </a:r>
+                    </a:p>
+                  </a:txBody>
+                  <a:tcPr marL="57150" marR="57150" marT="38100" marB="38100" anchor="ctr"/>
+                </a:tc>
+                <a:tc>
+                  <a:txBody>
+                    <a:bodyPr/>
+                    <a:lstStyle/>
+                    <a:p>
+                      <a:r>
+                        <a:rPr lang="zh-CN" altLang="en-US">
+                          <a:effectLst/>
+                        </a:rPr>
+                        <a:t>复选框控制是否播放，默认关闭</a:t>
+                      </a:r>
+                    </a:p>
+                  </a:txBody>
+                  <a:tcPr marL="57150" marR="57150" marT="38100" marB="38100" anchor="ctr"/>
+                </a:tc>
+                <a:tc rowSpan="3">
+                  <a:txBody>
+                    <a:bodyPr/>
+                    <a:lstStyle/>
+                    <a:p>
+                      <a:r>
+                        <a:rPr lang="zh-CN" altLang="en-US" sz="1800" b="0" i="0" kern="1200" dirty="0">
+                          <a:solidFill>
+                            <a:schemeClr val="dk1"/>
+                          </a:solidFill>
+                          <a:effectLst/>
+                          <a:latin typeface="+mn-lt"/>
+                          <a:ea typeface="+mn-ea"/>
+                          <a:cs typeface="+mn-cs"/>
+                        </a:rPr>
+                        <a:t>添加音乐设置界面（复选框、音乐选择、音量滑块</a:t>
+                      </a:r>
+                      <a:endParaRPr lang="zh-CN" altLang="en-US" dirty="0">
+                        <a:effectLst/>
+                      </a:endParaRPr>
+                    </a:p>
+                  </a:txBody>
+                  <a:tcPr marL="57150" marR="57150" marT="38100" marB="38100" anchor="ctr"/>
+                </a:tc>
+                <a:extLst>
+                  <a:ext uri="{0D108BD9-81ED-4DB2-BD59-A6C34878D82A}">
+                    <a16:rowId xmlns:a16="http://schemas.microsoft.com/office/drawing/2014/main" val="1731933694"/>
+                  </a:ext>
+                </a:extLst>
+              </a:tr>
+              <a:tr h="370840">
+                <a:tc>
+                  <a:txBody>
+                    <a:bodyPr/>
+                    <a:lstStyle/>
+                    <a:p>
+                      <a:r>
+                        <a:rPr lang="zh-CN" altLang="en-US">
+                          <a:effectLst/>
+                        </a:rPr>
+                        <a:t>音乐选择</a:t>
+                      </a:r>
+                    </a:p>
+                  </a:txBody>
+                  <a:tcPr marL="57150" marR="57150" marT="38100" marB="38100" anchor="ctr"/>
+                </a:tc>
+                <a:tc>
+                  <a:txBody>
+                    <a:bodyPr/>
+                    <a:lstStyle/>
+                    <a:p>
+                      <a:r>
+                        <a:rPr lang="en-US">
+                          <a:effectLst/>
+                        </a:rPr>
+                        <a:t>Menu</a:t>
+                      </a:r>
+                    </a:p>
+                  </a:txBody>
+                  <a:tcPr marL="57150" marR="57150" marT="38100" marB="38100" anchor="ctr"/>
+                </a:tc>
+                <a:tc>
+                  <a:txBody>
+                    <a:bodyPr/>
+                    <a:lstStyle/>
+                    <a:p>
+                      <a:r>
+                        <a:rPr lang="zh-CN" altLang="en-US">
+                          <a:effectLst/>
+                        </a:rPr>
+                        <a:t>下拉框选择具体曲目或随机播放</a:t>
+                      </a:r>
+                    </a:p>
+                  </a:txBody>
+                  <a:tcPr marL="57150" marR="57150" marT="38100" marB="38100" anchor="ctr"/>
+                </a:tc>
+                <a:tc vMerge="1">
+                  <a:txBody>
+                    <a:bodyPr/>
+                    <a:lstStyle/>
+                    <a:p>
+                      <a:endParaRPr lang="zh-CN" altLang="en-US" dirty="0">
+                        <a:effectLst/>
+                      </a:endParaRPr>
+                    </a:p>
+                  </a:txBody>
+                  <a:tcPr marL="57150" marR="57150" marT="38100" marB="38100" anchor="ctr"/>
+                </a:tc>
+                <a:extLst>
+                  <a:ext uri="{0D108BD9-81ED-4DB2-BD59-A6C34878D82A}">
+                    <a16:rowId xmlns:a16="http://schemas.microsoft.com/office/drawing/2014/main" val="1705314790"/>
+                  </a:ext>
+                </a:extLst>
+              </a:tr>
+              <a:tr h="370840">
+                <a:tc>
+                  <a:txBody>
+                    <a:bodyPr/>
+                    <a:lstStyle/>
+                    <a:p>
+                      <a:r>
+                        <a:rPr lang="zh-CN" altLang="en-US">
+                          <a:effectLst/>
+                        </a:rPr>
+                        <a:t>音量控制</a:t>
+                      </a:r>
+                    </a:p>
+                  </a:txBody>
+                  <a:tcPr marL="57150" marR="57150" marT="38100" marB="38100" anchor="ctr"/>
+                </a:tc>
+                <a:tc>
+                  <a:txBody>
+                    <a:bodyPr/>
+                    <a:lstStyle/>
+                    <a:p>
+                      <a:r>
+                        <a:rPr lang="en-US">
+                          <a:effectLst/>
+                        </a:rPr>
+                        <a:t>Menu</a:t>
+                      </a:r>
+                    </a:p>
+                  </a:txBody>
+                  <a:tcPr marL="57150" marR="57150" marT="38100" marB="38100" anchor="ctr"/>
+                </a:tc>
+                <a:tc>
+                  <a:txBody>
+                    <a:bodyPr/>
+                    <a:lstStyle/>
+                    <a:p>
+                      <a:r>
+                        <a:rPr lang="zh-CN" altLang="en-US" dirty="0">
+                          <a:effectLst/>
+                        </a:rPr>
+                        <a:t>滑块调节音量 </a:t>
+                      </a:r>
+                      <a:r>
+                        <a:rPr lang="en-US" altLang="zh-CN" dirty="0">
+                          <a:effectLst/>
+                        </a:rPr>
+                        <a:t>(0-100%)</a:t>
+                      </a:r>
+                    </a:p>
+                  </a:txBody>
+                  <a:tcPr marL="57150" marR="57150" marT="38100" marB="38100" anchor="ctr"/>
+                </a:tc>
+                <a:tc vMerge="1">
+                  <a:txBody>
+                    <a:bodyPr/>
+                    <a:lstStyle/>
+                    <a:p>
+                      <a:endParaRPr lang="en-US" altLang="zh-CN" dirty="0">
+                        <a:effectLst/>
+                      </a:endParaRPr>
+                    </a:p>
+                  </a:txBody>
+                  <a:tcPr marL="57150" marR="57150" marT="38100" marB="38100" anchor="ctr"/>
+                </a:tc>
+                <a:extLst>
+                  <a:ext uri="{0D108BD9-81ED-4DB2-BD59-A6C34878D82A}">
+                    <a16:rowId xmlns:a16="http://schemas.microsoft.com/office/drawing/2014/main" val="3585465677"/>
+                  </a:ext>
+                </a:extLst>
+              </a:tr>
+              <a:tr h="370840">
+                <a:tc>
+                  <a:txBody>
+                    <a:bodyPr/>
+                    <a:lstStyle/>
+                    <a:p>
+                      <a:r>
+                        <a:rPr lang="zh-CN" altLang="en-US">
+                          <a:effectLst/>
+                        </a:rPr>
+                        <a:t>播放</a:t>
+                      </a:r>
+                      <a:r>
+                        <a:rPr lang="en-US" altLang="zh-CN">
+                          <a:effectLst/>
+                        </a:rPr>
+                        <a:t>/</a:t>
+                      </a:r>
+                      <a:r>
+                        <a:rPr lang="zh-CN" altLang="en-US">
+                          <a:effectLst/>
+                        </a:rPr>
+                        <a:t>暂停</a:t>
+                      </a:r>
+                    </a:p>
+                  </a:txBody>
+                  <a:tcPr marL="57150" marR="57150" marT="38100" marB="38100" anchor="ctr"/>
+                </a:tc>
+                <a:tc>
+                  <a:txBody>
+                    <a:bodyPr/>
+                    <a:lstStyle/>
+                    <a:p>
+                      <a:r>
+                        <a:rPr lang="en-US">
+                          <a:effectLst/>
+                        </a:rPr>
+                        <a:t>GameBoard</a:t>
+                      </a:r>
+                    </a:p>
+                  </a:txBody>
+                  <a:tcPr marL="57150" marR="57150" marT="38100" marB="38100" anchor="ctr"/>
+                </a:tc>
+                <a:tc>
+                  <a:txBody>
+                    <a:bodyPr/>
+                    <a:lstStyle/>
+                    <a:p>
+                      <a:r>
+                        <a:rPr lang="zh-CN" altLang="en-US">
+                          <a:effectLst/>
+                        </a:rPr>
+                        <a:t>游戏中切换播放状态</a:t>
+                      </a:r>
+                    </a:p>
+                  </a:txBody>
+                  <a:tcPr marL="57150" marR="57150" marT="38100" marB="38100" anchor="ctr"/>
+                </a:tc>
+                <a:tc rowSpan="2">
+                  <a:txBody>
+                    <a:bodyPr/>
+                    <a:lstStyle/>
+                    <a:p>
+                      <a:r>
+                        <a:rPr lang="zh-CN" altLang="en-US" sz="1800" b="0" i="0" kern="1200" dirty="0">
+                          <a:solidFill>
+                            <a:schemeClr val="dk1"/>
+                          </a:solidFill>
+                          <a:effectLst/>
+                          <a:latin typeface="+mn-lt"/>
+                          <a:ea typeface="+mn-ea"/>
+                          <a:cs typeface="+mn-cs"/>
+                        </a:rPr>
+                        <a:t>添加底部音乐控制面板；新增 </a:t>
+                      </a:r>
+                      <a:r>
+                        <a:rPr lang="en-US" altLang="zh-CN" sz="1800" b="0" i="0" u="none" strike="noStrike" kern="1200" dirty="0" err="1">
+                          <a:solidFill>
+                            <a:schemeClr val="dk1"/>
+                          </a:solidFill>
+                          <a:effectLst/>
+                          <a:latin typeface="+mn-lt"/>
+                          <a:ea typeface="+mn-ea"/>
+                          <a:cs typeface="+mn-cs"/>
+                        </a:rPr>
+                        <a:t>getBoardWidth</a:t>
+                      </a:r>
+                      <a:r>
+                        <a:rPr lang="en-US" altLang="zh-CN" sz="1800" b="0" i="0" u="none" strike="noStrike" kern="1200" dirty="0">
+                          <a:solidFill>
+                            <a:schemeClr val="dk1"/>
+                          </a:solidFill>
+                          <a:effectLst/>
+                          <a:latin typeface="+mn-lt"/>
+                          <a:ea typeface="+mn-ea"/>
+                          <a:cs typeface="+mn-cs"/>
+                        </a:rPr>
+                        <a:t>()</a:t>
+                      </a:r>
+                      <a:r>
+                        <a:rPr lang="zh-CN" altLang="en-US" sz="1800" b="0" i="0" kern="1200" dirty="0">
+                          <a:solidFill>
+                            <a:schemeClr val="dk1"/>
+                          </a:solidFill>
+                          <a:effectLst/>
+                          <a:latin typeface="+mn-lt"/>
+                          <a:ea typeface="+mn-ea"/>
+                          <a:cs typeface="+mn-cs"/>
+                        </a:rPr>
+                        <a:t>和 </a:t>
+                      </a:r>
+                      <a:r>
+                        <a:rPr lang="en-US" altLang="zh-CN" sz="1800" b="0" i="0" u="none" strike="noStrike" kern="1200" dirty="0" err="1">
+                          <a:solidFill>
+                            <a:schemeClr val="dk1"/>
+                          </a:solidFill>
+                          <a:effectLst/>
+                          <a:latin typeface="+mn-lt"/>
+                          <a:ea typeface="+mn-ea"/>
+                          <a:cs typeface="+mn-cs"/>
+                        </a:rPr>
+                        <a:t>getBoardHeight</a:t>
+                      </a:r>
+                      <a:r>
+                        <a:rPr lang="en-US" altLang="zh-CN" sz="1800" b="0" i="0" u="none" strike="noStrike" kern="1200" dirty="0">
+                          <a:solidFill>
+                            <a:schemeClr val="dk1"/>
+                          </a:solidFill>
+                          <a:effectLst/>
+                          <a:latin typeface="+mn-lt"/>
+                          <a:ea typeface="+mn-ea"/>
+                          <a:cs typeface="+mn-cs"/>
+                        </a:rPr>
+                        <a:t>()</a:t>
+                      </a:r>
+                      <a:endParaRPr lang="zh-CN" altLang="en-US" dirty="0">
+                        <a:effectLst/>
+                      </a:endParaRPr>
+                    </a:p>
+                  </a:txBody>
+                  <a:tcPr marL="57150" marR="57150" marT="38100" marB="38100" anchor="ctr"/>
+                </a:tc>
+                <a:extLst>
+                  <a:ext uri="{0D108BD9-81ED-4DB2-BD59-A6C34878D82A}">
+                    <a16:rowId xmlns:a16="http://schemas.microsoft.com/office/drawing/2014/main" val="4283061161"/>
+                  </a:ext>
+                </a:extLst>
+              </a:tr>
+              <a:tr h="370840">
+                <a:tc>
+                  <a:txBody>
+                    <a:bodyPr/>
+                    <a:lstStyle/>
+                    <a:p>
+                      <a:r>
+                        <a:rPr lang="zh-CN" altLang="en-US">
+                          <a:effectLst/>
+                        </a:rPr>
+                        <a:t>下一首</a:t>
+                      </a:r>
+                    </a:p>
+                  </a:txBody>
+                  <a:tcPr marL="57150" marR="57150" marT="38100" marB="38100" anchor="ctr"/>
+                </a:tc>
+                <a:tc>
+                  <a:txBody>
+                    <a:bodyPr/>
+                    <a:lstStyle/>
+                    <a:p>
+                      <a:r>
+                        <a:rPr lang="en-US">
+                          <a:effectLst/>
+                        </a:rPr>
+                        <a:t>GameBoard</a:t>
+                      </a:r>
+                    </a:p>
+                  </a:txBody>
+                  <a:tcPr marL="57150" marR="57150" marT="38100" marB="38100" anchor="ctr"/>
+                </a:tc>
+                <a:tc>
+                  <a:txBody>
+                    <a:bodyPr/>
+                    <a:lstStyle/>
+                    <a:p>
+                      <a:r>
+                        <a:rPr lang="zh-CN" altLang="en-US" dirty="0">
+                          <a:effectLst/>
+                        </a:rPr>
+                        <a:t>游戏中切换曲目</a:t>
+                      </a:r>
+                    </a:p>
+                  </a:txBody>
+                  <a:tcPr marL="57150" marR="57150" marT="38100" marB="38100" anchor="ctr"/>
+                </a:tc>
+                <a:tc vMerge="1">
+                  <a:txBody>
+                    <a:bodyPr/>
+                    <a:lstStyle/>
+                    <a:p>
+                      <a:endParaRPr lang="zh-CN" altLang="en-US" dirty="0">
+                        <a:effectLst/>
+                      </a:endParaRPr>
+                    </a:p>
+                  </a:txBody>
+                  <a:tcPr marL="57150" marR="57150" marT="38100" marB="38100" anchor="ctr"/>
+                </a:tc>
+                <a:extLst>
+                  <a:ext uri="{0D108BD9-81ED-4DB2-BD59-A6C34878D82A}">
+                    <a16:rowId xmlns:a16="http://schemas.microsoft.com/office/drawing/2014/main" val="3491428631"/>
+                  </a:ext>
+                </a:extLst>
+              </a:tr>
+              <a:tr h="370840">
+                <a:tc>
+                  <a:txBody>
+                    <a:bodyPr/>
+                    <a:lstStyle/>
+                    <a:p>
+                      <a:r>
+                        <a:rPr lang="zh-CN" altLang="en-US">
+                          <a:effectLst/>
+                        </a:rPr>
+                        <a:t>自动播放</a:t>
+                      </a:r>
+                    </a:p>
+                  </a:txBody>
+                  <a:tcPr marL="57150" marR="57150" marT="38100" marB="38100" anchor="ctr"/>
+                </a:tc>
+                <a:tc>
+                  <a:txBody>
+                    <a:bodyPr/>
+                    <a:lstStyle/>
+                    <a:p>
+                      <a:r>
+                        <a:rPr lang="en-US">
+                          <a:effectLst/>
+                        </a:rPr>
+                        <a:t>MusicPlayer</a:t>
+                      </a:r>
+                    </a:p>
+                  </a:txBody>
+                  <a:tcPr marL="57150" marR="57150" marT="38100" marB="38100" anchor="ctr"/>
+                </a:tc>
+                <a:tc>
+                  <a:txBody>
+                    <a:bodyPr/>
+                    <a:lstStyle/>
+                    <a:p>
+                      <a:r>
+                        <a:rPr lang="zh-CN" altLang="en-US" dirty="0">
+                          <a:effectLst/>
+                        </a:rPr>
+                        <a:t>一首结束后自动播放下一首</a:t>
+                      </a:r>
+                    </a:p>
+                  </a:txBody>
+                  <a:tcPr marL="57150" marR="57150" marT="38100" marB="38100" anchor="ctr"/>
+                </a:tc>
+                <a:tc>
+                  <a:txBody>
+                    <a:bodyPr/>
+                    <a:lstStyle/>
+                    <a:p>
+                      <a:r>
+                        <a:rPr lang="zh-CN" altLang="en-US" sz="1800" b="0" i="0" kern="1200" dirty="0">
+                          <a:solidFill>
+                            <a:schemeClr val="dk1"/>
+                          </a:solidFill>
+                          <a:effectLst/>
+                          <a:latin typeface="+mn-lt"/>
+                          <a:ea typeface="+mn-ea"/>
+                          <a:cs typeface="+mn-cs"/>
+                        </a:rPr>
+                        <a:t>新增的核心音乐播放器类</a:t>
+                      </a:r>
+                      <a:endParaRPr lang="zh-CN" altLang="en-US" dirty="0">
+                        <a:effectLst/>
+                      </a:endParaRPr>
+                    </a:p>
+                  </a:txBody>
+                  <a:tcPr marL="57150" marR="57150" marT="38100" marB="38100" anchor="ctr"/>
+                </a:tc>
+                <a:extLst>
+                  <a:ext uri="{0D108BD9-81ED-4DB2-BD59-A6C34878D82A}">
+                    <a16:rowId xmlns:a16="http://schemas.microsoft.com/office/drawing/2014/main" val="220169985"/>
+                  </a:ext>
+                </a:extLst>
+              </a:tr>
+              <a:tr h="370840">
+                <a:tc>
+                  <a:txBody>
+                    <a:bodyPr/>
+                    <a:lstStyle/>
+                    <a:p>
+                      <a:r>
+                        <a:rPr lang="zh-CN" altLang="en-US">
+                          <a:effectLst/>
+                        </a:rPr>
+                        <a:t>游戏结束停止</a:t>
+                      </a:r>
+                    </a:p>
+                  </a:txBody>
+                  <a:tcPr marL="57150" marR="57150" marT="38100" marB="38100" anchor="ctr"/>
+                </a:tc>
+                <a:tc>
+                  <a:txBody>
+                    <a:bodyPr/>
+                    <a:lstStyle/>
+                    <a:p>
+                      <a:r>
+                        <a:rPr lang="en-US">
+                          <a:effectLst/>
+                        </a:rPr>
+                        <a:t>SmartSquare</a:t>
+                      </a:r>
+                    </a:p>
+                  </a:txBody>
+                  <a:tcPr marL="57150" marR="57150" marT="38100" marB="38100" anchor="ctr"/>
+                </a:tc>
+                <a:tc>
+                  <a:txBody>
+                    <a:bodyPr/>
+                    <a:lstStyle/>
+                    <a:p>
+                      <a:r>
+                        <a:rPr lang="zh-CN" altLang="en-US" dirty="0">
+                          <a:effectLst/>
+                        </a:rPr>
+                        <a:t>游戏胜利</a:t>
+                      </a:r>
+                      <a:r>
+                        <a:rPr lang="en-US" altLang="zh-CN" dirty="0">
+                          <a:effectLst/>
+                        </a:rPr>
+                        <a:t>/</a:t>
+                      </a:r>
+                      <a:r>
+                        <a:rPr lang="zh-CN" altLang="en-US" dirty="0">
+                          <a:effectLst/>
+                        </a:rPr>
+                        <a:t>失败时自动停止音乐</a:t>
+                      </a:r>
+                    </a:p>
+                  </a:txBody>
+                  <a:tcPr marL="57150" marR="57150" marT="38100" marB="38100" anchor="ctr"/>
+                </a:tc>
+                <a:tc>
+                  <a:txBody>
+                    <a:bodyPr/>
+                    <a:lstStyle/>
+                    <a:p>
+                      <a:r>
+                        <a:rPr lang="zh-CN" altLang="en-US" sz="1800" b="0" i="0" kern="1200" dirty="0">
+                          <a:solidFill>
+                            <a:schemeClr val="dk1"/>
+                          </a:solidFill>
+                          <a:effectLst/>
+                          <a:latin typeface="+mn-lt"/>
+                          <a:ea typeface="+mn-ea"/>
+                          <a:cs typeface="+mn-cs"/>
+                        </a:rPr>
+                        <a:t>游戏结束时停止音乐</a:t>
+                      </a:r>
+                      <a:endParaRPr lang="zh-CN" altLang="en-US" dirty="0">
+                        <a:effectLst/>
+                      </a:endParaRPr>
+                    </a:p>
+                  </a:txBody>
+                  <a:tcPr marL="57150" marR="57150" marT="38100" marB="38100" anchor="ctr"/>
+                </a:tc>
+                <a:extLst>
+                  <a:ext uri="{0D108BD9-81ED-4DB2-BD59-A6C34878D82A}">
+                    <a16:rowId xmlns:a16="http://schemas.microsoft.com/office/drawing/2014/main" val="2825539339"/>
+                  </a:ext>
+                </a:extLst>
+              </a:tr>
+            </a:tbl>
+          </a:graphicData>
+        </a:graphic>
+      </p:graphicFrame>
+      <p:pic>
+        <p:nvPicPr>
+          <p:cNvPr id="11" name="图片 10">
+            <a:extLst>
+              <a:ext uri="{FF2B5EF4-FFF2-40B4-BE49-F238E27FC236}">
+                <a16:creationId xmlns:a16="http://schemas.microsoft.com/office/drawing/2014/main" id="{E4DDDACD-4578-0486-EEFC-CA67B214A152}"/>
+              </a:ext>
+            </a:extLst>
+          </p:cNvPr>
+          <p:cNvPicPr>
+            <a:picLocks noChangeAspect="1"/>
+          </p:cNvPicPr>
+          <p:nvPr/>
+        </p:nvPicPr>
+        <p:blipFill>
+          <a:blip r:embed="rId3"/>
+          <a:stretch>
+            <a:fillRect/>
+          </a:stretch>
+        </p:blipFill>
+        <p:spPr>
+          <a:xfrm>
+            <a:off x="6189771" y="121736"/>
+            <a:ext cx="5858693" cy="1790950"/>
+          </a:xfrm>
+          <a:prstGeom prst="rect">
+            <a:avLst/>
+          </a:prstGeom>
+        </p:spPr>
+      </p:pic>
+      <p:pic>
+        <p:nvPicPr>
+          <p:cNvPr id="13" name="图片 12">
+            <a:extLst>
+              <a:ext uri="{FF2B5EF4-FFF2-40B4-BE49-F238E27FC236}">
+                <a16:creationId xmlns:a16="http://schemas.microsoft.com/office/drawing/2014/main" id="{36CF509A-3419-A86E-1627-DABFA95A47FA}"/>
+              </a:ext>
+            </a:extLst>
+          </p:cNvPr>
+          <p:cNvPicPr>
+            <a:picLocks noChangeAspect="1"/>
+          </p:cNvPicPr>
+          <p:nvPr/>
+        </p:nvPicPr>
+        <p:blipFill>
+          <a:blip r:embed="rId4"/>
+          <a:stretch>
+            <a:fillRect/>
+          </a:stretch>
+        </p:blipFill>
+        <p:spPr>
+          <a:xfrm>
+            <a:off x="8640153" y="2443599"/>
+            <a:ext cx="2495898" cy="1457528"/>
+          </a:xfrm>
+          <a:prstGeom prst="rect">
+            <a:avLst/>
+          </a:prstGeom>
+        </p:spPr>
+      </p:pic>
+      <p:sp>
+        <p:nvSpPr>
+          <p:cNvPr id="15" name="文本框 14">
+            <a:extLst>
+              <a:ext uri="{FF2B5EF4-FFF2-40B4-BE49-F238E27FC236}">
+                <a16:creationId xmlns:a16="http://schemas.microsoft.com/office/drawing/2014/main" id="{DA95B6B8-57A2-B922-1FC4-D93CA8875F88}"/>
+              </a:ext>
+            </a:extLst>
+          </p:cNvPr>
+          <p:cNvSpPr txBox="1"/>
+          <p:nvPr/>
+        </p:nvSpPr>
+        <p:spPr>
+          <a:xfrm>
+            <a:off x="9119117" y="1977999"/>
+            <a:ext cx="1107996" cy="369332"/>
+          </a:xfrm>
+          <a:prstGeom prst="rect">
+            <a:avLst/>
+          </a:prstGeom>
+          <a:noFill/>
+        </p:spPr>
+        <p:txBody>
+          <a:bodyPr wrap="none" rtlCol="0">
+            <a:spAutoFit/>
+          </a:bodyPr>
+          <a:lstStyle/>
+          <a:p>
+            <a:r>
+              <a:rPr lang="zh-CN" altLang="en-US" dirty="0"/>
+              <a:t>选择界面</a:t>
+            </a:r>
+          </a:p>
+        </p:txBody>
+      </p:sp>
+      <p:pic>
+        <p:nvPicPr>
+          <p:cNvPr id="16" name="图片 15">
+            <a:extLst>
+              <a:ext uri="{FF2B5EF4-FFF2-40B4-BE49-F238E27FC236}">
+                <a16:creationId xmlns:a16="http://schemas.microsoft.com/office/drawing/2014/main" id="{19E547AE-EABB-719B-ECEF-6943F7FCF3A2}"/>
+              </a:ext>
+            </a:extLst>
+          </p:cNvPr>
+          <p:cNvPicPr>
+            <a:picLocks noChangeAspect="1"/>
+          </p:cNvPicPr>
+          <p:nvPr/>
+        </p:nvPicPr>
+        <p:blipFill>
+          <a:blip r:embed="rId5"/>
+          <a:stretch>
+            <a:fillRect/>
+          </a:stretch>
+        </p:blipFill>
+        <p:spPr>
+          <a:xfrm>
+            <a:off x="8838093" y="4235938"/>
+            <a:ext cx="1924319" cy="2286319"/>
+          </a:xfrm>
+          <a:prstGeom prst="rect">
+            <a:avLst/>
+          </a:prstGeom>
+        </p:spPr>
+      </p:pic>
+    </p:spTree>
+    <p:extLst>
+      <p:ext uri="{BB962C8B-B14F-4D97-AF65-F5344CB8AC3E}">
+        <p14:creationId xmlns:p14="http://schemas.microsoft.com/office/powerpoint/2010/main" val="1552905990"/>
+      </p:ext>
+    </p:extLst>
+  </p:cSld>
+  <p:clrMapOvr>
+    <a:masterClrMapping/>
+  </p:clrMapOvr>
+</p:sld>
+</file>
+
+<file path=ppt/slides/slide14.xml><?xml version="1.0" encoding="utf-8"?>
+<p:sld xmlns:a="http://schemas.openxmlformats.org/drawingml/2006/main" xmlns:r="http://schemas.openxmlformats.org/officeDocument/2006/relationships" xmlns:p="http://schemas.openxmlformats.org/presentationml/2006/main">
+  <p:cSld>
+    <p:spTree>
+      <p:nvGrpSpPr>
+        <p:cNvPr id="1" name=""/>
+        <p:cNvGrpSpPr/>
+        <p:nvPr/>
+      </p:nvGrpSpPr>
+      <p:grpSpPr>
+        <a:xfrm>
+          <a:off x="0" y="0"/>
+          <a:ext cx="0" cy="0"/>
+          <a:chOff x="0" y="0"/>
+          <a:chExt cx="0" cy="0"/>
+        </a:xfrm>
+      </p:grpSpPr>
+      <p:sp>
+        <p:nvSpPr>
+          <p:cNvPr id="2" name="标题 1">
+            <a:extLst>
+              <a:ext uri="{FF2B5EF4-FFF2-40B4-BE49-F238E27FC236}">
+                <a16:creationId xmlns:a16="http://schemas.microsoft.com/office/drawing/2014/main" id="{30304B3C-8C40-FB4E-E0D6-DF54A0F64717}"/>
+              </a:ext>
+            </a:extLst>
+          </p:cNvPr>
+          <p:cNvSpPr>
+            <a:spLocks noGrp="1"/>
+          </p:cNvSpPr>
+          <p:nvPr>
+            <p:ph type="title"/>
+          </p:nvPr>
+        </p:nvSpPr>
+        <p:spPr/>
+        <p:txBody>
+          <a:bodyPr>
+            <a:normAutofit/>
+          </a:bodyPr>
+          <a:lstStyle/>
+          <a:p>
+            <a:r>
+              <a:rPr lang="zh-CN" altLang="en-US" sz="4400" dirty="0">
+                <a:latin typeface="等线 Light" panose="02010600030101010101" pitchFamily="2" charset="-122"/>
+                <a:ea typeface="等线 Light" panose="02010600030101010101" pitchFamily="2" charset="-122"/>
+              </a:rPr>
+              <a:t>使用的设计模式</a:t>
+            </a:r>
+          </a:p>
+        </p:txBody>
+      </p:sp>
+      <p:sp>
+        <p:nvSpPr>
+          <p:cNvPr id="3" name="内容占位符 2">
+            <a:extLst>
+              <a:ext uri="{FF2B5EF4-FFF2-40B4-BE49-F238E27FC236}">
+                <a16:creationId xmlns:a16="http://schemas.microsoft.com/office/drawing/2014/main" id="{B761F1BF-3910-942E-BD11-920380B4413A}"/>
+              </a:ext>
+            </a:extLst>
+          </p:cNvPr>
+          <p:cNvSpPr>
+            <a:spLocks noGrp="1"/>
+          </p:cNvSpPr>
+          <p:nvPr>
+            <p:ph idx="1"/>
+          </p:nvPr>
+        </p:nvSpPr>
+        <p:spPr>
+          <a:xfrm>
+            <a:off x="581089" y="1028699"/>
+            <a:ext cx="4821335" cy="2415333"/>
+          </a:xfrm>
+        </p:spPr>
+        <p:txBody>
+          <a:bodyPr>
+            <a:normAutofit/>
+          </a:bodyPr>
+          <a:lstStyle/>
+          <a:p>
+            <a:pPr marL="342900" indent="-342900">
+              <a:buAutoNum type="arabicPeriod"/>
+            </a:pPr>
+            <a:r>
+              <a:rPr lang="zh-CN" altLang="en-US" sz="1600" dirty="0"/>
+              <a:t>单例模式</a:t>
+            </a:r>
+            <a:endParaRPr lang="en-US" altLang="zh-CN" sz="1600" dirty="0"/>
+          </a:p>
+          <a:p>
+            <a:pPr marL="0" indent="0">
+              <a:buNone/>
+            </a:pPr>
+            <a:r>
+              <a:rPr lang="zh-CN" altLang="en-US" sz="1600" b="0" i="0" dirty="0">
+                <a:effectLst/>
+                <a:latin typeface="Segoe WPC"/>
+              </a:rPr>
+              <a:t>确保整个应用程序中只有一个音乐播放器实例</a:t>
+            </a:r>
+            <a:endParaRPr lang="en-US" altLang="zh-CN" sz="1600" b="0" i="0" dirty="0">
+              <a:effectLst/>
+              <a:latin typeface="Segoe WPC"/>
+            </a:endParaRPr>
+          </a:p>
+          <a:p>
+            <a:pPr marL="0" indent="0">
+              <a:buNone/>
+            </a:pPr>
+            <a:r>
+              <a:rPr lang="zh-CN" altLang="en-US" sz="1600" b="0" i="0" dirty="0">
+                <a:effectLst/>
+                <a:latin typeface="Segoe WPC"/>
+              </a:rPr>
+              <a:t>所有界面（</a:t>
+            </a:r>
+            <a:r>
+              <a:rPr lang="en-US" altLang="zh-CN" sz="1600" b="0" i="0" dirty="0">
+                <a:effectLst/>
+                <a:latin typeface="Segoe WPC"/>
+              </a:rPr>
+              <a:t>Menu</a:t>
+            </a:r>
+            <a:r>
+              <a:rPr lang="zh-CN" altLang="en-US" sz="1600" b="0" i="0" dirty="0">
+                <a:effectLst/>
+                <a:latin typeface="Segoe WPC"/>
+              </a:rPr>
+              <a:t>、</a:t>
+            </a:r>
+            <a:r>
+              <a:rPr lang="en-US" altLang="zh-CN" sz="1600" b="0" i="0" dirty="0" err="1">
+                <a:effectLst/>
+                <a:latin typeface="Segoe WPC"/>
+              </a:rPr>
+              <a:t>GameBoard</a:t>
+            </a:r>
+            <a:r>
+              <a:rPr lang="zh-CN" altLang="en-US" sz="1600" b="0" i="0" dirty="0">
+                <a:effectLst/>
+                <a:latin typeface="Segoe WPC"/>
+              </a:rPr>
+              <a:t>、</a:t>
+            </a:r>
+            <a:r>
+              <a:rPr lang="en-US" altLang="zh-CN" sz="1600" b="0" i="0" dirty="0" err="1">
+                <a:effectLst/>
+                <a:latin typeface="Segoe WPC"/>
+              </a:rPr>
+              <a:t>SmartSquare</a:t>
+            </a:r>
+            <a:r>
+              <a:rPr lang="zh-CN" altLang="en-US" sz="1600" b="0" i="0" dirty="0">
+                <a:effectLst/>
+                <a:latin typeface="Segoe WPC"/>
+              </a:rPr>
+              <a:t>）都通过 </a:t>
+            </a:r>
+            <a:r>
+              <a:rPr lang="en-US" altLang="zh-CN" sz="1600" dirty="0" err="1">
+                <a:latin typeface="Segoe WPC"/>
+              </a:rPr>
+              <a:t>MusicPlayer.getInstance</a:t>
+            </a:r>
+            <a:r>
+              <a:rPr lang="en-US" altLang="zh-CN" sz="1600" dirty="0">
+                <a:latin typeface="Segoe WPC"/>
+              </a:rPr>
+              <a:t>()</a:t>
+            </a:r>
+            <a:r>
+              <a:rPr lang="zh-CN" altLang="en-US" sz="1600" b="0" i="0" dirty="0">
+                <a:effectLst/>
+                <a:latin typeface="Segoe WPC"/>
+              </a:rPr>
+              <a:t>访问同一个播放器</a:t>
+            </a:r>
+          </a:p>
+          <a:p>
+            <a:pPr marL="0" indent="0" algn="l">
+              <a:buNone/>
+            </a:pPr>
+            <a:r>
+              <a:rPr lang="zh-CN" altLang="en-US" sz="1600" b="0" i="0" dirty="0">
+                <a:effectLst/>
+                <a:latin typeface="Segoe WPC"/>
+              </a:rPr>
+              <a:t>避免多个播放器同时播放造成混乱</a:t>
+            </a:r>
+          </a:p>
+          <a:p>
+            <a:endParaRPr lang="zh-CN" altLang="en-US" dirty="0"/>
+          </a:p>
+        </p:txBody>
+      </p:sp>
+      <p:pic>
+        <p:nvPicPr>
+          <p:cNvPr id="4" name="图片 3">
+            <a:extLst>
+              <a:ext uri="{FF2B5EF4-FFF2-40B4-BE49-F238E27FC236}">
+                <a16:creationId xmlns:a16="http://schemas.microsoft.com/office/drawing/2014/main" id="{49ABD8C1-A498-43CA-927F-31B2D941F895}"/>
+              </a:ext>
+            </a:extLst>
+          </p:cNvPr>
+          <p:cNvPicPr>
+            <a:picLocks noChangeAspect="1"/>
+          </p:cNvPicPr>
+          <p:nvPr/>
+        </p:nvPicPr>
+        <p:blipFill>
+          <a:blip r:embed="rId2"/>
+          <a:stretch>
+            <a:fillRect/>
+          </a:stretch>
+        </p:blipFill>
+        <p:spPr>
+          <a:xfrm>
+            <a:off x="581089" y="3189610"/>
+            <a:ext cx="5039428" cy="3248478"/>
+          </a:xfrm>
+          <a:prstGeom prst="rect">
+            <a:avLst/>
+          </a:prstGeom>
+        </p:spPr>
+      </p:pic>
+      <p:sp>
+        <p:nvSpPr>
+          <p:cNvPr id="7" name="文本框 6">
+            <a:extLst>
+              <a:ext uri="{FF2B5EF4-FFF2-40B4-BE49-F238E27FC236}">
+                <a16:creationId xmlns:a16="http://schemas.microsoft.com/office/drawing/2014/main" id="{E3EC151D-A1E7-2BF5-2003-73633E4B27B9}"/>
+              </a:ext>
+            </a:extLst>
+          </p:cNvPr>
+          <p:cNvSpPr txBox="1"/>
+          <p:nvPr/>
+        </p:nvSpPr>
+        <p:spPr>
+          <a:xfrm>
+            <a:off x="5973460" y="289249"/>
+            <a:ext cx="5146092" cy="1015663"/>
+          </a:xfrm>
+          <a:prstGeom prst="rect">
+            <a:avLst/>
+          </a:prstGeom>
+          <a:noFill/>
+        </p:spPr>
+        <p:txBody>
+          <a:bodyPr wrap="square" rtlCol="0">
+            <a:spAutoFit/>
+          </a:bodyPr>
+          <a:lstStyle/>
+          <a:p>
+            <a:r>
+              <a:rPr lang="en-US" altLang="zh-CN" sz="1500" dirty="0"/>
+              <a:t>2. </a:t>
+            </a:r>
+            <a:r>
+              <a:rPr lang="zh-CN" altLang="en-US" sz="1500" dirty="0"/>
+              <a:t>观察者模式</a:t>
+            </a:r>
+            <a:endParaRPr lang="en-US" altLang="zh-CN" sz="1500" dirty="0"/>
+          </a:p>
+          <a:p>
+            <a:r>
+              <a:rPr lang="zh-CN" altLang="en-US" sz="1500" dirty="0"/>
+              <a:t>音频播放器 </a:t>
+            </a:r>
+            <a:r>
+              <a:rPr lang="en-US" altLang="zh-CN" sz="1500" dirty="0"/>
+              <a:t>Clip </a:t>
+            </a:r>
+            <a:r>
+              <a:rPr lang="zh-CN" altLang="en-US" sz="1500" dirty="0"/>
+              <a:t>作为被观察者</a:t>
+            </a:r>
+          </a:p>
+          <a:p>
+            <a:r>
+              <a:rPr lang="zh-CN" altLang="en-US" sz="1500" dirty="0"/>
+              <a:t>通过 </a:t>
+            </a:r>
+            <a:r>
+              <a:rPr lang="en-US" altLang="zh-CN" sz="1500" dirty="0" err="1"/>
+              <a:t>LineListener</a:t>
+            </a:r>
+            <a:r>
+              <a:rPr lang="en-US" altLang="zh-CN" sz="1500" dirty="0"/>
+              <a:t> </a:t>
+            </a:r>
+            <a:r>
+              <a:rPr lang="zh-CN" altLang="en-US" sz="1500" dirty="0"/>
+              <a:t>监听播放状态变化</a:t>
+            </a:r>
+          </a:p>
+          <a:p>
+            <a:r>
+              <a:rPr lang="zh-CN" altLang="en-US" sz="1500" dirty="0"/>
+              <a:t>当音乐播放结束时自动触发 </a:t>
+            </a:r>
+            <a:r>
+              <a:rPr lang="en-US" altLang="zh-CN" sz="1500" dirty="0" err="1"/>
+              <a:t>playNext</a:t>
+            </a:r>
+            <a:r>
+              <a:rPr lang="en-US" altLang="zh-CN" sz="1500" dirty="0"/>
+              <a:t>() </a:t>
+            </a:r>
+            <a:r>
+              <a:rPr lang="zh-CN" altLang="en-US" sz="1500" dirty="0"/>
+              <a:t>播放下一首</a:t>
+            </a:r>
+          </a:p>
+        </p:txBody>
+      </p:sp>
+      <p:pic>
+        <p:nvPicPr>
+          <p:cNvPr id="8" name="图片 7">
+            <a:extLst>
+              <a:ext uri="{FF2B5EF4-FFF2-40B4-BE49-F238E27FC236}">
+                <a16:creationId xmlns:a16="http://schemas.microsoft.com/office/drawing/2014/main" id="{4DBA2928-50B3-50FD-31AF-39879AECFC86}"/>
+              </a:ext>
+            </a:extLst>
+          </p:cNvPr>
+          <p:cNvPicPr>
+            <a:picLocks noChangeAspect="1"/>
+          </p:cNvPicPr>
+          <p:nvPr/>
+        </p:nvPicPr>
+        <p:blipFill>
+          <a:blip r:embed="rId3"/>
+          <a:stretch>
+            <a:fillRect/>
+          </a:stretch>
+        </p:blipFill>
+        <p:spPr>
+          <a:xfrm>
+            <a:off x="6089650" y="1370226"/>
+            <a:ext cx="5029902" cy="1267002"/>
+          </a:xfrm>
+          <a:prstGeom prst="rect">
+            <a:avLst/>
+          </a:prstGeom>
+        </p:spPr>
+      </p:pic>
+      <p:sp>
+        <p:nvSpPr>
+          <p:cNvPr id="9" name="文本框 8">
+            <a:extLst>
+              <a:ext uri="{FF2B5EF4-FFF2-40B4-BE49-F238E27FC236}">
+                <a16:creationId xmlns:a16="http://schemas.microsoft.com/office/drawing/2014/main" id="{96B76619-16FD-2DCE-3A7D-7CAB289A3B22}"/>
+              </a:ext>
+            </a:extLst>
+          </p:cNvPr>
+          <p:cNvSpPr txBox="1"/>
+          <p:nvPr/>
+        </p:nvSpPr>
+        <p:spPr>
+          <a:xfrm>
+            <a:off x="6085206" y="2805752"/>
+            <a:ext cx="4911142" cy="1246495"/>
+          </a:xfrm>
+          <a:prstGeom prst="rect">
+            <a:avLst/>
+          </a:prstGeom>
+          <a:noFill/>
+        </p:spPr>
+        <p:txBody>
+          <a:bodyPr wrap="square" rtlCol="0">
+            <a:spAutoFit/>
+          </a:bodyPr>
+          <a:lstStyle/>
+          <a:p>
+            <a:r>
+              <a:rPr lang="en-US" altLang="zh-CN" sz="1500" dirty="0"/>
+              <a:t>3. </a:t>
+            </a:r>
+            <a:r>
+              <a:rPr lang="zh-CN" altLang="en-US" sz="1500" dirty="0"/>
+              <a:t>外观模式</a:t>
+            </a:r>
+            <a:endParaRPr lang="en-US" altLang="zh-CN" sz="1500" dirty="0"/>
+          </a:p>
+          <a:p>
+            <a:r>
+              <a:rPr lang="en-US" altLang="zh-CN" sz="1500" dirty="0" err="1"/>
+              <a:t>MusicPlayer</a:t>
+            </a:r>
+            <a:r>
+              <a:rPr lang="en-US" altLang="zh-CN" sz="1500" dirty="0"/>
+              <a:t> </a:t>
+            </a:r>
+            <a:r>
+              <a:rPr lang="zh-CN" altLang="en-US" sz="1500" dirty="0"/>
+              <a:t>封装了底层 </a:t>
+            </a:r>
+            <a:r>
+              <a:rPr lang="en-US" altLang="zh-CN" sz="1500" dirty="0" err="1"/>
+              <a:t>javax.sound.sampled</a:t>
+            </a:r>
+            <a:r>
+              <a:rPr lang="en-US" altLang="zh-CN" sz="1500" dirty="0"/>
+              <a:t> API </a:t>
+            </a:r>
+            <a:r>
+              <a:rPr lang="zh-CN" altLang="en-US" sz="1500" dirty="0"/>
+              <a:t>的复杂操作</a:t>
+            </a:r>
+          </a:p>
+          <a:p>
+            <a:r>
+              <a:rPr lang="zh-CN" altLang="en-US" sz="1500" dirty="0"/>
+              <a:t>对外提供简单的接口（</a:t>
+            </a:r>
+            <a:r>
+              <a:rPr lang="en-US" altLang="zh-CN" sz="1500" dirty="0"/>
+              <a:t>play</a:t>
+            </a:r>
+            <a:r>
+              <a:rPr lang="zh-CN" altLang="en-US" sz="1500" dirty="0"/>
+              <a:t>、</a:t>
+            </a:r>
+            <a:r>
+              <a:rPr lang="en-US" altLang="zh-CN" sz="1500" dirty="0"/>
+              <a:t>pause</a:t>
+            </a:r>
+            <a:r>
+              <a:rPr lang="zh-CN" altLang="en-US" sz="1500" dirty="0"/>
+              <a:t>、</a:t>
+            </a:r>
+            <a:r>
+              <a:rPr lang="en-US" altLang="zh-CN" sz="1500" dirty="0"/>
+              <a:t>stop </a:t>
+            </a:r>
+            <a:r>
+              <a:rPr lang="zh-CN" altLang="en-US" sz="1500" dirty="0"/>
+              <a:t>等）</a:t>
+            </a:r>
+          </a:p>
+          <a:p>
+            <a:r>
+              <a:rPr lang="zh-CN" altLang="en-US" sz="1500" dirty="0"/>
+              <a:t>其他类无需了解音频播放的底层细节</a:t>
+            </a:r>
+          </a:p>
+        </p:txBody>
+      </p:sp>
+      <p:pic>
+        <p:nvPicPr>
+          <p:cNvPr id="10" name="图片 9">
+            <a:extLst>
+              <a:ext uri="{FF2B5EF4-FFF2-40B4-BE49-F238E27FC236}">
+                <a16:creationId xmlns:a16="http://schemas.microsoft.com/office/drawing/2014/main" id="{F8638AEB-0246-B3BE-3B8E-AB959A930583}"/>
+              </a:ext>
+            </a:extLst>
+          </p:cNvPr>
+          <p:cNvPicPr>
+            <a:picLocks noChangeAspect="1"/>
+          </p:cNvPicPr>
+          <p:nvPr/>
+        </p:nvPicPr>
+        <p:blipFill>
+          <a:blip r:embed="rId4"/>
+          <a:stretch>
+            <a:fillRect/>
+          </a:stretch>
+        </p:blipFill>
+        <p:spPr>
+          <a:xfrm>
+            <a:off x="6085206" y="4169453"/>
+            <a:ext cx="4915586" cy="1419423"/>
+          </a:xfrm>
+          <a:prstGeom prst="rect">
+            <a:avLst/>
+          </a:prstGeom>
+        </p:spPr>
+      </p:pic>
+    </p:spTree>
+    <p:extLst>
+      <p:ext uri="{BB962C8B-B14F-4D97-AF65-F5344CB8AC3E}">
+        <p14:creationId xmlns:p14="http://schemas.microsoft.com/office/powerpoint/2010/main" val="678753373"/>
+      </p:ext>
+    </p:extLst>
+  </p:cSld>
+  <p:clrMapOvr>
+    <a:masterClrMapping/>
+  </p:clrMapOvr>
+</p:sld>
+</file>
+
+<file path=ppt/slides/slide15.xml><?xml version="1.0" encoding="utf-8"?>
+<p:sld xmlns:a="http://schemas.openxmlformats.org/drawingml/2006/main" xmlns:r="http://schemas.openxmlformats.org/officeDocument/2006/relationships" xmlns:p="http://schemas.openxmlformats.org/presentationml/2006/main">
+  <p:cSld>
+    <p:spTree>
+      <p:nvGrpSpPr>
+        <p:cNvPr id="1" name=""/>
+        <p:cNvGrpSpPr/>
+        <p:nvPr/>
+      </p:nvGrpSpPr>
+      <p:grpSpPr>
+        <a:xfrm>
+          <a:off x="0" y="0"/>
+          <a:ext cx="0" cy="0"/>
+          <a:chOff x="0" y="0"/>
+          <a:chExt cx="0" cy="0"/>
+        </a:xfrm>
+      </p:grpSpPr>
+      <p:sp>
+        <p:nvSpPr>
           <p:cNvPr id="2" name="Title 1">
             <a:extLst>
               <a:ext uri="{FF2B5EF4-FFF2-40B4-BE49-F238E27FC236}">
@@ -8953,7 +10391,7 @@
             <a:fld id="{C8BB1146-E542-4D4E-B8E9-6919A11DDD48}" type="slidenum">
               <a:rPr lang="en-US" smtClean="0"/>
               <a:pPr/>
-              <a:t>13</a:t>
+              <a:t>15</a:t>
             </a:fld>
             <a:endParaRPr lang="en-US"/>
           </a:p>
@@ -8972,7 +10410,7 @@
 </p:sld>
 </file>
 
-<file path=ppt/slides/slide14.xml><?xml version="1.0" encoding="utf-8"?>
+<file path=ppt/slides/slide16.xml><?xml version="1.0" encoding="utf-8"?>
 <p:sld xmlns:a="http://schemas.openxmlformats.org/drawingml/2006/main" xmlns:r="http://schemas.openxmlformats.org/officeDocument/2006/relationships" xmlns:p="http://schemas.openxmlformats.org/presentationml/2006/main">
   <p:cSld>
     <p:spTree>
@@ -9290,7 +10728,7 @@
 </p:sld>
 </file>
 
-<file path=ppt/slides/slide15.xml><?xml version="1.0" encoding="utf-8"?>
+<file path=ppt/slides/slide17.xml><?xml version="1.0" encoding="utf-8"?>
 <p:sld xmlns:a="http://schemas.openxmlformats.org/drawingml/2006/main" xmlns:r="http://schemas.openxmlformats.org/officeDocument/2006/relationships" xmlns:p="http://schemas.openxmlformats.org/presentationml/2006/main">
   <p:cSld>
     <p:spTree>
@@ -9419,7 +10857,7 @@
                 <a:tabLst/>
                 <a:defRPr/>
               </a:pPr>
-              <a:t>15</a:t>
+              <a:t>17</a:t>
             </a:fld>
             <a:endParaRPr kumimoji="0" lang="en-US" sz="1000" b="0" i="0" u="none" strike="noStrike" kern="1200" cap="none" spc="0" normalizeH="0" baseline="0" noProof="0">
               <a:ln>
@@ -9453,7 +10891,7 @@
 </p:sld>
 </file>
 
-<file path=ppt/slides/slide16.xml><?xml version="1.0" encoding="utf-8"?>
+<file path=ppt/slides/slide18.xml><?xml version="1.0" encoding="utf-8"?>
 <p:sld xmlns:a="http://schemas.openxmlformats.org/drawingml/2006/main" xmlns:r="http://schemas.openxmlformats.org/officeDocument/2006/relationships" xmlns:p="http://schemas.openxmlformats.org/presentationml/2006/main">
   <p:cSld>
     <p:spTree>
@@ -9741,7 +11179,7 @@
 </p:sld>
 </file>
 
-<file path=ppt/slides/slide17.xml><?xml version="1.0" encoding="utf-8"?>
+<file path=ppt/slides/slide19.xml><?xml version="1.0" encoding="utf-8"?>
 <p:sld xmlns:a="http://schemas.openxmlformats.org/drawingml/2006/main" xmlns:r="http://schemas.openxmlformats.org/officeDocument/2006/relationships" xmlns:p="http://schemas.openxmlformats.org/presentationml/2006/main">
   <p:cSld>
     <p:spTree>
@@ -10171,7 +11609,165 @@
 </p:sld>
 </file>
 
-<file path=ppt/slides/slide18.xml><?xml version="1.0" encoding="utf-8"?>
+<file path=ppt/slides/slide2.xml><?xml version="1.0" encoding="utf-8"?>
+<p:sld xmlns:a="http://schemas.openxmlformats.org/drawingml/2006/main" xmlns:r="http://schemas.openxmlformats.org/officeDocument/2006/relationships" xmlns:p="http://schemas.openxmlformats.org/presentationml/2006/main">
+  <p:cSld>
+    <p:spTree>
+      <p:nvGrpSpPr>
+        <p:cNvPr id="1" name=""/>
+        <p:cNvGrpSpPr/>
+        <p:nvPr/>
+      </p:nvGrpSpPr>
+      <p:grpSpPr>
+        <a:xfrm>
+          <a:off x="0" y="0"/>
+          <a:ext cx="0" cy="0"/>
+          <a:chOff x="0" y="0"/>
+          <a:chExt cx="0" cy="0"/>
+        </a:xfrm>
+      </p:grpSpPr>
+      <p:sp>
+        <p:nvSpPr>
+          <p:cNvPr id="2" name="Title 1">
+            <a:extLst>
+              <a:ext uri="{FF2B5EF4-FFF2-40B4-BE49-F238E27FC236}">
+                <a16:creationId xmlns:a16="http://schemas.microsoft.com/office/drawing/2014/main" id="{DC824AA1-09D7-EC3A-301E-028F418A25B3}"/>
+              </a:ext>
+            </a:extLst>
+          </p:cNvPr>
+          <p:cNvSpPr>
+            <a:spLocks noGrp="1"/>
+          </p:cNvSpPr>
+          <p:nvPr>
+            <p:ph type="title"/>
+          </p:nvPr>
+        </p:nvSpPr>
+        <p:spPr>
+          <a:xfrm>
+            <a:off x="660400" y="1500187"/>
+            <a:ext cx="2836562" cy="915667"/>
+          </a:xfrm>
+        </p:spPr>
+        <p:txBody>
+          <a:bodyPr/>
+          <a:lstStyle/>
+          <a:p>
+            <a:pPr lvl="0"/>
+            <a:r>
+              <a:rPr lang="en-US"/>
+              <a:t>Agenda</a:t>
+            </a:r>
+          </a:p>
+        </p:txBody>
+      </p:sp>
+      <p:sp>
+        <p:nvSpPr>
+          <p:cNvPr id="3" name="Content Placeholder 2">
+            <a:extLst>
+              <a:ext uri="{FF2B5EF4-FFF2-40B4-BE49-F238E27FC236}">
+                <a16:creationId xmlns:a16="http://schemas.microsoft.com/office/drawing/2014/main" id="{94C7ACB6-4040-4F8E-DAE4-CD916FCA3B1A}"/>
+              </a:ext>
+            </a:extLst>
+          </p:cNvPr>
+          <p:cNvSpPr>
+            <a:spLocks noGrp="1"/>
+          </p:cNvSpPr>
+          <p:nvPr>
+            <p:ph sz="quarter" idx="1"/>
+          </p:nvPr>
+        </p:nvSpPr>
+        <p:spPr>
+          <a:xfrm>
+            <a:off x="3745078" y="1500188"/>
+            <a:ext cx="7773821" cy="4633912"/>
+          </a:xfrm>
+        </p:spPr>
+        <p:txBody>
+          <a:bodyPr/>
+          <a:lstStyle/>
+          <a:p>
+            <a:pPr lvl="0"/>
+            <a:r>
+              <a:rPr lang="zh-CN" altLang="en-US" dirty="0"/>
+              <a:t>修改前后的类图</a:t>
+            </a:r>
+            <a:endParaRPr lang="en-US" dirty="0"/>
+          </a:p>
+          <a:p>
+            <a:pPr lvl="0"/>
+            <a:r>
+              <a:rPr lang="zh-CN" altLang="en-US" dirty="0"/>
+              <a:t>在原有基础上的修改</a:t>
+            </a:r>
+            <a:endParaRPr lang="en-US" dirty="0"/>
+          </a:p>
+          <a:p>
+            <a:pPr lvl="0"/>
+            <a:r>
+              <a:rPr lang="zh-CN" altLang="en-US" dirty="0"/>
+              <a:t>一些新增的内容</a:t>
+            </a:r>
+            <a:endParaRPr lang="en-US" altLang="zh-CN" dirty="0"/>
+          </a:p>
+          <a:p>
+            <a:pPr lvl="0"/>
+            <a:r>
+              <a:rPr lang="zh-CN" altLang="en-US" dirty="0"/>
+              <a:t>主要运行界面</a:t>
+            </a:r>
+            <a:endParaRPr lang="en-US" dirty="0"/>
+          </a:p>
+        </p:txBody>
+      </p:sp>
+      <p:sp>
+        <p:nvSpPr>
+          <p:cNvPr id="4" name="Slide Number Placeholder 3">
+            <a:extLst>
+              <a:ext uri="{FF2B5EF4-FFF2-40B4-BE49-F238E27FC236}">
+                <a16:creationId xmlns:a16="http://schemas.microsoft.com/office/drawing/2014/main" id="{9C40017B-9BDF-5D77-335B-2FE0EAEE92E6}"/>
+              </a:ext>
+            </a:extLst>
+          </p:cNvPr>
+          <p:cNvSpPr>
+            <a:spLocks noGrp="1"/>
+          </p:cNvSpPr>
+          <p:nvPr>
+            <p:ph type="sldNum" sz="quarter" idx="12"/>
+          </p:nvPr>
+        </p:nvSpPr>
+        <p:spPr>
+          <a:xfrm>
+            <a:off x="7861300" y="6409690"/>
+            <a:ext cx="3657600" cy="274320"/>
+          </a:xfrm>
+        </p:spPr>
+        <p:txBody>
+          <a:bodyPr/>
+          <a:lstStyle/>
+          <a:p>
+            <a:fld id="{C8BB1146-E542-4D4E-B8E9-6919A11DDD48}" type="slidenum">
+              <a:rPr lang="en-US" smtClean="0"/>
+              <a:pPr/>
+              <a:t>2</a:t>
+            </a:fld>
+            <a:endParaRPr lang="en-US" dirty="0"/>
+          </a:p>
+        </p:txBody>
+      </p:sp>
+    </p:spTree>
+    <p:extLst>
+      <p:ext uri="{BB962C8B-B14F-4D97-AF65-F5344CB8AC3E}">
+        <p14:creationId xmlns:p14="http://schemas.microsoft.com/office/powerpoint/2010/main" val="3361711315"/>
+      </p:ext>
+    </p:extLst>
+  </p:cSld>
+  <p:clrMapOvr>
+    <a:masterClrMapping/>
+  </p:clrMapOvr>
+</p:sld>
+</file>
+
+<file path=ppt/slides/slide20.xml><?xml version="1.0" encoding="utf-8"?>
 <p:sld xmlns:a="http://schemas.openxmlformats.org/drawingml/2006/main" xmlns:r="http://schemas.openxmlformats.org/officeDocument/2006/relationships" xmlns:p="http://schemas.openxmlformats.org/presentationml/2006/main">
   <p:cSld>
     <p:spTree>
@@ -10235,7 +11831,7 @@
 </p:sld>
 </file>
 
-<file path=ppt/slides/slide19.xml><?xml version="1.0" encoding="utf-8"?>
+<file path=ppt/slides/slide21.xml><?xml version="1.0" encoding="utf-8"?>
 <p:sld xmlns:a="http://schemas.openxmlformats.org/drawingml/2006/main" xmlns:r="http://schemas.openxmlformats.org/officeDocument/2006/relationships" xmlns:p="http://schemas.openxmlformats.org/presentationml/2006/main">
   <p:cSld>
     <p:spTree>
@@ -10328,161 +11924,7 @@
 </p:sld>
 </file>
 
-<file path=ppt/slides/slide2.xml><?xml version="1.0" encoding="utf-8"?>
-<p:sld xmlns:a="http://schemas.openxmlformats.org/drawingml/2006/main" xmlns:r="http://schemas.openxmlformats.org/officeDocument/2006/relationships" xmlns:p="http://schemas.openxmlformats.org/presentationml/2006/main">
-  <p:cSld>
-    <p:spTree>
-      <p:nvGrpSpPr>
-        <p:cNvPr id="1" name=""/>
-        <p:cNvGrpSpPr/>
-        <p:nvPr/>
-      </p:nvGrpSpPr>
-      <p:grpSpPr>
-        <a:xfrm>
-          <a:off x="0" y="0"/>
-          <a:ext cx="0" cy="0"/>
-          <a:chOff x="0" y="0"/>
-          <a:chExt cx="0" cy="0"/>
-        </a:xfrm>
-      </p:grpSpPr>
-      <p:sp>
-        <p:nvSpPr>
-          <p:cNvPr id="2" name="Title 1">
-            <a:extLst>
-              <a:ext uri="{FF2B5EF4-FFF2-40B4-BE49-F238E27FC236}">
-                <a16:creationId xmlns:a16="http://schemas.microsoft.com/office/drawing/2014/main" id="{DC824AA1-09D7-EC3A-301E-028F418A25B3}"/>
-              </a:ext>
-            </a:extLst>
-          </p:cNvPr>
-          <p:cNvSpPr>
-            <a:spLocks noGrp="1"/>
-          </p:cNvSpPr>
-          <p:nvPr>
-            <p:ph type="title"/>
-          </p:nvPr>
-        </p:nvSpPr>
-        <p:spPr>
-          <a:xfrm>
-            <a:off x="660400" y="1500187"/>
-            <a:ext cx="2836562" cy="915667"/>
-          </a:xfrm>
-        </p:spPr>
-        <p:txBody>
-          <a:bodyPr/>
-          <a:lstStyle/>
-          <a:p>
-            <a:pPr lvl="0"/>
-            <a:r>
-              <a:rPr lang="en-US"/>
-              <a:t>Agenda</a:t>
-            </a:r>
-          </a:p>
-        </p:txBody>
-      </p:sp>
-      <p:sp>
-        <p:nvSpPr>
-          <p:cNvPr id="3" name="Content Placeholder 2">
-            <a:extLst>
-              <a:ext uri="{FF2B5EF4-FFF2-40B4-BE49-F238E27FC236}">
-                <a16:creationId xmlns:a16="http://schemas.microsoft.com/office/drawing/2014/main" id="{94C7ACB6-4040-4F8E-DAE4-CD916FCA3B1A}"/>
-              </a:ext>
-            </a:extLst>
-          </p:cNvPr>
-          <p:cNvSpPr>
-            <a:spLocks noGrp="1"/>
-          </p:cNvSpPr>
-          <p:nvPr>
-            <p:ph sz="quarter" idx="1"/>
-          </p:nvPr>
-        </p:nvSpPr>
-        <p:spPr>
-          <a:xfrm>
-            <a:off x="3745078" y="1500188"/>
-            <a:ext cx="7773821" cy="4633912"/>
-          </a:xfrm>
-        </p:spPr>
-        <p:txBody>
-          <a:bodyPr/>
-          <a:lstStyle/>
-          <a:p>
-            <a:pPr lvl="0"/>
-            <a:r>
-              <a:rPr lang="en-US"/>
-              <a:t>Subtitle here</a:t>
-            </a:r>
-          </a:p>
-          <a:p>
-            <a:pPr lvl="0"/>
-            <a:r>
-              <a:rPr lang="en-US"/>
-              <a:t>...</a:t>
-            </a:r>
-          </a:p>
-          <a:p>
-            <a:pPr lvl="0"/>
-            <a:r>
-              <a:rPr lang="en-US"/>
-              <a:t>...</a:t>
-            </a:r>
-          </a:p>
-          <a:p>
-            <a:pPr lvl="0"/>
-            <a:r>
-              <a:rPr lang="en-US"/>
-              <a:t>...</a:t>
-            </a:r>
-          </a:p>
-        </p:txBody>
-      </p:sp>
-      <p:sp>
-        <p:nvSpPr>
-          <p:cNvPr id="4" name="Slide Number Placeholder 3">
-            <a:extLst>
-              <a:ext uri="{FF2B5EF4-FFF2-40B4-BE49-F238E27FC236}">
-                <a16:creationId xmlns:a16="http://schemas.microsoft.com/office/drawing/2014/main" id="{9C40017B-9BDF-5D77-335B-2FE0EAEE92E6}"/>
-              </a:ext>
-            </a:extLst>
-          </p:cNvPr>
-          <p:cNvSpPr>
-            <a:spLocks noGrp="1"/>
-          </p:cNvSpPr>
-          <p:nvPr>
-            <p:ph type="sldNum" sz="quarter" idx="12"/>
-          </p:nvPr>
-        </p:nvSpPr>
-        <p:spPr>
-          <a:xfrm>
-            <a:off x="7861300" y="6409690"/>
-            <a:ext cx="3657600" cy="274320"/>
-          </a:xfrm>
-        </p:spPr>
-        <p:txBody>
-          <a:bodyPr/>
-          <a:lstStyle/>
-          <a:p>
-            <a:fld id="{C8BB1146-E542-4D4E-B8E9-6919A11DDD48}" type="slidenum">
-              <a:rPr lang="en-US" smtClean="0"/>
-              <a:pPr/>
-              <a:t>2</a:t>
-            </a:fld>
-            <a:endParaRPr lang="en-US" dirty="0"/>
-          </a:p>
-        </p:txBody>
-      </p:sp>
-    </p:spTree>
-    <p:extLst>
-      <p:ext uri="{BB962C8B-B14F-4D97-AF65-F5344CB8AC3E}">
-        <p14:creationId xmlns:p14="http://schemas.microsoft.com/office/powerpoint/2010/main" val="3361711315"/>
-      </p:ext>
-    </p:extLst>
-  </p:cSld>
-  <p:clrMapOvr>
-    <a:masterClrMapping/>
-  </p:clrMapOvr>
-</p:sld>
-</file>
-
-<file path=ppt/slides/slide20.xml><?xml version="1.0" encoding="utf-8"?>
+<file path=ppt/slides/slide22.xml><?xml version="1.0" encoding="utf-8"?>
 <p:sld xmlns:a="http://schemas.openxmlformats.org/drawingml/2006/main" xmlns:r="http://schemas.openxmlformats.org/officeDocument/2006/relationships" xmlns:p="http://schemas.openxmlformats.org/presentationml/2006/main">
   <p:cSld>
     <p:spTree>
@@ -10728,7 +12170,7 @@
 </p:sld>
 </file>
 
-<file path=ppt/slides/slide21.xml><?xml version="1.0" encoding="utf-8"?>
+<file path=ppt/slides/slide23.xml><?xml version="1.0" encoding="utf-8"?>
 <p:sld xmlns:a="http://schemas.openxmlformats.org/drawingml/2006/main" xmlns:r="http://schemas.openxmlformats.org/officeDocument/2006/relationships" xmlns:p="http://schemas.openxmlformats.org/presentationml/2006/main">
   <p:cSld>
     <p:spTree>
@@ -10843,7 +12285,7 @@
 </p:sld>
 </file>
 
-<file path=ppt/slides/slide22.xml><?xml version="1.0" encoding="utf-8"?>
+<file path=ppt/slides/slide24.xml><?xml version="1.0" encoding="utf-8"?>
 <p:sld xmlns:a="http://schemas.openxmlformats.org/drawingml/2006/main" xmlns:r="http://schemas.openxmlformats.org/officeDocument/2006/relationships" xmlns:p="http://schemas.openxmlformats.org/presentationml/2006/main">
   <p:cSld>
     <p:spTree>
@@ -11006,7 +12448,7 @@
 </p:sld>
 </file>
 
-<file path=ppt/slides/slide23.xml><?xml version="1.0" encoding="utf-8"?>
+<file path=ppt/slides/slide25.xml><?xml version="1.0" encoding="utf-8"?>
 <p:sld xmlns:a="http://schemas.openxmlformats.org/drawingml/2006/main" xmlns:r="http://schemas.openxmlformats.org/officeDocument/2006/relationships" xmlns:p="http://schemas.openxmlformats.org/presentationml/2006/main">
   <p:cSld>
     <p:spTree>
@@ -11156,7 +12598,7 @@
 </p:sld>
 </file>
 
-<file path=ppt/slides/slide24.xml><?xml version="1.0" encoding="utf-8"?>
+<file path=ppt/slides/slide26.xml><?xml version="1.0" encoding="utf-8"?>
 <p:sld xmlns:a="http://schemas.openxmlformats.org/drawingml/2006/main" xmlns:r="http://schemas.openxmlformats.org/officeDocument/2006/relationships" xmlns:p="http://schemas.openxmlformats.org/presentationml/2006/main">
   <p:cSld>
     <p:spTree>
@@ -11360,7 +12802,7 @@
             <a:pPr lvl="0"/>
             <a:r>
               <a:rPr lang="zh-CN" altLang="en-US" dirty="0"/>
-              <a:t>修改前的类图</a:t>
+              <a:t>修改前后的类图</a:t>
             </a:r>
             <a:endParaRPr lang="en-US" dirty="0"/>
           </a:p>
@@ -12158,7 +13600,7 @@
           <p:nvPr/>
         </p:nvPicPr>
         <p:blipFill>
-          <a:blip r:embed="rId2"/>
+          <a:blip r:embed="rId3"/>
           <a:stretch>
             <a:fillRect/>
           </a:stretch>
@@ -12253,7 +13695,7 @@
           <p:nvPr/>
         </p:nvPicPr>
         <p:blipFill>
-          <a:blip r:embed="rId3"/>
+          <a:blip r:embed="rId4"/>
           <a:stretch>
             <a:fillRect/>
           </a:stretch>
@@ -13025,7 +14467,7 @@
           <p:nvPr/>
         </p:nvPicPr>
         <p:blipFill>
-          <a:blip r:embed="rId2"/>
+          <a:blip r:embed="rId3"/>
           <a:stretch>
             <a:fillRect/>
           </a:stretch>
@@ -13070,25 +14512,25 @@
         <a:srgbClr val="F0F0F0"/>
       </a:lt2>
       <a:accent1>
-        <a:srgbClr val="4381DD"/>
+        <a:srgbClr val="F84D4D"/>
       </a:accent1>
       <a:accent2>
-        <a:srgbClr val="62CB78"/>
+        <a:srgbClr val="FF6B42"/>
       </a:accent2>
       <a:accent3>
-        <a:srgbClr val="44B4CF"/>
+        <a:srgbClr val="5BA3EB"/>
       </a:accent3>
       <a:accent4>
-        <a:srgbClr val="7995D8"/>
+        <a:srgbClr val="06BB9A"/>
       </a:accent4>
       <a:accent5>
-        <a:srgbClr val="9FAFB9"/>
+        <a:srgbClr val="8E7EF0"/>
       </a:accent5>
       <a:accent6>
-        <a:srgbClr val="B4BEC7"/>
+        <a:srgbClr val="F4B919"/>
       </a:accent6>
       <a:hlink>
-        <a:srgbClr val="564EF8"/>
+        <a:srgbClr val="4472C4"/>
       </a:hlink>
       <a:folHlink>
         <a:srgbClr val="BFBFBF"/>
@@ -13379,31 +14821,31 @@
         <a:srgbClr val="FFFFFF"/>
       </a:lt1>
       <a:dk2>
-        <a:srgbClr val="768394"/>
+        <a:srgbClr val="778495"/>
       </a:dk2>
       <a:lt2>
         <a:srgbClr val="F0F0F0"/>
       </a:lt2>
       <a:accent1>
-        <a:srgbClr val="273F5C"/>
+        <a:srgbClr val="F84D4D"/>
       </a:accent1>
       <a:accent2>
-        <a:srgbClr val="1789F5"/>
+        <a:srgbClr val="FF6B42"/>
       </a:accent2>
       <a:accent3>
-        <a:srgbClr val="1CDDC2"/>
+        <a:srgbClr val="5BA3EB"/>
       </a:accent3>
       <a:accent4>
-        <a:srgbClr val="FFB22F"/>
+        <a:srgbClr val="06BB9A"/>
       </a:accent4>
       <a:accent5>
-        <a:srgbClr val="8534FE"/>
+        <a:srgbClr val="8E7EF0"/>
       </a:accent5>
       <a:accent6>
-        <a:srgbClr val="393939"/>
+        <a:srgbClr val="F4B919"/>
       </a:accent6>
       <a:hlink>
-        <a:srgbClr val="4276AA"/>
+        <a:srgbClr val="4472C4"/>
       </a:hlink>
       <a:folHlink>
         <a:srgbClr val="BFBFBF"/>
@@ -13886,7 +15328,7 @@
 
 <file path=ppt/theme/themeOverride1.xml><?xml version="1.0" encoding="utf-8"?>
 <a:themeOverride xmlns:a="http://schemas.openxmlformats.org/drawingml/2006/main">
-  <a:clrScheme name="Office">
+  <a:clrScheme name="iSlide">
     <a:dk1>
       <a:srgbClr val="000000"/>
     </a:dk1>
@@ -13900,25 +15342,25 @@
       <a:srgbClr val="F0F0F0"/>
     </a:lt2>
     <a:accent1>
-      <a:srgbClr val="4381DD"/>
+      <a:srgbClr val="F84D4D"/>
     </a:accent1>
     <a:accent2>
-      <a:srgbClr val="62CB78"/>
+      <a:srgbClr val="FF6B42"/>
     </a:accent2>
     <a:accent3>
-      <a:srgbClr val="44B4CF"/>
+      <a:srgbClr val="5BA3EB"/>
     </a:accent3>
     <a:accent4>
-      <a:srgbClr val="7995D8"/>
+      <a:srgbClr val="06BB9A"/>
     </a:accent4>
     <a:accent5>
-      <a:srgbClr val="9FAFB9"/>
+      <a:srgbClr val="8E7EF0"/>
     </a:accent5>
     <a:accent6>
-      <a:srgbClr val="B4BEC7"/>
+      <a:srgbClr val="F4B919"/>
     </a:accent6>
     <a:hlink>
-      <a:srgbClr val="564EF8"/>
+      <a:srgbClr val="4472C4"/>
     </a:hlink>
     <a:folHlink>
       <a:srgbClr val="BFBFBF"/>
@@ -13943,25 +15385,25 @@
       <a:srgbClr val="F0F0F0"/>
     </a:lt2>
     <a:accent1>
-      <a:srgbClr val="4381DD"/>
+      <a:srgbClr val="F84D4D"/>
     </a:accent1>
     <a:accent2>
-      <a:srgbClr val="62CB78"/>
+      <a:srgbClr val="FF6B42"/>
     </a:accent2>
     <a:accent3>
-      <a:srgbClr val="44B4CF"/>
+      <a:srgbClr val="5BA3EB"/>
     </a:accent3>
     <a:accent4>
-      <a:srgbClr val="7995D8"/>
+      <a:srgbClr val="06BB9A"/>
     </a:accent4>
     <a:accent5>
-      <a:srgbClr val="9FAFB9"/>
+      <a:srgbClr val="8E7EF0"/>
     </a:accent5>
     <a:accent6>
-      <a:srgbClr val="B4BEC7"/>
+      <a:srgbClr val="F4B919"/>
     </a:accent6>
     <a:hlink>
-      <a:srgbClr val="564EF8"/>
+      <a:srgbClr val="4472C4"/>
     </a:hlink>
     <a:folHlink>
       <a:srgbClr val="BFBFBF"/>
@@ -13986,25 +15428,25 @@
       <a:srgbClr val="F0F0F0"/>
     </a:lt2>
     <a:accent1>
-      <a:srgbClr val="4381DD"/>
+      <a:srgbClr val="F84D4D"/>
     </a:accent1>
     <a:accent2>
-      <a:srgbClr val="62CB78"/>
+      <a:srgbClr val="FF6B42"/>
     </a:accent2>
     <a:accent3>
-      <a:srgbClr val="44B4CF"/>
+      <a:srgbClr val="5BA3EB"/>
     </a:accent3>
     <a:accent4>
-      <a:srgbClr val="7995D8"/>
+      <a:srgbClr val="06BB9A"/>
     </a:accent4>
     <a:accent5>
-      <a:srgbClr val="9FAFB9"/>
+      <a:srgbClr val="8E7EF0"/>
     </a:accent5>
     <a:accent6>
-      <a:srgbClr val="B4BEC7"/>
+      <a:srgbClr val="F4B919"/>
     </a:accent6>
     <a:hlink>
-      <a:srgbClr val="564EF8"/>
+      <a:srgbClr val="4472C4"/>
     </a:hlink>
     <a:folHlink>
       <a:srgbClr val="BFBFBF"/>
@@ -14014,6 +15456,135 @@
 </file>
 
 <file path=ppt/theme/themeOverride12.xml><?xml version="1.0" encoding="utf-8"?>
+<a:themeOverride xmlns:a="http://schemas.openxmlformats.org/drawingml/2006/main">
+  <a:clrScheme name="iSlide">
+    <a:dk1>
+      <a:srgbClr val="000000"/>
+    </a:dk1>
+    <a:lt1>
+      <a:srgbClr val="FFFFFF"/>
+    </a:lt1>
+    <a:dk2>
+      <a:srgbClr val="778495"/>
+    </a:dk2>
+    <a:lt2>
+      <a:srgbClr val="F0F0F0"/>
+    </a:lt2>
+    <a:accent1>
+      <a:srgbClr val="F84D4D"/>
+    </a:accent1>
+    <a:accent2>
+      <a:srgbClr val="FF6B42"/>
+    </a:accent2>
+    <a:accent3>
+      <a:srgbClr val="5BA3EB"/>
+    </a:accent3>
+    <a:accent4>
+      <a:srgbClr val="06BB9A"/>
+    </a:accent4>
+    <a:accent5>
+      <a:srgbClr val="8E7EF0"/>
+    </a:accent5>
+    <a:accent6>
+      <a:srgbClr val="F4B919"/>
+    </a:accent6>
+    <a:hlink>
+      <a:srgbClr val="4472C4"/>
+    </a:hlink>
+    <a:folHlink>
+      <a:srgbClr val="BFBFBF"/>
+    </a:folHlink>
+  </a:clrScheme>
+</a:themeOverride>
+</file>
+
+<file path=ppt/theme/themeOverride13.xml><?xml version="1.0" encoding="utf-8"?>
+<a:themeOverride xmlns:a="http://schemas.openxmlformats.org/drawingml/2006/main">
+  <a:clrScheme name="iSlide">
+    <a:dk1>
+      <a:srgbClr val="000000"/>
+    </a:dk1>
+    <a:lt1>
+      <a:srgbClr val="FFFFFF"/>
+    </a:lt1>
+    <a:dk2>
+      <a:srgbClr val="778495"/>
+    </a:dk2>
+    <a:lt2>
+      <a:srgbClr val="F0F0F0"/>
+    </a:lt2>
+    <a:accent1>
+      <a:srgbClr val="F84D4D"/>
+    </a:accent1>
+    <a:accent2>
+      <a:srgbClr val="FF6B42"/>
+    </a:accent2>
+    <a:accent3>
+      <a:srgbClr val="5BA3EB"/>
+    </a:accent3>
+    <a:accent4>
+      <a:srgbClr val="06BB9A"/>
+    </a:accent4>
+    <a:accent5>
+      <a:srgbClr val="8E7EF0"/>
+    </a:accent5>
+    <a:accent6>
+      <a:srgbClr val="F4B919"/>
+    </a:accent6>
+    <a:hlink>
+      <a:srgbClr val="4472C4"/>
+    </a:hlink>
+    <a:folHlink>
+      <a:srgbClr val="BFBFBF"/>
+    </a:folHlink>
+  </a:clrScheme>
+</a:themeOverride>
+</file>
+
+<file path=ppt/theme/themeOverride14.xml><?xml version="1.0" encoding="utf-8"?>
+<a:themeOverride xmlns:a="http://schemas.openxmlformats.org/drawingml/2006/main">
+  <a:clrScheme name="iSlide">
+    <a:dk1>
+      <a:srgbClr val="000000"/>
+    </a:dk1>
+    <a:lt1>
+      <a:srgbClr val="FFFFFF"/>
+    </a:lt1>
+    <a:dk2>
+      <a:srgbClr val="778495"/>
+    </a:dk2>
+    <a:lt2>
+      <a:srgbClr val="F0F0F0"/>
+    </a:lt2>
+    <a:accent1>
+      <a:srgbClr val="F84D4D"/>
+    </a:accent1>
+    <a:accent2>
+      <a:srgbClr val="FF6B42"/>
+    </a:accent2>
+    <a:accent3>
+      <a:srgbClr val="5BA3EB"/>
+    </a:accent3>
+    <a:accent4>
+      <a:srgbClr val="06BB9A"/>
+    </a:accent4>
+    <a:accent5>
+      <a:srgbClr val="8E7EF0"/>
+    </a:accent5>
+    <a:accent6>
+      <a:srgbClr val="F4B919"/>
+    </a:accent6>
+    <a:hlink>
+      <a:srgbClr val="4472C4"/>
+    </a:hlink>
+    <a:folHlink>
+      <a:srgbClr val="BFBFBF"/>
+    </a:folHlink>
+  </a:clrScheme>
+</a:themeOverride>
+</file>
+
+<file path=ppt/theme/themeOverride15.xml><?xml version="1.0" encoding="utf-8"?>
 <a:themeOverride xmlns:a="http://schemas.openxmlformats.org/drawingml/2006/main">
   <a:clrScheme name="Office">
     <a:dk1>
@@ -14029,25 +15600,25 @@
       <a:srgbClr val="F0F0F0"/>
     </a:lt2>
     <a:accent1>
-      <a:srgbClr val="4381DD"/>
+      <a:srgbClr val="F84D4D"/>
     </a:accent1>
     <a:accent2>
-      <a:srgbClr val="62CB78"/>
+      <a:srgbClr val="FF6B42"/>
     </a:accent2>
     <a:accent3>
-      <a:srgbClr val="44B4CF"/>
+      <a:srgbClr val="5BA3EB"/>
     </a:accent3>
     <a:accent4>
-      <a:srgbClr val="7995D8"/>
+      <a:srgbClr val="06BB9A"/>
     </a:accent4>
     <a:accent5>
-      <a:srgbClr val="9FAFB9"/>
+      <a:srgbClr val="8E7EF0"/>
     </a:accent5>
     <a:accent6>
-      <a:srgbClr val="B4BEC7"/>
+      <a:srgbClr val="F4B919"/>
     </a:accent6>
     <a:hlink>
-      <a:srgbClr val="564EF8"/>
+      <a:srgbClr val="4472C4"/>
     </a:hlink>
     <a:folHlink>
       <a:srgbClr val="BFBFBF"/>
@@ -14056,7 +15627,50 @@
 </a:themeOverride>
 </file>
 
-<file path=ppt/theme/themeOverride2.xml><?xml version="1.0" encoding="utf-8"?>
+<file path=ppt/theme/themeOverride16.xml><?xml version="1.0" encoding="utf-8"?>
+<a:themeOverride xmlns:a="http://schemas.openxmlformats.org/drawingml/2006/main">
+  <a:clrScheme name="iSlide">
+    <a:dk1>
+      <a:srgbClr val="000000"/>
+    </a:dk1>
+    <a:lt1>
+      <a:srgbClr val="FFFFFF"/>
+    </a:lt1>
+    <a:dk2>
+      <a:srgbClr val="778495"/>
+    </a:dk2>
+    <a:lt2>
+      <a:srgbClr val="F0F0F0"/>
+    </a:lt2>
+    <a:accent1>
+      <a:srgbClr val="F84D4D"/>
+    </a:accent1>
+    <a:accent2>
+      <a:srgbClr val="FF6B42"/>
+    </a:accent2>
+    <a:accent3>
+      <a:srgbClr val="5BA3EB"/>
+    </a:accent3>
+    <a:accent4>
+      <a:srgbClr val="06BB9A"/>
+    </a:accent4>
+    <a:accent5>
+      <a:srgbClr val="8E7EF0"/>
+    </a:accent5>
+    <a:accent6>
+      <a:srgbClr val="F4B919"/>
+    </a:accent6>
+    <a:hlink>
+      <a:srgbClr val="4472C4"/>
+    </a:hlink>
+    <a:folHlink>
+      <a:srgbClr val="BFBFBF"/>
+    </a:folHlink>
+  </a:clrScheme>
+</a:themeOverride>
+</file>
+
+<file path=ppt/theme/themeOverride17.xml><?xml version="1.0" encoding="utf-8"?>
 <a:themeOverride xmlns:a="http://schemas.openxmlformats.org/drawingml/2006/main">
   <a:clrScheme name="Office">
     <a:dk1>
@@ -14072,25 +15686,25 @@
       <a:srgbClr val="F0F0F0"/>
     </a:lt2>
     <a:accent1>
-      <a:srgbClr val="4381DD"/>
+      <a:srgbClr val="F84D4D"/>
     </a:accent1>
     <a:accent2>
-      <a:srgbClr val="62CB78"/>
+      <a:srgbClr val="FF6B42"/>
     </a:accent2>
     <a:accent3>
-      <a:srgbClr val="44B4CF"/>
+      <a:srgbClr val="5BA3EB"/>
     </a:accent3>
     <a:accent4>
-      <a:srgbClr val="7995D8"/>
+      <a:srgbClr val="06BB9A"/>
     </a:accent4>
     <a:accent5>
-      <a:srgbClr val="9FAFB9"/>
+      <a:srgbClr val="8E7EF0"/>
     </a:accent5>
     <a:accent6>
-      <a:srgbClr val="B4BEC7"/>
+      <a:srgbClr val="F4B919"/>
     </a:accent6>
     <a:hlink>
-      <a:srgbClr val="564EF8"/>
+      <a:srgbClr val="4472C4"/>
     </a:hlink>
     <a:folHlink>
       <a:srgbClr val="BFBFBF"/>
@@ -14099,7 +15713,7 @@
 </a:themeOverride>
 </file>
 
-<file path=ppt/theme/themeOverride3.xml><?xml version="1.0" encoding="utf-8"?>
+<file path=ppt/theme/themeOverride18.xml><?xml version="1.0" encoding="utf-8"?>
 <a:themeOverride xmlns:a="http://schemas.openxmlformats.org/drawingml/2006/main">
   <a:clrScheme name="Office">
     <a:dk1>
@@ -14115,25 +15729,412 @@
       <a:srgbClr val="F0F0F0"/>
     </a:lt2>
     <a:accent1>
-      <a:srgbClr val="4381DD"/>
+      <a:srgbClr val="F84D4D"/>
     </a:accent1>
     <a:accent2>
-      <a:srgbClr val="62CB78"/>
+      <a:srgbClr val="FF6B42"/>
     </a:accent2>
     <a:accent3>
-      <a:srgbClr val="44B4CF"/>
+      <a:srgbClr val="5BA3EB"/>
     </a:accent3>
     <a:accent4>
-      <a:srgbClr val="7995D8"/>
+      <a:srgbClr val="06BB9A"/>
     </a:accent4>
     <a:accent5>
-      <a:srgbClr val="9FAFB9"/>
+      <a:srgbClr val="8E7EF0"/>
     </a:accent5>
     <a:accent6>
-      <a:srgbClr val="B4BEC7"/>
+      <a:srgbClr val="F4B919"/>
     </a:accent6>
     <a:hlink>
-      <a:srgbClr val="564EF8"/>
+      <a:srgbClr val="4472C4"/>
+    </a:hlink>
+    <a:folHlink>
+      <a:srgbClr val="BFBFBF"/>
+    </a:folHlink>
+  </a:clrScheme>
+</a:themeOverride>
+</file>
+
+<file path=ppt/theme/themeOverride19.xml><?xml version="1.0" encoding="utf-8"?>
+<a:themeOverride xmlns:a="http://schemas.openxmlformats.org/drawingml/2006/main">
+  <a:clrScheme name="iSlide">
+    <a:dk1>
+      <a:srgbClr val="000000"/>
+    </a:dk1>
+    <a:lt1>
+      <a:srgbClr val="FFFFFF"/>
+    </a:lt1>
+    <a:dk2>
+      <a:srgbClr val="778495"/>
+    </a:dk2>
+    <a:lt2>
+      <a:srgbClr val="F0F0F0"/>
+    </a:lt2>
+    <a:accent1>
+      <a:srgbClr val="F84D4D"/>
+    </a:accent1>
+    <a:accent2>
+      <a:srgbClr val="FF6B42"/>
+    </a:accent2>
+    <a:accent3>
+      <a:srgbClr val="5BA3EB"/>
+    </a:accent3>
+    <a:accent4>
+      <a:srgbClr val="06BB9A"/>
+    </a:accent4>
+    <a:accent5>
+      <a:srgbClr val="8E7EF0"/>
+    </a:accent5>
+    <a:accent6>
+      <a:srgbClr val="F4B919"/>
+    </a:accent6>
+    <a:hlink>
+      <a:srgbClr val="4472C4"/>
+    </a:hlink>
+    <a:folHlink>
+      <a:srgbClr val="BFBFBF"/>
+    </a:folHlink>
+  </a:clrScheme>
+</a:themeOverride>
+</file>
+
+<file path=ppt/theme/themeOverride2.xml><?xml version="1.0" encoding="utf-8"?>
+<a:themeOverride xmlns:a="http://schemas.openxmlformats.org/drawingml/2006/main">
+  <a:clrScheme name="iSlide">
+    <a:dk1>
+      <a:srgbClr val="000000"/>
+    </a:dk1>
+    <a:lt1>
+      <a:srgbClr val="FFFFFF"/>
+    </a:lt1>
+    <a:dk2>
+      <a:srgbClr val="778495"/>
+    </a:dk2>
+    <a:lt2>
+      <a:srgbClr val="F0F0F0"/>
+    </a:lt2>
+    <a:accent1>
+      <a:srgbClr val="F84D4D"/>
+    </a:accent1>
+    <a:accent2>
+      <a:srgbClr val="FF6B42"/>
+    </a:accent2>
+    <a:accent3>
+      <a:srgbClr val="5BA3EB"/>
+    </a:accent3>
+    <a:accent4>
+      <a:srgbClr val="06BB9A"/>
+    </a:accent4>
+    <a:accent5>
+      <a:srgbClr val="8E7EF0"/>
+    </a:accent5>
+    <a:accent6>
+      <a:srgbClr val="F4B919"/>
+    </a:accent6>
+    <a:hlink>
+      <a:srgbClr val="4472C4"/>
+    </a:hlink>
+    <a:folHlink>
+      <a:srgbClr val="BFBFBF"/>
+    </a:folHlink>
+  </a:clrScheme>
+</a:themeOverride>
+</file>
+
+<file path=ppt/theme/themeOverride20.xml><?xml version="1.0" encoding="utf-8"?>
+<a:themeOverride xmlns:a="http://schemas.openxmlformats.org/drawingml/2006/main">
+  <a:clrScheme name="Office">
+    <a:dk1>
+      <a:srgbClr val="000000"/>
+    </a:dk1>
+    <a:lt1>
+      <a:srgbClr val="FFFFFF"/>
+    </a:lt1>
+    <a:dk2>
+      <a:srgbClr val="778495"/>
+    </a:dk2>
+    <a:lt2>
+      <a:srgbClr val="F0F0F0"/>
+    </a:lt2>
+    <a:accent1>
+      <a:srgbClr val="F84D4D"/>
+    </a:accent1>
+    <a:accent2>
+      <a:srgbClr val="FF6B42"/>
+    </a:accent2>
+    <a:accent3>
+      <a:srgbClr val="5BA3EB"/>
+    </a:accent3>
+    <a:accent4>
+      <a:srgbClr val="06BB9A"/>
+    </a:accent4>
+    <a:accent5>
+      <a:srgbClr val="8E7EF0"/>
+    </a:accent5>
+    <a:accent6>
+      <a:srgbClr val="F4B919"/>
+    </a:accent6>
+    <a:hlink>
+      <a:srgbClr val="4472C4"/>
+    </a:hlink>
+    <a:folHlink>
+      <a:srgbClr val="BFBFBF"/>
+    </a:folHlink>
+  </a:clrScheme>
+</a:themeOverride>
+</file>
+
+<file path=ppt/theme/themeOverride21.xml><?xml version="1.0" encoding="utf-8"?>
+<a:themeOverride xmlns:a="http://schemas.openxmlformats.org/drawingml/2006/main">
+  <a:clrScheme name="Office">
+    <a:dk1>
+      <a:srgbClr val="000000"/>
+    </a:dk1>
+    <a:lt1>
+      <a:srgbClr val="FFFFFF"/>
+    </a:lt1>
+    <a:dk2>
+      <a:srgbClr val="778495"/>
+    </a:dk2>
+    <a:lt2>
+      <a:srgbClr val="F0F0F0"/>
+    </a:lt2>
+    <a:accent1>
+      <a:srgbClr val="F84D4D"/>
+    </a:accent1>
+    <a:accent2>
+      <a:srgbClr val="FF6B42"/>
+    </a:accent2>
+    <a:accent3>
+      <a:srgbClr val="5BA3EB"/>
+    </a:accent3>
+    <a:accent4>
+      <a:srgbClr val="06BB9A"/>
+    </a:accent4>
+    <a:accent5>
+      <a:srgbClr val="8E7EF0"/>
+    </a:accent5>
+    <a:accent6>
+      <a:srgbClr val="F4B919"/>
+    </a:accent6>
+    <a:hlink>
+      <a:srgbClr val="4472C4"/>
+    </a:hlink>
+    <a:folHlink>
+      <a:srgbClr val="BFBFBF"/>
+    </a:folHlink>
+  </a:clrScheme>
+</a:themeOverride>
+</file>
+
+<file path=ppt/theme/themeOverride22.xml><?xml version="1.0" encoding="utf-8"?>
+<a:themeOverride xmlns:a="http://schemas.openxmlformats.org/drawingml/2006/main">
+  <a:clrScheme name="Office">
+    <a:dk1>
+      <a:srgbClr val="000000"/>
+    </a:dk1>
+    <a:lt1>
+      <a:srgbClr val="FFFFFF"/>
+    </a:lt1>
+    <a:dk2>
+      <a:srgbClr val="778495"/>
+    </a:dk2>
+    <a:lt2>
+      <a:srgbClr val="F0F0F0"/>
+    </a:lt2>
+    <a:accent1>
+      <a:srgbClr val="F84D4D"/>
+    </a:accent1>
+    <a:accent2>
+      <a:srgbClr val="FF6B42"/>
+    </a:accent2>
+    <a:accent3>
+      <a:srgbClr val="5BA3EB"/>
+    </a:accent3>
+    <a:accent4>
+      <a:srgbClr val="06BB9A"/>
+    </a:accent4>
+    <a:accent5>
+      <a:srgbClr val="8E7EF0"/>
+    </a:accent5>
+    <a:accent6>
+      <a:srgbClr val="F4B919"/>
+    </a:accent6>
+    <a:hlink>
+      <a:srgbClr val="4472C4"/>
+    </a:hlink>
+    <a:folHlink>
+      <a:srgbClr val="BFBFBF"/>
+    </a:folHlink>
+  </a:clrScheme>
+</a:themeOverride>
+</file>
+
+<file path=ppt/theme/themeOverride23.xml><?xml version="1.0" encoding="utf-8"?>
+<a:themeOverride xmlns:a="http://schemas.openxmlformats.org/drawingml/2006/main">
+  <a:clrScheme name="Office">
+    <a:dk1>
+      <a:srgbClr val="000000"/>
+    </a:dk1>
+    <a:lt1>
+      <a:srgbClr val="FFFFFF"/>
+    </a:lt1>
+    <a:dk2>
+      <a:srgbClr val="778495"/>
+    </a:dk2>
+    <a:lt2>
+      <a:srgbClr val="F0F0F0"/>
+    </a:lt2>
+    <a:accent1>
+      <a:srgbClr val="F84D4D"/>
+    </a:accent1>
+    <a:accent2>
+      <a:srgbClr val="FF6B42"/>
+    </a:accent2>
+    <a:accent3>
+      <a:srgbClr val="5BA3EB"/>
+    </a:accent3>
+    <a:accent4>
+      <a:srgbClr val="06BB9A"/>
+    </a:accent4>
+    <a:accent5>
+      <a:srgbClr val="8E7EF0"/>
+    </a:accent5>
+    <a:accent6>
+      <a:srgbClr val="F4B919"/>
+    </a:accent6>
+    <a:hlink>
+      <a:srgbClr val="4472C4"/>
+    </a:hlink>
+    <a:folHlink>
+      <a:srgbClr val="BFBFBF"/>
+    </a:folHlink>
+  </a:clrScheme>
+</a:themeOverride>
+</file>
+
+<file path=ppt/theme/themeOverride24.xml><?xml version="1.0" encoding="utf-8"?>
+<a:themeOverride xmlns:a="http://schemas.openxmlformats.org/drawingml/2006/main">
+  <a:clrScheme name="Office">
+    <a:dk1>
+      <a:srgbClr val="000000"/>
+    </a:dk1>
+    <a:lt1>
+      <a:srgbClr val="FFFFFF"/>
+    </a:lt1>
+    <a:dk2>
+      <a:srgbClr val="778495"/>
+    </a:dk2>
+    <a:lt2>
+      <a:srgbClr val="F0F0F0"/>
+    </a:lt2>
+    <a:accent1>
+      <a:srgbClr val="F84D4D"/>
+    </a:accent1>
+    <a:accent2>
+      <a:srgbClr val="FF6B42"/>
+    </a:accent2>
+    <a:accent3>
+      <a:srgbClr val="5BA3EB"/>
+    </a:accent3>
+    <a:accent4>
+      <a:srgbClr val="06BB9A"/>
+    </a:accent4>
+    <a:accent5>
+      <a:srgbClr val="8E7EF0"/>
+    </a:accent5>
+    <a:accent6>
+      <a:srgbClr val="F4B919"/>
+    </a:accent6>
+    <a:hlink>
+      <a:srgbClr val="4472C4"/>
+    </a:hlink>
+    <a:folHlink>
+      <a:srgbClr val="BFBFBF"/>
+    </a:folHlink>
+  </a:clrScheme>
+</a:themeOverride>
+</file>
+
+<file path=ppt/theme/themeOverride25.xml><?xml version="1.0" encoding="utf-8"?>
+<a:themeOverride xmlns:a="http://schemas.openxmlformats.org/drawingml/2006/main">
+  <a:clrScheme name="Office">
+    <a:dk1>
+      <a:srgbClr val="000000"/>
+    </a:dk1>
+    <a:lt1>
+      <a:srgbClr val="FFFFFF"/>
+    </a:lt1>
+    <a:dk2>
+      <a:srgbClr val="778495"/>
+    </a:dk2>
+    <a:lt2>
+      <a:srgbClr val="F0F0F0"/>
+    </a:lt2>
+    <a:accent1>
+      <a:srgbClr val="F84D4D"/>
+    </a:accent1>
+    <a:accent2>
+      <a:srgbClr val="FF6B42"/>
+    </a:accent2>
+    <a:accent3>
+      <a:srgbClr val="5BA3EB"/>
+    </a:accent3>
+    <a:accent4>
+      <a:srgbClr val="06BB9A"/>
+    </a:accent4>
+    <a:accent5>
+      <a:srgbClr val="8E7EF0"/>
+    </a:accent5>
+    <a:accent6>
+      <a:srgbClr val="F4B919"/>
+    </a:accent6>
+    <a:hlink>
+      <a:srgbClr val="4472C4"/>
+    </a:hlink>
+    <a:folHlink>
+      <a:srgbClr val="BFBFBF"/>
+    </a:folHlink>
+  </a:clrScheme>
+</a:themeOverride>
+</file>
+
+<file path=ppt/theme/themeOverride3.xml><?xml version="1.0" encoding="utf-8"?>
+<a:themeOverride xmlns:a="http://schemas.openxmlformats.org/drawingml/2006/main">
+  <a:clrScheme name="iSlide">
+    <a:dk1>
+      <a:srgbClr val="000000"/>
+    </a:dk1>
+    <a:lt1>
+      <a:srgbClr val="FFFFFF"/>
+    </a:lt1>
+    <a:dk2>
+      <a:srgbClr val="778495"/>
+    </a:dk2>
+    <a:lt2>
+      <a:srgbClr val="F0F0F0"/>
+    </a:lt2>
+    <a:accent1>
+      <a:srgbClr val="F84D4D"/>
+    </a:accent1>
+    <a:accent2>
+      <a:srgbClr val="FF6B42"/>
+    </a:accent2>
+    <a:accent3>
+      <a:srgbClr val="5BA3EB"/>
+    </a:accent3>
+    <a:accent4>
+      <a:srgbClr val="06BB9A"/>
+    </a:accent4>
+    <a:accent5>
+      <a:srgbClr val="8E7EF0"/>
+    </a:accent5>
+    <a:accent6>
+      <a:srgbClr val="F4B919"/>
+    </a:accent6>
+    <a:hlink>
+      <a:srgbClr val="4472C4"/>
     </a:hlink>
     <a:folHlink>
       <a:srgbClr val="BFBFBF"/>
@@ -14158,25 +16159,25 @@
       <a:srgbClr val="F0F0F0"/>
     </a:lt2>
     <a:accent1>
-      <a:srgbClr val="4381DD"/>
+      <a:srgbClr val="F84D4D"/>
     </a:accent1>
     <a:accent2>
-      <a:srgbClr val="62CB78"/>
+      <a:srgbClr val="FF6B42"/>
     </a:accent2>
     <a:accent3>
-      <a:srgbClr val="44B4CF"/>
+      <a:srgbClr val="5BA3EB"/>
     </a:accent3>
     <a:accent4>
-      <a:srgbClr val="7995D8"/>
+      <a:srgbClr val="06BB9A"/>
     </a:accent4>
     <a:accent5>
-      <a:srgbClr val="9FAFB9"/>
+      <a:srgbClr val="8E7EF0"/>
     </a:accent5>
     <a:accent6>
-      <a:srgbClr val="B4BEC7"/>
+      <a:srgbClr val="F4B919"/>
     </a:accent6>
     <a:hlink>
-      <a:srgbClr val="564EF8"/>
+      <a:srgbClr val="4472C4"/>
     </a:hlink>
     <a:folHlink>
       <a:srgbClr val="BFBFBF"/>
@@ -14187,7 +16188,7 @@
 
 <file path=ppt/theme/themeOverride5.xml><?xml version="1.0" encoding="utf-8"?>
 <a:themeOverride xmlns:a="http://schemas.openxmlformats.org/drawingml/2006/main">
-  <a:clrScheme name="Office">
+  <a:clrScheme name="iSlide">
     <a:dk1>
       <a:srgbClr val="000000"/>
     </a:dk1>
@@ -14201,25 +16202,25 @@
       <a:srgbClr val="F0F0F0"/>
     </a:lt2>
     <a:accent1>
-      <a:srgbClr val="4381DD"/>
+      <a:srgbClr val="F84D4D"/>
     </a:accent1>
     <a:accent2>
-      <a:srgbClr val="62CB78"/>
+      <a:srgbClr val="FF6B42"/>
     </a:accent2>
     <a:accent3>
-      <a:srgbClr val="44B4CF"/>
+      <a:srgbClr val="5BA3EB"/>
     </a:accent3>
     <a:accent4>
-      <a:srgbClr val="7995D8"/>
+      <a:srgbClr val="06BB9A"/>
     </a:accent4>
     <a:accent5>
-      <a:srgbClr val="9FAFB9"/>
+      <a:srgbClr val="8E7EF0"/>
     </a:accent5>
     <a:accent6>
-      <a:srgbClr val="B4BEC7"/>
+      <a:srgbClr val="F4B919"/>
     </a:accent6>
     <a:hlink>
-      <a:srgbClr val="564EF8"/>
+      <a:srgbClr val="4472C4"/>
     </a:hlink>
     <a:folHlink>
       <a:srgbClr val="BFBFBF"/>
@@ -14244,25 +16245,25 @@
       <a:srgbClr val="F0F0F0"/>
     </a:lt2>
     <a:accent1>
-      <a:srgbClr val="4381DD"/>
+      <a:srgbClr val="F84D4D"/>
     </a:accent1>
     <a:accent2>
-      <a:srgbClr val="62CB78"/>
+      <a:srgbClr val="FF6B42"/>
     </a:accent2>
     <a:accent3>
-      <a:srgbClr val="44B4CF"/>
+      <a:srgbClr val="5BA3EB"/>
     </a:accent3>
     <a:accent4>
-      <a:srgbClr val="7995D8"/>
+      <a:srgbClr val="06BB9A"/>
     </a:accent4>
     <a:accent5>
-      <a:srgbClr val="9FAFB9"/>
+      <a:srgbClr val="8E7EF0"/>
     </a:accent5>
     <a:accent6>
-      <a:srgbClr val="B4BEC7"/>
+      <a:srgbClr val="F4B919"/>
     </a:accent6>
     <a:hlink>
-      <a:srgbClr val="564EF8"/>
+      <a:srgbClr val="4472C4"/>
     </a:hlink>
     <a:folHlink>
       <a:srgbClr val="BFBFBF"/>
@@ -14287,25 +16288,25 @@
       <a:srgbClr val="F0F0F0"/>
     </a:lt2>
     <a:accent1>
-      <a:srgbClr val="4381DD"/>
+      <a:srgbClr val="F84D4D"/>
     </a:accent1>
     <a:accent2>
-      <a:srgbClr val="62CB78"/>
+      <a:srgbClr val="FF6B42"/>
     </a:accent2>
     <a:accent3>
-      <a:srgbClr val="44B4CF"/>
+      <a:srgbClr val="5BA3EB"/>
     </a:accent3>
     <a:accent4>
-      <a:srgbClr val="7995D8"/>
+      <a:srgbClr val="06BB9A"/>
     </a:accent4>
     <a:accent5>
-      <a:srgbClr val="9FAFB9"/>
+      <a:srgbClr val="8E7EF0"/>
     </a:accent5>
     <a:accent6>
-      <a:srgbClr val="B4BEC7"/>
+      <a:srgbClr val="F4B919"/>
     </a:accent6>
     <a:hlink>
-      <a:srgbClr val="564EF8"/>
+      <a:srgbClr val="4472C4"/>
     </a:hlink>
     <a:folHlink>
       <a:srgbClr val="BFBFBF"/>
@@ -14330,25 +16331,25 @@
       <a:srgbClr val="F0F0F0"/>
     </a:lt2>
     <a:accent1>
-      <a:srgbClr val="4381DD"/>
+      <a:srgbClr val="F84D4D"/>
     </a:accent1>
     <a:accent2>
-      <a:srgbClr val="62CB78"/>
+      <a:srgbClr val="FF6B42"/>
     </a:accent2>
     <a:accent3>
-      <a:srgbClr val="44B4CF"/>
+      <a:srgbClr val="5BA3EB"/>
     </a:accent3>
     <a:accent4>
-      <a:srgbClr val="7995D8"/>
+      <a:srgbClr val="06BB9A"/>
     </a:accent4>
     <a:accent5>
-      <a:srgbClr val="9FAFB9"/>
+      <a:srgbClr val="8E7EF0"/>
     </a:accent5>
     <a:accent6>
-      <a:srgbClr val="B4BEC7"/>
+      <a:srgbClr val="F4B919"/>
     </a:accent6>
     <a:hlink>
-      <a:srgbClr val="564EF8"/>
+      <a:srgbClr val="4472C4"/>
     </a:hlink>
     <a:folHlink>
       <a:srgbClr val="BFBFBF"/>
@@ -14373,25 +16374,25 @@
       <a:srgbClr val="F0F0F0"/>
     </a:lt2>
     <a:accent1>
-      <a:srgbClr val="4381DD"/>
+      <a:srgbClr val="F84D4D"/>
     </a:accent1>
     <a:accent2>
-      <a:srgbClr val="62CB78"/>
+      <a:srgbClr val="FF6B42"/>
     </a:accent2>
     <a:accent3>
-      <a:srgbClr val="44B4CF"/>
+      <a:srgbClr val="5BA3EB"/>
     </a:accent3>
     <a:accent4>
-      <a:srgbClr val="7995D8"/>
+      <a:srgbClr val="06BB9A"/>
     </a:accent4>
     <a:accent5>
-      <a:srgbClr val="9FAFB9"/>
+      <a:srgbClr val="8E7EF0"/>
     </a:accent5>
     <a:accent6>
-      <a:srgbClr val="B4BEC7"/>
+      <a:srgbClr val="F4B919"/>
     </a:accent6>
     <a:hlink>
-      <a:srgbClr val="564EF8"/>
+      <a:srgbClr val="4472C4"/>
     </a:hlink>
     <a:folHlink>
       <a:srgbClr val="BFBFBF"/>

--- a/uml.pptx
+++ b/uml.pptx
@@ -6,7 +6,7 @@
     <p:sldMasterId id="2147483661" r:id="rId2"/>
   </p:sldMasterIdLst>
   <p:notesMasterIdLst>
-    <p:notesMasterId r:id="rId29"/>
+    <p:notesMasterId r:id="rId32"/>
   </p:notesMasterIdLst>
   <p:sldIdLst>
     <p:sldId id="256" r:id="rId3"/>
@@ -23,18 +23,21 @@
     <p:sldId id="276" r:id="rId14"/>
     <p:sldId id="286" r:id="rId15"/>
     <p:sldId id="287" r:id="rId16"/>
-    <p:sldId id="277" r:id="rId17"/>
-    <p:sldId id="263" r:id="rId18"/>
-    <p:sldId id="278" r:id="rId19"/>
-    <p:sldId id="264" r:id="rId20"/>
-    <p:sldId id="265" r:id="rId21"/>
-    <p:sldId id="279" r:id="rId22"/>
-    <p:sldId id="262" r:id="rId23"/>
-    <p:sldId id="261" r:id="rId24"/>
-    <p:sldId id="257" r:id="rId25"/>
-    <p:sldId id="258" r:id="rId26"/>
-    <p:sldId id="259" r:id="rId27"/>
-    <p:sldId id="260" r:id="rId28"/>
+    <p:sldId id="290" r:id="rId17"/>
+    <p:sldId id="289" r:id="rId18"/>
+    <p:sldId id="291" r:id="rId19"/>
+    <p:sldId id="277" r:id="rId20"/>
+    <p:sldId id="263" r:id="rId21"/>
+    <p:sldId id="278" r:id="rId22"/>
+    <p:sldId id="264" r:id="rId23"/>
+    <p:sldId id="265" r:id="rId24"/>
+    <p:sldId id="279" r:id="rId25"/>
+    <p:sldId id="262" r:id="rId26"/>
+    <p:sldId id="261" r:id="rId27"/>
+    <p:sldId id="257" r:id="rId28"/>
+    <p:sldId id="258" r:id="rId29"/>
+    <p:sldId id="259" r:id="rId30"/>
+    <p:sldId id="260" r:id="rId31"/>
   </p:sldIdLst>
   <p:sldSz cx="12192000" cy="6858000"/>
   <p:notesSz cx="6858000" cy="9144000"/>
@@ -8948,14 +8951,14 @@
           <p:nvPr>
             <p:extLst>
               <p:ext uri="{D42A27DB-BD31-4B8C-83A1-F6EECF244321}">
-                <p14:modId xmlns:p14="http://schemas.microsoft.com/office/powerpoint/2010/main" val="201255883"/>
+                <p14:modId xmlns:p14="http://schemas.microsoft.com/office/powerpoint/2010/main" val="3630529557"/>
               </p:ext>
             </p:extLst>
           </p:nvPr>
         </p:nvGraphicFramePr>
         <p:xfrm>
-          <a:off x="259184" y="1699379"/>
-          <a:ext cx="7830456" cy="4141410"/>
+          <a:off x="261257" y="1699379"/>
+          <a:ext cx="7828383" cy="4141410"/>
         </p:xfrm>
         <a:graphic>
           <a:graphicData uri="http://schemas.openxmlformats.org/drawingml/2006/table">
@@ -8964,7 +8967,7 @@
                 <a:tableStyleId>{5C22544A-7EE6-4342-B048-85BDC9FD1C3A}</a:tableStyleId>
               </a:tblPr>
               <a:tblGrid>
-                <a:gridCol w="1385901">
+                <a:gridCol w="1383828">
                   <a:extLst>
                     <a:ext uri="{9D8B030D-6E8A-4147-A177-3AD203B41FA5}">
                       <a16:colId xmlns:a16="http://schemas.microsoft.com/office/drawing/2014/main" val="1506973227"/>
@@ -9067,7 +9070,7 @@
                     <a:lstStyle/>
                     <a:p>
                       <a:r>
-                        <a:rPr lang="zh-CN" altLang="en-US">
+                        <a:rPr lang="zh-CN" altLang="en-US" dirty="0">
                           <a:effectLst/>
                         </a:rPr>
                         <a:t>音乐开关</a:t>
@@ -9082,7 +9085,7 @@
                     <a:lstStyle/>
                     <a:p>
                       <a:r>
-                        <a:rPr lang="en-US">
+                        <a:rPr lang="en-US" dirty="0">
                           <a:effectLst/>
                         </a:rPr>
                         <a:t>Menu</a:t>
@@ -9097,7 +9100,7 @@
                     <a:lstStyle/>
                     <a:p>
                       <a:r>
-                        <a:rPr lang="zh-CN" altLang="en-US">
+                        <a:rPr lang="zh-CN" altLang="en-US" dirty="0">
                           <a:effectLst/>
                         </a:rPr>
                         <a:t>复选框控制是否播放，默认关闭</a:t>
@@ -9173,7 +9176,7 @@
                     <a:lstStyle/>
                     <a:p>
                       <a:r>
-                        <a:rPr lang="zh-CN" altLang="en-US">
+                        <a:rPr lang="zh-CN" altLang="en-US" dirty="0">
                           <a:effectLst/>
                         </a:rPr>
                         <a:t>下拉框选择具体曲目或随机播放</a:t>
@@ -9856,13 +9859,13 @@
         </p:nvSpPr>
         <p:spPr>
           <a:xfrm>
-            <a:off x="581089" y="1028699"/>
-            <a:ext cx="4821335" cy="2415333"/>
+            <a:off x="581089" y="1028700"/>
+            <a:ext cx="3906935" cy="1910444"/>
           </a:xfrm>
         </p:spPr>
         <p:txBody>
           <a:bodyPr>
-            <a:normAutofit/>
+            <a:normAutofit fontScale="92500" lnSpcReduction="10000"/>
           </a:bodyPr>
           <a:lstStyle/>
           <a:p>
@@ -9870,23 +9873,23 @@
               <a:buAutoNum type="arabicPeriod"/>
             </a:pPr>
             <a:r>
-              <a:rPr lang="zh-CN" altLang="en-US" sz="1600" dirty="0"/>
+              <a:rPr lang="zh-CN" altLang="en-US" sz="1500" dirty="0"/>
               <a:t>单例模式</a:t>
             </a:r>
-            <a:endParaRPr lang="en-US" altLang="zh-CN" sz="1600" dirty="0"/>
+            <a:endParaRPr lang="en-US" altLang="zh-CN" sz="1500" dirty="0"/>
           </a:p>
           <a:p>
             <a:pPr marL="0" indent="0">
               <a:buNone/>
             </a:pPr>
             <a:r>
-              <a:rPr lang="zh-CN" altLang="en-US" sz="1600" b="0" i="0" dirty="0">
+              <a:rPr lang="zh-CN" altLang="en-US" sz="1500" b="0" i="0" dirty="0">
                 <a:effectLst/>
                 <a:latin typeface="Segoe WPC"/>
               </a:rPr>
               <a:t>确保整个应用程序中只有一个音乐播放器实例</a:t>
             </a:r>
-            <a:endParaRPr lang="en-US" altLang="zh-CN" sz="1600" b="0" i="0" dirty="0">
+            <a:endParaRPr lang="en-US" altLang="zh-CN" sz="1500" b="0" i="0" dirty="0">
               <a:effectLst/>
               <a:latin typeface="Segoe WPC"/>
             </a:endParaRPr>
@@ -9896,68 +9899,68 @@
               <a:buNone/>
             </a:pPr>
             <a:r>
-              <a:rPr lang="zh-CN" altLang="en-US" sz="1600" b="0" i="0" dirty="0">
+              <a:rPr lang="zh-CN" altLang="en-US" sz="1500" b="0" i="0" dirty="0">
                 <a:effectLst/>
                 <a:latin typeface="Segoe WPC"/>
               </a:rPr>
               <a:t>所有界面（</a:t>
             </a:r>
             <a:r>
-              <a:rPr lang="en-US" altLang="zh-CN" sz="1600" b="0" i="0" dirty="0">
+              <a:rPr lang="en-US" altLang="zh-CN" sz="1500" b="0" i="0" dirty="0">
                 <a:effectLst/>
                 <a:latin typeface="Segoe WPC"/>
               </a:rPr>
               <a:t>Menu</a:t>
             </a:r>
             <a:r>
-              <a:rPr lang="zh-CN" altLang="en-US" sz="1600" b="0" i="0" dirty="0">
+              <a:rPr lang="zh-CN" altLang="en-US" sz="1500" b="0" i="0" dirty="0">
                 <a:effectLst/>
                 <a:latin typeface="Segoe WPC"/>
               </a:rPr>
               <a:t>、</a:t>
             </a:r>
             <a:r>
-              <a:rPr lang="en-US" altLang="zh-CN" sz="1600" b="0" i="0" dirty="0" err="1">
+              <a:rPr lang="en-US" altLang="zh-CN" sz="1500" b="0" i="0" dirty="0" err="1">
                 <a:effectLst/>
                 <a:latin typeface="Segoe WPC"/>
               </a:rPr>
               <a:t>GameBoard</a:t>
             </a:r>
             <a:r>
-              <a:rPr lang="zh-CN" altLang="en-US" sz="1600" b="0" i="0" dirty="0">
+              <a:rPr lang="zh-CN" altLang="en-US" sz="1500" b="0" i="0" dirty="0">
                 <a:effectLst/>
                 <a:latin typeface="Segoe WPC"/>
               </a:rPr>
               <a:t>、</a:t>
             </a:r>
             <a:r>
-              <a:rPr lang="en-US" altLang="zh-CN" sz="1600" b="0" i="0" dirty="0" err="1">
+              <a:rPr lang="en-US" altLang="zh-CN" sz="1500" b="0" i="0" dirty="0" err="1">
                 <a:effectLst/>
                 <a:latin typeface="Segoe WPC"/>
               </a:rPr>
               <a:t>SmartSquare</a:t>
             </a:r>
             <a:r>
-              <a:rPr lang="zh-CN" altLang="en-US" sz="1600" b="0" i="0" dirty="0">
+              <a:rPr lang="zh-CN" altLang="en-US" sz="1500" b="0" i="0" dirty="0">
                 <a:effectLst/>
                 <a:latin typeface="Segoe WPC"/>
               </a:rPr>
               <a:t>）都通过 </a:t>
             </a:r>
             <a:r>
-              <a:rPr lang="en-US" altLang="zh-CN" sz="1600" dirty="0" err="1">
+              <a:rPr lang="en-US" altLang="zh-CN" sz="1500" dirty="0" err="1">
                 <a:latin typeface="Segoe WPC"/>
               </a:rPr>
               <a:t>MusicPlayer.getInstance</a:t>
             </a:r>
             <a:r>
-              <a:rPr lang="en-US" altLang="zh-CN" sz="1600" dirty="0">
+              <a:rPr lang="en-US" altLang="zh-CN" sz="1500" dirty="0">
                 <a:latin typeface="Segoe WPC"/>
               </a:rPr>
               <a:t>()</a:t>
             </a:r>
             <a:r>
-              <a:rPr lang="zh-CN" altLang="en-US" sz="1600" b="0" i="0" dirty="0">
+              <a:rPr lang="zh-CN" altLang="en-US" sz="1500" b="0" i="0" dirty="0">
                 <a:effectLst/>
                 <a:latin typeface="Segoe WPC"/>
               </a:rPr>
@@ -9969,7 +9972,7 @@
               <a:buNone/>
             </a:pPr>
             <a:r>
-              <a:rPr lang="zh-CN" altLang="en-US" sz="1600" b="0" i="0" dirty="0">
+              <a:rPr lang="zh-CN" altLang="en-US" sz="1500" b="0" i="0" dirty="0">
                 <a:effectLst/>
                 <a:latin typeface="Segoe WPC"/>
               </a:rPr>
@@ -10003,7 +10006,7 @@
         </p:blipFill>
         <p:spPr>
           <a:xfrm>
-            <a:off x="581089" y="3189610"/>
+            <a:off x="244475" y="2939144"/>
             <a:ext cx="5039428" cy="3248478"/>
           </a:xfrm>
           <a:prstGeom prst="rect">
@@ -10025,8 +10028,8 @@
         </p:nvSpPr>
         <p:spPr>
           <a:xfrm>
-            <a:off x="5973460" y="289249"/>
-            <a:ext cx="5146092" cy="1015663"/>
+            <a:off x="5374432" y="128587"/>
+            <a:ext cx="6817567" cy="1015663"/>
           </a:xfrm>
           <a:prstGeom prst="rect">
             <a:avLst/>
@@ -10123,7 +10126,7 @@
         </p:blipFill>
         <p:spPr>
           <a:xfrm>
-            <a:off x="6089650" y="1370226"/>
+            <a:off x="6025826" y="1144250"/>
             <a:ext cx="5029902" cy="1267002"/>
           </a:xfrm>
           <a:prstGeom prst="rect">
@@ -10145,8 +10148,8 @@
         </p:nvSpPr>
         <p:spPr>
           <a:xfrm>
-            <a:off x="6085206" y="2805752"/>
-            <a:ext cx="4911142" cy="1246495"/>
+            <a:off x="5374432" y="2431312"/>
+            <a:ext cx="6419462" cy="1015663"/>
           </a:xfrm>
           <a:prstGeom prst="rect">
             <a:avLst/>
@@ -10235,10 +10238,10 @@
       </p:sp>
       <p:pic>
         <p:nvPicPr>
-          <p:cNvPr id="10" name="图片 9">
+          <p:cNvPr id="6" name="图片 5">
             <a:extLst>
               <a:ext uri="{FF2B5EF4-FFF2-40B4-BE49-F238E27FC236}">
-                <a16:creationId xmlns:a16="http://schemas.microsoft.com/office/drawing/2014/main" id="{F8638AEB-0246-B3BE-3B8E-AB959A930583}"/>
+                <a16:creationId xmlns:a16="http://schemas.microsoft.com/office/drawing/2014/main" id="{8F00D502-A0BB-5818-DBDA-C33E818F81AD}"/>
               </a:ext>
             </a:extLst>
           </p:cNvPr>
@@ -10255,8 +10258,8 @@
         </p:blipFill>
         <p:spPr>
           <a:xfrm>
-            <a:off x="6085206" y="4169453"/>
-            <a:ext cx="4915586" cy="1419423"/>
+            <a:off x="5692254" y="3473220"/>
+            <a:ext cx="5201451" cy="3256193"/>
           </a:xfrm>
           <a:prstGeom prst="rect">
             <a:avLst/>
@@ -10277,6 +10280,804 @@
 </file>
 
 <file path=ppt/slides/slide15.xml><?xml version="1.0" encoding="utf-8"?>
+<p:sld xmlns:a="http://schemas.openxmlformats.org/drawingml/2006/main" xmlns:r="http://schemas.openxmlformats.org/officeDocument/2006/relationships" xmlns:p="http://schemas.openxmlformats.org/presentationml/2006/main">
+  <p:cSld>
+    <p:spTree>
+      <p:nvGrpSpPr>
+        <p:cNvPr id="1" name=""/>
+        <p:cNvGrpSpPr/>
+        <p:nvPr/>
+      </p:nvGrpSpPr>
+      <p:grpSpPr>
+        <a:xfrm>
+          <a:off x="0" y="0"/>
+          <a:ext cx="0" cy="0"/>
+          <a:chOff x="0" y="0"/>
+          <a:chExt cx="0" cy="0"/>
+        </a:xfrm>
+      </p:grpSpPr>
+      <p:sp>
+        <p:nvSpPr>
+          <p:cNvPr id="6" name="标题 1">
+            <a:extLst>
+              <a:ext uri="{FF2B5EF4-FFF2-40B4-BE49-F238E27FC236}">
+                <a16:creationId xmlns:a16="http://schemas.microsoft.com/office/drawing/2014/main" id="{2CB24C09-4481-607B-19E2-9963532FD0C5}"/>
+              </a:ext>
+            </a:extLst>
+          </p:cNvPr>
+          <p:cNvSpPr>
+            <a:spLocks noGrp="1"/>
+          </p:cNvSpPr>
+          <p:nvPr>
+            <p:ph type="title"/>
+          </p:nvPr>
+        </p:nvSpPr>
+        <p:spPr>
+          <a:xfrm>
+            <a:off x="660400" y="128588"/>
+            <a:ext cx="10858500" cy="900112"/>
+          </a:xfrm>
+        </p:spPr>
+        <p:txBody>
+          <a:bodyPr>
+            <a:normAutofit/>
+          </a:bodyPr>
+          <a:lstStyle/>
+          <a:p>
+            <a:r>
+              <a:rPr lang="zh-CN" altLang="en-US" sz="4400" b="0" dirty="0">
+                <a:latin typeface="等线 Light" panose="02010600030101010101" pitchFamily="2" charset="-122"/>
+                <a:ea typeface="等线 Light" panose="02010600030101010101" pitchFamily="2" charset="-122"/>
+              </a:rPr>
+              <a:t>记录功能</a:t>
+            </a:r>
+          </a:p>
+        </p:txBody>
+      </p:sp>
+      <p:pic>
+        <p:nvPicPr>
+          <p:cNvPr id="7" name="图片 6">
+            <a:extLst>
+              <a:ext uri="{FF2B5EF4-FFF2-40B4-BE49-F238E27FC236}">
+                <a16:creationId xmlns:a16="http://schemas.microsoft.com/office/drawing/2014/main" id="{D8575A29-5665-D6B1-0634-77E1B9F16888}"/>
+              </a:ext>
+            </a:extLst>
+          </p:cNvPr>
+          <p:cNvPicPr>
+            <a:picLocks noChangeAspect="1"/>
+          </p:cNvPicPr>
+          <p:nvPr/>
+        </p:nvPicPr>
+        <p:blipFill>
+          <a:blip r:embed="rId2"/>
+          <a:stretch>
+            <a:fillRect/>
+          </a:stretch>
+        </p:blipFill>
+        <p:spPr>
+          <a:xfrm>
+            <a:off x="704202" y="1130300"/>
+            <a:ext cx="1705213" cy="3791479"/>
+          </a:xfrm>
+          <a:prstGeom prst="rect">
+            <a:avLst/>
+          </a:prstGeom>
+        </p:spPr>
+      </p:pic>
+      <p:pic>
+        <p:nvPicPr>
+          <p:cNvPr id="8" name="图片 7">
+            <a:extLst>
+              <a:ext uri="{FF2B5EF4-FFF2-40B4-BE49-F238E27FC236}">
+                <a16:creationId xmlns:a16="http://schemas.microsoft.com/office/drawing/2014/main" id="{A9AADD7C-68DE-3D5D-5BC8-CA40E21188F0}"/>
+              </a:ext>
+            </a:extLst>
+          </p:cNvPr>
+          <p:cNvPicPr>
+            <a:picLocks noChangeAspect="1"/>
+          </p:cNvPicPr>
+          <p:nvPr/>
+        </p:nvPicPr>
+        <p:blipFill>
+          <a:blip r:embed="rId3"/>
+          <a:stretch>
+            <a:fillRect/>
+          </a:stretch>
+        </p:blipFill>
+        <p:spPr>
+          <a:xfrm>
+            <a:off x="3284161" y="1149352"/>
+            <a:ext cx="1686160" cy="3753374"/>
+          </a:xfrm>
+          <a:prstGeom prst="rect">
+            <a:avLst/>
+          </a:prstGeom>
+        </p:spPr>
+      </p:pic>
+    </p:spTree>
+    <p:extLst>
+      <p:ext uri="{BB962C8B-B14F-4D97-AF65-F5344CB8AC3E}">
+        <p14:creationId xmlns:p14="http://schemas.microsoft.com/office/powerpoint/2010/main" val="46587402"/>
+      </p:ext>
+    </p:extLst>
+  </p:cSld>
+  <p:clrMapOvr>
+    <a:masterClrMapping/>
+  </p:clrMapOvr>
+</p:sld>
+</file>
+
+<file path=ppt/slides/slide16.xml><?xml version="1.0" encoding="utf-8"?>
+<p:sld xmlns:a="http://schemas.openxmlformats.org/drawingml/2006/main" xmlns:r="http://schemas.openxmlformats.org/officeDocument/2006/relationships" xmlns:p="http://schemas.openxmlformats.org/presentationml/2006/main">
+  <p:cSld>
+    <p:spTree>
+      <p:nvGrpSpPr>
+        <p:cNvPr id="1" name=""/>
+        <p:cNvGrpSpPr/>
+        <p:nvPr/>
+      </p:nvGrpSpPr>
+      <p:grpSpPr>
+        <a:xfrm>
+          <a:off x="0" y="0"/>
+          <a:ext cx="0" cy="0"/>
+          <a:chOff x="0" y="0"/>
+          <a:chExt cx="0" cy="0"/>
+        </a:xfrm>
+      </p:grpSpPr>
+      <p:sp>
+        <p:nvSpPr>
+          <p:cNvPr id="3" name="内容占位符 2">
+            <a:extLst>
+              <a:ext uri="{FF2B5EF4-FFF2-40B4-BE49-F238E27FC236}">
+                <a16:creationId xmlns:a16="http://schemas.microsoft.com/office/drawing/2014/main" id="{BCF7AF75-F8A2-5858-C0D3-322577EEFDF9}"/>
+              </a:ext>
+            </a:extLst>
+          </p:cNvPr>
+          <p:cNvSpPr>
+            <a:spLocks noGrp="1"/>
+          </p:cNvSpPr>
+          <p:nvPr>
+            <p:ph idx="1"/>
+          </p:nvPr>
+        </p:nvSpPr>
+        <p:spPr>
+          <a:xfrm>
+            <a:off x="506857" y="1027771"/>
+            <a:ext cx="3099837" cy="437243"/>
+          </a:xfrm>
+        </p:spPr>
+        <p:txBody>
+          <a:bodyPr>
+            <a:normAutofit/>
+          </a:bodyPr>
+          <a:lstStyle/>
+          <a:p>
+            <a:pPr marL="0" indent="0">
+              <a:buNone/>
+            </a:pPr>
+            <a:r>
+              <a:rPr lang="zh-CN" altLang="en-US" sz="1500" i="0" dirty="0">
+                <a:effectLst/>
+                <a:latin typeface="Segoe WPC"/>
+              </a:rPr>
+              <a:t>单例模式</a:t>
+            </a:r>
+            <a:endParaRPr lang="en-US" altLang="zh-CN" sz="1500" i="0" dirty="0">
+              <a:effectLst/>
+              <a:latin typeface="Segoe WPC"/>
+            </a:endParaRPr>
+          </a:p>
+        </p:txBody>
+      </p:sp>
+      <p:pic>
+        <p:nvPicPr>
+          <p:cNvPr id="4" name="图片 3">
+            <a:extLst>
+              <a:ext uri="{FF2B5EF4-FFF2-40B4-BE49-F238E27FC236}">
+                <a16:creationId xmlns:a16="http://schemas.microsoft.com/office/drawing/2014/main" id="{E2102CF8-98CF-8252-1660-9B52BB03405B}"/>
+              </a:ext>
+            </a:extLst>
+          </p:cNvPr>
+          <p:cNvPicPr>
+            <a:picLocks noChangeAspect="1"/>
+          </p:cNvPicPr>
+          <p:nvPr/>
+        </p:nvPicPr>
+        <p:blipFill>
+          <a:blip r:embed="rId2"/>
+          <a:stretch>
+            <a:fillRect/>
+          </a:stretch>
+        </p:blipFill>
+        <p:spPr>
+          <a:xfrm>
+            <a:off x="209379" y="1359700"/>
+            <a:ext cx="5114309" cy="2384998"/>
+          </a:xfrm>
+          <a:prstGeom prst="rect">
+            <a:avLst/>
+          </a:prstGeom>
+        </p:spPr>
+      </p:pic>
+      <p:sp>
+        <p:nvSpPr>
+          <p:cNvPr id="5" name="文本框 4">
+            <a:extLst>
+              <a:ext uri="{FF2B5EF4-FFF2-40B4-BE49-F238E27FC236}">
+                <a16:creationId xmlns:a16="http://schemas.microsoft.com/office/drawing/2014/main" id="{21934271-84CF-670A-3107-B9AC769985B9}"/>
+              </a:ext>
+            </a:extLst>
+          </p:cNvPr>
+          <p:cNvSpPr txBox="1"/>
+          <p:nvPr/>
+        </p:nvSpPr>
+        <p:spPr>
+          <a:xfrm>
+            <a:off x="660399" y="3760573"/>
+            <a:ext cx="1146468" cy="323165"/>
+          </a:xfrm>
+          <a:prstGeom prst="rect">
+            <a:avLst/>
+          </a:prstGeom>
+          <a:noFill/>
+        </p:spPr>
+        <p:txBody>
+          <a:bodyPr wrap="none" rtlCol="0">
+            <a:spAutoFit/>
+          </a:bodyPr>
+          <a:lstStyle/>
+          <a:p>
+            <a:r>
+              <a:rPr lang="zh-CN" altLang="en-US" sz="1500" dirty="0"/>
+              <a:t>观察者模式</a:t>
+            </a:r>
+          </a:p>
+        </p:txBody>
+      </p:sp>
+      <p:pic>
+        <p:nvPicPr>
+          <p:cNvPr id="6" name="图片 5">
+            <a:extLst>
+              <a:ext uri="{FF2B5EF4-FFF2-40B4-BE49-F238E27FC236}">
+                <a16:creationId xmlns:a16="http://schemas.microsoft.com/office/drawing/2014/main" id="{35C40862-529F-6830-8B71-5B573102CAAD}"/>
+              </a:ext>
+            </a:extLst>
+          </p:cNvPr>
+          <p:cNvPicPr>
+            <a:picLocks noChangeAspect="1"/>
+          </p:cNvPicPr>
+          <p:nvPr/>
+        </p:nvPicPr>
+        <p:blipFill>
+          <a:blip r:embed="rId3"/>
+          <a:stretch>
+            <a:fillRect/>
+          </a:stretch>
+        </p:blipFill>
+        <p:spPr>
+          <a:xfrm>
+            <a:off x="209380" y="4099613"/>
+            <a:ext cx="4474588" cy="2762091"/>
+          </a:xfrm>
+          <a:prstGeom prst="rect">
+            <a:avLst/>
+          </a:prstGeom>
+        </p:spPr>
+      </p:pic>
+      <p:sp>
+        <p:nvSpPr>
+          <p:cNvPr id="7" name="文本框 6">
+            <a:extLst>
+              <a:ext uri="{FF2B5EF4-FFF2-40B4-BE49-F238E27FC236}">
+                <a16:creationId xmlns:a16="http://schemas.microsoft.com/office/drawing/2014/main" id="{D2B2EB40-E3E7-2F4E-17C3-42D5BCA1C6E5}"/>
+              </a:ext>
+            </a:extLst>
+          </p:cNvPr>
+          <p:cNvSpPr txBox="1"/>
+          <p:nvPr/>
+        </p:nvSpPr>
+        <p:spPr>
+          <a:xfrm>
+            <a:off x="6876662" y="417060"/>
+            <a:ext cx="1338828" cy="323165"/>
+          </a:xfrm>
+          <a:prstGeom prst="rect">
+            <a:avLst/>
+          </a:prstGeom>
+          <a:noFill/>
+        </p:spPr>
+        <p:txBody>
+          <a:bodyPr wrap="none" rtlCol="0">
+            <a:spAutoFit/>
+          </a:bodyPr>
+          <a:lstStyle/>
+          <a:p>
+            <a:r>
+              <a:rPr lang="zh-CN" altLang="en-US" sz="1500" dirty="0"/>
+              <a:t>工厂方法模式</a:t>
+            </a:r>
+          </a:p>
+        </p:txBody>
+      </p:sp>
+      <p:pic>
+        <p:nvPicPr>
+          <p:cNvPr id="8" name="图片 7">
+            <a:extLst>
+              <a:ext uri="{FF2B5EF4-FFF2-40B4-BE49-F238E27FC236}">
+                <a16:creationId xmlns:a16="http://schemas.microsoft.com/office/drawing/2014/main" id="{5950CCF9-44B4-CE25-2942-8947A3043D0A}"/>
+              </a:ext>
+            </a:extLst>
+          </p:cNvPr>
+          <p:cNvPicPr>
+            <a:picLocks noChangeAspect="1"/>
+          </p:cNvPicPr>
+          <p:nvPr/>
+        </p:nvPicPr>
+        <p:blipFill>
+          <a:blip r:embed="rId4"/>
+          <a:stretch>
+            <a:fillRect/>
+          </a:stretch>
+        </p:blipFill>
+        <p:spPr>
+          <a:xfrm>
+            <a:off x="6096000" y="1246392"/>
+            <a:ext cx="5210175" cy="5162550"/>
+          </a:xfrm>
+          <a:prstGeom prst="rect">
+            <a:avLst/>
+          </a:prstGeom>
+        </p:spPr>
+      </p:pic>
+      <p:sp>
+        <p:nvSpPr>
+          <p:cNvPr id="9" name="标题 1">
+            <a:extLst>
+              <a:ext uri="{FF2B5EF4-FFF2-40B4-BE49-F238E27FC236}">
+                <a16:creationId xmlns:a16="http://schemas.microsoft.com/office/drawing/2014/main" id="{62B85EE1-F06B-B9E7-8629-6501F1D4705E}"/>
+              </a:ext>
+            </a:extLst>
+          </p:cNvPr>
+          <p:cNvSpPr txBox="1">
+            <a:spLocks/>
+          </p:cNvSpPr>
+          <p:nvPr/>
+        </p:nvSpPr>
+        <p:spPr>
+          <a:xfrm>
+            <a:off x="447675" y="8247"/>
+            <a:ext cx="10858500" cy="900112"/>
+          </a:xfrm>
+          <a:prstGeom prst="rect">
+            <a:avLst/>
+          </a:prstGeom>
+        </p:spPr>
+        <p:txBody>
+          <a:bodyPr vert="horz" lIns="91440" tIns="45720" rIns="91440" bIns="45720" rtlCol="0" anchor="b">
+            <a:normAutofit/>
+          </a:bodyPr>
+          <a:lstStyle>
+            <a:lvl1pPr algn="l" defTabSz="914400" rtl="0" eaLnBrk="1" latinLnBrk="0" hangingPunct="1">
+              <a:lnSpc>
+                <a:spcPct val="100000"/>
+              </a:lnSpc>
+              <a:spcBef>
+                <a:spcPct val="0"/>
+              </a:spcBef>
+              <a:buNone/>
+              <a:defRPr sz="2800" b="1" kern="1200">
+                <a:solidFill>
+                  <a:schemeClr val="tx1"/>
+                </a:solidFill>
+                <a:latin typeface="+mj-lt"/>
+                <a:ea typeface="+mj-ea"/>
+                <a:cs typeface="+mj-cs"/>
+              </a:defRPr>
+            </a:lvl1pPr>
+          </a:lstStyle>
+          <a:p>
+            <a:r>
+              <a:rPr lang="zh-CN" altLang="en-US" sz="4400" dirty="0"/>
+              <a:t>使用的设计模式</a:t>
+            </a:r>
+          </a:p>
+        </p:txBody>
+      </p:sp>
+    </p:spTree>
+    <p:extLst>
+      <p:ext uri="{BB962C8B-B14F-4D97-AF65-F5344CB8AC3E}">
+        <p14:creationId xmlns:p14="http://schemas.microsoft.com/office/powerpoint/2010/main" val="3514639446"/>
+      </p:ext>
+    </p:extLst>
+  </p:cSld>
+  <p:clrMapOvr>
+    <a:masterClrMapping/>
+  </p:clrMapOvr>
+</p:sld>
+</file>
+
+<file path=ppt/slides/slide17.xml><?xml version="1.0" encoding="utf-8"?>
+<p:sld xmlns:a="http://schemas.openxmlformats.org/drawingml/2006/main" xmlns:r="http://schemas.openxmlformats.org/officeDocument/2006/relationships" xmlns:p="http://schemas.openxmlformats.org/presentationml/2006/main">
+  <p:cSld>
+    <p:spTree>
+      <p:nvGrpSpPr>
+        <p:cNvPr id="1" name=""/>
+        <p:cNvGrpSpPr/>
+        <p:nvPr/>
+      </p:nvGrpSpPr>
+      <p:grpSpPr>
+        <a:xfrm>
+          <a:off x="0" y="0"/>
+          <a:ext cx="0" cy="0"/>
+          <a:chOff x="0" y="0"/>
+          <a:chExt cx="0" cy="0"/>
+        </a:xfrm>
+      </p:grpSpPr>
+      <p:sp>
+        <p:nvSpPr>
+          <p:cNvPr id="3" name="内容占位符 2">
+            <a:extLst>
+              <a:ext uri="{FF2B5EF4-FFF2-40B4-BE49-F238E27FC236}">
+                <a16:creationId xmlns:a16="http://schemas.microsoft.com/office/drawing/2014/main" id="{61554552-A42E-B0A0-30A2-8B6C53CE1BFA}"/>
+              </a:ext>
+            </a:extLst>
+          </p:cNvPr>
+          <p:cNvSpPr>
+            <a:spLocks noGrp="1"/>
+          </p:cNvSpPr>
+          <p:nvPr>
+            <p:ph idx="1"/>
+          </p:nvPr>
+        </p:nvSpPr>
+        <p:spPr>
+          <a:xfrm>
+            <a:off x="324497" y="234561"/>
+            <a:ext cx="4742026" cy="5270499"/>
+          </a:xfrm>
+        </p:spPr>
+        <p:txBody>
+          <a:bodyPr>
+            <a:normAutofit fontScale="92500" lnSpcReduction="10000"/>
+          </a:bodyPr>
+          <a:lstStyle/>
+          <a:p>
+            <a:pPr marL="0" indent="0">
+              <a:buNone/>
+            </a:pPr>
+            <a:r>
+              <a:rPr lang="en-US" altLang="zh-CN" sz="1500" dirty="0"/>
+              <a:t>DAO</a:t>
+            </a:r>
+            <a:r>
+              <a:rPr lang="zh-CN" altLang="en-US" sz="1500" dirty="0"/>
+              <a:t>模式是为了将低级的数据访问</a:t>
+            </a:r>
+            <a:r>
+              <a:rPr lang="en-US" altLang="zh-CN" sz="1500" dirty="0"/>
+              <a:t>API</a:t>
+            </a:r>
+            <a:r>
+              <a:rPr lang="zh-CN" altLang="en-US" sz="1500" dirty="0"/>
+              <a:t>从高级的业务服务中分离出来，也是为了实现低耦合、高复用。</a:t>
+            </a:r>
+            <a:r>
+              <a:rPr lang="en-US" altLang="zh-CN" sz="1500" dirty="0"/>
+              <a:t>DAO</a:t>
+            </a:r>
+            <a:r>
+              <a:rPr lang="zh-CN" altLang="en-US" sz="1500" dirty="0"/>
+              <a:t>模式属于</a:t>
+            </a:r>
+            <a:r>
+              <a:rPr lang="en-US" altLang="zh-CN" sz="1500" dirty="0"/>
+              <a:t>J2EE</a:t>
+            </a:r>
+            <a:r>
+              <a:rPr lang="zh-CN" altLang="en-US" sz="1500" dirty="0"/>
+              <a:t>设计模式的一种，特别关注表示层。</a:t>
+            </a:r>
+            <a:r>
+              <a:rPr lang="en-US" altLang="zh-CN" sz="1500" dirty="0"/>
+              <a:t>DAO</a:t>
+            </a:r>
+            <a:r>
+              <a:rPr lang="zh-CN" altLang="en-US" sz="1500" dirty="0"/>
+              <a:t>模式主要有三个参与者：数据访问对象接口： 定义在一个模型对象上要执行的标准操作数据访问对象实体类：实现数据访问对象接口，负责从数据库等存储机制中获取数据模型对象</a:t>
+            </a:r>
+            <a:r>
+              <a:rPr lang="en-US" altLang="zh-CN" sz="1500" dirty="0"/>
+              <a:t>/</a:t>
+            </a:r>
+            <a:r>
+              <a:rPr lang="zh-CN" altLang="en-US" sz="1500" dirty="0"/>
+              <a:t>数值对象：用来存储获取到的数据的类对象</a:t>
+            </a:r>
+            <a:endParaRPr lang="en-US" altLang="zh-CN" sz="1500" dirty="0"/>
+          </a:p>
+          <a:p>
+            <a:pPr marL="0" indent="0">
+              <a:buNone/>
+            </a:pPr>
+            <a:r>
+              <a:rPr lang="zh-CN" altLang="en-US" sz="1500" dirty="0"/>
+              <a:t>优点：</a:t>
+            </a:r>
+            <a:endParaRPr lang="en-US" altLang="zh-CN" sz="1500" dirty="0"/>
+          </a:p>
+          <a:p>
+            <a:pPr marL="342900" indent="-342900">
+              <a:buAutoNum type="arabicPeriod"/>
+            </a:pPr>
+            <a:r>
+              <a:rPr lang="zh-CN" altLang="en-US" sz="1500" dirty="0"/>
+              <a:t>分离关注点：业务逻辑与数据访问逻辑完全分离</a:t>
+            </a:r>
+            <a:endParaRPr lang="en-US" altLang="zh-CN" sz="1500" dirty="0"/>
+          </a:p>
+          <a:p>
+            <a:pPr marL="0" indent="0">
+              <a:buNone/>
+            </a:pPr>
+            <a:r>
+              <a:rPr lang="en-US" altLang="zh-CN" sz="1500" dirty="0"/>
+              <a:t>2. </a:t>
+            </a:r>
+            <a:r>
+              <a:rPr lang="zh-CN" altLang="en-US" sz="1500" dirty="0"/>
+              <a:t>降低耦合度：业务层不依赖具体存储实现，更换存储方式（如改用数据库）只需修改 </a:t>
+            </a:r>
+            <a:r>
+              <a:rPr lang="en-US" altLang="zh-CN" sz="1500" dirty="0"/>
+              <a:t>DAO</a:t>
+            </a:r>
+          </a:p>
+          <a:p>
+            <a:pPr marL="0" indent="0">
+              <a:buNone/>
+            </a:pPr>
+            <a:r>
+              <a:rPr lang="en-US" altLang="zh-CN" sz="1500" dirty="0"/>
+              <a:t>3. </a:t>
+            </a:r>
+            <a:r>
+              <a:rPr lang="zh-CN" altLang="en-US" sz="1500" dirty="0"/>
+              <a:t>提高可维护性：数据访问代码集中在一处，修改方便</a:t>
+            </a:r>
+          </a:p>
+          <a:p>
+            <a:pPr marL="0" indent="0">
+              <a:buNone/>
+            </a:pPr>
+            <a:r>
+              <a:rPr lang="en-US" altLang="zh-CN" sz="1500" dirty="0"/>
+              <a:t>4. </a:t>
+            </a:r>
+            <a:r>
+              <a:rPr lang="zh-CN" altLang="en-US" sz="1500" dirty="0"/>
+              <a:t>提高可测试性：可以 </a:t>
+            </a:r>
+            <a:r>
+              <a:rPr lang="en-US" altLang="zh-CN" sz="1500" dirty="0"/>
+              <a:t>Mock DAO </a:t>
+            </a:r>
+            <a:r>
+              <a:rPr lang="zh-CN" altLang="en-US" sz="1500" dirty="0"/>
+              <a:t>进行单元测试，无需真实文件</a:t>
+            </a:r>
+          </a:p>
+          <a:p>
+            <a:pPr marL="0" indent="0">
+              <a:buNone/>
+            </a:pPr>
+            <a:r>
+              <a:rPr lang="en-US" altLang="zh-CN" sz="1500" dirty="0"/>
+              <a:t>5. </a:t>
+            </a:r>
+            <a:r>
+              <a:rPr lang="zh-CN" altLang="en-US" sz="1500" dirty="0"/>
+              <a:t>代码复用：多个组件（</a:t>
+            </a:r>
+            <a:r>
+              <a:rPr lang="en-US" altLang="zh-CN" sz="1500" dirty="0"/>
+              <a:t>Menu</a:t>
+            </a:r>
+            <a:r>
+              <a:rPr lang="zh-CN" altLang="en-US" sz="1500" dirty="0"/>
+              <a:t>、</a:t>
+            </a:r>
+            <a:r>
+              <a:rPr lang="en-US" altLang="zh-CN" sz="1500" dirty="0" err="1"/>
+              <a:t>SmartSquare</a:t>
+            </a:r>
+            <a:r>
+              <a:rPr lang="zh-CN" altLang="en-US" sz="1500" dirty="0"/>
+              <a:t>）共享同一个 </a:t>
+            </a:r>
+            <a:r>
+              <a:rPr lang="en-US" altLang="zh-CN" sz="1500" dirty="0"/>
+              <a:t>DAO</a:t>
+            </a:r>
+          </a:p>
+          <a:p>
+            <a:pPr marL="0" indent="0">
+              <a:buNone/>
+            </a:pPr>
+            <a:r>
+              <a:rPr lang="en-US" altLang="zh-CN" sz="1500" dirty="0"/>
+              <a:t>6. </a:t>
+            </a:r>
+            <a:r>
+              <a:rPr lang="zh-CN" altLang="en-US" sz="1500" dirty="0"/>
+              <a:t>统一接口：标准化的 </a:t>
+            </a:r>
+            <a:r>
+              <a:rPr lang="en-US" altLang="zh-CN" sz="1500" dirty="0"/>
+              <a:t>CRUD </a:t>
+            </a:r>
+            <a:r>
+              <a:rPr lang="zh-CN" altLang="en-US" sz="1500" dirty="0"/>
+              <a:t>操作，便于理解和协作</a:t>
+            </a:r>
+          </a:p>
+        </p:txBody>
+      </p:sp>
+      <p:pic>
+        <p:nvPicPr>
+          <p:cNvPr id="6" name="图片 5">
+            <a:extLst>
+              <a:ext uri="{FF2B5EF4-FFF2-40B4-BE49-F238E27FC236}">
+                <a16:creationId xmlns:a16="http://schemas.microsoft.com/office/drawing/2014/main" id="{A6763D02-1810-150E-5571-9BC7F4F25F58}"/>
+              </a:ext>
+            </a:extLst>
+          </p:cNvPr>
+          <p:cNvPicPr>
+            <a:picLocks noChangeAspect="1"/>
+          </p:cNvPicPr>
+          <p:nvPr/>
+        </p:nvPicPr>
+        <p:blipFill>
+          <a:blip r:embed="rId2"/>
+          <a:stretch>
+            <a:fillRect/>
+          </a:stretch>
+        </p:blipFill>
+        <p:spPr>
+          <a:xfrm>
+            <a:off x="4973629" y="406313"/>
+            <a:ext cx="7077856" cy="6217126"/>
+          </a:xfrm>
+          <a:prstGeom prst="rect">
+            <a:avLst/>
+          </a:prstGeom>
+        </p:spPr>
+      </p:pic>
+      <p:sp>
+        <p:nvSpPr>
+          <p:cNvPr id="7" name="文本框 6">
+            <a:extLst>
+              <a:ext uri="{FF2B5EF4-FFF2-40B4-BE49-F238E27FC236}">
+                <a16:creationId xmlns:a16="http://schemas.microsoft.com/office/drawing/2014/main" id="{A526D021-CBA2-15B0-9002-483990520602}"/>
+              </a:ext>
+            </a:extLst>
+          </p:cNvPr>
+          <p:cNvSpPr txBox="1"/>
+          <p:nvPr/>
+        </p:nvSpPr>
+        <p:spPr>
+          <a:xfrm>
+            <a:off x="8910734" y="3789260"/>
+            <a:ext cx="3140751" cy="1477328"/>
+          </a:xfrm>
+          <a:prstGeom prst="rect">
+            <a:avLst/>
+          </a:prstGeom>
+          <a:noFill/>
+        </p:spPr>
+        <p:txBody>
+          <a:bodyPr wrap="square" rtlCol="0">
+            <a:spAutoFit/>
+          </a:bodyPr>
+          <a:lstStyle/>
+          <a:p>
+            <a:r>
+              <a:rPr lang="en-US" altLang="zh-CN" sz="1500" dirty="0"/>
+              <a:t>DAO </a:t>
+            </a:r>
+            <a:r>
+              <a:rPr lang="zh-CN" altLang="en-US" sz="1500" dirty="0"/>
+              <a:t>模式要素：对应实现</a:t>
+            </a:r>
+          </a:p>
+          <a:p>
+            <a:r>
+              <a:rPr lang="en-US" altLang="zh-CN" sz="1500" dirty="0"/>
+              <a:t>DAO </a:t>
+            </a:r>
+            <a:r>
+              <a:rPr lang="zh-CN" altLang="en-US" sz="1500" dirty="0"/>
+              <a:t>接口	：</a:t>
+            </a:r>
+            <a:r>
+              <a:rPr lang="en-US" altLang="zh-CN" sz="1500" dirty="0" err="1"/>
+              <a:t>RecordDAO</a:t>
+            </a:r>
+            <a:r>
+              <a:rPr lang="zh-CN" altLang="en-US" sz="1500" dirty="0"/>
+              <a:t>（概念上，提供 </a:t>
+            </a:r>
+            <a:r>
+              <a:rPr lang="en-US" altLang="zh-CN" sz="1500" dirty="0"/>
+              <a:t>CRUD </a:t>
+            </a:r>
+            <a:r>
+              <a:rPr lang="zh-CN" altLang="en-US" sz="1500" dirty="0"/>
+              <a:t>方法）</a:t>
+            </a:r>
+          </a:p>
+          <a:p>
+            <a:r>
+              <a:rPr lang="en-US" altLang="zh-CN" sz="1500" dirty="0"/>
+              <a:t>DAO </a:t>
+            </a:r>
+            <a:r>
+              <a:rPr lang="zh-CN" altLang="en-US" sz="1500" dirty="0"/>
+              <a:t>实现：</a:t>
+            </a:r>
+            <a:r>
+              <a:rPr lang="en-US" altLang="zh-CN" sz="1500" dirty="0" err="1"/>
+              <a:t>RecordManager</a:t>
+            </a:r>
+            <a:endParaRPr lang="en-US" altLang="zh-CN" sz="1500" dirty="0"/>
+          </a:p>
+          <a:p>
+            <a:r>
+              <a:rPr lang="zh-CN" altLang="en-US" sz="1500" dirty="0"/>
+              <a:t>数据源：</a:t>
+            </a:r>
+            <a:r>
+              <a:rPr lang="en-US" altLang="zh-CN" sz="1500" dirty="0"/>
+              <a:t>records.dat </a:t>
+            </a:r>
+            <a:r>
+              <a:rPr lang="zh-CN" altLang="en-US" sz="1500" dirty="0"/>
+              <a:t>文件</a:t>
+            </a:r>
+          </a:p>
+          <a:p>
+            <a:r>
+              <a:rPr lang="zh-CN" altLang="en-US" sz="1500" dirty="0"/>
+              <a:t>客户端：</a:t>
+            </a:r>
+            <a:r>
+              <a:rPr lang="en-US" altLang="zh-CN" sz="1500" dirty="0"/>
+              <a:t>Menu</a:t>
+            </a:r>
+            <a:r>
+              <a:rPr lang="zh-CN" altLang="en-US" sz="1500" dirty="0"/>
+              <a:t>、</a:t>
+            </a:r>
+            <a:r>
+              <a:rPr lang="en-US" altLang="zh-CN" sz="1500" dirty="0" err="1"/>
+              <a:t>SmartSquare</a:t>
+            </a:r>
+            <a:endParaRPr lang="zh-CN" altLang="en-US" sz="1500" dirty="0"/>
+          </a:p>
+        </p:txBody>
+      </p:sp>
+    </p:spTree>
+    <p:extLst>
+      <p:ext uri="{BB962C8B-B14F-4D97-AF65-F5344CB8AC3E}">
+        <p14:creationId xmlns:p14="http://schemas.microsoft.com/office/powerpoint/2010/main" val="2259918582"/>
+      </p:ext>
+    </p:extLst>
+  </p:cSld>
+  <p:clrMapOvr>
+    <a:masterClrMapping/>
+  </p:clrMapOvr>
+</p:sld>
+</file>
+
+<file path=ppt/slides/slide18.xml><?xml version="1.0" encoding="utf-8"?>
 <p:sld xmlns:a="http://schemas.openxmlformats.org/drawingml/2006/main" xmlns:r="http://schemas.openxmlformats.org/officeDocument/2006/relationships" xmlns:p="http://schemas.openxmlformats.org/presentationml/2006/main">
   <p:cSld>
     <p:spTree>
@@ -10391,7 +11192,7 @@
             <a:fld id="{C8BB1146-E542-4D4E-B8E9-6919A11DDD48}" type="slidenum">
               <a:rPr lang="en-US" smtClean="0"/>
               <a:pPr/>
-              <a:t>15</a:t>
+              <a:t>18</a:t>
             </a:fld>
             <a:endParaRPr lang="en-US"/>
           </a:p>
@@ -10410,7 +11211,7 @@
 </p:sld>
 </file>
 
-<file path=ppt/slides/slide16.xml><?xml version="1.0" encoding="utf-8"?>
+<file path=ppt/slides/slide19.xml><?xml version="1.0" encoding="utf-8"?>
 <p:sld xmlns:a="http://schemas.openxmlformats.org/drawingml/2006/main" xmlns:r="http://schemas.openxmlformats.org/officeDocument/2006/relationships" xmlns:p="http://schemas.openxmlformats.org/presentationml/2006/main">
   <p:cSld>
     <p:spTree>
@@ -10728,7 +11529,165 @@
 </p:sld>
 </file>
 
-<file path=ppt/slides/slide17.xml><?xml version="1.0" encoding="utf-8"?>
+<file path=ppt/slides/slide2.xml><?xml version="1.0" encoding="utf-8"?>
+<p:sld xmlns:a="http://schemas.openxmlformats.org/drawingml/2006/main" xmlns:r="http://schemas.openxmlformats.org/officeDocument/2006/relationships" xmlns:p="http://schemas.openxmlformats.org/presentationml/2006/main">
+  <p:cSld>
+    <p:spTree>
+      <p:nvGrpSpPr>
+        <p:cNvPr id="1" name=""/>
+        <p:cNvGrpSpPr/>
+        <p:nvPr/>
+      </p:nvGrpSpPr>
+      <p:grpSpPr>
+        <a:xfrm>
+          <a:off x="0" y="0"/>
+          <a:ext cx="0" cy="0"/>
+          <a:chOff x="0" y="0"/>
+          <a:chExt cx="0" cy="0"/>
+        </a:xfrm>
+      </p:grpSpPr>
+      <p:sp>
+        <p:nvSpPr>
+          <p:cNvPr id="2" name="Title 1">
+            <a:extLst>
+              <a:ext uri="{FF2B5EF4-FFF2-40B4-BE49-F238E27FC236}">
+                <a16:creationId xmlns:a16="http://schemas.microsoft.com/office/drawing/2014/main" id="{DC824AA1-09D7-EC3A-301E-028F418A25B3}"/>
+              </a:ext>
+            </a:extLst>
+          </p:cNvPr>
+          <p:cNvSpPr>
+            <a:spLocks noGrp="1"/>
+          </p:cNvSpPr>
+          <p:nvPr>
+            <p:ph type="title"/>
+          </p:nvPr>
+        </p:nvSpPr>
+        <p:spPr>
+          <a:xfrm>
+            <a:off x="660400" y="1500187"/>
+            <a:ext cx="2836562" cy="915667"/>
+          </a:xfrm>
+        </p:spPr>
+        <p:txBody>
+          <a:bodyPr/>
+          <a:lstStyle/>
+          <a:p>
+            <a:pPr lvl="0"/>
+            <a:r>
+              <a:rPr lang="en-US"/>
+              <a:t>Agenda</a:t>
+            </a:r>
+          </a:p>
+        </p:txBody>
+      </p:sp>
+      <p:sp>
+        <p:nvSpPr>
+          <p:cNvPr id="3" name="Content Placeholder 2">
+            <a:extLst>
+              <a:ext uri="{FF2B5EF4-FFF2-40B4-BE49-F238E27FC236}">
+                <a16:creationId xmlns:a16="http://schemas.microsoft.com/office/drawing/2014/main" id="{94C7ACB6-4040-4F8E-DAE4-CD916FCA3B1A}"/>
+              </a:ext>
+            </a:extLst>
+          </p:cNvPr>
+          <p:cNvSpPr>
+            <a:spLocks noGrp="1"/>
+          </p:cNvSpPr>
+          <p:nvPr>
+            <p:ph sz="quarter" idx="1"/>
+          </p:nvPr>
+        </p:nvSpPr>
+        <p:spPr>
+          <a:xfrm>
+            <a:off x="3745078" y="1500188"/>
+            <a:ext cx="7773821" cy="4633912"/>
+          </a:xfrm>
+        </p:spPr>
+        <p:txBody>
+          <a:bodyPr/>
+          <a:lstStyle/>
+          <a:p>
+            <a:pPr lvl="0"/>
+            <a:r>
+              <a:rPr lang="zh-CN" altLang="en-US" dirty="0"/>
+              <a:t>修改前后的类图</a:t>
+            </a:r>
+            <a:endParaRPr lang="en-US" dirty="0"/>
+          </a:p>
+          <a:p>
+            <a:pPr lvl="0"/>
+            <a:r>
+              <a:rPr lang="zh-CN" altLang="en-US" dirty="0"/>
+              <a:t>在原有基础上的修改</a:t>
+            </a:r>
+            <a:endParaRPr lang="en-US" dirty="0"/>
+          </a:p>
+          <a:p>
+            <a:pPr lvl="0"/>
+            <a:r>
+              <a:rPr lang="zh-CN" altLang="en-US" dirty="0"/>
+              <a:t>一些新增的内容</a:t>
+            </a:r>
+            <a:endParaRPr lang="en-US" altLang="zh-CN" dirty="0"/>
+          </a:p>
+          <a:p>
+            <a:pPr lvl="0"/>
+            <a:r>
+              <a:rPr lang="zh-CN" altLang="en-US" dirty="0"/>
+              <a:t>主要运行界面</a:t>
+            </a:r>
+            <a:endParaRPr lang="en-US" dirty="0"/>
+          </a:p>
+        </p:txBody>
+      </p:sp>
+      <p:sp>
+        <p:nvSpPr>
+          <p:cNvPr id="4" name="Slide Number Placeholder 3">
+            <a:extLst>
+              <a:ext uri="{FF2B5EF4-FFF2-40B4-BE49-F238E27FC236}">
+                <a16:creationId xmlns:a16="http://schemas.microsoft.com/office/drawing/2014/main" id="{9C40017B-9BDF-5D77-335B-2FE0EAEE92E6}"/>
+              </a:ext>
+            </a:extLst>
+          </p:cNvPr>
+          <p:cNvSpPr>
+            <a:spLocks noGrp="1"/>
+          </p:cNvSpPr>
+          <p:nvPr>
+            <p:ph type="sldNum" sz="quarter" idx="12"/>
+          </p:nvPr>
+        </p:nvSpPr>
+        <p:spPr>
+          <a:xfrm>
+            <a:off x="7861300" y="6409690"/>
+            <a:ext cx="3657600" cy="274320"/>
+          </a:xfrm>
+        </p:spPr>
+        <p:txBody>
+          <a:bodyPr/>
+          <a:lstStyle/>
+          <a:p>
+            <a:fld id="{C8BB1146-E542-4D4E-B8E9-6919A11DDD48}" type="slidenum">
+              <a:rPr lang="en-US" smtClean="0"/>
+              <a:pPr/>
+              <a:t>2</a:t>
+            </a:fld>
+            <a:endParaRPr lang="en-US" dirty="0"/>
+          </a:p>
+        </p:txBody>
+      </p:sp>
+    </p:spTree>
+    <p:extLst>
+      <p:ext uri="{BB962C8B-B14F-4D97-AF65-F5344CB8AC3E}">
+        <p14:creationId xmlns:p14="http://schemas.microsoft.com/office/powerpoint/2010/main" val="3361711315"/>
+      </p:ext>
+    </p:extLst>
+  </p:cSld>
+  <p:clrMapOvr>
+    <a:masterClrMapping/>
+  </p:clrMapOvr>
+</p:sld>
+</file>
+
+<file path=ppt/slides/slide20.xml><?xml version="1.0" encoding="utf-8"?>
 <p:sld xmlns:a="http://schemas.openxmlformats.org/drawingml/2006/main" xmlns:r="http://schemas.openxmlformats.org/officeDocument/2006/relationships" xmlns:p="http://schemas.openxmlformats.org/presentationml/2006/main">
   <p:cSld>
     <p:spTree>
@@ -10857,7 +11816,7 @@
                 <a:tabLst/>
                 <a:defRPr/>
               </a:pPr>
-              <a:t>17</a:t>
+              <a:t>20</a:t>
             </a:fld>
             <a:endParaRPr kumimoji="0" lang="en-US" sz="1000" b="0" i="0" u="none" strike="noStrike" kern="1200" cap="none" spc="0" normalizeH="0" baseline="0" noProof="0">
               <a:ln>
@@ -10891,7 +11850,7 @@
 </p:sld>
 </file>
 
-<file path=ppt/slides/slide18.xml><?xml version="1.0" encoding="utf-8"?>
+<file path=ppt/slides/slide21.xml><?xml version="1.0" encoding="utf-8"?>
 <p:sld xmlns:a="http://schemas.openxmlformats.org/drawingml/2006/main" xmlns:r="http://schemas.openxmlformats.org/officeDocument/2006/relationships" xmlns:p="http://schemas.openxmlformats.org/presentationml/2006/main">
   <p:cSld>
     <p:spTree>
@@ -11179,7 +12138,7 @@
 </p:sld>
 </file>
 
-<file path=ppt/slides/slide19.xml><?xml version="1.0" encoding="utf-8"?>
+<file path=ppt/slides/slide22.xml><?xml version="1.0" encoding="utf-8"?>
 <p:sld xmlns:a="http://schemas.openxmlformats.org/drawingml/2006/main" xmlns:r="http://schemas.openxmlformats.org/officeDocument/2006/relationships" xmlns:p="http://schemas.openxmlformats.org/presentationml/2006/main">
   <p:cSld>
     <p:spTree>
@@ -11609,165 +12568,7 @@
 </p:sld>
 </file>
 
-<file path=ppt/slides/slide2.xml><?xml version="1.0" encoding="utf-8"?>
-<p:sld xmlns:a="http://schemas.openxmlformats.org/drawingml/2006/main" xmlns:r="http://schemas.openxmlformats.org/officeDocument/2006/relationships" xmlns:p="http://schemas.openxmlformats.org/presentationml/2006/main">
-  <p:cSld>
-    <p:spTree>
-      <p:nvGrpSpPr>
-        <p:cNvPr id="1" name=""/>
-        <p:cNvGrpSpPr/>
-        <p:nvPr/>
-      </p:nvGrpSpPr>
-      <p:grpSpPr>
-        <a:xfrm>
-          <a:off x="0" y="0"/>
-          <a:ext cx="0" cy="0"/>
-          <a:chOff x="0" y="0"/>
-          <a:chExt cx="0" cy="0"/>
-        </a:xfrm>
-      </p:grpSpPr>
-      <p:sp>
-        <p:nvSpPr>
-          <p:cNvPr id="2" name="Title 1">
-            <a:extLst>
-              <a:ext uri="{FF2B5EF4-FFF2-40B4-BE49-F238E27FC236}">
-                <a16:creationId xmlns:a16="http://schemas.microsoft.com/office/drawing/2014/main" id="{DC824AA1-09D7-EC3A-301E-028F418A25B3}"/>
-              </a:ext>
-            </a:extLst>
-          </p:cNvPr>
-          <p:cNvSpPr>
-            <a:spLocks noGrp="1"/>
-          </p:cNvSpPr>
-          <p:nvPr>
-            <p:ph type="title"/>
-          </p:nvPr>
-        </p:nvSpPr>
-        <p:spPr>
-          <a:xfrm>
-            <a:off x="660400" y="1500187"/>
-            <a:ext cx="2836562" cy="915667"/>
-          </a:xfrm>
-        </p:spPr>
-        <p:txBody>
-          <a:bodyPr/>
-          <a:lstStyle/>
-          <a:p>
-            <a:pPr lvl="0"/>
-            <a:r>
-              <a:rPr lang="en-US"/>
-              <a:t>Agenda</a:t>
-            </a:r>
-          </a:p>
-        </p:txBody>
-      </p:sp>
-      <p:sp>
-        <p:nvSpPr>
-          <p:cNvPr id="3" name="Content Placeholder 2">
-            <a:extLst>
-              <a:ext uri="{FF2B5EF4-FFF2-40B4-BE49-F238E27FC236}">
-                <a16:creationId xmlns:a16="http://schemas.microsoft.com/office/drawing/2014/main" id="{94C7ACB6-4040-4F8E-DAE4-CD916FCA3B1A}"/>
-              </a:ext>
-            </a:extLst>
-          </p:cNvPr>
-          <p:cNvSpPr>
-            <a:spLocks noGrp="1"/>
-          </p:cNvSpPr>
-          <p:nvPr>
-            <p:ph sz="quarter" idx="1"/>
-          </p:nvPr>
-        </p:nvSpPr>
-        <p:spPr>
-          <a:xfrm>
-            <a:off x="3745078" y="1500188"/>
-            <a:ext cx="7773821" cy="4633912"/>
-          </a:xfrm>
-        </p:spPr>
-        <p:txBody>
-          <a:bodyPr/>
-          <a:lstStyle/>
-          <a:p>
-            <a:pPr lvl="0"/>
-            <a:r>
-              <a:rPr lang="zh-CN" altLang="en-US" dirty="0"/>
-              <a:t>修改前后的类图</a:t>
-            </a:r>
-            <a:endParaRPr lang="en-US" dirty="0"/>
-          </a:p>
-          <a:p>
-            <a:pPr lvl="0"/>
-            <a:r>
-              <a:rPr lang="zh-CN" altLang="en-US" dirty="0"/>
-              <a:t>在原有基础上的修改</a:t>
-            </a:r>
-            <a:endParaRPr lang="en-US" dirty="0"/>
-          </a:p>
-          <a:p>
-            <a:pPr lvl="0"/>
-            <a:r>
-              <a:rPr lang="zh-CN" altLang="en-US" dirty="0"/>
-              <a:t>一些新增的内容</a:t>
-            </a:r>
-            <a:endParaRPr lang="en-US" altLang="zh-CN" dirty="0"/>
-          </a:p>
-          <a:p>
-            <a:pPr lvl="0"/>
-            <a:r>
-              <a:rPr lang="zh-CN" altLang="en-US" dirty="0"/>
-              <a:t>主要运行界面</a:t>
-            </a:r>
-            <a:endParaRPr lang="en-US" dirty="0"/>
-          </a:p>
-        </p:txBody>
-      </p:sp>
-      <p:sp>
-        <p:nvSpPr>
-          <p:cNvPr id="4" name="Slide Number Placeholder 3">
-            <a:extLst>
-              <a:ext uri="{FF2B5EF4-FFF2-40B4-BE49-F238E27FC236}">
-                <a16:creationId xmlns:a16="http://schemas.microsoft.com/office/drawing/2014/main" id="{9C40017B-9BDF-5D77-335B-2FE0EAEE92E6}"/>
-              </a:ext>
-            </a:extLst>
-          </p:cNvPr>
-          <p:cNvSpPr>
-            <a:spLocks noGrp="1"/>
-          </p:cNvSpPr>
-          <p:nvPr>
-            <p:ph type="sldNum" sz="quarter" idx="12"/>
-          </p:nvPr>
-        </p:nvSpPr>
-        <p:spPr>
-          <a:xfrm>
-            <a:off x="7861300" y="6409690"/>
-            <a:ext cx="3657600" cy="274320"/>
-          </a:xfrm>
-        </p:spPr>
-        <p:txBody>
-          <a:bodyPr/>
-          <a:lstStyle/>
-          <a:p>
-            <a:fld id="{C8BB1146-E542-4D4E-B8E9-6919A11DDD48}" type="slidenum">
-              <a:rPr lang="en-US" smtClean="0"/>
-              <a:pPr/>
-              <a:t>2</a:t>
-            </a:fld>
-            <a:endParaRPr lang="en-US" dirty="0"/>
-          </a:p>
-        </p:txBody>
-      </p:sp>
-    </p:spTree>
-    <p:extLst>
-      <p:ext uri="{BB962C8B-B14F-4D97-AF65-F5344CB8AC3E}">
-        <p14:creationId xmlns:p14="http://schemas.microsoft.com/office/powerpoint/2010/main" val="3361711315"/>
-      </p:ext>
-    </p:extLst>
-  </p:cSld>
-  <p:clrMapOvr>
-    <a:masterClrMapping/>
-  </p:clrMapOvr>
-</p:sld>
-</file>
-
-<file path=ppt/slides/slide20.xml><?xml version="1.0" encoding="utf-8"?>
+<file path=ppt/slides/slide23.xml><?xml version="1.0" encoding="utf-8"?>
 <p:sld xmlns:a="http://schemas.openxmlformats.org/drawingml/2006/main" xmlns:r="http://schemas.openxmlformats.org/officeDocument/2006/relationships" xmlns:p="http://schemas.openxmlformats.org/presentationml/2006/main">
   <p:cSld>
     <p:spTree>
@@ -11831,7 +12632,7 @@
 </p:sld>
 </file>
 
-<file path=ppt/slides/slide21.xml><?xml version="1.0" encoding="utf-8"?>
+<file path=ppt/slides/slide24.xml><?xml version="1.0" encoding="utf-8"?>
 <p:sld xmlns:a="http://schemas.openxmlformats.org/drawingml/2006/main" xmlns:r="http://schemas.openxmlformats.org/officeDocument/2006/relationships" xmlns:p="http://schemas.openxmlformats.org/presentationml/2006/main">
   <p:cSld>
     <p:spTree>
@@ -11924,7 +12725,7 @@
 </p:sld>
 </file>
 
-<file path=ppt/slides/slide22.xml><?xml version="1.0" encoding="utf-8"?>
+<file path=ppt/slides/slide25.xml><?xml version="1.0" encoding="utf-8"?>
 <p:sld xmlns:a="http://schemas.openxmlformats.org/drawingml/2006/main" xmlns:r="http://schemas.openxmlformats.org/officeDocument/2006/relationships" xmlns:p="http://schemas.openxmlformats.org/presentationml/2006/main">
   <p:cSld>
     <p:spTree>
@@ -12170,7 +12971,7 @@
 </p:sld>
 </file>
 
-<file path=ppt/slides/slide23.xml><?xml version="1.0" encoding="utf-8"?>
+<file path=ppt/slides/slide26.xml><?xml version="1.0" encoding="utf-8"?>
 <p:sld xmlns:a="http://schemas.openxmlformats.org/drawingml/2006/main" xmlns:r="http://schemas.openxmlformats.org/officeDocument/2006/relationships" xmlns:p="http://schemas.openxmlformats.org/presentationml/2006/main">
   <p:cSld>
     <p:spTree>
@@ -12285,7 +13086,7 @@
 </p:sld>
 </file>
 
-<file path=ppt/slides/slide24.xml><?xml version="1.0" encoding="utf-8"?>
+<file path=ppt/slides/slide27.xml><?xml version="1.0" encoding="utf-8"?>
 <p:sld xmlns:a="http://schemas.openxmlformats.org/drawingml/2006/main" xmlns:r="http://schemas.openxmlformats.org/officeDocument/2006/relationships" xmlns:p="http://schemas.openxmlformats.org/presentationml/2006/main">
   <p:cSld>
     <p:spTree>
@@ -12448,7 +13249,7 @@
 </p:sld>
 </file>
 
-<file path=ppt/slides/slide25.xml><?xml version="1.0" encoding="utf-8"?>
+<file path=ppt/slides/slide28.xml><?xml version="1.0" encoding="utf-8"?>
 <p:sld xmlns:a="http://schemas.openxmlformats.org/drawingml/2006/main" xmlns:r="http://schemas.openxmlformats.org/officeDocument/2006/relationships" xmlns:p="http://schemas.openxmlformats.org/presentationml/2006/main">
   <p:cSld>
     <p:spTree>
@@ -12598,7 +13399,7 @@
 </p:sld>
 </file>
 
-<file path=ppt/slides/slide26.xml><?xml version="1.0" encoding="utf-8"?>
+<file path=ppt/slides/slide29.xml><?xml version="1.0" encoding="utf-8"?>
 <p:sld xmlns:a="http://schemas.openxmlformats.org/drawingml/2006/main" xmlns:r="http://schemas.openxmlformats.org/officeDocument/2006/relationships" xmlns:p="http://schemas.openxmlformats.org/presentationml/2006/main">
   <p:cSld>
     <p:spTree>

--- a/uml.pptx
+++ b/uml.pptx
@@ -6,7 +6,7 @@
     <p:sldMasterId id="2147483661" r:id="rId2"/>
   </p:sldMasterIdLst>
   <p:notesMasterIdLst>
-    <p:notesMasterId r:id="rId32"/>
+    <p:notesMasterId r:id="rId36"/>
   </p:notesMasterIdLst>
   <p:sldIdLst>
     <p:sldId id="256" r:id="rId3"/>
@@ -26,18 +26,22 @@
     <p:sldId id="290" r:id="rId17"/>
     <p:sldId id="289" r:id="rId18"/>
     <p:sldId id="291" r:id="rId19"/>
-    <p:sldId id="277" r:id="rId20"/>
-    <p:sldId id="263" r:id="rId21"/>
-    <p:sldId id="278" r:id="rId22"/>
-    <p:sldId id="264" r:id="rId23"/>
-    <p:sldId id="265" r:id="rId24"/>
-    <p:sldId id="279" r:id="rId25"/>
-    <p:sldId id="262" r:id="rId26"/>
-    <p:sldId id="261" r:id="rId27"/>
-    <p:sldId id="257" r:id="rId28"/>
-    <p:sldId id="258" r:id="rId29"/>
-    <p:sldId id="259" r:id="rId30"/>
-    <p:sldId id="260" r:id="rId31"/>
+    <p:sldId id="292" r:id="rId20"/>
+    <p:sldId id="293" r:id="rId21"/>
+    <p:sldId id="294" r:id="rId22"/>
+    <p:sldId id="295" r:id="rId23"/>
+    <p:sldId id="277" r:id="rId24"/>
+    <p:sldId id="263" r:id="rId25"/>
+    <p:sldId id="278" r:id="rId26"/>
+    <p:sldId id="264" r:id="rId27"/>
+    <p:sldId id="265" r:id="rId28"/>
+    <p:sldId id="279" r:id="rId29"/>
+    <p:sldId id="262" r:id="rId30"/>
+    <p:sldId id="261" r:id="rId31"/>
+    <p:sldId id="257" r:id="rId32"/>
+    <p:sldId id="258" r:id="rId33"/>
+    <p:sldId id="259" r:id="rId34"/>
+    <p:sldId id="260" r:id="rId35"/>
   </p:sldIdLst>
   <p:sldSz cx="12192000" cy="6858000"/>
   <p:notesSz cx="6858000" cy="9144000"/>
@@ -226,7 +230,7 @@
           <a:p>
             <a:fld id="{55EDAE95-B47A-40F4-B88B-3211CDD72963}" type="datetimeFigureOut">
               <a:rPr lang="zh-CN" altLang="en-US" smtClean="0"/>
-              <a:t>2025/11/28</a:t>
+              <a:t>2025/11/30</a:t>
             </a:fld>
             <a:endParaRPr lang="zh-CN" altLang="en-US"/>
           </a:p>
@@ -640,7 +644,7 @@
           <a:p>
             <a:fld id="{49511754-73E3-4E6F-AF62-38683F8056B7}" type="datetimeFigureOut">
               <a:rPr lang="zh-CN" altLang="en-US" smtClean="0"/>
-              <a:t>2025/11/28</a:t>
+              <a:t>2025/11/30</a:t>
             </a:fld>
             <a:endParaRPr lang="zh-CN" altLang="en-US"/>
           </a:p>
@@ -838,7 +842,7 @@
           <a:p>
             <a:fld id="{49511754-73E3-4E6F-AF62-38683F8056B7}" type="datetimeFigureOut">
               <a:rPr lang="zh-CN" altLang="en-US" smtClean="0"/>
-              <a:t>2025/11/28</a:t>
+              <a:t>2025/11/30</a:t>
             </a:fld>
             <a:endParaRPr lang="zh-CN" altLang="en-US"/>
           </a:p>
@@ -1046,7 +1050,7 @@
           <a:p>
             <a:fld id="{49511754-73E3-4E6F-AF62-38683F8056B7}" type="datetimeFigureOut">
               <a:rPr lang="zh-CN" altLang="en-US" smtClean="0"/>
-              <a:t>2025/11/28</a:t>
+              <a:t>2025/11/30</a:t>
             </a:fld>
             <a:endParaRPr lang="zh-CN" altLang="en-US"/>
           </a:p>
@@ -4806,7 +4810,7 @@
           <a:p>
             <a:fld id="{49511754-73E3-4E6F-AF62-38683F8056B7}" type="datetimeFigureOut">
               <a:rPr lang="zh-CN" altLang="en-US" smtClean="0"/>
-              <a:t>2025/11/28</a:t>
+              <a:t>2025/11/30</a:t>
             </a:fld>
             <a:endParaRPr lang="zh-CN" altLang="en-US"/>
           </a:p>
@@ -5081,7 +5085,7 @@
           <a:p>
             <a:fld id="{49511754-73E3-4E6F-AF62-38683F8056B7}" type="datetimeFigureOut">
               <a:rPr lang="zh-CN" altLang="en-US" smtClean="0"/>
-              <a:t>2025/11/28</a:t>
+              <a:t>2025/11/30</a:t>
             </a:fld>
             <a:endParaRPr lang="zh-CN" altLang="en-US"/>
           </a:p>
@@ -5346,7 +5350,7 @@
           <a:p>
             <a:fld id="{49511754-73E3-4E6F-AF62-38683F8056B7}" type="datetimeFigureOut">
               <a:rPr lang="zh-CN" altLang="en-US" smtClean="0"/>
-              <a:t>2025/11/28</a:t>
+              <a:t>2025/11/30</a:t>
             </a:fld>
             <a:endParaRPr lang="zh-CN" altLang="en-US"/>
           </a:p>
@@ -5758,7 +5762,7 @@
           <a:p>
             <a:fld id="{49511754-73E3-4E6F-AF62-38683F8056B7}" type="datetimeFigureOut">
               <a:rPr lang="zh-CN" altLang="en-US" smtClean="0"/>
-              <a:t>2025/11/28</a:t>
+              <a:t>2025/11/30</a:t>
             </a:fld>
             <a:endParaRPr lang="zh-CN" altLang="en-US"/>
           </a:p>
@@ -5899,7 +5903,7 @@
           <a:p>
             <a:fld id="{49511754-73E3-4E6F-AF62-38683F8056B7}" type="datetimeFigureOut">
               <a:rPr lang="zh-CN" altLang="en-US" smtClean="0"/>
-              <a:t>2025/11/28</a:t>
+              <a:t>2025/11/30</a:t>
             </a:fld>
             <a:endParaRPr lang="zh-CN" altLang="en-US"/>
           </a:p>
@@ -6012,7 +6016,7 @@
           <a:p>
             <a:fld id="{49511754-73E3-4E6F-AF62-38683F8056B7}" type="datetimeFigureOut">
               <a:rPr lang="zh-CN" altLang="en-US" smtClean="0"/>
-              <a:t>2025/11/28</a:t>
+              <a:t>2025/11/30</a:t>
             </a:fld>
             <a:endParaRPr lang="zh-CN" altLang="en-US"/>
           </a:p>
@@ -6323,7 +6327,7 @@
           <a:p>
             <a:fld id="{49511754-73E3-4E6F-AF62-38683F8056B7}" type="datetimeFigureOut">
               <a:rPr lang="zh-CN" altLang="en-US" smtClean="0"/>
-              <a:t>2025/11/28</a:t>
+              <a:t>2025/11/30</a:t>
             </a:fld>
             <a:endParaRPr lang="zh-CN" altLang="en-US"/>
           </a:p>
@@ -6611,7 +6615,7 @@
           <a:p>
             <a:fld id="{49511754-73E3-4E6F-AF62-38683F8056B7}" type="datetimeFigureOut">
               <a:rPr lang="zh-CN" altLang="en-US" smtClean="0"/>
-              <a:t>2025/11/28</a:t>
+              <a:t>2025/11/30</a:t>
             </a:fld>
             <a:endParaRPr lang="zh-CN" altLang="en-US"/>
           </a:p>
@@ -6852,7 +6856,7 @@
           <a:p>
             <a:fld id="{49511754-73E3-4E6F-AF62-38683F8056B7}" type="datetimeFigureOut">
               <a:rPr lang="zh-CN" altLang="en-US" smtClean="0"/>
-              <a:t>2025/11/28</a:t>
+              <a:t>2025/11/30</a:t>
             </a:fld>
             <a:endParaRPr lang="zh-CN" altLang="en-US"/>
           </a:p>
@@ -11096,6 +11100,1050 @@
       </p:grpSpPr>
       <p:sp>
         <p:nvSpPr>
+          <p:cNvPr id="3" name="内容占位符 2">
+            <a:extLst>
+              <a:ext uri="{FF2B5EF4-FFF2-40B4-BE49-F238E27FC236}">
+                <a16:creationId xmlns:a16="http://schemas.microsoft.com/office/drawing/2014/main" id="{3964B9A1-D16D-C52E-B1E0-90233D66D36B}"/>
+              </a:ext>
+            </a:extLst>
+          </p:cNvPr>
+          <p:cNvSpPr>
+            <a:spLocks noGrp="1"/>
+          </p:cNvSpPr>
+          <p:nvPr>
+            <p:ph idx="1"/>
+          </p:nvPr>
+        </p:nvSpPr>
+        <p:spPr>
+          <a:xfrm>
+            <a:off x="660400" y="1130300"/>
+            <a:ext cx="4350139" cy="2573953"/>
+          </a:xfrm>
+        </p:spPr>
+        <p:txBody>
+          <a:bodyPr>
+            <a:normAutofit/>
+          </a:bodyPr>
+          <a:lstStyle/>
+          <a:p>
+            <a:pPr marL="0" indent="0">
+              <a:buNone/>
+            </a:pPr>
+            <a:r>
+              <a:rPr lang="zh-CN" altLang="en-US" sz="1500" dirty="0"/>
+              <a:t>多主题皮肤系统</a:t>
+            </a:r>
+          </a:p>
+          <a:p>
+            <a:pPr marL="0" indent="0">
+              <a:buNone/>
+            </a:pPr>
+            <a:r>
+              <a:rPr lang="en-US" altLang="zh-CN" sz="1500" dirty="0" err="1"/>
+              <a:t>ThemeManager</a:t>
+            </a:r>
+            <a:r>
+              <a:rPr lang="en-US" altLang="zh-CN" sz="1500" dirty="0"/>
+              <a:t> - </a:t>
+            </a:r>
+            <a:r>
+              <a:rPr lang="zh-CN" altLang="en-US" sz="1500" dirty="0"/>
+              <a:t>主题管理器</a:t>
+            </a:r>
+          </a:p>
+          <a:p>
+            <a:pPr marL="0" indent="0">
+              <a:buNone/>
+            </a:pPr>
+            <a:r>
+              <a:rPr lang="en-US" altLang="zh-CN" sz="1500" dirty="0" err="1"/>
+              <a:t>ThemeGenerator</a:t>
+            </a:r>
+            <a:r>
+              <a:rPr lang="en-US" altLang="zh-CN" sz="1500" dirty="0"/>
+              <a:t> - </a:t>
+            </a:r>
+            <a:r>
+              <a:rPr lang="zh-CN" altLang="en-US" sz="1500" dirty="0"/>
+              <a:t>主题图片生成器</a:t>
+            </a:r>
+          </a:p>
+          <a:p>
+            <a:pPr marL="0" indent="0">
+              <a:buNone/>
+            </a:pPr>
+            <a:r>
+              <a:rPr lang="zh-CN" altLang="en-US" sz="1500" dirty="0"/>
+              <a:t>支持 </a:t>
+            </a:r>
+            <a:r>
+              <a:rPr lang="en-US" altLang="zh-CN" sz="1500" dirty="0"/>
+              <a:t>5 </a:t>
+            </a:r>
+            <a:r>
+              <a:rPr lang="zh-CN" altLang="en-US" sz="1500" dirty="0"/>
+              <a:t>种主题：经典、暗黑、海洋、森林、像素</a:t>
+            </a:r>
+          </a:p>
+          <a:p>
+            <a:pPr marL="0" indent="0">
+              <a:buNone/>
+            </a:pPr>
+            <a:r>
+              <a:rPr lang="zh-CN" altLang="en-US" sz="1500" dirty="0"/>
+              <a:t>自动扫描 </a:t>
+            </a:r>
+            <a:r>
+              <a:rPr lang="en-US" altLang="zh-CN" sz="1500" dirty="0"/>
+              <a:t>themes </a:t>
+            </a:r>
+            <a:r>
+              <a:rPr lang="zh-CN" altLang="en-US" sz="1500" dirty="0"/>
+              <a:t>文件夹</a:t>
+            </a:r>
+          </a:p>
+          <a:p>
+            <a:pPr marL="0" indent="0">
+              <a:buNone/>
+            </a:pPr>
+            <a:r>
+              <a:rPr lang="zh-CN" altLang="en-US" sz="1500" dirty="0"/>
+              <a:t>主题图片回退机制（缺失图片使用默认主题）</a:t>
+            </a:r>
+          </a:p>
+        </p:txBody>
+      </p:sp>
+      <p:sp>
+        <p:nvSpPr>
+          <p:cNvPr id="4" name="标题 1">
+            <a:extLst>
+              <a:ext uri="{FF2B5EF4-FFF2-40B4-BE49-F238E27FC236}">
+                <a16:creationId xmlns:a16="http://schemas.microsoft.com/office/drawing/2014/main" id="{C73AB114-BD77-3A9A-2401-41FE4B4C2355}"/>
+              </a:ext>
+            </a:extLst>
+          </p:cNvPr>
+          <p:cNvSpPr>
+            <a:spLocks noGrp="1"/>
+          </p:cNvSpPr>
+          <p:nvPr>
+            <p:ph type="title"/>
+          </p:nvPr>
+        </p:nvSpPr>
+        <p:spPr>
+          <a:xfrm>
+            <a:off x="660400" y="128588"/>
+            <a:ext cx="10858500" cy="900112"/>
+          </a:xfrm>
+        </p:spPr>
+        <p:txBody>
+          <a:bodyPr>
+            <a:normAutofit/>
+          </a:bodyPr>
+          <a:lstStyle/>
+          <a:p>
+            <a:r>
+              <a:rPr lang="zh-CN" altLang="en-US" sz="4400" b="0" dirty="0">
+                <a:latin typeface="等线 Light" panose="02010600030101010101" pitchFamily="2" charset="-122"/>
+                <a:ea typeface="等线 Light" panose="02010600030101010101" pitchFamily="2" charset="-122"/>
+              </a:rPr>
+              <a:t>主题选择功能</a:t>
+            </a:r>
+          </a:p>
+        </p:txBody>
+      </p:sp>
+      <p:pic>
+        <p:nvPicPr>
+          <p:cNvPr id="5" name="图片 4">
+            <a:extLst>
+              <a:ext uri="{FF2B5EF4-FFF2-40B4-BE49-F238E27FC236}">
+                <a16:creationId xmlns:a16="http://schemas.microsoft.com/office/drawing/2014/main" id="{A9AD9131-E68F-5D86-D6C2-C877265F3570}"/>
+              </a:ext>
+            </a:extLst>
+          </p:cNvPr>
+          <p:cNvPicPr>
+            <a:picLocks noChangeAspect="1"/>
+          </p:cNvPicPr>
+          <p:nvPr/>
+        </p:nvPicPr>
+        <p:blipFill>
+          <a:blip r:embed="rId2"/>
+          <a:stretch>
+            <a:fillRect/>
+          </a:stretch>
+        </p:blipFill>
+        <p:spPr>
+          <a:xfrm>
+            <a:off x="1038355" y="3704253"/>
+            <a:ext cx="2314898" cy="1124107"/>
+          </a:xfrm>
+          <a:prstGeom prst="rect">
+            <a:avLst/>
+          </a:prstGeom>
+        </p:spPr>
+      </p:pic>
+      <p:pic>
+        <p:nvPicPr>
+          <p:cNvPr id="6" name="图片 5">
+            <a:extLst>
+              <a:ext uri="{FF2B5EF4-FFF2-40B4-BE49-F238E27FC236}">
+                <a16:creationId xmlns:a16="http://schemas.microsoft.com/office/drawing/2014/main" id="{F4891DFD-65AE-95F1-3085-F23C78858817}"/>
+              </a:ext>
+            </a:extLst>
+          </p:cNvPr>
+          <p:cNvPicPr>
+            <a:picLocks noChangeAspect="1"/>
+          </p:cNvPicPr>
+          <p:nvPr/>
+        </p:nvPicPr>
+        <p:blipFill>
+          <a:blip r:embed="rId3"/>
+          <a:stretch>
+            <a:fillRect/>
+          </a:stretch>
+        </p:blipFill>
+        <p:spPr>
+          <a:xfrm>
+            <a:off x="4937702" y="666489"/>
+            <a:ext cx="1943371" cy="2333951"/>
+          </a:xfrm>
+          <a:prstGeom prst="rect">
+            <a:avLst/>
+          </a:prstGeom>
+        </p:spPr>
+      </p:pic>
+    </p:spTree>
+    <p:extLst>
+      <p:ext uri="{BB962C8B-B14F-4D97-AF65-F5344CB8AC3E}">
+        <p14:creationId xmlns:p14="http://schemas.microsoft.com/office/powerpoint/2010/main" val="4138435842"/>
+      </p:ext>
+    </p:extLst>
+  </p:cSld>
+  <p:clrMapOvr>
+    <a:masterClrMapping/>
+  </p:clrMapOvr>
+</p:sld>
+</file>
+
+<file path=ppt/slides/slide19.xml><?xml version="1.0" encoding="utf-8"?>
+<p:sld xmlns:a="http://schemas.openxmlformats.org/drawingml/2006/main" xmlns:r="http://schemas.openxmlformats.org/officeDocument/2006/relationships" xmlns:p="http://schemas.openxmlformats.org/presentationml/2006/main">
+  <p:cSld>
+    <p:spTree>
+      <p:nvGrpSpPr>
+        <p:cNvPr id="1" name=""/>
+        <p:cNvGrpSpPr/>
+        <p:nvPr/>
+      </p:nvGrpSpPr>
+      <p:grpSpPr>
+        <a:xfrm>
+          <a:off x="0" y="0"/>
+          <a:ext cx="0" cy="0"/>
+          <a:chOff x="0" y="0"/>
+          <a:chExt cx="0" cy="0"/>
+        </a:xfrm>
+      </p:grpSpPr>
+      <p:sp>
+        <p:nvSpPr>
+          <p:cNvPr id="2" name="标题 1">
+            <a:extLst>
+              <a:ext uri="{FF2B5EF4-FFF2-40B4-BE49-F238E27FC236}">
+                <a16:creationId xmlns:a16="http://schemas.microsoft.com/office/drawing/2014/main" id="{FE13C965-94DF-4D77-3D34-8568754CBD0A}"/>
+              </a:ext>
+            </a:extLst>
+          </p:cNvPr>
+          <p:cNvSpPr>
+            <a:spLocks noGrp="1"/>
+          </p:cNvSpPr>
+          <p:nvPr>
+            <p:ph type="title"/>
+          </p:nvPr>
+        </p:nvSpPr>
+        <p:spPr>
+          <a:xfrm>
+            <a:off x="246472" y="-400810"/>
+            <a:ext cx="10858500" cy="900112"/>
+          </a:xfrm>
+        </p:spPr>
+        <p:txBody>
+          <a:bodyPr/>
+          <a:lstStyle/>
+          <a:p>
+            <a:r>
+              <a:rPr lang="zh-CN" altLang="en-US" dirty="0"/>
+              <a:t>使用的设计模式</a:t>
+            </a:r>
+          </a:p>
+        </p:txBody>
+      </p:sp>
+      <p:sp>
+        <p:nvSpPr>
+          <p:cNvPr id="3" name="内容占位符 2">
+            <a:extLst>
+              <a:ext uri="{FF2B5EF4-FFF2-40B4-BE49-F238E27FC236}">
+                <a16:creationId xmlns:a16="http://schemas.microsoft.com/office/drawing/2014/main" id="{D791D0E1-D492-B029-BCB2-E56A3BB1B5C8}"/>
+              </a:ext>
+            </a:extLst>
+          </p:cNvPr>
+          <p:cNvSpPr>
+            <a:spLocks noGrp="1"/>
+          </p:cNvSpPr>
+          <p:nvPr>
+            <p:ph idx="1"/>
+          </p:nvPr>
+        </p:nvSpPr>
+        <p:spPr>
+          <a:xfrm>
+            <a:off x="264767" y="571499"/>
+            <a:ext cx="4088882" cy="325276"/>
+          </a:xfrm>
+        </p:spPr>
+        <p:txBody>
+          <a:bodyPr>
+            <a:noAutofit/>
+          </a:bodyPr>
+          <a:lstStyle/>
+          <a:p>
+            <a:pPr marL="0" indent="0">
+              <a:buNone/>
+            </a:pPr>
+            <a:r>
+              <a:rPr lang="en-US" altLang="zh-CN" sz="1500" i="0" dirty="0">
+                <a:effectLst/>
+                <a:latin typeface="Segoe WPC"/>
+              </a:rPr>
+              <a:t>1. </a:t>
+            </a:r>
+            <a:r>
+              <a:rPr lang="zh-CN" altLang="en-US" sz="1500" i="0" dirty="0">
+                <a:effectLst/>
+                <a:latin typeface="Segoe WPC"/>
+              </a:rPr>
+              <a:t>单例模式</a:t>
+            </a:r>
+            <a:r>
+              <a:rPr lang="zh-CN" altLang="en-US" sz="1500" dirty="0">
+                <a:latin typeface="Segoe WPC"/>
+              </a:rPr>
+              <a:t>：</a:t>
+            </a:r>
+            <a:r>
+              <a:rPr lang="zh-CN" altLang="en-US" sz="1500" i="0" dirty="0">
+                <a:effectLst/>
+                <a:latin typeface="Segoe WPC"/>
+              </a:rPr>
+              <a:t>在以下 </a:t>
+            </a:r>
+            <a:r>
+              <a:rPr lang="en-US" altLang="zh-CN" sz="1500" i="0" dirty="0">
+                <a:effectLst/>
+                <a:latin typeface="Segoe WPC"/>
+              </a:rPr>
+              <a:t>3 </a:t>
+            </a:r>
+            <a:r>
+              <a:rPr lang="zh-CN" altLang="en-US" sz="1500" i="0" dirty="0">
+                <a:effectLst/>
+                <a:latin typeface="Segoe WPC"/>
+              </a:rPr>
+              <a:t>个类中使用：</a:t>
+            </a:r>
+          </a:p>
+          <a:p>
+            <a:pPr marL="342900" indent="-342900">
+              <a:buAutoNum type="arabicPeriod"/>
+            </a:pPr>
+            <a:r>
+              <a:rPr lang="en-US" altLang="zh-CN" sz="1500" i="0" dirty="0">
+                <a:effectLst/>
+                <a:latin typeface="Segoe WPC"/>
+              </a:rPr>
+              <a:t>ThemeManager.java</a:t>
+            </a:r>
+          </a:p>
+          <a:p>
+            <a:pPr marL="342900" indent="-342900">
+              <a:buAutoNum type="arabicPeriod"/>
+            </a:pPr>
+            <a:r>
+              <a:rPr lang="en-US" altLang="zh-CN" sz="1500" i="0" dirty="0">
+                <a:effectLst/>
+                <a:latin typeface="Segoe WPC"/>
+              </a:rPr>
+              <a:t>ImageFlyweightFactory.java</a:t>
+            </a:r>
+          </a:p>
+          <a:p>
+            <a:pPr marL="342900" indent="-342900">
+              <a:buAutoNum type="arabicPeriod"/>
+            </a:pPr>
+            <a:r>
+              <a:rPr lang="en-US" altLang="zh-CN" sz="1500" i="0" dirty="0">
+                <a:effectLst/>
+                <a:latin typeface="Segoe WPC"/>
+              </a:rPr>
+              <a:t>ThemeFactoryProvider.java</a:t>
+            </a:r>
+          </a:p>
+          <a:p>
+            <a:pPr marL="342900" indent="-342900">
+              <a:buAutoNum type="arabicPeriod"/>
+            </a:pPr>
+            <a:endParaRPr lang="en-US" altLang="zh-CN" sz="1500" i="0" dirty="0">
+              <a:effectLst/>
+              <a:latin typeface="Segoe WPC"/>
+            </a:endParaRPr>
+          </a:p>
+        </p:txBody>
+      </p:sp>
+      <p:sp>
+        <p:nvSpPr>
+          <p:cNvPr id="4" name="文本框 3">
+            <a:extLst>
+              <a:ext uri="{FF2B5EF4-FFF2-40B4-BE49-F238E27FC236}">
+                <a16:creationId xmlns:a16="http://schemas.microsoft.com/office/drawing/2014/main" id="{849182C5-B5B0-6EE3-1213-4DFA99939F94}"/>
+              </a:ext>
+            </a:extLst>
+          </p:cNvPr>
+          <p:cNvSpPr txBox="1"/>
+          <p:nvPr/>
+        </p:nvSpPr>
+        <p:spPr>
+          <a:xfrm>
+            <a:off x="5906279" y="571499"/>
+            <a:ext cx="6130212" cy="323165"/>
+          </a:xfrm>
+          <a:prstGeom prst="rect">
+            <a:avLst/>
+          </a:prstGeom>
+          <a:noFill/>
+        </p:spPr>
+        <p:txBody>
+          <a:bodyPr wrap="square" rtlCol="0">
+            <a:spAutoFit/>
+          </a:bodyPr>
+          <a:lstStyle/>
+          <a:p>
+            <a:r>
+              <a:rPr lang="en-US" altLang="zh-CN" sz="1500" dirty="0"/>
+              <a:t>2. </a:t>
+            </a:r>
+            <a:r>
+              <a:rPr lang="zh-CN" altLang="en-US" sz="1500" dirty="0"/>
+              <a:t>模板方法模式：模板方法模式在 </a:t>
+            </a:r>
+            <a:r>
+              <a:rPr lang="en-US" altLang="zh-CN" sz="1500" dirty="0"/>
+              <a:t>AbstractThemeFactory.java </a:t>
+            </a:r>
+            <a:r>
+              <a:rPr lang="zh-CN" altLang="en-US" sz="1500" dirty="0"/>
+              <a:t>中体现</a:t>
+            </a:r>
+          </a:p>
+        </p:txBody>
+      </p:sp>
+      <p:pic>
+        <p:nvPicPr>
+          <p:cNvPr id="5" name="图片 4">
+            <a:extLst>
+              <a:ext uri="{FF2B5EF4-FFF2-40B4-BE49-F238E27FC236}">
+                <a16:creationId xmlns:a16="http://schemas.microsoft.com/office/drawing/2014/main" id="{E7D85FE2-EE30-BAC7-DD3D-DFB84B6A9B30}"/>
+              </a:ext>
+            </a:extLst>
+          </p:cNvPr>
+          <p:cNvPicPr>
+            <a:picLocks noChangeAspect="1"/>
+          </p:cNvPicPr>
+          <p:nvPr/>
+        </p:nvPicPr>
+        <p:blipFill>
+          <a:blip r:embed="rId2"/>
+          <a:stretch>
+            <a:fillRect/>
+          </a:stretch>
+        </p:blipFill>
+        <p:spPr>
+          <a:xfrm>
+            <a:off x="0" y="2361573"/>
+            <a:ext cx="5410955" cy="4496427"/>
+          </a:xfrm>
+          <a:prstGeom prst="rect">
+            <a:avLst/>
+          </a:prstGeom>
+        </p:spPr>
+      </p:pic>
+      <p:sp>
+        <p:nvSpPr>
+          <p:cNvPr id="6" name="文本框 5">
+            <a:extLst>
+              <a:ext uri="{FF2B5EF4-FFF2-40B4-BE49-F238E27FC236}">
+                <a16:creationId xmlns:a16="http://schemas.microsoft.com/office/drawing/2014/main" id="{A23D64C7-5659-5791-CA07-56E64A809433}"/>
+              </a:ext>
+            </a:extLst>
+          </p:cNvPr>
+          <p:cNvSpPr txBox="1"/>
+          <p:nvPr/>
+        </p:nvSpPr>
+        <p:spPr>
+          <a:xfrm>
+            <a:off x="6027576" y="1184988"/>
+            <a:ext cx="5523722" cy="323165"/>
+          </a:xfrm>
+          <a:prstGeom prst="rect">
+            <a:avLst/>
+          </a:prstGeom>
+          <a:noFill/>
+        </p:spPr>
+        <p:txBody>
+          <a:bodyPr wrap="square" rtlCol="0">
+            <a:spAutoFit/>
+          </a:bodyPr>
+          <a:lstStyle/>
+          <a:p>
+            <a:r>
+              <a:rPr lang="en-US" altLang="zh-CN" sz="1500" dirty="0"/>
+              <a:t>3. </a:t>
+            </a:r>
+            <a:r>
+              <a:rPr lang="zh-CN" altLang="en-US" sz="1500" dirty="0"/>
+              <a:t>抽象工厂模式：创建一系列相关的主题元素</a:t>
+            </a:r>
+          </a:p>
+        </p:txBody>
+      </p:sp>
+      <p:pic>
+        <p:nvPicPr>
+          <p:cNvPr id="9" name="图片 8">
+            <a:extLst>
+              <a:ext uri="{FF2B5EF4-FFF2-40B4-BE49-F238E27FC236}">
+                <a16:creationId xmlns:a16="http://schemas.microsoft.com/office/drawing/2014/main" id="{FFB7E373-AF6B-6BC5-B3FF-0E28B6A2D947}"/>
+              </a:ext>
+            </a:extLst>
+          </p:cNvPr>
+          <p:cNvPicPr>
+            <a:picLocks noChangeAspect="1"/>
+          </p:cNvPicPr>
+          <p:nvPr/>
+        </p:nvPicPr>
+        <p:blipFill>
+          <a:blip r:embed="rId3"/>
+          <a:stretch>
+            <a:fillRect/>
+          </a:stretch>
+        </p:blipFill>
+        <p:spPr>
+          <a:xfrm>
+            <a:off x="5431055" y="1798477"/>
+            <a:ext cx="6716764" cy="4885646"/>
+          </a:xfrm>
+          <a:prstGeom prst="rect">
+            <a:avLst/>
+          </a:prstGeom>
+        </p:spPr>
+      </p:pic>
+    </p:spTree>
+    <p:extLst>
+      <p:ext uri="{BB962C8B-B14F-4D97-AF65-F5344CB8AC3E}">
+        <p14:creationId xmlns:p14="http://schemas.microsoft.com/office/powerpoint/2010/main" val="3776910725"/>
+      </p:ext>
+    </p:extLst>
+  </p:cSld>
+  <p:clrMapOvr>
+    <a:masterClrMapping/>
+  </p:clrMapOvr>
+</p:sld>
+</file>
+
+<file path=ppt/slides/slide2.xml><?xml version="1.0" encoding="utf-8"?>
+<p:sld xmlns:a="http://schemas.openxmlformats.org/drawingml/2006/main" xmlns:r="http://schemas.openxmlformats.org/officeDocument/2006/relationships" xmlns:p="http://schemas.openxmlformats.org/presentationml/2006/main">
+  <p:cSld>
+    <p:spTree>
+      <p:nvGrpSpPr>
+        <p:cNvPr id="1" name=""/>
+        <p:cNvGrpSpPr/>
+        <p:nvPr/>
+      </p:nvGrpSpPr>
+      <p:grpSpPr>
+        <a:xfrm>
+          <a:off x="0" y="0"/>
+          <a:ext cx="0" cy="0"/>
+          <a:chOff x="0" y="0"/>
+          <a:chExt cx="0" cy="0"/>
+        </a:xfrm>
+      </p:grpSpPr>
+      <p:sp>
+        <p:nvSpPr>
+          <p:cNvPr id="2" name="Title 1">
+            <a:extLst>
+              <a:ext uri="{FF2B5EF4-FFF2-40B4-BE49-F238E27FC236}">
+                <a16:creationId xmlns:a16="http://schemas.microsoft.com/office/drawing/2014/main" id="{DC824AA1-09D7-EC3A-301E-028F418A25B3}"/>
+              </a:ext>
+            </a:extLst>
+          </p:cNvPr>
+          <p:cNvSpPr>
+            <a:spLocks noGrp="1"/>
+          </p:cNvSpPr>
+          <p:nvPr>
+            <p:ph type="title"/>
+          </p:nvPr>
+        </p:nvSpPr>
+        <p:spPr>
+          <a:xfrm>
+            <a:off x="660400" y="1500187"/>
+            <a:ext cx="2836562" cy="915667"/>
+          </a:xfrm>
+        </p:spPr>
+        <p:txBody>
+          <a:bodyPr/>
+          <a:lstStyle/>
+          <a:p>
+            <a:pPr lvl="0"/>
+            <a:r>
+              <a:rPr lang="en-US"/>
+              <a:t>Agenda</a:t>
+            </a:r>
+          </a:p>
+        </p:txBody>
+      </p:sp>
+      <p:sp>
+        <p:nvSpPr>
+          <p:cNvPr id="3" name="Content Placeholder 2">
+            <a:extLst>
+              <a:ext uri="{FF2B5EF4-FFF2-40B4-BE49-F238E27FC236}">
+                <a16:creationId xmlns:a16="http://schemas.microsoft.com/office/drawing/2014/main" id="{94C7ACB6-4040-4F8E-DAE4-CD916FCA3B1A}"/>
+              </a:ext>
+            </a:extLst>
+          </p:cNvPr>
+          <p:cNvSpPr>
+            <a:spLocks noGrp="1"/>
+          </p:cNvSpPr>
+          <p:nvPr>
+            <p:ph sz="quarter" idx="1"/>
+          </p:nvPr>
+        </p:nvSpPr>
+        <p:spPr>
+          <a:xfrm>
+            <a:off x="3745078" y="1500188"/>
+            <a:ext cx="7773821" cy="4633912"/>
+          </a:xfrm>
+        </p:spPr>
+        <p:txBody>
+          <a:bodyPr/>
+          <a:lstStyle/>
+          <a:p>
+            <a:pPr lvl="0"/>
+            <a:r>
+              <a:rPr lang="zh-CN" altLang="en-US" dirty="0"/>
+              <a:t>修改前后的类图</a:t>
+            </a:r>
+            <a:endParaRPr lang="en-US" dirty="0"/>
+          </a:p>
+          <a:p>
+            <a:pPr lvl="0"/>
+            <a:r>
+              <a:rPr lang="zh-CN" altLang="en-US" dirty="0"/>
+              <a:t>在原有基础上的修改</a:t>
+            </a:r>
+            <a:endParaRPr lang="en-US" dirty="0"/>
+          </a:p>
+          <a:p>
+            <a:pPr lvl="0"/>
+            <a:r>
+              <a:rPr lang="zh-CN" altLang="en-US" dirty="0"/>
+              <a:t>一些新增的内容</a:t>
+            </a:r>
+            <a:endParaRPr lang="en-US" altLang="zh-CN" dirty="0"/>
+          </a:p>
+          <a:p>
+            <a:pPr lvl="0"/>
+            <a:r>
+              <a:rPr lang="zh-CN" altLang="en-US" dirty="0"/>
+              <a:t>主要运行界面</a:t>
+            </a:r>
+            <a:endParaRPr lang="en-US" dirty="0"/>
+          </a:p>
+        </p:txBody>
+      </p:sp>
+      <p:sp>
+        <p:nvSpPr>
+          <p:cNvPr id="4" name="Slide Number Placeholder 3">
+            <a:extLst>
+              <a:ext uri="{FF2B5EF4-FFF2-40B4-BE49-F238E27FC236}">
+                <a16:creationId xmlns:a16="http://schemas.microsoft.com/office/drawing/2014/main" id="{9C40017B-9BDF-5D77-335B-2FE0EAEE92E6}"/>
+              </a:ext>
+            </a:extLst>
+          </p:cNvPr>
+          <p:cNvSpPr>
+            <a:spLocks noGrp="1"/>
+          </p:cNvSpPr>
+          <p:nvPr>
+            <p:ph type="sldNum" sz="quarter" idx="12"/>
+          </p:nvPr>
+        </p:nvSpPr>
+        <p:spPr>
+          <a:xfrm>
+            <a:off x="7861300" y="6409690"/>
+            <a:ext cx="3657600" cy="274320"/>
+          </a:xfrm>
+        </p:spPr>
+        <p:txBody>
+          <a:bodyPr/>
+          <a:lstStyle/>
+          <a:p>
+            <a:fld id="{C8BB1146-E542-4D4E-B8E9-6919A11DDD48}" type="slidenum">
+              <a:rPr lang="en-US" smtClean="0"/>
+              <a:pPr/>
+              <a:t>2</a:t>
+            </a:fld>
+            <a:endParaRPr lang="en-US" dirty="0"/>
+          </a:p>
+        </p:txBody>
+      </p:sp>
+    </p:spTree>
+    <p:extLst>
+      <p:ext uri="{BB962C8B-B14F-4D97-AF65-F5344CB8AC3E}">
+        <p14:creationId xmlns:p14="http://schemas.microsoft.com/office/powerpoint/2010/main" val="3361711315"/>
+      </p:ext>
+    </p:extLst>
+  </p:cSld>
+  <p:clrMapOvr>
+    <a:masterClrMapping/>
+  </p:clrMapOvr>
+</p:sld>
+</file>
+
+<file path=ppt/slides/slide20.xml><?xml version="1.0" encoding="utf-8"?>
+<p:sld xmlns:a="http://schemas.openxmlformats.org/drawingml/2006/main" xmlns:r="http://schemas.openxmlformats.org/officeDocument/2006/relationships" xmlns:p="http://schemas.openxmlformats.org/presentationml/2006/main">
+  <p:cSld>
+    <p:spTree>
+      <p:nvGrpSpPr>
+        <p:cNvPr id="1" name=""/>
+        <p:cNvGrpSpPr/>
+        <p:nvPr/>
+      </p:nvGrpSpPr>
+      <p:grpSpPr>
+        <a:xfrm>
+          <a:off x="0" y="0"/>
+          <a:ext cx="0" cy="0"/>
+          <a:chOff x="0" y="0"/>
+          <a:chExt cx="0" cy="0"/>
+        </a:xfrm>
+      </p:grpSpPr>
+      <p:sp>
+        <p:nvSpPr>
+          <p:cNvPr id="3" name="内容占位符 2">
+            <a:extLst>
+              <a:ext uri="{FF2B5EF4-FFF2-40B4-BE49-F238E27FC236}">
+                <a16:creationId xmlns:a16="http://schemas.microsoft.com/office/drawing/2014/main" id="{02E95EE5-4797-61F7-EDC8-DEE8B35E0A15}"/>
+              </a:ext>
+            </a:extLst>
+          </p:cNvPr>
+          <p:cNvSpPr>
+            <a:spLocks noGrp="1"/>
+          </p:cNvSpPr>
+          <p:nvPr>
+            <p:ph idx="1"/>
+          </p:nvPr>
+        </p:nvSpPr>
+        <p:spPr>
+          <a:xfrm>
+            <a:off x="212530" y="243891"/>
+            <a:ext cx="3892939" cy="381259"/>
+          </a:xfrm>
+        </p:spPr>
+        <p:txBody>
+          <a:bodyPr>
+            <a:noAutofit/>
+          </a:bodyPr>
+          <a:lstStyle/>
+          <a:p>
+            <a:pPr marL="0" indent="0">
+              <a:buNone/>
+            </a:pPr>
+            <a:r>
+              <a:rPr lang="en-US" altLang="zh-CN" sz="1500" dirty="0"/>
+              <a:t>4. </a:t>
+            </a:r>
+            <a:r>
+              <a:rPr lang="zh-CN" altLang="en-US" sz="1500" dirty="0"/>
+              <a:t>享元模式：共享图片资源，减少内存占用</a:t>
+            </a:r>
+          </a:p>
+        </p:txBody>
+      </p:sp>
+      <p:pic>
+        <p:nvPicPr>
+          <p:cNvPr id="4" name="图片 3">
+            <a:extLst>
+              <a:ext uri="{FF2B5EF4-FFF2-40B4-BE49-F238E27FC236}">
+                <a16:creationId xmlns:a16="http://schemas.microsoft.com/office/drawing/2014/main" id="{0740A7A4-51F3-751E-0769-3E5D43234D41}"/>
+              </a:ext>
+            </a:extLst>
+          </p:cNvPr>
+          <p:cNvPicPr>
+            <a:picLocks noChangeAspect="1"/>
+          </p:cNvPicPr>
+          <p:nvPr/>
+        </p:nvPicPr>
+        <p:blipFill>
+          <a:blip r:embed="rId2"/>
+          <a:stretch>
+            <a:fillRect/>
+          </a:stretch>
+        </p:blipFill>
+        <p:spPr>
+          <a:xfrm>
+            <a:off x="91232" y="909637"/>
+            <a:ext cx="5619750" cy="5038725"/>
+          </a:xfrm>
+          <a:prstGeom prst="rect">
+            <a:avLst/>
+          </a:prstGeom>
+        </p:spPr>
+      </p:pic>
+    </p:spTree>
+    <p:extLst>
+      <p:ext uri="{BB962C8B-B14F-4D97-AF65-F5344CB8AC3E}">
+        <p14:creationId xmlns:p14="http://schemas.microsoft.com/office/powerpoint/2010/main" val="9576828"/>
+      </p:ext>
+    </p:extLst>
+  </p:cSld>
+  <p:clrMapOvr>
+    <a:masterClrMapping/>
+  </p:clrMapOvr>
+</p:sld>
+</file>
+
+<file path=ppt/slides/slide21.xml><?xml version="1.0" encoding="utf-8"?>
+<p:sld xmlns:a="http://schemas.openxmlformats.org/drawingml/2006/main" xmlns:r="http://schemas.openxmlformats.org/officeDocument/2006/relationships" xmlns:p="http://schemas.openxmlformats.org/presentationml/2006/main">
+  <p:cSld>
+    <p:spTree>
+      <p:nvGrpSpPr>
+        <p:cNvPr id="1" name=""/>
+        <p:cNvGrpSpPr/>
+        <p:nvPr/>
+      </p:nvGrpSpPr>
+      <p:grpSpPr>
+        <a:xfrm>
+          <a:off x="0" y="0"/>
+          <a:ext cx="0" cy="0"/>
+          <a:chOff x="0" y="0"/>
+          <a:chExt cx="0" cy="0"/>
+        </a:xfrm>
+      </p:grpSpPr>
+      <p:sp>
+        <p:nvSpPr>
+          <p:cNvPr id="3" name="内容占位符 2">
+            <a:extLst>
+              <a:ext uri="{FF2B5EF4-FFF2-40B4-BE49-F238E27FC236}">
+                <a16:creationId xmlns:a16="http://schemas.microsoft.com/office/drawing/2014/main" id="{B4A60B4D-4513-2B27-F4F8-DAF5165F9841}"/>
+              </a:ext>
+            </a:extLst>
+          </p:cNvPr>
+          <p:cNvSpPr>
+            <a:spLocks noGrp="1"/>
+          </p:cNvSpPr>
+          <p:nvPr>
+            <p:ph idx="1"/>
+          </p:nvPr>
+        </p:nvSpPr>
+        <p:spPr>
+          <a:xfrm>
+            <a:off x="88252" y="374520"/>
+            <a:ext cx="6365423" cy="6184900"/>
+          </a:xfrm>
+        </p:spPr>
+        <p:txBody>
+          <a:bodyPr>
+            <a:normAutofit lnSpcReduction="10000"/>
+          </a:bodyPr>
+          <a:lstStyle/>
+          <a:p>
+            <a:pPr marL="0" indent="0">
+              <a:buNone/>
+            </a:pPr>
+            <a:r>
+              <a:rPr lang="en-US" altLang="zh-CN" sz="1500" dirty="0"/>
+              <a:t>5. </a:t>
+            </a:r>
+            <a:r>
+              <a:rPr lang="zh-CN" altLang="en-US" sz="1500" dirty="0"/>
+              <a:t>建造者模式</a:t>
+            </a:r>
+            <a:endParaRPr lang="en-US" altLang="zh-CN" sz="1500" dirty="0"/>
+          </a:p>
+          <a:p>
+            <a:pPr marL="0" indent="0">
+              <a:buNone/>
+            </a:pPr>
+            <a:r>
+              <a:rPr lang="zh-CN" altLang="en-US" sz="1500" dirty="0"/>
+              <a:t>一、什么是建造者模式</a:t>
+            </a:r>
+            <a:endParaRPr lang="en-US" altLang="zh-CN" sz="1500" dirty="0"/>
+          </a:p>
+          <a:p>
+            <a:pPr marL="0" indent="0">
+              <a:buNone/>
+            </a:pPr>
+            <a:r>
+              <a:rPr lang="zh-CN" altLang="en-US" sz="1500" dirty="0"/>
+              <a:t>建造者模式是一种创建型设计模式，也叫生成器模式。</a:t>
+            </a:r>
+            <a:endParaRPr lang="en-US" altLang="zh-CN" sz="1500" dirty="0"/>
+          </a:p>
+          <a:p>
+            <a:pPr marL="0" indent="0">
+              <a:buNone/>
+            </a:pPr>
+            <a:r>
+              <a:rPr lang="zh-CN" altLang="en-US" sz="1500" dirty="0"/>
+              <a:t>定义：封装一个复杂对象构造过程，并允许按步骤构造。解释：就是将复杂对象的创建过程拆分成多个简单对象的创建过程，并将这些简单对象组合起来构建出复杂对象。</a:t>
+            </a:r>
+            <a:endParaRPr lang="en-US" altLang="zh-CN" sz="1500" dirty="0"/>
+          </a:p>
+          <a:p>
+            <a:pPr marL="0" indent="0">
+              <a:buNone/>
+            </a:pPr>
+            <a:r>
+              <a:rPr lang="zh-CN" altLang="en-US" sz="1500" dirty="0"/>
+              <a:t>二、角色组成产品类（</a:t>
+            </a:r>
+            <a:r>
+              <a:rPr lang="en-US" altLang="zh-CN" sz="1500" dirty="0"/>
+              <a:t>Product</a:t>
+            </a:r>
+            <a:r>
+              <a:rPr lang="zh-CN" altLang="en-US" sz="1500" dirty="0"/>
+              <a:t>）：表示被创建的复杂对象。它通常包含多个部分或者组成，并由具体的建造者逐步构建而成。抽象建造者类（</a:t>
+            </a:r>
+            <a:r>
+              <a:rPr lang="en-US" altLang="zh-CN" sz="1500" dirty="0"/>
+              <a:t>Builder</a:t>
+            </a:r>
+            <a:r>
+              <a:rPr lang="zh-CN" altLang="en-US" sz="1500" dirty="0"/>
+              <a:t>）：定义了建造复杂对象所需要的各个部分的创建方法。它通常包括多个构建方法和一个返回产品的方法。具体建造者类（</a:t>
+            </a:r>
+            <a:r>
+              <a:rPr lang="en-US" altLang="zh-CN" sz="1500" dirty="0" err="1"/>
+              <a:t>ConcreteBuilder</a:t>
+            </a:r>
+            <a:r>
+              <a:rPr lang="zh-CN" altLang="en-US" sz="1500" dirty="0"/>
+              <a:t>）：实现</a:t>
+            </a:r>
+            <a:r>
+              <a:rPr lang="en-US" altLang="zh-CN" sz="1500" dirty="0"/>
+              <a:t>Builder</a:t>
+            </a:r>
+            <a:r>
+              <a:rPr lang="zh-CN" altLang="en-US" sz="1500" dirty="0"/>
+              <a:t>接口，并提供各个部分或者组成的构建方法。指挥者类（</a:t>
+            </a:r>
+            <a:r>
+              <a:rPr lang="en-US" altLang="zh-CN" sz="1500" dirty="0"/>
+              <a:t>Director</a:t>
+            </a:r>
+            <a:r>
+              <a:rPr lang="zh-CN" altLang="en-US" sz="1500" dirty="0"/>
+              <a:t>）：负责控制建造者的构建顺序，指挥建造者如何构建复杂对象。</a:t>
+            </a:r>
+            <a:endParaRPr lang="en-US" altLang="zh-CN" sz="1500" dirty="0"/>
+          </a:p>
+          <a:p>
+            <a:pPr marL="0" indent="0">
+              <a:buNone/>
+            </a:pPr>
+            <a:r>
+              <a:rPr lang="zh-CN" altLang="en-US" sz="1500" dirty="0"/>
+              <a:t>三、优缺点优点：</a:t>
+            </a:r>
+            <a:endParaRPr lang="en-US" altLang="zh-CN" sz="1500" dirty="0"/>
+          </a:p>
+          <a:p>
+            <a:pPr marL="0" indent="0">
+              <a:buNone/>
+            </a:pPr>
+            <a:r>
+              <a:rPr lang="zh-CN" altLang="en-US" sz="1500" dirty="0"/>
+              <a:t>灵活：可以分步骤地构建复杂对象，使得构建过程更加灵活。解耦：可以隔离复杂对象的创建和使用，客户端不必关心对象的创建细节。易扩展：增加新的具体建造者很方便，可以扩展构建器功能，符合开闭原则。</a:t>
+            </a:r>
+            <a:endParaRPr lang="en-US" altLang="zh-CN" sz="1500" dirty="0"/>
+          </a:p>
+          <a:p>
+            <a:pPr marL="0" indent="0">
+              <a:buNone/>
+            </a:pPr>
+            <a:r>
+              <a:rPr lang="zh-CN" altLang="en-US" sz="1500" dirty="0"/>
+              <a:t>缺点：增加工作量：需要额外的代码来创建和管理具体建造者类，增加了程序员的工作量。效率低：相比于其他创建型模式，在运行时效率较低，特别是对象太复杂时。</a:t>
+            </a:r>
+          </a:p>
+        </p:txBody>
+      </p:sp>
+      <p:pic>
+        <p:nvPicPr>
+          <p:cNvPr id="4" name="图片 3">
+            <a:extLst>
+              <a:ext uri="{FF2B5EF4-FFF2-40B4-BE49-F238E27FC236}">
+                <a16:creationId xmlns:a16="http://schemas.microsoft.com/office/drawing/2014/main" id="{41C40D37-5CE5-BA9B-DD16-065817A724CC}"/>
+              </a:ext>
+            </a:extLst>
+          </p:cNvPr>
+          <p:cNvPicPr>
+            <a:picLocks noChangeAspect="1"/>
+          </p:cNvPicPr>
+          <p:nvPr/>
+        </p:nvPicPr>
+        <p:blipFill>
+          <a:blip r:embed="rId2"/>
+          <a:stretch>
+            <a:fillRect/>
+          </a:stretch>
+        </p:blipFill>
+        <p:spPr>
+          <a:xfrm>
+            <a:off x="6453675" y="0"/>
+            <a:ext cx="4812994" cy="6858000"/>
+          </a:xfrm>
+          <a:prstGeom prst="rect">
+            <a:avLst/>
+          </a:prstGeom>
+        </p:spPr>
+      </p:pic>
+    </p:spTree>
+    <p:extLst>
+      <p:ext uri="{BB962C8B-B14F-4D97-AF65-F5344CB8AC3E}">
+        <p14:creationId xmlns:p14="http://schemas.microsoft.com/office/powerpoint/2010/main" val="2950435174"/>
+      </p:ext>
+    </p:extLst>
+  </p:cSld>
+  <p:clrMapOvr>
+    <a:masterClrMapping/>
+  </p:clrMapOvr>
+</p:sld>
+</file>
+
+<file path=ppt/slides/slide22.xml><?xml version="1.0" encoding="utf-8"?>
+<p:sld xmlns:a="http://schemas.openxmlformats.org/drawingml/2006/main" xmlns:r="http://schemas.openxmlformats.org/officeDocument/2006/relationships" xmlns:p="http://schemas.openxmlformats.org/presentationml/2006/main">
+  <p:cSld>
+    <p:spTree>
+      <p:nvGrpSpPr>
+        <p:cNvPr id="1" name=""/>
+        <p:cNvGrpSpPr/>
+        <p:nvPr/>
+      </p:nvGrpSpPr>
+      <p:grpSpPr>
+        <a:xfrm>
+          <a:off x="0" y="0"/>
+          <a:ext cx="0" cy="0"/>
+          <a:chOff x="0" y="0"/>
+          <a:chExt cx="0" cy="0"/>
+        </a:xfrm>
+      </p:grpSpPr>
+      <p:sp>
+        <p:nvSpPr>
           <p:cNvPr id="2" name="Title 1">
             <a:extLst>
               <a:ext uri="{FF2B5EF4-FFF2-40B4-BE49-F238E27FC236}">
@@ -11192,7 +12240,7 @@
             <a:fld id="{C8BB1146-E542-4D4E-B8E9-6919A11DDD48}" type="slidenum">
               <a:rPr lang="en-US" smtClean="0"/>
               <a:pPr/>
-              <a:t>18</a:t>
+              <a:t>22</a:t>
             </a:fld>
             <a:endParaRPr lang="en-US"/>
           </a:p>
@@ -11211,7 +12259,7 @@
 </p:sld>
 </file>
 
-<file path=ppt/slides/slide19.xml><?xml version="1.0" encoding="utf-8"?>
+<file path=ppt/slides/slide23.xml><?xml version="1.0" encoding="utf-8"?>
 <p:sld xmlns:a="http://schemas.openxmlformats.org/drawingml/2006/main" xmlns:r="http://schemas.openxmlformats.org/officeDocument/2006/relationships" xmlns:p="http://schemas.openxmlformats.org/presentationml/2006/main">
   <p:cSld>
     <p:spTree>
@@ -11529,165 +12577,7 @@
 </p:sld>
 </file>
 
-<file path=ppt/slides/slide2.xml><?xml version="1.0" encoding="utf-8"?>
-<p:sld xmlns:a="http://schemas.openxmlformats.org/drawingml/2006/main" xmlns:r="http://schemas.openxmlformats.org/officeDocument/2006/relationships" xmlns:p="http://schemas.openxmlformats.org/presentationml/2006/main">
-  <p:cSld>
-    <p:spTree>
-      <p:nvGrpSpPr>
-        <p:cNvPr id="1" name=""/>
-        <p:cNvGrpSpPr/>
-        <p:nvPr/>
-      </p:nvGrpSpPr>
-      <p:grpSpPr>
-        <a:xfrm>
-          <a:off x="0" y="0"/>
-          <a:ext cx="0" cy="0"/>
-          <a:chOff x="0" y="0"/>
-          <a:chExt cx="0" cy="0"/>
-        </a:xfrm>
-      </p:grpSpPr>
-      <p:sp>
-        <p:nvSpPr>
-          <p:cNvPr id="2" name="Title 1">
-            <a:extLst>
-              <a:ext uri="{FF2B5EF4-FFF2-40B4-BE49-F238E27FC236}">
-                <a16:creationId xmlns:a16="http://schemas.microsoft.com/office/drawing/2014/main" id="{DC824AA1-09D7-EC3A-301E-028F418A25B3}"/>
-              </a:ext>
-            </a:extLst>
-          </p:cNvPr>
-          <p:cNvSpPr>
-            <a:spLocks noGrp="1"/>
-          </p:cNvSpPr>
-          <p:nvPr>
-            <p:ph type="title"/>
-          </p:nvPr>
-        </p:nvSpPr>
-        <p:spPr>
-          <a:xfrm>
-            <a:off x="660400" y="1500187"/>
-            <a:ext cx="2836562" cy="915667"/>
-          </a:xfrm>
-        </p:spPr>
-        <p:txBody>
-          <a:bodyPr/>
-          <a:lstStyle/>
-          <a:p>
-            <a:pPr lvl="0"/>
-            <a:r>
-              <a:rPr lang="en-US"/>
-              <a:t>Agenda</a:t>
-            </a:r>
-          </a:p>
-        </p:txBody>
-      </p:sp>
-      <p:sp>
-        <p:nvSpPr>
-          <p:cNvPr id="3" name="Content Placeholder 2">
-            <a:extLst>
-              <a:ext uri="{FF2B5EF4-FFF2-40B4-BE49-F238E27FC236}">
-                <a16:creationId xmlns:a16="http://schemas.microsoft.com/office/drawing/2014/main" id="{94C7ACB6-4040-4F8E-DAE4-CD916FCA3B1A}"/>
-              </a:ext>
-            </a:extLst>
-          </p:cNvPr>
-          <p:cNvSpPr>
-            <a:spLocks noGrp="1"/>
-          </p:cNvSpPr>
-          <p:nvPr>
-            <p:ph sz="quarter" idx="1"/>
-          </p:nvPr>
-        </p:nvSpPr>
-        <p:spPr>
-          <a:xfrm>
-            <a:off x="3745078" y="1500188"/>
-            <a:ext cx="7773821" cy="4633912"/>
-          </a:xfrm>
-        </p:spPr>
-        <p:txBody>
-          <a:bodyPr/>
-          <a:lstStyle/>
-          <a:p>
-            <a:pPr lvl="0"/>
-            <a:r>
-              <a:rPr lang="zh-CN" altLang="en-US" dirty="0"/>
-              <a:t>修改前后的类图</a:t>
-            </a:r>
-            <a:endParaRPr lang="en-US" dirty="0"/>
-          </a:p>
-          <a:p>
-            <a:pPr lvl="0"/>
-            <a:r>
-              <a:rPr lang="zh-CN" altLang="en-US" dirty="0"/>
-              <a:t>在原有基础上的修改</a:t>
-            </a:r>
-            <a:endParaRPr lang="en-US" dirty="0"/>
-          </a:p>
-          <a:p>
-            <a:pPr lvl="0"/>
-            <a:r>
-              <a:rPr lang="zh-CN" altLang="en-US" dirty="0"/>
-              <a:t>一些新增的内容</a:t>
-            </a:r>
-            <a:endParaRPr lang="en-US" altLang="zh-CN" dirty="0"/>
-          </a:p>
-          <a:p>
-            <a:pPr lvl="0"/>
-            <a:r>
-              <a:rPr lang="zh-CN" altLang="en-US" dirty="0"/>
-              <a:t>主要运行界面</a:t>
-            </a:r>
-            <a:endParaRPr lang="en-US" dirty="0"/>
-          </a:p>
-        </p:txBody>
-      </p:sp>
-      <p:sp>
-        <p:nvSpPr>
-          <p:cNvPr id="4" name="Slide Number Placeholder 3">
-            <a:extLst>
-              <a:ext uri="{FF2B5EF4-FFF2-40B4-BE49-F238E27FC236}">
-                <a16:creationId xmlns:a16="http://schemas.microsoft.com/office/drawing/2014/main" id="{9C40017B-9BDF-5D77-335B-2FE0EAEE92E6}"/>
-              </a:ext>
-            </a:extLst>
-          </p:cNvPr>
-          <p:cNvSpPr>
-            <a:spLocks noGrp="1"/>
-          </p:cNvSpPr>
-          <p:nvPr>
-            <p:ph type="sldNum" sz="quarter" idx="12"/>
-          </p:nvPr>
-        </p:nvSpPr>
-        <p:spPr>
-          <a:xfrm>
-            <a:off x="7861300" y="6409690"/>
-            <a:ext cx="3657600" cy="274320"/>
-          </a:xfrm>
-        </p:spPr>
-        <p:txBody>
-          <a:bodyPr/>
-          <a:lstStyle/>
-          <a:p>
-            <a:fld id="{C8BB1146-E542-4D4E-B8E9-6919A11DDD48}" type="slidenum">
-              <a:rPr lang="en-US" smtClean="0"/>
-              <a:pPr/>
-              <a:t>2</a:t>
-            </a:fld>
-            <a:endParaRPr lang="en-US" dirty="0"/>
-          </a:p>
-        </p:txBody>
-      </p:sp>
-    </p:spTree>
-    <p:extLst>
-      <p:ext uri="{BB962C8B-B14F-4D97-AF65-F5344CB8AC3E}">
-        <p14:creationId xmlns:p14="http://schemas.microsoft.com/office/powerpoint/2010/main" val="3361711315"/>
-      </p:ext>
-    </p:extLst>
-  </p:cSld>
-  <p:clrMapOvr>
-    <a:masterClrMapping/>
-  </p:clrMapOvr>
-</p:sld>
-</file>
-
-<file path=ppt/slides/slide20.xml><?xml version="1.0" encoding="utf-8"?>
+<file path=ppt/slides/slide24.xml><?xml version="1.0" encoding="utf-8"?>
 <p:sld xmlns:a="http://schemas.openxmlformats.org/drawingml/2006/main" xmlns:r="http://schemas.openxmlformats.org/officeDocument/2006/relationships" xmlns:p="http://schemas.openxmlformats.org/presentationml/2006/main">
   <p:cSld>
     <p:spTree>
@@ -11816,7 +12706,7 @@
                 <a:tabLst/>
                 <a:defRPr/>
               </a:pPr>
-              <a:t>20</a:t>
+              <a:t>24</a:t>
             </a:fld>
             <a:endParaRPr kumimoji="0" lang="en-US" sz="1000" b="0" i="0" u="none" strike="noStrike" kern="1200" cap="none" spc="0" normalizeH="0" baseline="0" noProof="0">
               <a:ln>
@@ -11850,7 +12740,7 @@
 </p:sld>
 </file>
 
-<file path=ppt/slides/slide21.xml><?xml version="1.0" encoding="utf-8"?>
+<file path=ppt/slides/slide25.xml><?xml version="1.0" encoding="utf-8"?>
 <p:sld xmlns:a="http://schemas.openxmlformats.org/drawingml/2006/main" xmlns:r="http://schemas.openxmlformats.org/officeDocument/2006/relationships" xmlns:p="http://schemas.openxmlformats.org/presentationml/2006/main">
   <p:cSld>
     <p:spTree>
@@ -12138,7 +13028,7 @@
 </p:sld>
 </file>
 
-<file path=ppt/slides/slide22.xml><?xml version="1.0" encoding="utf-8"?>
+<file path=ppt/slides/slide26.xml><?xml version="1.0" encoding="utf-8"?>
 <p:sld xmlns:a="http://schemas.openxmlformats.org/drawingml/2006/main" xmlns:r="http://schemas.openxmlformats.org/officeDocument/2006/relationships" xmlns:p="http://schemas.openxmlformats.org/presentationml/2006/main">
   <p:cSld>
     <p:spTree>
@@ -12568,7 +13458,7 @@
 </p:sld>
 </file>
 
-<file path=ppt/slides/slide23.xml><?xml version="1.0" encoding="utf-8"?>
+<file path=ppt/slides/slide27.xml><?xml version="1.0" encoding="utf-8"?>
 <p:sld xmlns:a="http://schemas.openxmlformats.org/drawingml/2006/main" xmlns:r="http://schemas.openxmlformats.org/officeDocument/2006/relationships" xmlns:p="http://schemas.openxmlformats.org/presentationml/2006/main">
   <p:cSld>
     <p:spTree>
@@ -12632,7 +13522,7 @@
 </p:sld>
 </file>
 
-<file path=ppt/slides/slide24.xml><?xml version="1.0" encoding="utf-8"?>
+<file path=ppt/slides/slide28.xml><?xml version="1.0" encoding="utf-8"?>
 <p:sld xmlns:a="http://schemas.openxmlformats.org/drawingml/2006/main" xmlns:r="http://schemas.openxmlformats.org/officeDocument/2006/relationships" xmlns:p="http://schemas.openxmlformats.org/presentationml/2006/main">
   <p:cSld>
     <p:spTree>
@@ -12725,7 +13615,7 @@
 </p:sld>
 </file>
 
-<file path=ppt/slides/slide25.xml><?xml version="1.0" encoding="utf-8"?>
+<file path=ppt/slides/slide29.xml><?xml version="1.0" encoding="utf-8"?>
 <p:sld xmlns:a="http://schemas.openxmlformats.org/drawingml/2006/main" xmlns:r="http://schemas.openxmlformats.org/officeDocument/2006/relationships" xmlns:p="http://schemas.openxmlformats.org/presentationml/2006/main">
   <p:cSld>
     <p:spTree>
@@ -12962,592 +13852,6 @@
     <p:extLst>
       <p:ext uri="{BB962C8B-B14F-4D97-AF65-F5344CB8AC3E}">
         <p14:creationId xmlns:p14="http://schemas.microsoft.com/office/powerpoint/2010/main" val="192070929"/>
-      </p:ext>
-    </p:extLst>
-  </p:cSld>
-  <p:clrMapOvr>
-    <a:masterClrMapping/>
-  </p:clrMapOvr>
-</p:sld>
-</file>
-
-<file path=ppt/slides/slide26.xml><?xml version="1.0" encoding="utf-8"?>
-<p:sld xmlns:a="http://schemas.openxmlformats.org/drawingml/2006/main" xmlns:r="http://schemas.openxmlformats.org/officeDocument/2006/relationships" xmlns:p="http://schemas.openxmlformats.org/presentationml/2006/main">
-  <p:cSld>
-    <p:spTree>
-      <p:nvGrpSpPr>
-        <p:cNvPr id="1" name=""/>
-        <p:cNvGrpSpPr/>
-        <p:nvPr/>
-      </p:nvGrpSpPr>
-      <p:grpSpPr>
-        <a:xfrm>
-          <a:off x="0" y="0"/>
-          <a:ext cx="0" cy="0"/>
-          <a:chOff x="0" y="0"/>
-          <a:chExt cx="0" cy="0"/>
-        </a:xfrm>
-      </p:grpSpPr>
-      <p:sp>
-        <p:nvSpPr>
-          <p:cNvPr id="2" name="标题 1">
-            <a:extLst>
-              <a:ext uri="{FF2B5EF4-FFF2-40B4-BE49-F238E27FC236}">
-                <a16:creationId xmlns:a16="http://schemas.microsoft.com/office/drawing/2014/main" id="{37C80F1D-9C19-0F17-A2C6-66E47211E381}"/>
-              </a:ext>
-            </a:extLst>
-          </p:cNvPr>
-          <p:cNvSpPr>
-            <a:spLocks noGrp="1"/>
-          </p:cNvSpPr>
-          <p:nvPr>
-            <p:ph type="title"/>
-          </p:nvPr>
-        </p:nvSpPr>
-        <p:spPr/>
-        <p:txBody>
-          <a:bodyPr/>
-          <a:lstStyle/>
-          <a:p>
-            <a:r>
-              <a:rPr lang="en-US" altLang="zh-CN" dirty="0" err="1"/>
-              <a:t>GameDriver</a:t>
-            </a:r>
-            <a:endParaRPr lang="zh-CN" altLang="en-US" dirty="0"/>
-          </a:p>
-        </p:txBody>
-      </p:sp>
-      <p:sp>
-        <p:nvSpPr>
-          <p:cNvPr id="3" name="内容占位符 2">
-            <a:extLst>
-              <a:ext uri="{FF2B5EF4-FFF2-40B4-BE49-F238E27FC236}">
-                <a16:creationId xmlns:a16="http://schemas.microsoft.com/office/drawing/2014/main" id="{A7AEE359-51F2-6716-C5F5-0CF4784BF4FE}"/>
-              </a:ext>
-            </a:extLst>
-          </p:cNvPr>
-          <p:cNvSpPr>
-            <a:spLocks noGrp="1"/>
-          </p:cNvSpPr>
-          <p:nvPr>
-            <p:ph idx="1"/>
-          </p:nvPr>
-        </p:nvSpPr>
-        <p:spPr/>
-        <p:txBody>
-          <a:bodyPr/>
-          <a:lstStyle/>
-          <a:p>
-            <a:r>
-              <a:rPr lang="en-US" altLang="zh-CN" dirty="0"/>
-              <a:t>Driver.java: </a:t>
-            </a:r>
-            <a:r>
-              <a:rPr lang="zh-CN" altLang="en-US" dirty="0"/>
-              <a:t>作用</a:t>
-            </a:r>
-            <a:r>
-              <a:rPr lang="en-US" altLang="zh-CN" dirty="0"/>
-              <a:t>: </a:t>
-            </a:r>
-            <a:r>
-              <a:rPr lang="zh-CN" altLang="en-US" dirty="0"/>
-              <a:t>程序的入口。它的</a:t>
-            </a:r>
-            <a:r>
-              <a:rPr lang="en-US" altLang="zh-CN" dirty="0"/>
-              <a:t>main</a:t>
-            </a:r>
-            <a:r>
-              <a:rPr lang="zh-CN" altLang="en-US" dirty="0"/>
-              <a:t>方法通过创建</a:t>
-            </a:r>
-            <a:r>
-              <a:rPr lang="en-US" altLang="zh-CN" dirty="0"/>
-              <a:t>Menu</a:t>
-            </a:r>
-            <a:r>
-              <a:rPr lang="zh-CN" altLang="en-US" dirty="0"/>
-              <a:t>对象来启动整个游戏</a:t>
-            </a:r>
-          </a:p>
-        </p:txBody>
-      </p:sp>
-    </p:spTree>
-    <p:extLst>
-      <p:ext uri="{BB962C8B-B14F-4D97-AF65-F5344CB8AC3E}">
-        <p14:creationId xmlns:p14="http://schemas.microsoft.com/office/powerpoint/2010/main" val="1624450863"/>
-      </p:ext>
-    </p:extLst>
-  </p:cSld>
-  <p:clrMapOvr>
-    <a:masterClrMapping/>
-  </p:clrMapOvr>
-</p:sld>
-</file>
-
-<file path=ppt/slides/slide27.xml><?xml version="1.0" encoding="utf-8"?>
-<p:sld xmlns:a="http://schemas.openxmlformats.org/drawingml/2006/main" xmlns:r="http://schemas.openxmlformats.org/officeDocument/2006/relationships" xmlns:p="http://schemas.openxmlformats.org/presentationml/2006/main">
-  <p:cSld>
-    <p:spTree>
-      <p:nvGrpSpPr>
-        <p:cNvPr id="1" name=""/>
-        <p:cNvGrpSpPr/>
-        <p:nvPr/>
-      </p:nvGrpSpPr>
-      <p:grpSpPr>
-        <a:xfrm>
-          <a:off x="0" y="0"/>
-          <a:ext cx="0" cy="0"/>
-          <a:chOff x="0" y="0"/>
-          <a:chExt cx="0" cy="0"/>
-        </a:xfrm>
-      </p:grpSpPr>
-      <p:sp>
-        <p:nvSpPr>
-          <p:cNvPr id="2" name="标题 1">
-            <a:extLst>
-              <a:ext uri="{FF2B5EF4-FFF2-40B4-BE49-F238E27FC236}">
-                <a16:creationId xmlns:a16="http://schemas.microsoft.com/office/drawing/2014/main" id="{9209CCCB-2E08-C360-FAC9-458DFA8D1065}"/>
-              </a:ext>
-            </a:extLst>
-          </p:cNvPr>
-          <p:cNvSpPr>
-            <a:spLocks noGrp="1"/>
-          </p:cNvSpPr>
-          <p:nvPr>
-            <p:ph type="title"/>
-          </p:nvPr>
-        </p:nvSpPr>
-        <p:spPr/>
-        <p:txBody>
-          <a:bodyPr/>
-          <a:lstStyle/>
-          <a:p>
-            <a:r>
-              <a:rPr lang="en-US" altLang="zh-CN" dirty="0" err="1"/>
-              <a:t>UserInterface</a:t>
-            </a:r>
-            <a:endParaRPr lang="zh-CN" altLang="en-US" dirty="0"/>
-          </a:p>
-        </p:txBody>
-      </p:sp>
-      <p:sp>
-        <p:nvSpPr>
-          <p:cNvPr id="3" name="内容占位符 2">
-            <a:extLst>
-              <a:ext uri="{FF2B5EF4-FFF2-40B4-BE49-F238E27FC236}">
-                <a16:creationId xmlns:a16="http://schemas.microsoft.com/office/drawing/2014/main" id="{DEC19B4A-6F0D-8251-45BB-43100646FBFA}"/>
-              </a:ext>
-            </a:extLst>
-          </p:cNvPr>
-          <p:cNvSpPr>
-            <a:spLocks noGrp="1"/>
-          </p:cNvSpPr>
-          <p:nvPr>
-            <p:ph idx="1"/>
-          </p:nvPr>
-        </p:nvSpPr>
-        <p:spPr/>
-        <p:txBody>
-          <a:bodyPr>
-            <a:normAutofit/>
-          </a:bodyPr>
-          <a:lstStyle/>
-          <a:p>
-            <a:r>
-              <a:rPr lang="en-US" altLang="zh-CN" dirty="0"/>
-              <a:t>Menu.java: </a:t>
-            </a:r>
-            <a:r>
-              <a:rPr lang="zh-CN" altLang="en-US" dirty="0"/>
-              <a:t>游戏开始菜单。它提供一个窗口让玩家选择游戏难度（初级、中级、高级）或自定义棋盘的尺寸和雷数。选择后，它会根据设置创建</a:t>
-            </a:r>
-            <a:r>
-              <a:rPr lang="en-US" altLang="zh-CN" dirty="0" err="1"/>
-              <a:t>GameBoard</a:t>
-            </a:r>
-            <a:r>
-              <a:rPr lang="zh-CN" altLang="en-US" dirty="0"/>
-              <a:t>对象开始新游戏。</a:t>
-            </a:r>
-            <a:endParaRPr lang="en-US" altLang="zh-CN" dirty="0"/>
-          </a:p>
-          <a:p>
-            <a:r>
-              <a:rPr lang="en-US" altLang="zh-CN" dirty="0"/>
-              <a:t>GameBoard.java: </a:t>
-            </a:r>
-            <a:r>
-              <a:rPr lang="zh-CN" altLang="en-US" dirty="0"/>
-              <a:t>游戏主棋盘。这是一个</a:t>
-            </a:r>
-            <a:r>
-              <a:rPr lang="en-US" altLang="zh-CN" dirty="0" err="1"/>
-              <a:t>JFrame</a:t>
-            </a:r>
-            <a:r>
-              <a:rPr lang="zh-CN" altLang="en-US" dirty="0"/>
-              <a:t>窗口，使用</a:t>
-            </a:r>
-            <a:r>
-              <a:rPr lang="en-US" altLang="zh-CN" dirty="0" err="1"/>
-              <a:t>GridLayout</a:t>
-            </a:r>
-            <a:r>
-              <a:rPr lang="zh-CN" altLang="en-US" dirty="0"/>
-              <a:t>网格布局来容纳所有的</a:t>
-            </a:r>
-            <a:r>
-              <a:rPr lang="en-US" altLang="zh-CN" dirty="0" err="1"/>
-              <a:t>GameSquare</a:t>
-            </a:r>
-            <a:r>
-              <a:rPr lang="zh-CN" altLang="en-US" dirty="0"/>
-              <a:t>（方块）。它负责创建并管理二维数组的方块</a:t>
-            </a:r>
-            <a:endParaRPr lang="en-US" altLang="zh-CN" dirty="0"/>
-          </a:p>
-          <a:p>
-            <a:r>
-              <a:rPr lang="en-US" altLang="zh-CN" dirty="0"/>
-              <a:t>GameSquare.java: </a:t>
-            </a:r>
-            <a:r>
-              <a:rPr lang="zh-CN" altLang="en-US" dirty="0"/>
-              <a:t>游戏方块的抽象基类。它继承自</a:t>
-            </a:r>
-            <a:r>
-              <a:rPr lang="en-US" altLang="zh-CN" dirty="0" err="1"/>
-              <a:t>JButton</a:t>
-            </a:r>
-            <a:r>
-              <a:rPr lang="zh-CN" altLang="en-US" dirty="0"/>
-              <a:t>，定义了所有方块共有的属性（如坐标）和行为（如抽象的</a:t>
-            </a:r>
-            <a:r>
-              <a:rPr lang="en-US" altLang="zh-CN" dirty="0"/>
-              <a:t>clicked()</a:t>
-            </a:r>
-            <a:r>
-              <a:rPr lang="zh-CN" altLang="en-US" dirty="0"/>
-              <a:t>方法）。</a:t>
-            </a:r>
-          </a:p>
-        </p:txBody>
-      </p:sp>
-    </p:spTree>
-    <p:extLst>
-      <p:ext uri="{BB962C8B-B14F-4D97-AF65-F5344CB8AC3E}">
-        <p14:creationId xmlns:p14="http://schemas.microsoft.com/office/powerpoint/2010/main" val="2250320814"/>
-      </p:ext>
-    </p:extLst>
-  </p:cSld>
-  <p:clrMapOvr>
-    <a:masterClrMapping/>
-  </p:clrMapOvr>
-</p:sld>
-</file>
-
-<file path=ppt/slides/slide28.xml><?xml version="1.0" encoding="utf-8"?>
-<p:sld xmlns:a="http://schemas.openxmlformats.org/drawingml/2006/main" xmlns:r="http://schemas.openxmlformats.org/officeDocument/2006/relationships" xmlns:p="http://schemas.openxmlformats.org/presentationml/2006/main">
-  <p:cSld>
-    <p:spTree>
-      <p:nvGrpSpPr>
-        <p:cNvPr id="1" name=""/>
-        <p:cNvGrpSpPr/>
-        <p:nvPr/>
-      </p:nvGrpSpPr>
-      <p:grpSpPr>
-        <a:xfrm>
-          <a:off x="0" y="0"/>
-          <a:ext cx="0" cy="0"/>
-          <a:chOff x="0" y="0"/>
-          <a:chExt cx="0" cy="0"/>
-        </a:xfrm>
-      </p:grpSpPr>
-      <p:sp>
-        <p:nvSpPr>
-          <p:cNvPr id="2" name="标题 1">
-            <a:extLst>
-              <a:ext uri="{FF2B5EF4-FFF2-40B4-BE49-F238E27FC236}">
-                <a16:creationId xmlns:a16="http://schemas.microsoft.com/office/drawing/2014/main" id="{F828C39A-3CAC-C1EC-15EE-F3938C946B40}"/>
-              </a:ext>
-            </a:extLst>
-          </p:cNvPr>
-          <p:cNvSpPr>
-            <a:spLocks noGrp="1"/>
-          </p:cNvSpPr>
-          <p:nvPr>
-            <p:ph type="title"/>
-          </p:nvPr>
-        </p:nvSpPr>
-        <p:spPr/>
-        <p:txBody>
-          <a:bodyPr/>
-          <a:lstStyle/>
-          <a:p>
-            <a:r>
-              <a:rPr lang="en-US" altLang="zh-CN" dirty="0" err="1"/>
-              <a:t>UserInterface</a:t>
-            </a:r>
-            <a:endParaRPr lang="zh-CN" altLang="en-US" dirty="0"/>
-          </a:p>
-        </p:txBody>
-      </p:sp>
-      <p:sp>
-        <p:nvSpPr>
-          <p:cNvPr id="3" name="内容占位符 2">
-            <a:extLst>
-              <a:ext uri="{FF2B5EF4-FFF2-40B4-BE49-F238E27FC236}">
-                <a16:creationId xmlns:a16="http://schemas.microsoft.com/office/drawing/2014/main" id="{5A3941BD-EECC-1AAE-7CE4-1D7CF3139FE9}"/>
-              </a:ext>
-            </a:extLst>
-          </p:cNvPr>
-          <p:cNvSpPr>
-            <a:spLocks noGrp="1"/>
-          </p:cNvSpPr>
-          <p:nvPr>
-            <p:ph idx="1"/>
-          </p:nvPr>
-        </p:nvSpPr>
-        <p:spPr/>
-        <p:txBody>
-          <a:bodyPr>
-            <a:normAutofit/>
-          </a:bodyPr>
-          <a:lstStyle/>
-          <a:p>
-            <a:r>
-              <a:rPr lang="en-US" altLang="zh-CN" dirty="0"/>
-              <a:t>SmartSquare.java: </a:t>
-            </a:r>
-            <a:r>
-              <a:rPr lang="zh-CN" altLang="en-US" dirty="0"/>
-              <a:t>游戏方块的具体实现。它继承自</a:t>
-            </a:r>
-            <a:r>
-              <a:rPr lang="en-US" altLang="zh-CN" dirty="0" err="1"/>
-              <a:t>GameSquare</a:t>
-            </a:r>
-            <a:r>
-              <a:rPr lang="zh-CN" altLang="en-US" dirty="0"/>
-              <a:t>，并实现了</a:t>
-            </a:r>
-            <a:r>
-              <a:rPr lang="en-US" altLang="zh-CN" dirty="0" err="1"/>
-              <a:t>MouseListener</a:t>
-            </a:r>
-            <a:r>
-              <a:rPr lang="zh-CN" altLang="en-US" dirty="0"/>
-              <a:t>来处理玩家的点击操作（左键挖开，右键标记）。它包含了方块的核心逻辑，例如：是否是雷、是否被翻开、是否被标记等状态。当被点击时，它会执行相应的游戏逻辑。</a:t>
-            </a:r>
-            <a:endParaRPr lang="en-US" altLang="zh-CN" dirty="0"/>
-          </a:p>
-          <a:p>
-            <a:r>
-              <a:rPr lang="en-US" altLang="zh-CN" dirty="0"/>
-              <a:t>ProduceBombs.java: </a:t>
-            </a:r>
-            <a:r>
-              <a:rPr lang="zh-CN" altLang="en-US" dirty="0"/>
-              <a:t>地雷的生成器。它继承自</a:t>
-            </a:r>
-            <a:r>
-              <a:rPr lang="en-US" altLang="zh-CN" dirty="0"/>
-              <a:t>Bomb</a:t>
-            </a:r>
-            <a:r>
-              <a:rPr lang="zh-CN" altLang="en-US" dirty="0"/>
-              <a:t>，负责在</a:t>
-            </a:r>
-            <a:r>
-              <a:rPr lang="en-US" altLang="zh-CN" dirty="0" err="1"/>
-              <a:t>GameBoard</a:t>
-            </a:r>
-            <a:r>
-              <a:rPr lang="zh-CN" altLang="en-US" dirty="0"/>
-              <a:t>上随机地布置指定数量的地雷。为了避免在同一个位置重复生成地雷，它包含了一个检查机制。</a:t>
-            </a:r>
-            <a:endParaRPr lang="en-US" altLang="zh-CN" dirty="0"/>
-          </a:p>
-          <a:p>
-            <a:r>
-              <a:rPr lang="en-US" altLang="zh-CN" dirty="0"/>
-              <a:t>CheckSquare.java: </a:t>
-            </a:r>
-            <a:r>
-              <a:rPr lang="zh-CN" altLang="en-US" dirty="0"/>
-              <a:t>游戏逻辑检查器。当玩家点击一个非雷方块时，这个类负责计算其周围的雷数，并递归地翻开相邻的空白方块（如果周围没有雷）。它也负责判断游戏是否胜利。</a:t>
-            </a:r>
-          </a:p>
-          <a:p>
-            <a:endParaRPr lang="zh-CN" altLang="en-US" dirty="0"/>
-          </a:p>
-        </p:txBody>
-      </p:sp>
-    </p:spTree>
-    <p:extLst>
-      <p:ext uri="{BB962C8B-B14F-4D97-AF65-F5344CB8AC3E}">
-        <p14:creationId xmlns:p14="http://schemas.microsoft.com/office/powerpoint/2010/main" val="2964252276"/>
-      </p:ext>
-    </p:extLst>
-  </p:cSld>
-  <p:clrMapOvr>
-    <a:masterClrMapping/>
-  </p:clrMapOvr>
-</p:sld>
-</file>
-
-<file path=ppt/slides/slide29.xml><?xml version="1.0" encoding="utf-8"?>
-<p:sld xmlns:a="http://schemas.openxmlformats.org/drawingml/2006/main" xmlns:r="http://schemas.openxmlformats.org/officeDocument/2006/relationships" xmlns:p="http://schemas.openxmlformats.org/presentationml/2006/main">
-  <p:cSld>
-    <p:spTree>
-      <p:nvGrpSpPr>
-        <p:cNvPr id="1" name=""/>
-        <p:cNvGrpSpPr/>
-        <p:nvPr/>
-      </p:nvGrpSpPr>
-      <p:grpSpPr>
-        <a:xfrm>
-          <a:off x="0" y="0"/>
-          <a:ext cx="0" cy="0"/>
-          <a:chOff x="0" y="0"/>
-          <a:chExt cx="0" cy="0"/>
-        </a:xfrm>
-      </p:grpSpPr>
-      <p:sp>
-        <p:nvSpPr>
-          <p:cNvPr id="2" name="标题 1">
-            <a:extLst>
-              <a:ext uri="{FF2B5EF4-FFF2-40B4-BE49-F238E27FC236}">
-                <a16:creationId xmlns:a16="http://schemas.microsoft.com/office/drawing/2014/main" id="{F37A5398-88B2-97E2-3F0C-8C8A13774D89}"/>
-              </a:ext>
-            </a:extLst>
-          </p:cNvPr>
-          <p:cNvSpPr>
-            <a:spLocks noGrp="1"/>
-          </p:cNvSpPr>
-          <p:nvPr>
-            <p:ph type="title"/>
-          </p:nvPr>
-        </p:nvSpPr>
-        <p:spPr/>
-        <p:txBody>
-          <a:bodyPr/>
-          <a:lstStyle/>
-          <a:p>
-            <a:r>
-              <a:rPr lang="en-US" altLang="zh-CN" dirty="0"/>
-              <a:t>Library</a:t>
-            </a:r>
-            <a:endParaRPr lang="zh-CN" altLang="en-US" dirty="0"/>
-          </a:p>
-        </p:txBody>
-      </p:sp>
-      <p:sp>
-        <p:nvSpPr>
-          <p:cNvPr id="3" name="内容占位符 2">
-            <a:extLst>
-              <a:ext uri="{FF2B5EF4-FFF2-40B4-BE49-F238E27FC236}">
-                <a16:creationId xmlns:a16="http://schemas.microsoft.com/office/drawing/2014/main" id="{52EB2B6A-8EE7-0360-1EE9-87248F2DEA3E}"/>
-              </a:ext>
-            </a:extLst>
-          </p:cNvPr>
-          <p:cNvSpPr>
-            <a:spLocks noGrp="1"/>
-          </p:cNvSpPr>
-          <p:nvPr>
-            <p:ph idx="1"/>
-          </p:nvPr>
-        </p:nvSpPr>
-        <p:spPr/>
-        <p:txBody>
-          <a:bodyPr/>
-          <a:lstStyle/>
-          <a:p>
-            <a:r>
-              <a:rPr lang="en-US" altLang="zh-CN" dirty="0"/>
-              <a:t>Bomb.java: </a:t>
-            </a:r>
-            <a:r>
-              <a:rPr lang="zh-CN" altLang="en-US" dirty="0"/>
-              <a:t>雷的抽象基类。它定义了生成雷所需要的基本属性（如游戏棋盘</a:t>
-            </a:r>
-            <a:r>
-              <a:rPr lang="en-US" altLang="zh-CN" dirty="0"/>
-              <a:t>board</a:t>
-            </a:r>
-            <a:r>
-              <a:rPr lang="zh-CN" altLang="en-US" dirty="0"/>
-              <a:t>）和抽象行为（</a:t>
-            </a:r>
-            <a:r>
-              <a:rPr lang="en-US" altLang="zh-CN" dirty="0" err="1"/>
-              <a:t>reproduceBomb</a:t>
-            </a:r>
-            <a:r>
-              <a:rPr lang="zh-CN" altLang="en-US" dirty="0"/>
-              <a:t>方法），具体的生成逻辑由子类</a:t>
-            </a:r>
-            <a:r>
-              <a:rPr lang="en-US" altLang="zh-CN" dirty="0" err="1"/>
-              <a:t>ProduceBombs</a:t>
-            </a:r>
-            <a:r>
-              <a:rPr lang="zh-CN" altLang="en-US" dirty="0"/>
-              <a:t>实现。</a:t>
-            </a:r>
-            <a:endParaRPr lang="en-US" altLang="zh-CN" dirty="0"/>
-          </a:p>
-          <a:p>
-            <a:r>
-              <a:rPr lang="en-US" altLang="zh-CN" dirty="0"/>
-              <a:t>TimeChecker.java: </a:t>
-            </a:r>
-            <a:r>
-              <a:rPr lang="zh-CN" altLang="en-US" dirty="0"/>
-              <a:t>时间计算工具。这是一个接口，提供了一个静态方法</a:t>
-            </a:r>
-            <a:r>
-              <a:rPr lang="en-US" altLang="zh-CN" dirty="0" err="1"/>
-              <a:t>calculateTime</a:t>
-            </a:r>
-            <a:r>
-              <a:rPr lang="zh-CN" altLang="en-US" dirty="0"/>
-              <a:t>，用于将毫秒数格式化为更易读的“时</a:t>
-            </a:r>
-            <a:r>
-              <a:rPr lang="en-US" altLang="zh-CN" dirty="0"/>
-              <a:t>-</a:t>
-            </a:r>
-            <a:r>
-              <a:rPr lang="zh-CN" altLang="en-US" dirty="0"/>
-              <a:t>分</a:t>
-            </a:r>
-            <a:r>
-              <a:rPr lang="en-US" altLang="zh-CN" dirty="0"/>
-              <a:t>-</a:t>
-            </a:r>
-            <a:r>
-              <a:rPr lang="zh-CN" altLang="en-US" dirty="0"/>
-              <a:t>秒</a:t>
-            </a:r>
-            <a:r>
-              <a:rPr lang="en-US" altLang="zh-CN" dirty="0"/>
-              <a:t>-</a:t>
-            </a:r>
-            <a:r>
-              <a:rPr lang="zh-CN" altLang="en-US" dirty="0"/>
-              <a:t>毫秒”字符串。</a:t>
-            </a:r>
-          </a:p>
-        </p:txBody>
-      </p:sp>
-    </p:spTree>
-    <p:extLst>
-      <p:ext uri="{BB962C8B-B14F-4D97-AF65-F5344CB8AC3E}">
-        <p14:creationId xmlns:p14="http://schemas.microsoft.com/office/powerpoint/2010/main" val="1985954015"/>
       </p:ext>
     </p:extLst>
   </p:cSld>
@@ -13711,6 +14015,592 @@
     <p:extLst>
       <p:ext uri="{BB962C8B-B14F-4D97-AF65-F5344CB8AC3E}">
         <p14:creationId xmlns:p14="http://schemas.microsoft.com/office/powerpoint/2010/main" val="270813920"/>
+      </p:ext>
+    </p:extLst>
+  </p:cSld>
+  <p:clrMapOvr>
+    <a:masterClrMapping/>
+  </p:clrMapOvr>
+</p:sld>
+</file>
+
+<file path=ppt/slides/slide30.xml><?xml version="1.0" encoding="utf-8"?>
+<p:sld xmlns:a="http://schemas.openxmlformats.org/drawingml/2006/main" xmlns:r="http://schemas.openxmlformats.org/officeDocument/2006/relationships" xmlns:p="http://schemas.openxmlformats.org/presentationml/2006/main">
+  <p:cSld>
+    <p:spTree>
+      <p:nvGrpSpPr>
+        <p:cNvPr id="1" name=""/>
+        <p:cNvGrpSpPr/>
+        <p:nvPr/>
+      </p:nvGrpSpPr>
+      <p:grpSpPr>
+        <a:xfrm>
+          <a:off x="0" y="0"/>
+          <a:ext cx="0" cy="0"/>
+          <a:chOff x="0" y="0"/>
+          <a:chExt cx="0" cy="0"/>
+        </a:xfrm>
+      </p:grpSpPr>
+      <p:sp>
+        <p:nvSpPr>
+          <p:cNvPr id="2" name="标题 1">
+            <a:extLst>
+              <a:ext uri="{FF2B5EF4-FFF2-40B4-BE49-F238E27FC236}">
+                <a16:creationId xmlns:a16="http://schemas.microsoft.com/office/drawing/2014/main" id="{37C80F1D-9C19-0F17-A2C6-66E47211E381}"/>
+              </a:ext>
+            </a:extLst>
+          </p:cNvPr>
+          <p:cNvSpPr>
+            <a:spLocks noGrp="1"/>
+          </p:cNvSpPr>
+          <p:nvPr>
+            <p:ph type="title"/>
+          </p:nvPr>
+        </p:nvSpPr>
+        <p:spPr/>
+        <p:txBody>
+          <a:bodyPr/>
+          <a:lstStyle/>
+          <a:p>
+            <a:r>
+              <a:rPr lang="en-US" altLang="zh-CN" dirty="0" err="1"/>
+              <a:t>GameDriver</a:t>
+            </a:r>
+            <a:endParaRPr lang="zh-CN" altLang="en-US" dirty="0"/>
+          </a:p>
+        </p:txBody>
+      </p:sp>
+      <p:sp>
+        <p:nvSpPr>
+          <p:cNvPr id="3" name="内容占位符 2">
+            <a:extLst>
+              <a:ext uri="{FF2B5EF4-FFF2-40B4-BE49-F238E27FC236}">
+                <a16:creationId xmlns:a16="http://schemas.microsoft.com/office/drawing/2014/main" id="{A7AEE359-51F2-6716-C5F5-0CF4784BF4FE}"/>
+              </a:ext>
+            </a:extLst>
+          </p:cNvPr>
+          <p:cNvSpPr>
+            <a:spLocks noGrp="1"/>
+          </p:cNvSpPr>
+          <p:nvPr>
+            <p:ph idx="1"/>
+          </p:nvPr>
+        </p:nvSpPr>
+        <p:spPr/>
+        <p:txBody>
+          <a:bodyPr/>
+          <a:lstStyle/>
+          <a:p>
+            <a:r>
+              <a:rPr lang="en-US" altLang="zh-CN" dirty="0"/>
+              <a:t>Driver.java: </a:t>
+            </a:r>
+            <a:r>
+              <a:rPr lang="zh-CN" altLang="en-US" dirty="0"/>
+              <a:t>作用</a:t>
+            </a:r>
+            <a:r>
+              <a:rPr lang="en-US" altLang="zh-CN" dirty="0"/>
+              <a:t>: </a:t>
+            </a:r>
+            <a:r>
+              <a:rPr lang="zh-CN" altLang="en-US" dirty="0"/>
+              <a:t>程序的入口。它的</a:t>
+            </a:r>
+            <a:r>
+              <a:rPr lang="en-US" altLang="zh-CN" dirty="0"/>
+              <a:t>main</a:t>
+            </a:r>
+            <a:r>
+              <a:rPr lang="zh-CN" altLang="en-US" dirty="0"/>
+              <a:t>方法通过创建</a:t>
+            </a:r>
+            <a:r>
+              <a:rPr lang="en-US" altLang="zh-CN" dirty="0"/>
+              <a:t>Menu</a:t>
+            </a:r>
+            <a:r>
+              <a:rPr lang="zh-CN" altLang="en-US" dirty="0"/>
+              <a:t>对象来启动整个游戏</a:t>
+            </a:r>
+          </a:p>
+        </p:txBody>
+      </p:sp>
+    </p:spTree>
+    <p:extLst>
+      <p:ext uri="{BB962C8B-B14F-4D97-AF65-F5344CB8AC3E}">
+        <p14:creationId xmlns:p14="http://schemas.microsoft.com/office/powerpoint/2010/main" val="1624450863"/>
+      </p:ext>
+    </p:extLst>
+  </p:cSld>
+  <p:clrMapOvr>
+    <a:masterClrMapping/>
+  </p:clrMapOvr>
+</p:sld>
+</file>
+
+<file path=ppt/slides/slide31.xml><?xml version="1.0" encoding="utf-8"?>
+<p:sld xmlns:a="http://schemas.openxmlformats.org/drawingml/2006/main" xmlns:r="http://schemas.openxmlformats.org/officeDocument/2006/relationships" xmlns:p="http://schemas.openxmlformats.org/presentationml/2006/main">
+  <p:cSld>
+    <p:spTree>
+      <p:nvGrpSpPr>
+        <p:cNvPr id="1" name=""/>
+        <p:cNvGrpSpPr/>
+        <p:nvPr/>
+      </p:nvGrpSpPr>
+      <p:grpSpPr>
+        <a:xfrm>
+          <a:off x="0" y="0"/>
+          <a:ext cx="0" cy="0"/>
+          <a:chOff x="0" y="0"/>
+          <a:chExt cx="0" cy="0"/>
+        </a:xfrm>
+      </p:grpSpPr>
+      <p:sp>
+        <p:nvSpPr>
+          <p:cNvPr id="2" name="标题 1">
+            <a:extLst>
+              <a:ext uri="{FF2B5EF4-FFF2-40B4-BE49-F238E27FC236}">
+                <a16:creationId xmlns:a16="http://schemas.microsoft.com/office/drawing/2014/main" id="{9209CCCB-2E08-C360-FAC9-458DFA8D1065}"/>
+              </a:ext>
+            </a:extLst>
+          </p:cNvPr>
+          <p:cNvSpPr>
+            <a:spLocks noGrp="1"/>
+          </p:cNvSpPr>
+          <p:nvPr>
+            <p:ph type="title"/>
+          </p:nvPr>
+        </p:nvSpPr>
+        <p:spPr/>
+        <p:txBody>
+          <a:bodyPr/>
+          <a:lstStyle/>
+          <a:p>
+            <a:r>
+              <a:rPr lang="en-US" altLang="zh-CN" dirty="0" err="1"/>
+              <a:t>UserInterface</a:t>
+            </a:r>
+            <a:endParaRPr lang="zh-CN" altLang="en-US" dirty="0"/>
+          </a:p>
+        </p:txBody>
+      </p:sp>
+      <p:sp>
+        <p:nvSpPr>
+          <p:cNvPr id="3" name="内容占位符 2">
+            <a:extLst>
+              <a:ext uri="{FF2B5EF4-FFF2-40B4-BE49-F238E27FC236}">
+                <a16:creationId xmlns:a16="http://schemas.microsoft.com/office/drawing/2014/main" id="{DEC19B4A-6F0D-8251-45BB-43100646FBFA}"/>
+              </a:ext>
+            </a:extLst>
+          </p:cNvPr>
+          <p:cNvSpPr>
+            <a:spLocks noGrp="1"/>
+          </p:cNvSpPr>
+          <p:nvPr>
+            <p:ph idx="1"/>
+          </p:nvPr>
+        </p:nvSpPr>
+        <p:spPr/>
+        <p:txBody>
+          <a:bodyPr>
+            <a:normAutofit/>
+          </a:bodyPr>
+          <a:lstStyle/>
+          <a:p>
+            <a:r>
+              <a:rPr lang="en-US" altLang="zh-CN" dirty="0"/>
+              <a:t>Menu.java: </a:t>
+            </a:r>
+            <a:r>
+              <a:rPr lang="zh-CN" altLang="en-US" dirty="0"/>
+              <a:t>游戏开始菜单。它提供一个窗口让玩家选择游戏难度（初级、中级、高级）或自定义棋盘的尺寸和雷数。选择后，它会根据设置创建</a:t>
+            </a:r>
+            <a:r>
+              <a:rPr lang="en-US" altLang="zh-CN" dirty="0" err="1"/>
+              <a:t>GameBoard</a:t>
+            </a:r>
+            <a:r>
+              <a:rPr lang="zh-CN" altLang="en-US" dirty="0"/>
+              <a:t>对象开始新游戏。</a:t>
+            </a:r>
+            <a:endParaRPr lang="en-US" altLang="zh-CN" dirty="0"/>
+          </a:p>
+          <a:p>
+            <a:r>
+              <a:rPr lang="en-US" altLang="zh-CN" dirty="0"/>
+              <a:t>GameBoard.java: </a:t>
+            </a:r>
+            <a:r>
+              <a:rPr lang="zh-CN" altLang="en-US" dirty="0"/>
+              <a:t>游戏主棋盘。这是一个</a:t>
+            </a:r>
+            <a:r>
+              <a:rPr lang="en-US" altLang="zh-CN" dirty="0" err="1"/>
+              <a:t>JFrame</a:t>
+            </a:r>
+            <a:r>
+              <a:rPr lang="zh-CN" altLang="en-US" dirty="0"/>
+              <a:t>窗口，使用</a:t>
+            </a:r>
+            <a:r>
+              <a:rPr lang="en-US" altLang="zh-CN" dirty="0" err="1"/>
+              <a:t>GridLayout</a:t>
+            </a:r>
+            <a:r>
+              <a:rPr lang="zh-CN" altLang="en-US" dirty="0"/>
+              <a:t>网格布局来容纳所有的</a:t>
+            </a:r>
+            <a:r>
+              <a:rPr lang="en-US" altLang="zh-CN" dirty="0" err="1"/>
+              <a:t>GameSquare</a:t>
+            </a:r>
+            <a:r>
+              <a:rPr lang="zh-CN" altLang="en-US" dirty="0"/>
+              <a:t>（方块）。它负责创建并管理二维数组的方块</a:t>
+            </a:r>
+            <a:endParaRPr lang="en-US" altLang="zh-CN" dirty="0"/>
+          </a:p>
+          <a:p>
+            <a:r>
+              <a:rPr lang="en-US" altLang="zh-CN" dirty="0"/>
+              <a:t>GameSquare.java: </a:t>
+            </a:r>
+            <a:r>
+              <a:rPr lang="zh-CN" altLang="en-US" dirty="0"/>
+              <a:t>游戏方块的抽象基类。它继承自</a:t>
+            </a:r>
+            <a:r>
+              <a:rPr lang="en-US" altLang="zh-CN" dirty="0" err="1"/>
+              <a:t>JButton</a:t>
+            </a:r>
+            <a:r>
+              <a:rPr lang="zh-CN" altLang="en-US" dirty="0"/>
+              <a:t>，定义了所有方块共有的属性（如坐标）和行为（如抽象的</a:t>
+            </a:r>
+            <a:r>
+              <a:rPr lang="en-US" altLang="zh-CN" dirty="0"/>
+              <a:t>clicked()</a:t>
+            </a:r>
+            <a:r>
+              <a:rPr lang="zh-CN" altLang="en-US" dirty="0"/>
+              <a:t>方法）。</a:t>
+            </a:r>
+          </a:p>
+        </p:txBody>
+      </p:sp>
+    </p:spTree>
+    <p:extLst>
+      <p:ext uri="{BB962C8B-B14F-4D97-AF65-F5344CB8AC3E}">
+        <p14:creationId xmlns:p14="http://schemas.microsoft.com/office/powerpoint/2010/main" val="2250320814"/>
+      </p:ext>
+    </p:extLst>
+  </p:cSld>
+  <p:clrMapOvr>
+    <a:masterClrMapping/>
+  </p:clrMapOvr>
+</p:sld>
+</file>
+
+<file path=ppt/slides/slide32.xml><?xml version="1.0" encoding="utf-8"?>
+<p:sld xmlns:a="http://schemas.openxmlformats.org/drawingml/2006/main" xmlns:r="http://schemas.openxmlformats.org/officeDocument/2006/relationships" xmlns:p="http://schemas.openxmlformats.org/presentationml/2006/main">
+  <p:cSld>
+    <p:spTree>
+      <p:nvGrpSpPr>
+        <p:cNvPr id="1" name=""/>
+        <p:cNvGrpSpPr/>
+        <p:nvPr/>
+      </p:nvGrpSpPr>
+      <p:grpSpPr>
+        <a:xfrm>
+          <a:off x="0" y="0"/>
+          <a:ext cx="0" cy="0"/>
+          <a:chOff x="0" y="0"/>
+          <a:chExt cx="0" cy="0"/>
+        </a:xfrm>
+      </p:grpSpPr>
+      <p:sp>
+        <p:nvSpPr>
+          <p:cNvPr id="2" name="标题 1">
+            <a:extLst>
+              <a:ext uri="{FF2B5EF4-FFF2-40B4-BE49-F238E27FC236}">
+                <a16:creationId xmlns:a16="http://schemas.microsoft.com/office/drawing/2014/main" id="{F828C39A-3CAC-C1EC-15EE-F3938C946B40}"/>
+              </a:ext>
+            </a:extLst>
+          </p:cNvPr>
+          <p:cNvSpPr>
+            <a:spLocks noGrp="1"/>
+          </p:cNvSpPr>
+          <p:nvPr>
+            <p:ph type="title"/>
+          </p:nvPr>
+        </p:nvSpPr>
+        <p:spPr/>
+        <p:txBody>
+          <a:bodyPr/>
+          <a:lstStyle/>
+          <a:p>
+            <a:r>
+              <a:rPr lang="en-US" altLang="zh-CN" dirty="0" err="1"/>
+              <a:t>UserInterface</a:t>
+            </a:r>
+            <a:endParaRPr lang="zh-CN" altLang="en-US" dirty="0"/>
+          </a:p>
+        </p:txBody>
+      </p:sp>
+      <p:sp>
+        <p:nvSpPr>
+          <p:cNvPr id="3" name="内容占位符 2">
+            <a:extLst>
+              <a:ext uri="{FF2B5EF4-FFF2-40B4-BE49-F238E27FC236}">
+                <a16:creationId xmlns:a16="http://schemas.microsoft.com/office/drawing/2014/main" id="{5A3941BD-EECC-1AAE-7CE4-1D7CF3139FE9}"/>
+              </a:ext>
+            </a:extLst>
+          </p:cNvPr>
+          <p:cNvSpPr>
+            <a:spLocks noGrp="1"/>
+          </p:cNvSpPr>
+          <p:nvPr>
+            <p:ph idx="1"/>
+          </p:nvPr>
+        </p:nvSpPr>
+        <p:spPr/>
+        <p:txBody>
+          <a:bodyPr>
+            <a:normAutofit/>
+          </a:bodyPr>
+          <a:lstStyle/>
+          <a:p>
+            <a:r>
+              <a:rPr lang="en-US" altLang="zh-CN" dirty="0"/>
+              <a:t>SmartSquare.java: </a:t>
+            </a:r>
+            <a:r>
+              <a:rPr lang="zh-CN" altLang="en-US" dirty="0"/>
+              <a:t>游戏方块的具体实现。它继承自</a:t>
+            </a:r>
+            <a:r>
+              <a:rPr lang="en-US" altLang="zh-CN" dirty="0" err="1"/>
+              <a:t>GameSquare</a:t>
+            </a:r>
+            <a:r>
+              <a:rPr lang="zh-CN" altLang="en-US" dirty="0"/>
+              <a:t>，并实现了</a:t>
+            </a:r>
+            <a:r>
+              <a:rPr lang="en-US" altLang="zh-CN" dirty="0" err="1"/>
+              <a:t>MouseListener</a:t>
+            </a:r>
+            <a:r>
+              <a:rPr lang="zh-CN" altLang="en-US" dirty="0"/>
+              <a:t>来处理玩家的点击操作（左键挖开，右键标记）。它包含了方块的核心逻辑，例如：是否是雷、是否被翻开、是否被标记等状态。当被点击时，它会执行相应的游戏逻辑。</a:t>
+            </a:r>
+            <a:endParaRPr lang="en-US" altLang="zh-CN" dirty="0"/>
+          </a:p>
+          <a:p>
+            <a:r>
+              <a:rPr lang="en-US" altLang="zh-CN" dirty="0"/>
+              <a:t>ProduceBombs.java: </a:t>
+            </a:r>
+            <a:r>
+              <a:rPr lang="zh-CN" altLang="en-US" dirty="0"/>
+              <a:t>地雷的生成器。它继承自</a:t>
+            </a:r>
+            <a:r>
+              <a:rPr lang="en-US" altLang="zh-CN" dirty="0"/>
+              <a:t>Bomb</a:t>
+            </a:r>
+            <a:r>
+              <a:rPr lang="zh-CN" altLang="en-US" dirty="0"/>
+              <a:t>，负责在</a:t>
+            </a:r>
+            <a:r>
+              <a:rPr lang="en-US" altLang="zh-CN" dirty="0" err="1"/>
+              <a:t>GameBoard</a:t>
+            </a:r>
+            <a:r>
+              <a:rPr lang="zh-CN" altLang="en-US" dirty="0"/>
+              <a:t>上随机地布置指定数量的地雷。为了避免在同一个位置重复生成地雷，它包含了一个检查机制。</a:t>
+            </a:r>
+            <a:endParaRPr lang="en-US" altLang="zh-CN" dirty="0"/>
+          </a:p>
+          <a:p>
+            <a:r>
+              <a:rPr lang="en-US" altLang="zh-CN" dirty="0"/>
+              <a:t>CheckSquare.java: </a:t>
+            </a:r>
+            <a:r>
+              <a:rPr lang="zh-CN" altLang="en-US" dirty="0"/>
+              <a:t>游戏逻辑检查器。当玩家点击一个非雷方块时，这个类负责计算其周围的雷数，并递归地翻开相邻的空白方块（如果周围没有雷）。它也负责判断游戏是否胜利。</a:t>
+            </a:r>
+          </a:p>
+          <a:p>
+            <a:endParaRPr lang="zh-CN" altLang="en-US" dirty="0"/>
+          </a:p>
+        </p:txBody>
+      </p:sp>
+    </p:spTree>
+    <p:extLst>
+      <p:ext uri="{BB962C8B-B14F-4D97-AF65-F5344CB8AC3E}">
+        <p14:creationId xmlns:p14="http://schemas.microsoft.com/office/powerpoint/2010/main" val="2964252276"/>
+      </p:ext>
+    </p:extLst>
+  </p:cSld>
+  <p:clrMapOvr>
+    <a:masterClrMapping/>
+  </p:clrMapOvr>
+</p:sld>
+</file>
+
+<file path=ppt/slides/slide33.xml><?xml version="1.0" encoding="utf-8"?>
+<p:sld xmlns:a="http://schemas.openxmlformats.org/drawingml/2006/main" xmlns:r="http://schemas.openxmlformats.org/officeDocument/2006/relationships" xmlns:p="http://schemas.openxmlformats.org/presentationml/2006/main">
+  <p:cSld>
+    <p:spTree>
+      <p:nvGrpSpPr>
+        <p:cNvPr id="1" name=""/>
+        <p:cNvGrpSpPr/>
+        <p:nvPr/>
+      </p:nvGrpSpPr>
+      <p:grpSpPr>
+        <a:xfrm>
+          <a:off x="0" y="0"/>
+          <a:ext cx="0" cy="0"/>
+          <a:chOff x="0" y="0"/>
+          <a:chExt cx="0" cy="0"/>
+        </a:xfrm>
+      </p:grpSpPr>
+      <p:sp>
+        <p:nvSpPr>
+          <p:cNvPr id="2" name="标题 1">
+            <a:extLst>
+              <a:ext uri="{FF2B5EF4-FFF2-40B4-BE49-F238E27FC236}">
+                <a16:creationId xmlns:a16="http://schemas.microsoft.com/office/drawing/2014/main" id="{F37A5398-88B2-97E2-3F0C-8C8A13774D89}"/>
+              </a:ext>
+            </a:extLst>
+          </p:cNvPr>
+          <p:cNvSpPr>
+            <a:spLocks noGrp="1"/>
+          </p:cNvSpPr>
+          <p:nvPr>
+            <p:ph type="title"/>
+          </p:nvPr>
+        </p:nvSpPr>
+        <p:spPr/>
+        <p:txBody>
+          <a:bodyPr/>
+          <a:lstStyle/>
+          <a:p>
+            <a:r>
+              <a:rPr lang="en-US" altLang="zh-CN" dirty="0"/>
+              <a:t>Library</a:t>
+            </a:r>
+            <a:endParaRPr lang="zh-CN" altLang="en-US" dirty="0"/>
+          </a:p>
+        </p:txBody>
+      </p:sp>
+      <p:sp>
+        <p:nvSpPr>
+          <p:cNvPr id="3" name="内容占位符 2">
+            <a:extLst>
+              <a:ext uri="{FF2B5EF4-FFF2-40B4-BE49-F238E27FC236}">
+                <a16:creationId xmlns:a16="http://schemas.microsoft.com/office/drawing/2014/main" id="{52EB2B6A-8EE7-0360-1EE9-87248F2DEA3E}"/>
+              </a:ext>
+            </a:extLst>
+          </p:cNvPr>
+          <p:cNvSpPr>
+            <a:spLocks noGrp="1"/>
+          </p:cNvSpPr>
+          <p:nvPr>
+            <p:ph idx="1"/>
+          </p:nvPr>
+        </p:nvSpPr>
+        <p:spPr/>
+        <p:txBody>
+          <a:bodyPr/>
+          <a:lstStyle/>
+          <a:p>
+            <a:r>
+              <a:rPr lang="en-US" altLang="zh-CN" dirty="0"/>
+              <a:t>Bomb.java: </a:t>
+            </a:r>
+            <a:r>
+              <a:rPr lang="zh-CN" altLang="en-US" dirty="0"/>
+              <a:t>雷的抽象基类。它定义了生成雷所需要的基本属性（如游戏棋盘</a:t>
+            </a:r>
+            <a:r>
+              <a:rPr lang="en-US" altLang="zh-CN" dirty="0"/>
+              <a:t>board</a:t>
+            </a:r>
+            <a:r>
+              <a:rPr lang="zh-CN" altLang="en-US" dirty="0"/>
+              <a:t>）和抽象行为（</a:t>
+            </a:r>
+            <a:r>
+              <a:rPr lang="en-US" altLang="zh-CN" dirty="0" err="1"/>
+              <a:t>reproduceBomb</a:t>
+            </a:r>
+            <a:r>
+              <a:rPr lang="zh-CN" altLang="en-US" dirty="0"/>
+              <a:t>方法），具体的生成逻辑由子类</a:t>
+            </a:r>
+            <a:r>
+              <a:rPr lang="en-US" altLang="zh-CN" dirty="0" err="1"/>
+              <a:t>ProduceBombs</a:t>
+            </a:r>
+            <a:r>
+              <a:rPr lang="zh-CN" altLang="en-US" dirty="0"/>
+              <a:t>实现。</a:t>
+            </a:r>
+            <a:endParaRPr lang="en-US" altLang="zh-CN" dirty="0"/>
+          </a:p>
+          <a:p>
+            <a:r>
+              <a:rPr lang="en-US" altLang="zh-CN" dirty="0"/>
+              <a:t>TimeChecker.java: </a:t>
+            </a:r>
+            <a:r>
+              <a:rPr lang="zh-CN" altLang="en-US" dirty="0"/>
+              <a:t>时间计算工具。这是一个接口，提供了一个静态方法</a:t>
+            </a:r>
+            <a:r>
+              <a:rPr lang="en-US" altLang="zh-CN" dirty="0" err="1"/>
+              <a:t>calculateTime</a:t>
+            </a:r>
+            <a:r>
+              <a:rPr lang="zh-CN" altLang="en-US" dirty="0"/>
+              <a:t>，用于将毫秒数格式化为更易读的“时</a:t>
+            </a:r>
+            <a:r>
+              <a:rPr lang="en-US" altLang="zh-CN" dirty="0"/>
+              <a:t>-</a:t>
+            </a:r>
+            <a:r>
+              <a:rPr lang="zh-CN" altLang="en-US" dirty="0"/>
+              <a:t>分</a:t>
+            </a:r>
+            <a:r>
+              <a:rPr lang="en-US" altLang="zh-CN" dirty="0"/>
+              <a:t>-</a:t>
+            </a:r>
+            <a:r>
+              <a:rPr lang="zh-CN" altLang="en-US" dirty="0"/>
+              <a:t>秒</a:t>
+            </a:r>
+            <a:r>
+              <a:rPr lang="en-US" altLang="zh-CN" dirty="0"/>
+              <a:t>-</a:t>
+            </a:r>
+            <a:r>
+              <a:rPr lang="zh-CN" altLang="en-US" dirty="0"/>
+              <a:t>毫秒”字符串。</a:t>
+            </a:r>
+          </a:p>
+        </p:txBody>
+      </p:sp>
+    </p:spTree>
+    <p:extLst>
+      <p:ext uri="{BB962C8B-B14F-4D97-AF65-F5344CB8AC3E}">
+        <p14:creationId xmlns:p14="http://schemas.microsoft.com/office/powerpoint/2010/main" val="1985954015"/>
       </p:ext>
     </p:extLst>
   </p:cSld>

--- a/uml.pptx
+++ b/uml.pptx
@@ -6,7 +6,7 @@
     <p:sldMasterId id="2147483661" r:id="rId2"/>
   </p:sldMasterIdLst>
   <p:notesMasterIdLst>
-    <p:notesMasterId r:id="rId36"/>
+    <p:notesMasterId r:id="rId39"/>
   </p:notesMasterIdLst>
   <p:sldIdLst>
     <p:sldId id="256" r:id="rId3"/>
@@ -32,16 +32,19 @@
     <p:sldId id="295" r:id="rId23"/>
     <p:sldId id="277" r:id="rId24"/>
     <p:sldId id="263" r:id="rId25"/>
-    <p:sldId id="278" r:id="rId26"/>
-    <p:sldId id="264" r:id="rId27"/>
-    <p:sldId id="265" r:id="rId28"/>
-    <p:sldId id="279" r:id="rId29"/>
-    <p:sldId id="262" r:id="rId30"/>
-    <p:sldId id="261" r:id="rId31"/>
-    <p:sldId id="257" r:id="rId32"/>
-    <p:sldId id="258" r:id="rId33"/>
-    <p:sldId id="259" r:id="rId34"/>
-    <p:sldId id="260" r:id="rId35"/>
+    <p:sldId id="296" r:id="rId26"/>
+    <p:sldId id="278" r:id="rId27"/>
+    <p:sldId id="264" r:id="rId28"/>
+    <p:sldId id="265" r:id="rId29"/>
+    <p:sldId id="297" r:id="rId30"/>
+    <p:sldId id="299" r:id="rId31"/>
+    <p:sldId id="279" r:id="rId32"/>
+    <p:sldId id="262" r:id="rId33"/>
+    <p:sldId id="261" r:id="rId34"/>
+    <p:sldId id="257" r:id="rId35"/>
+    <p:sldId id="258" r:id="rId36"/>
+    <p:sldId id="259" r:id="rId37"/>
+    <p:sldId id="260" r:id="rId38"/>
   </p:sldIdLst>
   <p:sldSz cx="12192000" cy="6858000"/>
   <p:notesSz cx="6858000" cy="9144000"/>
@@ -230,7 +233,7 @@
           <a:p>
             <a:fld id="{55EDAE95-B47A-40F4-B88B-3211CDD72963}" type="datetimeFigureOut">
               <a:rPr lang="zh-CN" altLang="en-US" smtClean="0"/>
-              <a:t>2025/11/30</a:t>
+              <a:t>2025/12/4</a:t>
             </a:fld>
             <a:endParaRPr lang="zh-CN" altLang="en-US"/>
           </a:p>
@@ -644,7 +647,7 @@
           <a:p>
             <a:fld id="{49511754-73E3-4E6F-AF62-38683F8056B7}" type="datetimeFigureOut">
               <a:rPr lang="zh-CN" altLang="en-US" smtClean="0"/>
-              <a:t>2025/11/30</a:t>
+              <a:t>2025/12/4</a:t>
             </a:fld>
             <a:endParaRPr lang="zh-CN" altLang="en-US"/>
           </a:p>
@@ -842,7 +845,7 @@
           <a:p>
             <a:fld id="{49511754-73E3-4E6F-AF62-38683F8056B7}" type="datetimeFigureOut">
               <a:rPr lang="zh-CN" altLang="en-US" smtClean="0"/>
-              <a:t>2025/11/30</a:t>
+              <a:t>2025/12/4</a:t>
             </a:fld>
             <a:endParaRPr lang="zh-CN" altLang="en-US"/>
           </a:p>
@@ -1050,7 +1053,7 @@
           <a:p>
             <a:fld id="{49511754-73E3-4E6F-AF62-38683F8056B7}" type="datetimeFigureOut">
               <a:rPr lang="zh-CN" altLang="en-US" smtClean="0"/>
-              <a:t>2025/11/30</a:t>
+              <a:t>2025/12/4</a:t>
             </a:fld>
             <a:endParaRPr lang="zh-CN" altLang="en-US"/>
           </a:p>
@@ -4810,7 +4813,7 @@
           <a:p>
             <a:fld id="{49511754-73E3-4E6F-AF62-38683F8056B7}" type="datetimeFigureOut">
               <a:rPr lang="zh-CN" altLang="en-US" smtClean="0"/>
-              <a:t>2025/11/30</a:t>
+              <a:t>2025/12/4</a:t>
             </a:fld>
             <a:endParaRPr lang="zh-CN" altLang="en-US"/>
           </a:p>
@@ -5085,7 +5088,7 @@
           <a:p>
             <a:fld id="{49511754-73E3-4E6F-AF62-38683F8056B7}" type="datetimeFigureOut">
               <a:rPr lang="zh-CN" altLang="en-US" smtClean="0"/>
-              <a:t>2025/11/30</a:t>
+              <a:t>2025/12/4</a:t>
             </a:fld>
             <a:endParaRPr lang="zh-CN" altLang="en-US"/>
           </a:p>
@@ -5350,7 +5353,7 @@
           <a:p>
             <a:fld id="{49511754-73E3-4E6F-AF62-38683F8056B7}" type="datetimeFigureOut">
               <a:rPr lang="zh-CN" altLang="en-US" smtClean="0"/>
-              <a:t>2025/11/30</a:t>
+              <a:t>2025/12/4</a:t>
             </a:fld>
             <a:endParaRPr lang="zh-CN" altLang="en-US"/>
           </a:p>
@@ -5762,7 +5765,7 @@
           <a:p>
             <a:fld id="{49511754-73E3-4E6F-AF62-38683F8056B7}" type="datetimeFigureOut">
               <a:rPr lang="zh-CN" altLang="en-US" smtClean="0"/>
-              <a:t>2025/11/30</a:t>
+              <a:t>2025/12/4</a:t>
             </a:fld>
             <a:endParaRPr lang="zh-CN" altLang="en-US"/>
           </a:p>
@@ -5903,7 +5906,7 @@
           <a:p>
             <a:fld id="{49511754-73E3-4E6F-AF62-38683F8056B7}" type="datetimeFigureOut">
               <a:rPr lang="zh-CN" altLang="en-US" smtClean="0"/>
-              <a:t>2025/11/30</a:t>
+              <a:t>2025/12/4</a:t>
             </a:fld>
             <a:endParaRPr lang="zh-CN" altLang="en-US"/>
           </a:p>
@@ -6016,7 +6019,7 @@
           <a:p>
             <a:fld id="{49511754-73E3-4E6F-AF62-38683F8056B7}" type="datetimeFigureOut">
               <a:rPr lang="zh-CN" altLang="en-US" smtClean="0"/>
-              <a:t>2025/11/30</a:t>
+              <a:t>2025/12/4</a:t>
             </a:fld>
             <a:endParaRPr lang="zh-CN" altLang="en-US"/>
           </a:p>
@@ -6327,7 +6330,7 @@
           <a:p>
             <a:fld id="{49511754-73E3-4E6F-AF62-38683F8056B7}" type="datetimeFigureOut">
               <a:rPr lang="zh-CN" altLang="en-US" smtClean="0"/>
-              <a:t>2025/11/30</a:t>
+              <a:t>2025/12/4</a:t>
             </a:fld>
             <a:endParaRPr lang="zh-CN" altLang="en-US"/>
           </a:p>
@@ -6615,7 +6618,7 @@
           <a:p>
             <a:fld id="{49511754-73E3-4E6F-AF62-38683F8056B7}" type="datetimeFigureOut">
               <a:rPr lang="zh-CN" altLang="en-US" smtClean="0"/>
-              <a:t>2025/11/30</a:t>
+              <a:t>2025/12/4</a:t>
             </a:fld>
             <a:endParaRPr lang="zh-CN" altLang="en-US"/>
           </a:p>
@@ -6856,7 +6859,7 @@
           <a:p>
             <a:fld id="{49511754-73E3-4E6F-AF62-38683F8056B7}" type="datetimeFigureOut">
               <a:rPr lang="zh-CN" altLang="en-US" smtClean="0"/>
-              <a:t>2025/11/30</a:t>
+              <a:t>2025/12/4</a:t>
             </a:fld>
             <a:endParaRPr lang="zh-CN" altLang="en-US"/>
           </a:p>
@@ -10340,10 +10343,10 @@
       </p:sp>
       <p:pic>
         <p:nvPicPr>
-          <p:cNvPr id="7" name="图片 6">
+          <p:cNvPr id="2" name="图片 1">
             <a:extLst>
               <a:ext uri="{FF2B5EF4-FFF2-40B4-BE49-F238E27FC236}">
-                <a16:creationId xmlns:a16="http://schemas.microsoft.com/office/drawing/2014/main" id="{D8575A29-5665-D6B1-0634-77E1B9F16888}"/>
+                <a16:creationId xmlns:a16="http://schemas.microsoft.com/office/drawing/2014/main" id="{5D6F5B6A-7C4B-D6B3-3DBB-486B75E20A1C}"/>
               </a:ext>
             </a:extLst>
           </p:cNvPr>
@@ -10360,8 +10363,8 @@
         </p:blipFill>
         <p:spPr>
           <a:xfrm>
-            <a:off x="704202" y="1130300"/>
-            <a:ext cx="1705213" cy="3791479"/>
+            <a:off x="444461" y="1342017"/>
+            <a:ext cx="4267796" cy="4696480"/>
           </a:xfrm>
           <a:prstGeom prst="rect">
             <a:avLst/>
@@ -10370,10 +10373,10 @@
       </p:pic>
       <p:pic>
         <p:nvPicPr>
-          <p:cNvPr id="8" name="图片 7">
+          <p:cNvPr id="3" name="图片 2">
             <a:extLst>
               <a:ext uri="{FF2B5EF4-FFF2-40B4-BE49-F238E27FC236}">
-                <a16:creationId xmlns:a16="http://schemas.microsoft.com/office/drawing/2014/main" id="{A9AADD7C-68DE-3D5D-5BC8-CA40E21188F0}"/>
+                <a16:creationId xmlns:a16="http://schemas.microsoft.com/office/drawing/2014/main" id="{ACD46A58-999C-5FF6-5A48-174B299DDE08}"/>
               </a:ext>
             </a:extLst>
           </p:cNvPr>
@@ -10390,8 +10393,8 @@
         </p:blipFill>
         <p:spPr>
           <a:xfrm>
-            <a:off x="3284161" y="1149352"/>
-            <a:ext cx="1686160" cy="3753374"/>
+            <a:off x="5202878" y="1342017"/>
+            <a:ext cx="4286848" cy="4658375"/>
           </a:xfrm>
           <a:prstGeom prst="rect">
             <a:avLst/>
@@ -12292,7 +12295,12 @@
             <p:ph type="title"/>
           </p:nvPr>
         </p:nvSpPr>
-        <p:spPr/>
+        <p:spPr>
+          <a:xfrm>
+            <a:off x="526480" y="-66644"/>
+            <a:ext cx="10515600" cy="1325563"/>
+          </a:xfrm>
+        </p:spPr>
         <p:txBody>
           <a:bodyPr/>
           <a:lstStyle/>
@@ -12318,7 +12326,7 @@
         </p:nvSpPr>
         <p:spPr>
           <a:xfrm>
-            <a:off x="357996" y="5578824"/>
+            <a:off x="1197751" y="5790990"/>
             <a:ext cx="1112805" cy="369332"/>
           </a:xfrm>
           <a:prstGeom prst="rect">
@@ -12339,12 +12347,47 @@
           </a:p>
         </p:txBody>
       </p:sp>
+      <p:sp>
+        <p:nvSpPr>
+          <p:cNvPr id="10" name="文本框 9">
+            <a:extLst>
+              <a:ext uri="{FF2B5EF4-FFF2-40B4-BE49-F238E27FC236}">
+                <a16:creationId xmlns:a16="http://schemas.microsoft.com/office/drawing/2014/main" id="{EDE38928-859C-8F34-C325-2F40BF511378}"/>
+              </a:ext>
+            </a:extLst>
+          </p:cNvPr>
+          <p:cNvSpPr txBox="1"/>
+          <p:nvPr/>
+        </p:nvSpPr>
+        <p:spPr>
+          <a:xfrm>
+            <a:off x="8061639" y="5578824"/>
+            <a:ext cx="1107996" cy="369332"/>
+          </a:xfrm>
+          <a:prstGeom prst="rect">
+            <a:avLst/>
+          </a:prstGeom>
+          <a:noFill/>
+        </p:spPr>
+        <p:txBody>
+          <a:bodyPr wrap="none" rtlCol="0">
+            <a:spAutoFit/>
+          </a:bodyPr>
+          <a:lstStyle/>
+          <a:p>
+            <a:r>
+              <a:rPr lang="zh-CN" altLang="en-US" dirty="0"/>
+              <a:t>游戏界面</a:t>
+            </a:r>
+          </a:p>
+        </p:txBody>
+      </p:sp>
       <p:pic>
         <p:nvPicPr>
-          <p:cNvPr id="8" name="图片 7">
+          <p:cNvPr id="4" name="图片 3">
             <a:extLst>
               <a:ext uri="{FF2B5EF4-FFF2-40B4-BE49-F238E27FC236}">
-                <a16:creationId xmlns:a16="http://schemas.microsoft.com/office/drawing/2014/main" id="{475251DC-7860-6267-5D12-5A6A3BACBBBC}"/>
+                <a16:creationId xmlns:a16="http://schemas.microsoft.com/office/drawing/2014/main" id="{D9C382C1-3176-78C3-112C-01AF0F777E7C}"/>
               </a:ext>
             </a:extLst>
           </p:cNvPr>
@@ -12361,8 +12404,8 @@
         </p:blipFill>
         <p:spPr>
           <a:xfrm>
-            <a:off x="0" y="2328952"/>
-            <a:ext cx="2210420" cy="3153215"/>
+            <a:off x="526480" y="1067010"/>
+            <a:ext cx="4267796" cy="4696480"/>
           </a:xfrm>
           <a:prstGeom prst="rect">
             <a:avLst/>
@@ -12371,10 +12414,10 @@
       </p:pic>
       <p:pic>
         <p:nvPicPr>
-          <p:cNvPr id="9" name="图片 8">
+          <p:cNvPr id="6" name="图片 5">
             <a:extLst>
               <a:ext uri="{FF2B5EF4-FFF2-40B4-BE49-F238E27FC236}">
-                <a16:creationId xmlns:a16="http://schemas.microsoft.com/office/drawing/2014/main" id="{1116C28A-B86E-B95B-5059-AA3629047719}"/>
+                <a16:creationId xmlns:a16="http://schemas.microsoft.com/office/drawing/2014/main" id="{5B295D30-7249-5591-A6DA-D52F861C6BA4}"/>
               </a:ext>
             </a:extLst>
           </p:cNvPr>
@@ -12391,173 +12434,8 @@
         </p:blipFill>
         <p:spPr>
           <a:xfrm>
-            <a:off x="2210420" y="2623127"/>
-            <a:ext cx="2851665" cy="2860306"/>
-          </a:xfrm>
-          <a:prstGeom prst="rect">
-            <a:avLst/>
-          </a:prstGeom>
-        </p:spPr>
-      </p:pic>
-      <p:sp>
-        <p:nvSpPr>
-          <p:cNvPr id="10" name="文本框 9">
-            <a:extLst>
-              <a:ext uri="{FF2B5EF4-FFF2-40B4-BE49-F238E27FC236}">
-                <a16:creationId xmlns:a16="http://schemas.microsoft.com/office/drawing/2014/main" id="{EDE38928-859C-8F34-C325-2F40BF511378}"/>
-              </a:ext>
-            </a:extLst>
-          </p:cNvPr>
-          <p:cNvSpPr txBox="1"/>
-          <p:nvPr/>
-        </p:nvSpPr>
-        <p:spPr>
-          <a:xfrm>
-            <a:off x="2780512" y="5661950"/>
-            <a:ext cx="1107996" cy="369332"/>
-          </a:xfrm>
-          <a:prstGeom prst="rect">
-            <a:avLst/>
-          </a:prstGeom>
-          <a:noFill/>
-        </p:spPr>
-        <p:txBody>
-          <a:bodyPr wrap="none" rtlCol="0">
-            <a:spAutoFit/>
-          </a:bodyPr>
-          <a:lstStyle/>
-          <a:p>
-            <a:r>
-              <a:rPr lang="zh-CN" altLang="en-US" dirty="0"/>
-              <a:t>游戏界面</a:t>
-            </a:r>
-          </a:p>
-        </p:txBody>
-      </p:sp>
-      <p:sp>
-        <p:nvSpPr>
-          <p:cNvPr id="12" name="文本框 11">
-            <a:extLst>
-              <a:ext uri="{FF2B5EF4-FFF2-40B4-BE49-F238E27FC236}">
-                <a16:creationId xmlns:a16="http://schemas.microsoft.com/office/drawing/2014/main" id="{8702486A-33DF-F26B-701D-18FCB0124C42}"/>
-              </a:ext>
-            </a:extLst>
-          </p:cNvPr>
-          <p:cNvSpPr txBox="1"/>
-          <p:nvPr/>
-        </p:nvSpPr>
-        <p:spPr>
-          <a:xfrm>
-            <a:off x="5929193" y="5738684"/>
-            <a:ext cx="1107996" cy="369332"/>
-          </a:xfrm>
-          <a:prstGeom prst="rect">
-            <a:avLst/>
-          </a:prstGeom>
-          <a:noFill/>
-        </p:spPr>
-        <p:txBody>
-          <a:bodyPr wrap="none" rtlCol="0">
-            <a:spAutoFit/>
-          </a:bodyPr>
-          <a:lstStyle/>
-          <a:p>
-            <a:r>
-              <a:rPr lang="zh-CN" altLang="en-US" dirty="0"/>
-              <a:t>失败界面</a:t>
-            </a:r>
-          </a:p>
-        </p:txBody>
-      </p:sp>
-      <p:pic>
-        <p:nvPicPr>
-          <p:cNvPr id="14" name="图片 13">
-            <a:extLst>
-              <a:ext uri="{FF2B5EF4-FFF2-40B4-BE49-F238E27FC236}">
-                <a16:creationId xmlns:a16="http://schemas.microsoft.com/office/drawing/2014/main" id="{3BCF29C4-FF04-2710-5959-80A829D8D20E}"/>
-              </a:ext>
-            </a:extLst>
-          </p:cNvPr>
-          <p:cNvPicPr>
-            <a:picLocks noChangeAspect="1"/>
-          </p:cNvPicPr>
-          <p:nvPr/>
-        </p:nvPicPr>
-        <p:blipFill>
-          <a:blip r:embed="rId5"/>
-          <a:stretch>
-            <a:fillRect/>
-          </a:stretch>
-        </p:blipFill>
-        <p:spPr>
-          <a:xfrm>
-            <a:off x="4976291" y="2638109"/>
-            <a:ext cx="2818280" cy="2844057"/>
-          </a:xfrm>
-          <a:prstGeom prst="rect">
-            <a:avLst/>
-          </a:prstGeom>
-        </p:spPr>
-      </p:pic>
-      <p:sp>
-        <p:nvSpPr>
-          <p:cNvPr id="18" name="文本框 17">
-            <a:extLst>
-              <a:ext uri="{FF2B5EF4-FFF2-40B4-BE49-F238E27FC236}">
-                <a16:creationId xmlns:a16="http://schemas.microsoft.com/office/drawing/2014/main" id="{3ED560CD-BF28-A872-D378-6F2F77C0ED80}"/>
-              </a:ext>
-            </a:extLst>
-          </p:cNvPr>
-          <p:cNvSpPr txBox="1"/>
-          <p:nvPr/>
-        </p:nvSpPr>
-        <p:spPr>
-          <a:xfrm>
-            <a:off x="9934084" y="5714142"/>
-            <a:ext cx="1107996" cy="369332"/>
-          </a:xfrm>
-          <a:prstGeom prst="rect">
-            <a:avLst/>
-          </a:prstGeom>
-          <a:noFill/>
-        </p:spPr>
-        <p:txBody>
-          <a:bodyPr wrap="none" rtlCol="0">
-            <a:spAutoFit/>
-          </a:bodyPr>
-          <a:lstStyle/>
-          <a:p>
-            <a:r>
-              <a:rPr lang="zh-CN" altLang="en-US" dirty="0"/>
-              <a:t>胜利界面</a:t>
-            </a:r>
-          </a:p>
-        </p:txBody>
-      </p:sp>
-      <p:pic>
-        <p:nvPicPr>
-          <p:cNvPr id="3" name="图片 2">
-            <a:extLst>
-              <a:ext uri="{FF2B5EF4-FFF2-40B4-BE49-F238E27FC236}">
-                <a16:creationId xmlns:a16="http://schemas.microsoft.com/office/drawing/2014/main" id="{08810751-E62D-223F-03DA-0F6F4916DDA1}"/>
-              </a:ext>
-            </a:extLst>
-          </p:cNvPr>
-          <p:cNvPicPr>
-            <a:picLocks noChangeAspect="1"/>
-          </p:cNvPicPr>
-          <p:nvPr/>
-        </p:nvPicPr>
-        <p:blipFill>
-          <a:blip r:embed="rId6"/>
-          <a:stretch>
-            <a:fillRect/>
-          </a:stretch>
-        </p:blipFill>
-        <p:spPr>
-          <a:xfrm>
-            <a:off x="7887568" y="1182255"/>
-            <a:ext cx="4304432" cy="4479695"/>
+            <a:off x="5439930" y="386974"/>
+            <a:ext cx="5734850" cy="5191850"/>
           </a:xfrm>
           <a:prstGeom prst="rect">
             <a:avLst/>
@@ -12578,6 +12456,166 @@
 </file>
 
 <file path=ppt/slides/slide24.xml><?xml version="1.0" encoding="utf-8"?>
+<p:sld xmlns:a="http://schemas.openxmlformats.org/drawingml/2006/main" xmlns:r="http://schemas.openxmlformats.org/officeDocument/2006/relationships" xmlns:p="http://schemas.openxmlformats.org/presentationml/2006/main">
+  <p:cSld>
+    <p:spTree>
+      <p:nvGrpSpPr>
+        <p:cNvPr id="1" name=""/>
+        <p:cNvGrpSpPr/>
+        <p:nvPr/>
+      </p:nvGrpSpPr>
+      <p:grpSpPr>
+        <a:xfrm>
+          <a:off x="0" y="0"/>
+          <a:ext cx="0" cy="0"/>
+          <a:chOff x="0" y="0"/>
+          <a:chExt cx="0" cy="0"/>
+        </a:xfrm>
+      </p:grpSpPr>
+      <p:pic>
+        <p:nvPicPr>
+          <p:cNvPr id="14" name="图片 13">
+            <a:extLst>
+              <a:ext uri="{FF2B5EF4-FFF2-40B4-BE49-F238E27FC236}">
+                <a16:creationId xmlns:a16="http://schemas.microsoft.com/office/drawing/2014/main" id="{3BCF29C4-FF04-2710-5959-80A829D8D20E}"/>
+              </a:ext>
+            </a:extLst>
+          </p:cNvPr>
+          <p:cNvPicPr>
+            <a:picLocks noChangeAspect="1"/>
+          </p:cNvPicPr>
+          <p:nvPr/>
+        </p:nvPicPr>
+        <p:blipFill>
+          <a:blip r:embed="rId2"/>
+          <a:stretch>
+            <a:fillRect/>
+          </a:stretch>
+        </p:blipFill>
+        <p:spPr>
+          <a:xfrm>
+            <a:off x="2848912" y="1593081"/>
+            <a:ext cx="2818280" cy="2844057"/>
+          </a:xfrm>
+          <a:prstGeom prst="rect">
+            <a:avLst/>
+          </a:prstGeom>
+        </p:spPr>
+      </p:pic>
+      <p:pic>
+        <p:nvPicPr>
+          <p:cNvPr id="4" name="图片 3">
+            <a:extLst>
+              <a:ext uri="{FF2B5EF4-FFF2-40B4-BE49-F238E27FC236}">
+                <a16:creationId xmlns:a16="http://schemas.microsoft.com/office/drawing/2014/main" id="{08810751-E62D-223F-03DA-0F6F4916DDA1}"/>
+              </a:ext>
+            </a:extLst>
+          </p:cNvPr>
+          <p:cNvPicPr>
+            <a:picLocks noChangeAspect="1"/>
+          </p:cNvPicPr>
+          <p:nvPr/>
+        </p:nvPicPr>
+        <p:blipFill>
+          <a:blip r:embed="rId3"/>
+          <a:stretch>
+            <a:fillRect/>
+          </a:stretch>
+        </p:blipFill>
+        <p:spPr>
+          <a:xfrm>
+            <a:off x="6096000" y="277185"/>
+            <a:ext cx="4304432" cy="4479695"/>
+          </a:xfrm>
+          <a:prstGeom prst="rect">
+            <a:avLst/>
+          </a:prstGeom>
+        </p:spPr>
+      </p:pic>
+      <p:sp>
+        <p:nvSpPr>
+          <p:cNvPr id="12" name="文本框 11">
+            <a:extLst>
+              <a:ext uri="{FF2B5EF4-FFF2-40B4-BE49-F238E27FC236}">
+                <a16:creationId xmlns:a16="http://schemas.microsoft.com/office/drawing/2014/main" id="{8702486A-33DF-F26B-701D-18FCB0124C42}"/>
+              </a:ext>
+            </a:extLst>
+          </p:cNvPr>
+          <p:cNvSpPr txBox="1"/>
+          <p:nvPr/>
+        </p:nvSpPr>
+        <p:spPr>
+          <a:xfrm>
+            <a:off x="3624531" y="4992235"/>
+            <a:ext cx="1107996" cy="369332"/>
+          </a:xfrm>
+          <a:prstGeom prst="rect">
+            <a:avLst/>
+          </a:prstGeom>
+          <a:noFill/>
+        </p:spPr>
+        <p:txBody>
+          <a:bodyPr wrap="none" rtlCol="0">
+            <a:spAutoFit/>
+          </a:bodyPr>
+          <a:lstStyle/>
+          <a:p>
+            <a:r>
+              <a:rPr lang="zh-CN" altLang="en-US" dirty="0"/>
+              <a:t>失败界面</a:t>
+            </a:r>
+          </a:p>
+        </p:txBody>
+      </p:sp>
+      <p:sp>
+        <p:nvSpPr>
+          <p:cNvPr id="18" name="文本框 17">
+            <a:extLst>
+              <a:ext uri="{FF2B5EF4-FFF2-40B4-BE49-F238E27FC236}">
+                <a16:creationId xmlns:a16="http://schemas.microsoft.com/office/drawing/2014/main" id="{3ED560CD-BF28-A872-D378-6F2F77C0ED80}"/>
+              </a:ext>
+            </a:extLst>
+          </p:cNvPr>
+          <p:cNvSpPr txBox="1"/>
+          <p:nvPr/>
+        </p:nvSpPr>
+        <p:spPr>
+          <a:xfrm>
+            <a:off x="7862689" y="5176901"/>
+            <a:ext cx="1107996" cy="369332"/>
+          </a:xfrm>
+          <a:prstGeom prst="rect">
+            <a:avLst/>
+          </a:prstGeom>
+          <a:noFill/>
+        </p:spPr>
+        <p:txBody>
+          <a:bodyPr wrap="none" rtlCol="0">
+            <a:spAutoFit/>
+          </a:bodyPr>
+          <a:lstStyle/>
+          <a:p>
+            <a:r>
+              <a:rPr lang="zh-CN" altLang="en-US" dirty="0"/>
+              <a:t>胜利界面</a:t>
+            </a:r>
+          </a:p>
+        </p:txBody>
+      </p:sp>
+    </p:spTree>
+    <p:extLst>
+      <p:ext uri="{BB962C8B-B14F-4D97-AF65-F5344CB8AC3E}">
+        <p14:creationId xmlns:p14="http://schemas.microsoft.com/office/powerpoint/2010/main" val="2600250190"/>
+      </p:ext>
+    </p:extLst>
+  </p:cSld>
+  <p:clrMapOvr>
+    <a:masterClrMapping/>
+  </p:clrMapOvr>
+</p:sld>
+</file>
+
+<file path=ppt/slides/slide25.xml><?xml version="1.0" encoding="utf-8"?>
 <p:sld xmlns:a="http://schemas.openxmlformats.org/drawingml/2006/main" xmlns:r="http://schemas.openxmlformats.org/officeDocument/2006/relationships" xmlns:p="http://schemas.openxmlformats.org/presentationml/2006/main">
   <p:cSld>
     <p:spTree>
@@ -12706,7 +12744,7 @@
                 <a:tabLst/>
                 <a:defRPr/>
               </a:pPr>
-              <a:t>24</a:t>
+              <a:t>25</a:t>
             </a:fld>
             <a:endParaRPr kumimoji="0" lang="en-US" sz="1000" b="0" i="0" u="none" strike="noStrike" kern="1200" cap="none" spc="0" normalizeH="0" baseline="0" noProof="0">
               <a:ln>
@@ -12740,7 +12778,7 @@
 </p:sld>
 </file>
 
-<file path=ppt/slides/slide25.xml><?xml version="1.0" encoding="utf-8"?>
+<file path=ppt/slides/slide26.xml><?xml version="1.0" encoding="utf-8"?>
 <p:sld xmlns:a="http://schemas.openxmlformats.org/drawingml/2006/main" xmlns:r="http://schemas.openxmlformats.org/officeDocument/2006/relationships" xmlns:p="http://schemas.openxmlformats.org/presentationml/2006/main">
   <p:cSld>
     <p:spTree>
@@ -13028,7 +13066,7 @@
 </p:sld>
 </file>
 
-<file path=ppt/slides/slide26.xml><?xml version="1.0" encoding="utf-8"?>
+<file path=ppt/slides/slide27.xml><?xml version="1.0" encoding="utf-8"?>
 <p:sld xmlns:a="http://schemas.openxmlformats.org/drawingml/2006/main" xmlns:r="http://schemas.openxmlformats.org/officeDocument/2006/relationships" xmlns:p="http://schemas.openxmlformats.org/presentationml/2006/main">
   <p:cSld>
     <p:spTree>
@@ -13458,7 +13496,7 @@
 </p:sld>
 </file>
 
-<file path=ppt/slides/slide27.xml><?xml version="1.0" encoding="utf-8"?>
+<file path=ppt/slides/slide28.xml><?xml version="1.0" encoding="utf-8"?>
 <p:sld xmlns:a="http://schemas.openxmlformats.org/drawingml/2006/main" xmlns:r="http://schemas.openxmlformats.org/officeDocument/2006/relationships" xmlns:p="http://schemas.openxmlformats.org/presentationml/2006/main">
   <p:cSld>
     <p:spTree>
@@ -13480,7 +13518,7 @@
           <p:cNvPr id="2" name="Title 1">
             <a:extLst>
               <a:ext uri="{FF2B5EF4-FFF2-40B4-BE49-F238E27FC236}">
-                <a16:creationId xmlns:a16="http://schemas.microsoft.com/office/drawing/2014/main" id="{E7EFE43C-6009-55B7-3CD7-F576BE07EA00}"/>
+                <a16:creationId xmlns:a16="http://schemas.microsoft.com/office/drawing/2014/main" id="{D2F64FCC-5933-6E59-5552-E329458E4D5C}"/>
               </a:ext>
             </a:extLst>
           </p:cNvPr>
@@ -13493,8 +13531,8 @@
         </p:nvSpPr>
         <p:spPr>
           <a:xfrm>
-            <a:off x="660400" y="1130300"/>
-            <a:ext cx="6954838" cy="2934811"/>
+            <a:off x="857170" y="1130300"/>
+            <a:ext cx="7253368" cy="1371600"/>
           </a:xfrm>
         </p:spPr>
         <p:txBody>
@@ -13503,48 +13541,19 @@
           <a:p>
             <a:pPr lvl="0"/>
             <a:r>
-              <a:rPr lang="en-US"/>
-              <a:t>Thank you</a:t>
-            </a:r>
+              <a:rPr lang="zh-CN" altLang="en-US" dirty="0"/>
+              <a:t>参考内容</a:t>
+            </a:r>
+            <a:endParaRPr lang="en-US" dirty="0"/>
           </a:p>
         </p:txBody>
       </p:sp>
-    </p:spTree>
-    <p:extLst>
-      <p:ext uri="{BB962C8B-B14F-4D97-AF65-F5344CB8AC3E}">
-        <p14:creationId xmlns:p14="http://schemas.microsoft.com/office/powerpoint/2010/main" val="4044793983"/>
-      </p:ext>
-    </p:extLst>
-  </p:cSld>
-  <p:clrMapOvr>
-    <a:masterClrMapping/>
-  </p:clrMapOvr>
-</p:sld>
-</file>
-
-<file path=ppt/slides/slide28.xml><?xml version="1.0" encoding="utf-8"?>
-<p:sld xmlns:a="http://schemas.openxmlformats.org/drawingml/2006/main" xmlns:r="http://schemas.openxmlformats.org/officeDocument/2006/relationships" xmlns:p="http://schemas.openxmlformats.org/presentationml/2006/main">
-  <p:cSld>
-    <p:spTree>
-      <p:nvGrpSpPr>
-        <p:cNvPr id="1" name=""/>
-        <p:cNvGrpSpPr/>
-        <p:nvPr/>
-      </p:nvGrpSpPr>
-      <p:grpSpPr>
-        <a:xfrm>
-          <a:off x="0" y="0"/>
-          <a:ext cx="0" cy="0"/>
-          <a:chOff x="0" y="0"/>
-          <a:chExt cx="0" cy="0"/>
-        </a:xfrm>
-      </p:grpSpPr>
       <p:sp>
         <p:nvSpPr>
-          <p:cNvPr id="2" name="标题 1">
+          <p:cNvPr id="4" name="Slide Number Placeholder 3">
             <a:extLst>
               <a:ext uri="{FF2B5EF4-FFF2-40B4-BE49-F238E27FC236}">
-                <a16:creationId xmlns:a16="http://schemas.microsoft.com/office/drawing/2014/main" id="{50D41DFF-1629-C20C-A9C2-083AFD257A66}"/>
+                <a16:creationId xmlns:a16="http://schemas.microsoft.com/office/drawing/2014/main" id="{FD1D7CBC-F975-8DE9-35EC-139DE50F2B9A}"/>
               </a:ext>
             </a:extLst>
           </p:cNvPr>
@@ -13552,60 +13561,95 @@
             <a:spLocks noGrp="1"/>
           </p:cNvSpPr>
           <p:nvPr>
-            <p:ph type="title"/>
+            <p:ph type="sldNum" sz="quarter" idx="12"/>
           </p:nvPr>
         </p:nvSpPr>
-        <p:spPr/>
+        <p:spPr>
+          <a:xfrm>
+            <a:off x="7861300" y="6409690"/>
+            <a:ext cx="3657600" cy="274320"/>
+          </a:xfrm>
+        </p:spPr>
         <p:txBody>
           <a:bodyPr/>
           <a:lstStyle/>
           <a:p>
-            <a:r>
-              <a:rPr lang="zh-CN" altLang="en-US" dirty="0"/>
-              <a:t>代码的主体框架分为三个包九个类</a:t>
-            </a:r>
+            <a:pPr marL="0" marR="0" lvl="0" indent="0" algn="r" defTabSz="914400" rtl="0" eaLnBrk="1" fontAlgn="auto" latinLnBrk="0" hangingPunct="1">
+              <a:lnSpc>
+                <a:spcPct val="100000"/>
+              </a:lnSpc>
+              <a:spcBef>
+                <a:spcPts val="0"/>
+              </a:spcBef>
+              <a:spcAft>
+                <a:spcPts val="0"/>
+              </a:spcAft>
+              <a:buClrTx/>
+              <a:buSzTx/>
+              <a:buFontTx/>
+              <a:buNone/>
+              <a:tabLst/>
+              <a:defRPr/>
+            </a:pPr>
+            <a:fld id="{C8BB1146-E542-4D4E-B8E9-6919A11DDD48}" type="slidenum">
+              <a:rPr kumimoji="0" lang="en-US" sz="1000" b="0" i="0" u="none" strike="noStrike" kern="1200" cap="none" spc="0" normalizeH="0" baseline="0" noProof="0" smtClean="0">
+                <a:ln>
+                  <a:noFill/>
+                </a:ln>
+                <a:solidFill>
+                  <a:srgbClr val="FFFFFF">
+                    <a:tint val="75000"/>
+                  </a:srgbClr>
+                </a:solidFill>
+                <a:effectLst/>
+                <a:uLnTx/>
+                <a:uFillTx/>
+                <a:latin typeface="Arial"/>
+                <a:ea typeface="微软雅黑"/>
+                <a:cs typeface="+mn-cs"/>
+              </a:rPr>
+              <a:pPr marL="0" marR="0" lvl="0" indent="0" algn="r" defTabSz="914400" rtl="0" eaLnBrk="1" fontAlgn="auto" latinLnBrk="0" hangingPunct="1">
+                <a:lnSpc>
+                  <a:spcPct val="100000"/>
+                </a:lnSpc>
+                <a:spcBef>
+                  <a:spcPts val="0"/>
+                </a:spcBef>
+                <a:spcAft>
+                  <a:spcPts val="0"/>
+                </a:spcAft>
+                <a:buClrTx/>
+                <a:buSzTx/>
+                <a:buFontTx/>
+                <a:buNone/>
+                <a:tabLst/>
+                <a:defRPr/>
+              </a:pPr>
+              <a:t>28</a:t>
+            </a:fld>
+            <a:endParaRPr kumimoji="0" lang="en-US" sz="1000" b="0" i="0" u="none" strike="noStrike" kern="1200" cap="none" spc="0" normalizeH="0" baseline="0" noProof="0">
+              <a:ln>
+                <a:noFill/>
+              </a:ln>
+              <a:solidFill>
+                <a:srgbClr val="FFFFFF">
+                  <a:tint val="75000"/>
+                </a:srgbClr>
+              </a:solidFill>
+              <a:effectLst/>
+              <a:uLnTx/>
+              <a:uFillTx/>
+              <a:latin typeface="Arial"/>
+              <a:ea typeface="微软雅黑"/>
+              <a:cs typeface="+mn-cs"/>
+            </a:endParaRPr>
           </a:p>
         </p:txBody>
       </p:sp>
-      <p:pic>
-        <p:nvPicPr>
-          <p:cNvPr id="9" name="内容占位符 8" descr="图示&#10;&#10;AI 生成的内容可能不正确。">
-            <a:extLst>
-              <a:ext uri="{FF2B5EF4-FFF2-40B4-BE49-F238E27FC236}">
-                <a16:creationId xmlns:a16="http://schemas.microsoft.com/office/drawing/2014/main" id="{29878778-ED61-AD55-8FC4-F6D00A797FD9}"/>
-              </a:ext>
-            </a:extLst>
-          </p:cNvPr>
-          <p:cNvPicPr>
-            <a:picLocks noGrp="1" noChangeAspect="1"/>
-          </p:cNvPicPr>
-          <p:nvPr>
-            <p:ph idx="1"/>
-          </p:nvPr>
-        </p:nvPicPr>
-        <p:blipFill>
-          <a:blip r:embed="rId3">
-            <a:extLst>
-              <a:ext uri="{28A0092B-C50C-407E-A947-70E740481C1C}">
-                <a14:useLocalDpi xmlns:a14="http://schemas.microsoft.com/office/drawing/2010/main" val="0"/>
-              </a:ext>
-            </a:extLst>
-          </a:blip>
-          <a:stretch>
-            <a:fillRect/>
-          </a:stretch>
-        </p:blipFill>
-        <p:spPr>
-          <a:xfrm>
-            <a:off x="1034472" y="1321690"/>
-            <a:ext cx="5347855" cy="5541225"/>
-          </a:xfrm>
-        </p:spPr>
-      </p:pic>
     </p:spTree>
     <p:extLst>
       <p:ext uri="{BB962C8B-B14F-4D97-AF65-F5344CB8AC3E}">
-        <p14:creationId xmlns:p14="http://schemas.microsoft.com/office/powerpoint/2010/main" val="1075705022"/>
+        <p14:creationId xmlns:p14="http://schemas.microsoft.com/office/powerpoint/2010/main" val="2037806091"/>
       </p:ext>
     </p:extLst>
   </p:cSld>
@@ -13634,38 +13678,10 @@
       </p:grpSpPr>
       <p:sp>
         <p:nvSpPr>
-          <p:cNvPr id="2" name="标题 1">
-            <a:extLst>
-              <a:ext uri="{FF2B5EF4-FFF2-40B4-BE49-F238E27FC236}">
-                <a16:creationId xmlns:a16="http://schemas.microsoft.com/office/drawing/2014/main" id="{71144530-05A0-203A-B14F-9A742B34F97B}"/>
-              </a:ext>
-            </a:extLst>
-          </p:cNvPr>
-          <p:cNvSpPr>
-            <a:spLocks noGrp="1"/>
-          </p:cNvSpPr>
-          <p:nvPr>
-            <p:ph type="title"/>
-          </p:nvPr>
-        </p:nvSpPr>
-        <p:spPr/>
-        <p:txBody>
-          <a:bodyPr/>
-          <a:lstStyle/>
-          <a:p>
-            <a:r>
-              <a:rPr lang="zh-CN" altLang="en-US" dirty="0"/>
-              <a:t>三个包的作用</a:t>
-            </a:r>
-          </a:p>
-        </p:txBody>
-      </p:sp>
-      <p:sp>
-        <p:nvSpPr>
           <p:cNvPr id="3" name="内容占位符 2">
             <a:extLst>
               <a:ext uri="{FF2B5EF4-FFF2-40B4-BE49-F238E27FC236}">
-                <a16:creationId xmlns:a16="http://schemas.microsoft.com/office/drawing/2014/main" id="{7648B93C-E3D9-6981-49A5-D693ACA6C4D0}"/>
+                <a16:creationId xmlns:a16="http://schemas.microsoft.com/office/drawing/2014/main" id="{A7A34688-7E2F-1277-CEF9-7F052770D20D}"/>
               </a:ext>
             </a:extLst>
           </p:cNvPr>
@@ -13676,182 +13692,83 @@
             <p:ph idx="1"/>
           </p:nvPr>
         </p:nvSpPr>
-        <p:spPr/>
+        <p:spPr>
+          <a:xfrm>
+            <a:off x="838200" y="475861"/>
+            <a:ext cx="10515600" cy="5701102"/>
+          </a:xfrm>
+        </p:spPr>
         <p:txBody>
           <a:bodyPr>
-            <a:normAutofit lnSpcReduction="10000"/>
+            <a:normAutofit/>
           </a:bodyPr>
           <a:lstStyle/>
           <a:p>
-            <a:r>
-              <a:rPr lang="en-US" altLang="zh-CN" dirty="0" err="1"/>
-              <a:t>GameDriver</a:t>
-            </a:r>
-            <a:r>
-              <a:rPr lang="en-US" altLang="zh-CN" dirty="0"/>
-              <a:t> </a:t>
-            </a:r>
-            <a:r>
-              <a:rPr lang="zh-CN" altLang="en-US" dirty="0"/>
-              <a:t>包</a:t>
-            </a:r>
-            <a:r>
-              <a:rPr lang="en-US" altLang="zh-CN" dirty="0"/>
-              <a:t>: </a:t>
-            </a:r>
-            <a:r>
-              <a:rPr lang="zh-CN" altLang="en-US" dirty="0"/>
-              <a:t>程序启动包。它包含了 </a:t>
-            </a:r>
-            <a:r>
-              <a:rPr lang="en-US" altLang="zh-CN" dirty="0"/>
-              <a:t>Driver.java </a:t>
-            </a:r>
-            <a:r>
-              <a:rPr lang="zh-CN" altLang="en-US" dirty="0"/>
-              <a:t>文件，其中的 </a:t>
-            </a:r>
-            <a:r>
-              <a:rPr lang="en-US" altLang="zh-CN" dirty="0"/>
-              <a:t>main </a:t>
-            </a:r>
-            <a:r>
-              <a:rPr lang="zh-CN" altLang="en-US" dirty="0"/>
-              <a:t>方法是整个</a:t>
-            </a:r>
-            <a:r>
-              <a:rPr lang="en-US" altLang="zh-CN" dirty="0"/>
-              <a:t>Java</a:t>
-            </a:r>
-            <a:r>
-              <a:rPr lang="zh-CN" altLang="en-US" dirty="0"/>
-              <a:t>应用程序的入口点。它的唯一职责就是创建 </a:t>
-            </a:r>
-            <a:r>
-              <a:rPr lang="en-US" altLang="zh-CN" dirty="0"/>
-              <a:t>Menu </a:t>
-            </a:r>
-            <a:r>
-              <a:rPr lang="zh-CN" altLang="en-US" dirty="0"/>
-              <a:t>对象，从而启动游戏。</a:t>
-            </a:r>
-            <a:endParaRPr lang="en-US" altLang="zh-CN" dirty="0"/>
-          </a:p>
-          <a:p>
-            <a:r>
-              <a:rPr lang="en-US" altLang="zh-CN" dirty="0" err="1"/>
-              <a:t>UserInterface</a:t>
-            </a:r>
-            <a:r>
-              <a:rPr lang="en-US" altLang="zh-CN" dirty="0"/>
-              <a:t> </a:t>
-            </a:r>
-            <a:r>
-              <a:rPr lang="zh-CN" altLang="en-US" dirty="0"/>
-              <a:t>包</a:t>
-            </a:r>
-            <a:r>
-              <a:rPr lang="en-US" altLang="zh-CN" dirty="0"/>
-              <a:t>:</a:t>
-            </a:r>
-            <a:r>
-              <a:rPr lang="zh-CN" altLang="en-US" dirty="0"/>
-              <a:t>作用</a:t>
-            </a:r>
-            <a:r>
-              <a:rPr lang="en-US" altLang="zh-CN" dirty="0"/>
-              <a:t>: </a:t>
-            </a:r>
-            <a:r>
-              <a:rPr lang="zh-CN" altLang="en-US" dirty="0"/>
-              <a:t>用户界面与交互包。这是项目的核心部分，包含了所有与图形用户界面相关的类，例如 </a:t>
-            </a:r>
-            <a:r>
-              <a:rPr lang="en-US" altLang="zh-CN" dirty="0"/>
-              <a:t>Menu</a:t>
-            </a:r>
-            <a:r>
-              <a:rPr lang="zh-CN" altLang="en-US" dirty="0"/>
-              <a:t>、</a:t>
-            </a:r>
-            <a:r>
-              <a:rPr lang="en-US" altLang="zh-CN" dirty="0" err="1"/>
-              <a:t>GameBoard</a:t>
-            </a:r>
-            <a:r>
-              <a:rPr lang="zh-CN" altLang="en-US" dirty="0"/>
-              <a:t>、</a:t>
-            </a:r>
-            <a:r>
-              <a:rPr lang="en-US" altLang="zh-CN" dirty="0" err="1"/>
-              <a:t>SmartSquare</a:t>
-            </a:r>
-            <a:r>
-              <a:rPr lang="zh-CN" altLang="en-US" dirty="0"/>
-              <a:t>。同时，它也包含了一些直接服务于界面的逻辑类，如 </a:t>
-            </a:r>
-            <a:r>
-              <a:rPr lang="en-US" altLang="zh-CN" dirty="0" err="1"/>
-              <a:t>ProduceBombs</a:t>
-            </a:r>
-            <a:r>
-              <a:rPr lang="zh-CN" altLang="en-US" dirty="0"/>
-              <a:t>和 </a:t>
-            </a:r>
-            <a:r>
-              <a:rPr lang="en-US" altLang="zh-CN" dirty="0" err="1"/>
-              <a:t>CheckSquare</a:t>
-            </a:r>
-            <a:r>
-              <a:rPr lang="zh-CN" altLang="en-US" dirty="0"/>
-              <a:t>这些类紧密地与界面交互。</a:t>
-            </a:r>
-            <a:endParaRPr lang="en-US" altLang="zh-CN" dirty="0"/>
-          </a:p>
-          <a:p>
-            <a:r>
-              <a:rPr lang="en-US" altLang="zh-CN" dirty="0"/>
-              <a:t>Library </a:t>
-            </a:r>
-            <a:r>
-              <a:rPr lang="zh-CN" altLang="en-US" dirty="0"/>
-              <a:t>包</a:t>
-            </a:r>
-            <a:r>
-              <a:rPr lang="en-US" altLang="zh-CN" dirty="0"/>
-              <a:t>: </a:t>
-            </a:r>
-            <a:r>
-              <a:rPr lang="zh-CN" altLang="en-US" dirty="0"/>
-              <a:t>通用功能库包。它提供了一些通用的、可被其他包复用的组件或工具。例如，</a:t>
-            </a:r>
-            <a:r>
-              <a:rPr lang="en-US" altLang="zh-CN" dirty="0" err="1"/>
-              <a:t>TimeChecker</a:t>
-            </a:r>
-            <a:r>
-              <a:rPr lang="en-US" altLang="zh-CN" dirty="0"/>
-              <a:t> </a:t>
-            </a:r>
-            <a:r>
-              <a:rPr lang="zh-CN" altLang="en-US" dirty="0"/>
-              <a:t>是一个时间格式化工具，而 </a:t>
-            </a:r>
-            <a:r>
-              <a:rPr lang="en-US" altLang="zh-CN" dirty="0"/>
-              <a:t>Bomb </a:t>
-            </a:r>
-            <a:r>
-              <a:rPr lang="zh-CN" altLang="en-US" dirty="0"/>
-              <a:t>是一个抽象基类，为地雷的生成提供了一个通用的模板。这个包旨在将一些基础或辅助功能与具体的界面逻辑分离开。</a:t>
-            </a:r>
+            <a:pPr marL="0" indent="0">
+              <a:buNone/>
+            </a:pPr>
+            <a:r>
+              <a:rPr lang="zh-CN" altLang="en-US" sz="1800" dirty="0"/>
+              <a:t>初始代码参考：</a:t>
+            </a:r>
+            <a:r>
+              <a:rPr lang="en-US" altLang="zh-CN" sz="1800" dirty="0"/>
+              <a:t>https://xie.infoq.cn/article/7b075b4b29ac1544822b2fd52</a:t>
+            </a:r>
+          </a:p>
+          <a:p>
+            <a:pPr marL="0" indent="0">
+              <a:buNone/>
+            </a:pPr>
+            <a:r>
+              <a:rPr lang="en-US" altLang="zh-CN" sz="1800" dirty="0"/>
+              <a:t>DAO</a:t>
+            </a:r>
+            <a:r>
+              <a:rPr lang="zh-CN" altLang="en-US" sz="1800" dirty="0"/>
+              <a:t>模式：</a:t>
+            </a:r>
+            <a:r>
+              <a:rPr lang="en-US" altLang="zh-CN" sz="1800" dirty="0"/>
+              <a:t>https://blog.csdn.net/weixin_59755109/article/details/124105783</a:t>
+            </a:r>
+          </a:p>
+          <a:p>
+            <a:pPr marL="0" indent="0">
+              <a:buNone/>
+            </a:pPr>
+            <a:r>
+              <a:rPr lang="zh-CN" altLang="en-US" sz="1800" dirty="0"/>
+              <a:t>建造者模式：</a:t>
+            </a:r>
+            <a:r>
+              <a:rPr lang="en-US" altLang="zh-CN" sz="1800" dirty="0">
+                <a:hlinkClick r:id="rId2"/>
+              </a:rPr>
+              <a:t>https://blog.csdn.net/weixin_45433817/article/details/131175862</a:t>
+            </a:r>
+            <a:endParaRPr lang="en-US" altLang="zh-CN" sz="1800" dirty="0"/>
+          </a:p>
+          <a:p>
+            <a:pPr marL="0" indent="0">
+              <a:buNone/>
+            </a:pPr>
+            <a:r>
+              <a:rPr lang="zh-CN" altLang="en-US" sz="1800" dirty="0"/>
+              <a:t>项目地址：</a:t>
+            </a:r>
+            <a:r>
+              <a:rPr lang="en-US" altLang="zh-CN" sz="1800" dirty="0"/>
+              <a:t>https://github.com/wzc506/mineswapper</a:t>
+            </a:r>
+            <a:endParaRPr lang="zh-CN" altLang="en-US" sz="1800" dirty="0"/>
           </a:p>
         </p:txBody>
       </p:sp>
     </p:spTree>
     <p:extLst>
       <p:ext uri="{BB962C8B-B14F-4D97-AF65-F5344CB8AC3E}">
-        <p14:creationId xmlns:p14="http://schemas.microsoft.com/office/powerpoint/2010/main" val="192070929"/>
+        <p14:creationId xmlns:p14="http://schemas.microsoft.com/office/powerpoint/2010/main" val="926487047"/>
       </p:ext>
     </p:extLst>
   </p:cSld>
@@ -14043,6 +13960,409 @@
       </p:grpSpPr>
       <p:sp>
         <p:nvSpPr>
+          <p:cNvPr id="2" name="Title 1">
+            <a:extLst>
+              <a:ext uri="{FF2B5EF4-FFF2-40B4-BE49-F238E27FC236}">
+                <a16:creationId xmlns:a16="http://schemas.microsoft.com/office/drawing/2014/main" id="{E7EFE43C-6009-55B7-3CD7-F576BE07EA00}"/>
+              </a:ext>
+            </a:extLst>
+          </p:cNvPr>
+          <p:cNvSpPr>
+            <a:spLocks noGrp="1"/>
+          </p:cNvSpPr>
+          <p:nvPr>
+            <p:ph type="title"/>
+          </p:nvPr>
+        </p:nvSpPr>
+        <p:spPr>
+          <a:xfrm>
+            <a:off x="660400" y="1130300"/>
+            <a:ext cx="6954838" cy="2934811"/>
+          </a:xfrm>
+        </p:spPr>
+        <p:txBody>
+          <a:bodyPr/>
+          <a:lstStyle/>
+          <a:p>
+            <a:pPr lvl="0"/>
+            <a:r>
+              <a:rPr lang="en-US"/>
+              <a:t>Thank you</a:t>
+            </a:r>
+          </a:p>
+        </p:txBody>
+      </p:sp>
+    </p:spTree>
+    <p:extLst>
+      <p:ext uri="{BB962C8B-B14F-4D97-AF65-F5344CB8AC3E}">
+        <p14:creationId xmlns:p14="http://schemas.microsoft.com/office/powerpoint/2010/main" val="4044793983"/>
+      </p:ext>
+    </p:extLst>
+  </p:cSld>
+  <p:clrMapOvr>
+    <a:masterClrMapping/>
+  </p:clrMapOvr>
+</p:sld>
+</file>
+
+<file path=ppt/slides/slide31.xml><?xml version="1.0" encoding="utf-8"?>
+<p:sld xmlns:a="http://schemas.openxmlformats.org/drawingml/2006/main" xmlns:r="http://schemas.openxmlformats.org/officeDocument/2006/relationships" xmlns:p="http://schemas.openxmlformats.org/presentationml/2006/main">
+  <p:cSld>
+    <p:spTree>
+      <p:nvGrpSpPr>
+        <p:cNvPr id="1" name=""/>
+        <p:cNvGrpSpPr/>
+        <p:nvPr/>
+      </p:nvGrpSpPr>
+      <p:grpSpPr>
+        <a:xfrm>
+          <a:off x="0" y="0"/>
+          <a:ext cx="0" cy="0"/>
+          <a:chOff x="0" y="0"/>
+          <a:chExt cx="0" cy="0"/>
+        </a:xfrm>
+      </p:grpSpPr>
+      <p:sp>
+        <p:nvSpPr>
+          <p:cNvPr id="2" name="标题 1">
+            <a:extLst>
+              <a:ext uri="{FF2B5EF4-FFF2-40B4-BE49-F238E27FC236}">
+                <a16:creationId xmlns:a16="http://schemas.microsoft.com/office/drawing/2014/main" id="{50D41DFF-1629-C20C-A9C2-083AFD257A66}"/>
+              </a:ext>
+            </a:extLst>
+          </p:cNvPr>
+          <p:cNvSpPr>
+            <a:spLocks noGrp="1"/>
+          </p:cNvSpPr>
+          <p:nvPr>
+            <p:ph type="title"/>
+          </p:nvPr>
+        </p:nvSpPr>
+        <p:spPr/>
+        <p:txBody>
+          <a:bodyPr/>
+          <a:lstStyle/>
+          <a:p>
+            <a:r>
+              <a:rPr lang="zh-CN" altLang="en-US" dirty="0"/>
+              <a:t>代码的主体框架分为三个包九个类</a:t>
+            </a:r>
+          </a:p>
+        </p:txBody>
+      </p:sp>
+      <p:pic>
+        <p:nvPicPr>
+          <p:cNvPr id="9" name="内容占位符 8" descr="图示&#10;&#10;AI 生成的内容可能不正确。">
+            <a:extLst>
+              <a:ext uri="{FF2B5EF4-FFF2-40B4-BE49-F238E27FC236}">
+                <a16:creationId xmlns:a16="http://schemas.microsoft.com/office/drawing/2014/main" id="{29878778-ED61-AD55-8FC4-F6D00A797FD9}"/>
+              </a:ext>
+            </a:extLst>
+          </p:cNvPr>
+          <p:cNvPicPr>
+            <a:picLocks noGrp="1" noChangeAspect="1"/>
+          </p:cNvPicPr>
+          <p:nvPr>
+            <p:ph idx="1"/>
+          </p:nvPr>
+        </p:nvPicPr>
+        <p:blipFill>
+          <a:blip r:embed="rId3">
+            <a:extLst>
+              <a:ext uri="{28A0092B-C50C-407E-A947-70E740481C1C}">
+                <a14:useLocalDpi xmlns:a14="http://schemas.microsoft.com/office/drawing/2010/main" val="0"/>
+              </a:ext>
+            </a:extLst>
+          </a:blip>
+          <a:stretch>
+            <a:fillRect/>
+          </a:stretch>
+        </p:blipFill>
+        <p:spPr>
+          <a:xfrm>
+            <a:off x="1034472" y="1321690"/>
+            <a:ext cx="5347855" cy="5541225"/>
+          </a:xfrm>
+        </p:spPr>
+      </p:pic>
+    </p:spTree>
+    <p:extLst>
+      <p:ext uri="{BB962C8B-B14F-4D97-AF65-F5344CB8AC3E}">
+        <p14:creationId xmlns:p14="http://schemas.microsoft.com/office/powerpoint/2010/main" val="1075705022"/>
+      </p:ext>
+    </p:extLst>
+  </p:cSld>
+  <p:clrMapOvr>
+    <a:masterClrMapping/>
+  </p:clrMapOvr>
+</p:sld>
+</file>
+
+<file path=ppt/slides/slide32.xml><?xml version="1.0" encoding="utf-8"?>
+<p:sld xmlns:a="http://schemas.openxmlformats.org/drawingml/2006/main" xmlns:r="http://schemas.openxmlformats.org/officeDocument/2006/relationships" xmlns:p="http://schemas.openxmlformats.org/presentationml/2006/main">
+  <p:cSld>
+    <p:spTree>
+      <p:nvGrpSpPr>
+        <p:cNvPr id="1" name=""/>
+        <p:cNvGrpSpPr/>
+        <p:nvPr/>
+      </p:nvGrpSpPr>
+      <p:grpSpPr>
+        <a:xfrm>
+          <a:off x="0" y="0"/>
+          <a:ext cx="0" cy="0"/>
+          <a:chOff x="0" y="0"/>
+          <a:chExt cx="0" cy="0"/>
+        </a:xfrm>
+      </p:grpSpPr>
+      <p:sp>
+        <p:nvSpPr>
+          <p:cNvPr id="2" name="标题 1">
+            <a:extLst>
+              <a:ext uri="{FF2B5EF4-FFF2-40B4-BE49-F238E27FC236}">
+                <a16:creationId xmlns:a16="http://schemas.microsoft.com/office/drawing/2014/main" id="{71144530-05A0-203A-B14F-9A742B34F97B}"/>
+              </a:ext>
+            </a:extLst>
+          </p:cNvPr>
+          <p:cNvSpPr>
+            <a:spLocks noGrp="1"/>
+          </p:cNvSpPr>
+          <p:nvPr>
+            <p:ph type="title"/>
+          </p:nvPr>
+        </p:nvSpPr>
+        <p:spPr/>
+        <p:txBody>
+          <a:bodyPr/>
+          <a:lstStyle/>
+          <a:p>
+            <a:r>
+              <a:rPr lang="zh-CN" altLang="en-US" dirty="0"/>
+              <a:t>三个包的作用</a:t>
+            </a:r>
+          </a:p>
+        </p:txBody>
+      </p:sp>
+      <p:sp>
+        <p:nvSpPr>
+          <p:cNvPr id="3" name="内容占位符 2">
+            <a:extLst>
+              <a:ext uri="{FF2B5EF4-FFF2-40B4-BE49-F238E27FC236}">
+                <a16:creationId xmlns:a16="http://schemas.microsoft.com/office/drawing/2014/main" id="{7648B93C-E3D9-6981-49A5-D693ACA6C4D0}"/>
+              </a:ext>
+            </a:extLst>
+          </p:cNvPr>
+          <p:cNvSpPr>
+            <a:spLocks noGrp="1"/>
+          </p:cNvSpPr>
+          <p:nvPr>
+            <p:ph idx="1"/>
+          </p:nvPr>
+        </p:nvSpPr>
+        <p:spPr/>
+        <p:txBody>
+          <a:bodyPr>
+            <a:normAutofit lnSpcReduction="10000"/>
+          </a:bodyPr>
+          <a:lstStyle/>
+          <a:p>
+            <a:r>
+              <a:rPr lang="en-US" altLang="zh-CN" dirty="0" err="1"/>
+              <a:t>GameDriver</a:t>
+            </a:r>
+            <a:r>
+              <a:rPr lang="en-US" altLang="zh-CN" dirty="0"/>
+              <a:t> </a:t>
+            </a:r>
+            <a:r>
+              <a:rPr lang="zh-CN" altLang="en-US" dirty="0"/>
+              <a:t>包</a:t>
+            </a:r>
+            <a:r>
+              <a:rPr lang="en-US" altLang="zh-CN" dirty="0"/>
+              <a:t>: </a:t>
+            </a:r>
+            <a:r>
+              <a:rPr lang="zh-CN" altLang="en-US" dirty="0"/>
+              <a:t>程序启动包。它包含了 </a:t>
+            </a:r>
+            <a:r>
+              <a:rPr lang="en-US" altLang="zh-CN" dirty="0"/>
+              <a:t>Driver.java </a:t>
+            </a:r>
+            <a:r>
+              <a:rPr lang="zh-CN" altLang="en-US" dirty="0"/>
+              <a:t>文件，其中的 </a:t>
+            </a:r>
+            <a:r>
+              <a:rPr lang="en-US" altLang="zh-CN" dirty="0"/>
+              <a:t>main </a:t>
+            </a:r>
+            <a:r>
+              <a:rPr lang="zh-CN" altLang="en-US" dirty="0"/>
+              <a:t>方法是整个</a:t>
+            </a:r>
+            <a:r>
+              <a:rPr lang="en-US" altLang="zh-CN" dirty="0"/>
+              <a:t>Java</a:t>
+            </a:r>
+            <a:r>
+              <a:rPr lang="zh-CN" altLang="en-US" dirty="0"/>
+              <a:t>应用程序的入口点。它的唯一职责就是创建 </a:t>
+            </a:r>
+            <a:r>
+              <a:rPr lang="en-US" altLang="zh-CN" dirty="0"/>
+              <a:t>Menu </a:t>
+            </a:r>
+            <a:r>
+              <a:rPr lang="zh-CN" altLang="en-US" dirty="0"/>
+              <a:t>对象，从而启动游戏。</a:t>
+            </a:r>
+            <a:endParaRPr lang="en-US" altLang="zh-CN" dirty="0"/>
+          </a:p>
+          <a:p>
+            <a:r>
+              <a:rPr lang="en-US" altLang="zh-CN" dirty="0" err="1"/>
+              <a:t>UserInterface</a:t>
+            </a:r>
+            <a:r>
+              <a:rPr lang="en-US" altLang="zh-CN" dirty="0"/>
+              <a:t> </a:t>
+            </a:r>
+            <a:r>
+              <a:rPr lang="zh-CN" altLang="en-US" dirty="0"/>
+              <a:t>包</a:t>
+            </a:r>
+            <a:r>
+              <a:rPr lang="en-US" altLang="zh-CN" dirty="0"/>
+              <a:t>:</a:t>
+            </a:r>
+            <a:r>
+              <a:rPr lang="zh-CN" altLang="en-US" dirty="0"/>
+              <a:t>作用</a:t>
+            </a:r>
+            <a:r>
+              <a:rPr lang="en-US" altLang="zh-CN" dirty="0"/>
+              <a:t>: </a:t>
+            </a:r>
+            <a:r>
+              <a:rPr lang="zh-CN" altLang="en-US" dirty="0"/>
+              <a:t>用户界面与交互包。这是项目的核心部分，包含了所有与图形用户界面相关的类，例如 </a:t>
+            </a:r>
+            <a:r>
+              <a:rPr lang="en-US" altLang="zh-CN" dirty="0"/>
+              <a:t>Menu</a:t>
+            </a:r>
+            <a:r>
+              <a:rPr lang="zh-CN" altLang="en-US" dirty="0"/>
+              <a:t>、</a:t>
+            </a:r>
+            <a:r>
+              <a:rPr lang="en-US" altLang="zh-CN" dirty="0" err="1"/>
+              <a:t>GameBoard</a:t>
+            </a:r>
+            <a:r>
+              <a:rPr lang="zh-CN" altLang="en-US" dirty="0"/>
+              <a:t>、</a:t>
+            </a:r>
+            <a:r>
+              <a:rPr lang="en-US" altLang="zh-CN" dirty="0" err="1"/>
+              <a:t>SmartSquare</a:t>
+            </a:r>
+            <a:r>
+              <a:rPr lang="zh-CN" altLang="en-US" dirty="0"/>
+              <a:t>。同时，它也包含了一些直接服务于界面的逻辑类，如 </a:t>
+            </a:r>
+            <a:r>
+              <a:rPr lang="en-US" altLang="zh-CN" dirty="0" err="1"/>
+              <a:t>ProduceBombs</a:t>
+            </a:r>
+            <a:r>
+              <a:rPr lang="zh-CN" altLang="en-US" dirty="0"/>
+              <a:t>和 </a:t>
+            </a:r>
+            <a:r>
+              <a:rPr lang="en-US" altLang="zh-CN" dirty="0" err="1"/>
+              <a:t>CheckSquare</a:t>
+            </a:r>
+            <a:r>
+              <a:rPr lang="zh-CN" altLang="en-US" dirty="0"/>
+              <a:t>这些类紧密地与界面交互。</a:t>
+            </a:r>
+            <a:endParaRPr lang="en-US" altLang="zh-CN" dirty="0"/>
+          </a:p>
+          <a:p>
+            <a:r>
+              <a:rPr lang="en-US" altLang="zh-CN" dirty="0"/>
+              <a:t>Library </a:t>
+            </a:r>
+            <a:r>
+              <a:rPr lang="zh-CN" altLang="en-US" dirty="0"/>
+              <a:t>包</a:t>
+            </a:r>
+            <a:r>
+              <a:rPr lang="en-US" altLang="zh-CN" dirty="0"/>
+              <a:t>: </a:t>
+            </a:r>
+            <a:r>
+              <a:rPr lang="zh-CN" altLang="en-US" dirty="0"/>
+              <a:t>通用功能库包。它提供了一些通用的、可被其他包复用的组件或工具。例如，</a:t>
+            </a:r>
+            <a:r>
+              <a:rPr lang="en-US" altLang="zh-CN" dirty="0" err="1"/>
+              <a:t>TimeChecker</a:t>
+            </a:r>
+            <a:r>
+              <a:rPr lang="en-US" altLang="zh-CN" dirty="0"/>
+              <a:t> </a:t>
+            </a:r>
+            <a:r>
+              <a:rPr lang="zh-CN" altLang="en-US" dirty="0"/>
+              <a:t>是一个时间格式化工具，而 </a:t>
+            </a:r>
+            <a:r>
+              <a:rPr lang="en-US" altLang="zh-CN" dirty="0"/>
+              <a:t>Bomb </a:t>
+            </a:r>
+            <a:r>
+              <a:rPr lang="zh-CN" altLang="en-US" dirty="0"/>
+              <a:t>是一个抽象基类，为地雷的生成提供了一个通用的模板。这个包旨在将一些基础或辅助功能与具体的界面逻辑分离开。</a:t>
+            </a:r>
+          </a:p>
+        </p:txBody>
+      </p:sp>
+    </p:spTree>
+    <p:extLst>
+      <p:ext uri="{BB962C8B-B14F-4D97-AF65-F5344CB8AC3E}">
+        <p14:creationId xmlns:p14="http://schemas.microsoft.com/office/powerpoint/2010/main" val="192070929"/>
+      </p:ext>
+    </p:extLst>
+  </p:cSld>
+  <p:clrMapOvr>
+    <a:masterClrMapping/>
+  </p:clrMapOvr>
+</p:sld>
+</file>
+
+<file path=ppt/slides/slide33.xml><?xml version="1.0" encoding="utf-8"?>
+<p:sld xmlns:a="http://schemas.openxmlformats.org/drawingml/2006/main" xmlns:r="http://schemas.openxmlformats.org/officeDocument/2006/relationships" xmlns:p="http://schemas.openxmlformats.org/presentationml/2006/main">
+  <p:cSld>
+    <p:spTree>
+      <p:nvGrpSpPr>
+        <p:cNvPr id="1" name=""/>
+        <p:cNvGrpSpPr/>
+        <p:nvPr/>
+      </p:nvGrpSpPr>
+      <p:grpSpPr>
+        <a:xfrm>
+          <a:off x="0" y="0"/>
+          <a:ext cx="0" cy="0"/>
+          <a:chOff x="0" y="0"/>
+          <a:chExt cx="0" cy="0"/>
+        </a:xfrm>
+      </p:grpSpPr>
+      <p:sp>
+        <p:nvSpPr>
           <p:cNvPr id="2" name="标题 1">
             <a:extLst>
               <a:ext uri="{FF2B5EF4-FFF2-40B4-BE49-F238E27FC236}">
@@ -14139,7 +14459,7 @@
 </p:sld>
 </file>
 
-<file path=ppt/slides/slide31.xml><?xml version="1.0" encoding="utf-8"?>
+<file path=ppt/slides/slide34.xml><?xml version="1.0" encoding="utf-8"?>
 <p:sld xmlns:a="http://schemas.openxmlformats.org/drawingml/2006/main" xmlns:r="http://schemas.openxmlformats.org/officeDocument/2006/relationships" xmlns:p="http://schemas.openxmlformats.org/presentationml/2006/main">
   <p:cSld>
     <p:spTree>
@@ -14302,7 +14622,7 @@
 </p:sld>
 </file>
 
-<file path=ppt/slides/slide32.xml><?xml version="1.0" encoding="utf-8"?>
+<file path=ppt/slides/slide35.xml><?xml version="1.0" encoding="utf-8"?>
 <p:sld xmlns:a="http://schemas.openxmlformats.org/drawingml/2006/main" xmlns:r="http://schemas.openxmlformats.org/officeDocument/2006/relationships" xmlns:p="http://schemas.openxmlformats.org/presentationml/2006/main">
   <p:cSld>
     <p:spTree>
@@ -14452,7 +14772,7 @@
 </p:sld>
 </file>
 
-<file path=ppt/slides/slide33.xml><?xml version="1.0" encoding="utf-8"?>
+<file path=ppt/slides/slide36.xml><?xml version="1.0" encoding="utf-8"?>
 <p:sld xmlns:a="http://schemas.openxmlformats.org/drawingml/2006/main" xmlns:r="http://schemas.openxmlformats.org/officeDocument/2006/relationships" xmlns:p="http://schemas.openxmlformats.org/presentationml/2006/main">
   <p:cSld>
     <p:spTree>
@@ -17535,7 +17855,7 @@
 
 <file path=ppt/theme/themeOverride20.xml><?xml version="1.0" encoding="utf-8"?>
 <a:themeOverride xmlns:a="http://schemas.openxmlformats.org/drawingml/2006/main">
-  <a:clrScheme name="Office">
+  <a:clrScheme name="iSlide">
     <a:dk1>
       <a:srgbClr val="000000"/>
     </a:dk1>
@@ -17749,6 +18069,49 @@
 </file>
 
 <file path=ppt/theme/themeOverride25.xml><?xml version="1.0" encoding="utf-8"?>
+<a:themeOverride xmlns:a="http://schemas.openxmlformats.org/drawingml/2006/main">
+  <a:clrScheme name="Office">
+    <a:dk1>
+      <a:srgbClr val="000000"/>
+    </a:dk1>
+    <a:lt1>
+      <a:srgbClr val="FFFFFF"/>
+    </a:lt1>
+    <a:dk2>
+      <a:srgbClr val="778495"/>
+    </a:dk2>
+    <a:lt2>
+      <a:srgbClr val="F0F0F0"/>
+    </a:lt2>
+    <a:accent1>
+      <a:srgbClr val="F84D4D"/>
+    </a:accent1>
+    <a:accent2>
+      <a:srgbClr val="FF6B42"/>
+    </a:accent2>
+    <a:accent3>
+      <a:srgbClr val="5BA3EB"/>
+    </a:accent3>
+    <a:accent4>
+      <a:srgbClr val="06BB9A"/>
+    </a:accent4>
+    <a:accent5>
+      <a:srgbClr val="8E7EF0"/>
+    </a:accent5>
+    <a:accent6>
+      <a:srgbClr val="F4B919"/>
+    </a:accent6>
+    <a:hlink>
+      <a:srgbClr val="4472C4"/>
+    </a:hlink>
+    <a:folHlink>
+      <a:srgbClr val="BFBFBF"/>
+    </a:folHlink>
+  </a:clrScheme>
+</a:themeOverride>
+</file>
+
+<file path=ppt/theme/themeOverride26.xml><?xml version="1.0" encoding="utf-8"?>
 <a:themeOverride xmlns:a="http://schemas.openxmlformats.org/drawingml/2006/main">
   <a:clrScheme name="Office">
     <a:dk1>

--- a/uml.pptx
+++ b/uml.pptx
@@ -6,45 +6,46 @@
     <p:sldMasterId id="2147483661" r:id="rId2"/>
   </p:sldMasterIdLst>
   <p:notesMasterIdLst>
-    <p:notesMasterId r:id="rId39"/>
+    <p:notesMasterId r:id="rId40"/>
   </p:notesMasterIdLst>
   <p:sldIdLst>
     <p:sldId id="256" r:id="rId3"/>
     <p:sldId id="280" r:id="rId4"/>
     <p:sldId id="274" r:id="rId5"/>
     <p:sldId id="268" r:id="rId6"/>
-    <p:sldId id="275" r:id="rId7"/>
-    <p:sldId id="266" r:id="rId8"/>
-    <p:sldId id="284" r:id="rId9"/>
-    <p:sldId id="267" r:id="rId10"/>
-    <p:sldId id="285" r:id="rId11"/>
-    <p:sldId id="281" r:id="rId12"/>
-    <p:sldId id="283" r:id="rId13"/>
-    <p:sldId id="276" r:id="rId14"/>
-    <p:sldId id="286" r:id="rId15"/>
-    <p:sldId id="287" r:id="rId16"/>
-    <p:sldId id="290" r:id="rId17"/>
-    <p:sldId id="289" r:id="rId18"/>
-    <p:sldId id="291" r:id="rId19"/>
-    <p:sldId id="292" r:id="rId20"/>
-    <p:sldId id="293" r:id="rId21"/>
-    <p:sldId id="294" r:id="rId22"/>
-    <p:sldId id="295" r:id="rId23"/>
-    <p:sldId id="277" r:id="rId24"/>
-    <p:sldId id="263" r:id="rId25"/>
-    <p:sldId id="296" r:id="rId26"/>
-    <p:sldId id="278" r:id="rId27"/>
-    <p:sldId id="264" r:id="rId28"/>
-    <p:sldId id="265" r:id="rId29"/>
-    <p:sldId id="297" r:id="rId30"/>
-    <p:sldId id="299" r:id="rId31"/>
-    <p:sldId id="279" r:id="rId32"/>
-    <p:sldId id="262" r:id="rId33"/>
-    <p:sldId id="261" r:id="rId34"/>
-    <p:sldId id="257" r:id="rId35"/>
-    <p:sldId id="258" r:id="rId36"/>
-    <p:sldId id="259" r:id="rId37"/>
-    <p:sldId id="260" r:id="rId38"/>
+    <p:sldId id="300" r:id="rId7"/>
+    <p:sldId id="275" r:id="rId8"/>
+    <p:sldId id="266" r:id="rId9"/>
+    <p:sldId id="284" r:id="rId10"/>
+    <p:sldId id="267" r:id="rId11"/>
+    <p:sldId id="285" r:id="rId12"/>
+    <p:sldId id="281" r:id="rId13"/>
+    <p:sldId id="283" r:id="rId14"/>
+    <p:sldId id="276" r:id="rId15"/>
+    <p:sldId id="286" r:id="rId16"/>
+    <p:sldId id="287" r:id="rId17"/>
+    <p:sldId id="290" r:id="rId18"/>
+    <p:sldId id="289" r:id="rId19"/>
+    <p:sldId id="291" r:id="rId20"/>
+    <p:sldId id="292" r:id="rId21"/>
+    <p:sldId id="293" r:id="rId22"/>
+    <p:sldId id="294" r:id="rId23"/>
+    <p:sldId id="295" r:id="rId24"/>
+    <p:sldId id="277" r:id="rId25"/>
+    <p:sldId id="263" r:id="rId26"/>
+    <p:sldId id="296" r:id="rId27"/>
+    <p:sldId id="278" r:id="rId28"/>
+    <p:sldId id="264" r:id="rId29"/>
+    <p:sldId id="265" r:id="rId30"/>
+    <p:sldId id="297" r:id="rId31"/>
+    <p:sldId id="299" r:id="rId32"/>
+    <p:sldId id="279" r:id="rId33"/>
+    <p:sldId id="262" r:id="rId34"/>
+    <p:sldId id="261" r:id="rId35"/>
+    <p:sldId id="257" r:id="rId36"/>
+    <p:sldId id="258" r:id="rId37"/>
+    <p:sldId id="259" r:id="rId38"/>
+    <p:sldId id="260" r:id="rId39"/>
   </p:sldIdLst>
   <p:sldSz cx="12192000" cy="6858000"/>
   <p:notesSz cx="6858000" cy="9144000"/>
@@ -233,7 +234,7 @@
           <a:p>
             <a:fld id="{55EDAE95-B47A-40F4-B88B-3211CDD72963}" type="datetimeFigureOut">
               <a:rPr lang="zh-CN" altLang="en-US" smtClean="0"/>
-              <a:t>2025/12/4</a:t>
+              <a:t>2025/12/7</a:t>
             </a:fld>
             <a:endParaRPr lang="zh-CN" altLang="en-US"/>
           </a:p>
@@ -647,7 +648,7 @@
           <a:p>
             <a:fld id="{49511754-73E3-4E6F-AF62-38683F8056B7}" type="datetimeFigureOut">
               <a:rPr lang="zh-CN" altLang="en-US" smtClean="0"/>
-              <a:t>2025/12/4</a:t>
+              <a:t>2025/12/7</a:t>
             </a:fld>
             <a:endParaRPr lang="zh-CN" altLang="en-US"/>
           </a:p>
@@ -845,7 +846,7 @@
           <a:p>
             <a:fld id="{49511754-73E3-4E6F-AF62-38683F8056B7}" type="datetimeFigureOut">
               <a:rPr lang="zh-CN" altLang="en-US" smtClean="0"/>
-              <a:t>2025/12/4</a:t>
+              <a:t>2025/12/7</a:t>
             </a:fld>
             <a:endParaRPr lang="zh-CN" altLang="en-US"/>
           </a:p>
@@ -1053,7 +1054,7 @@
           <a:p>
             <a:fld id="{49511754-73E3-4E6F-AF62-38683F8056B7}" type="datetimeFigureOut">
               <a:rPr lang="zh-CN" altLang="en-US" smtClean="0"/>
-              <a:t>2025/12/4</a:t>
+              <a:t>2025/12/7</a:t>
             </a:fld>
             <a:endParaRPr lang="zh-CN" altLang="en-US"/>
           </a:p>
@@ -4813,7 +4814,7 @@
           <a:p>
             <a:fld id="{49511754-73E3-4E6F-AF62-38683F8056B7}" type="datetimeFigureOut">
               <a:rPr lang="zh-CN" altLang="en-US" smtClean="0"/>
-              <a:t>2025/12/4</a:t>
+              <a:t>2025/12/7</a:t>
             </a:fld>
             <a:endParaRPr lang="zh-CN" altLang="en-US"/>
           </a:p>
@@ -5088,7 +5089,7 @@
           <a:p>
             <a:fld id="{49511754-73E3-4E6F-AF62-38683F8056B7}" type="datetimeFigureOut">
               <a:rPr lang="zh-CN" altLang="en-US" smtClean="0"/>
-              <a:t>2025/12/4</a:t>
+              <a:t>2025/12/7</a:t>
             </a:fld>
             <a:endParaRPr lang="zh-CN" altLang="en-US"/>
           </a:p>
@@ -5353,7 +5354,7 @@
           <a:p>
             <a:fld id="{49511754-73E3-4E6F-AF62-38683F8056B7}" type="datetimeFigureOut">
               <a:rPr lang="zh-CN" altLang="en-US" smtClean="0"/>
-              <a:t>2025/12/4</a:t>
+              <a:t>2025/12/7</a:t>
             </a:fld>
             <a:endParaRPr lang="zh-CN" altLang="en-US"/>
           </a:p>
@@ -5765,7 +5766,7 @@
           <a:p>
             <a:fld id="{49511754-73E3-4E6F-AF62-38683F8056B7}" type="datetimeFigureOut">
               <a:rPr lang="zh-CN" altLang="en-US" smtClean="0"/>
-              <a:t>2025/12/4</a:t>
+              <a:t>2025/12/7</a:t>
             </a:fld>
             <a:endParaRPr lang="zh-CN" altLang="en-US"/>
           </a:p>
@@ -5906,7 +5907,7 @@
           <a:p>
             <a:fld id="{49511754-73E3-4E6F-AF62-38683F8056B7}" type="datetimeFigureOut">
               <a:rPr lang="zh-CN" altLang="en-US" smtClean="0"/>
-              <a:t>2025/12/4</a:t>
+              <a:t>2025/12/7</a:t>
             </a:fld>
             <a:endParaRPr lang="zh-CN" altLang="en-US"/>
           </a:p>
@@ -6019,7 +6020,7 @@
           <a:p>
             <a:fld id="{49511754-73E3-4E6F-AF62-38683F8056B7}" type="datetimeFigureOut">
               <a:rPr lang="zh-CN" altLang="en-US" smtClean="0"/>
-              <a:t>2025/12/4</a:t>
+              <a:t>2025/12/7</a:t>
             </a:fld>
             <a:endParaRPr lang="zh-CN" altLang="en-US"/>
           </a:p>
@@ -6330,7 +6331,7 @@
           <a:p>
             <a:fld id="{49511754-73E3-4E6F-AF62-38683F8056B7}" type="datetimeFigureOut">
               <a:rPr lang="zh-CN" altLang="en-US" smtClean="0"/>
-              <a:t>2025/12/4</a:t>
+              <a:t>2025/12/7</a:t>
             </a:fld>
             <a:endParaRPr lang="zh-CN" altLang="en-US"/>
           </a:p>
@@ -6618,7 +6619,7 @@
           <a:p>
             <a:fld id="{49511754-73E3-4E6F-AF62-38683F8056B7}" type="datetimeFigureOut">
               <a:rPr lang="zh-CN" altLang="en-US" smtClean="0"/>
-              <a:t>2025/12/4</a:t>
+              <a:t>2025/12/7</a:t>
             </a:fld>
             <a:endParaRPr lang="zh-CN" altLang="en-US"/>
           </a:p>
@@ -6859,7 +6860,7 @@
           <a:p>
             <a:fld id="{49511754-73E3-4E6F-AF62-38683F8056B7}" type="datetimeFigureOut">
               <a:rPr lang="zh-CN" altLang="en-US" smtClean="0"/>
-              <a:t>2025/12/4</a:t>
+              <a:t>2025/12/7</a:t>
             </a:fld>
             <a:endParaRPr lang="zh-CN" altLang="en-US"/>
           </a:p>
@@ -7946,6 +7947,267 @@
       </p:grpSpPr>
       <p:sp>
         <p:nvSpPr>
+          <p:cNvPr id="3" name="内容占位符 2">
+            <a:extLst>
+              <a:ext uri="{FF2B5EF4-FFF2-40B4-BE49-F238E27FC236}">
+                <a16:creationId xmlns:a16="http://schemas.microsoft.com/office/drawing/2014/main" id="{B2DEC175-0E5A-C2DF-8326-24E8CAC038E8}"/>
+              </a:ext>
+            </a:extLst>
+          </p:cNvPr>
+          <p:cNvSpPr>
+            <a:spLocks noGrp="1"/>
+          </p:cNvSpPr>
+          <p:nvPr>
+            <p:ph idx="1"/>
+          </p:nvPr>
+        </p:nvSpPr>
+        <p:spPr>
+          <a:xfrm>
+            <a:off x="293254" y="907552"/>
+            <a:ext cx="5656673" cy="4994483"/>
+          </a:xfrm>
+        </p:spPr>
+        <p:txBody>
+          <a:bodyPr>
+            <a:normAutofit/>
+          </a:bodyPr>
+          <a:lstStyle/>
+          <a:p>
+            <a:pPr marL="0" indent="0">
+              <a:buNone/>
+            </a:pPr>
+            <a:r>
+              <a:rPr lang="en-US" altLang="zh-CN" sz="1800" dirty="0" err="1"/>
+              <a:t>GameBoard</a:t>
+            </a:r>
+            <a:r>
+              <a:rPr lang="en-US" altLang="zh-CN" sz="1800" dirty="0"/>
+              <a:t> </a:t>
+            </a:r>
+            <a:r>
+              <a:rPr lang="zh-CN" altLang="en-US" sz="1800" dirty="0"/>
+              <a:t>作为按钮点击的观察者</a:t>
+            </a:r>
+          </a:p>
+          <a:p>
+            <a:pPr marL="0" indent="0">
+              <a:buNone/>
+            </a:pPr>
+            <a:r>
+              <a:rPr lang="en-US" altLang="zh-CN" sz="1800" dirty="0"/>
+              <a:t>GameBoard.java </a:t>
+            </a:r>
+            <a:r>
+              <a:rPr lang="zh-CN" altLang="en-US" sz="1800" dirty="0"/>
+              <a:t>中：</a:t>
+            </a:r>
+            <a:endParaRPr lang="en-US" altLang="zh-CN" sz="1800" dirty="0"/>
+          </a:p>
+          <a:p>
+            <a:pPr marL="0" indent="0">
+              <a:buNone/>
+            </a:pPr>
+            <a:r>
+              <a:rPr lang="en-US" altLang="zh-CN" sz="1800" dirty="0"/>
+              <a:t>    Subject</a:t>
+            </a:r>
+            <a:r>
+              <a:rPr lang="zh-CN" altLang="en-US" sz="1800" dirty="0"/>
+              <a:t>（被观察者）：每一个 </a:t>
+            </a:r>
+            <a:r>
+              <a:rPr lang="en-US" altLang="zh-CN" sz="1800" dirty="0" err="1"/>
+              <a:t>GameSquare</a:t>
+            </a:r>
+            <a:r>
+              <a:rPr lang="en-US" altLang="zh-CN" sz="1800" dirty="0"/>
+              <a:t> / </a:t>
+            </a:r>
+            <a:r>
+              <a:rPr lang="en-US" altLang="zh-CN" sz="1800" dirty="0" err="1"/>
+              <a:t>SmartSquare</a:t>
+            </a:r>
+            <a:r>
+              <a:rPr lang="en-US" altLang="zh-CN" sz="1800" dirty="0"/>
+              <a:t> </a:t>
+            </a:r>
+            <a:r>
+              <a:rPr lang="zh-CN" altLang="en-US" sz="1800" dirty="0"/>
+              <a:t>按钮。</a:t>
+            </a:r>
+          </a:p>
+          <a:p>
+            <a:pPr marL="0" indent="0">
+              <a:buNone/>
+            </a:pPr>
+            <a:r>
+              <a:rPr lang="en-US" altLang="zh-CN" sz="1800" dirty="0"/>
+              <a:t>    Observer</a:t>
+            </a:r>
+            <a:r>
+              <a:rPr lang="zh-CN" altLang="en-US" sz="1800" dirty="0"/>
+              <a:t>（观察者）：</a:t>
+            </a:r>
+            <a:r>
+              <a:rPr lang="en-US" altLang="zh-CN" sz="1800" dirty="0" err="1"/>
+              <a:t>GameBoard</a:t>
+            </a:r>
+            <a:r>
+              <a:rPr lang="zh-CN" altLang="en-US" sz="1800" dirty="0"/>
+              <a:t>，实现了 </a:t>
+            </a:r>
+            <a:r>
+              <a:rPr lang="en-US" altLang="zh-CN" sz="1800" dirty="0"/>
+              <a:t>ActionListener</a:t>
+            </a:r>
+            <a:r>
+              <a:rPr lang="zh-CN" altLang="en-US" sz="1800" dirty="0"/>
+              <a:t>。</a:t>
+            </a:r>
+          </a:p>
+          <a:p>
+            <a:pPr marL="0" indent="0">
+              <a:buNone/>
+            </a:pPr>
+            <a:r>
+              <a:rPr lang="zh-CN" altLang="en-US" sz="1800" dirty="0"/>
+              <a:t>    订阅关系：</a:t>
+            </a:r>
+            <a:r>
+              <a:rPr lang="en-US" altLang="zh-CN" sz="1800" dirty="0"/>
+              <a:t>board[x][y].</a:t>
+            </a:r>
+            <a:r>
+              <a:rPr lang="en-US" altLang="zh-CN" sz="1800" dirty="0" err="1"/>
+              <a:t>addActionListener</a:t>
+            </a:r>
+            <a:r>
+              <a:rPr lang="en-US" altLang="zh-CN" sz="1800" dirty="0"/>
+              <a:t>(this);</a:t>
+            </a:r>
+          </a:p>
+          <a:p>
+            <a:pPr marL="0" indent="0">
+              <a:buNone/>
+            </a:pPr>
+            <a:r>
+              <a:rPr lang="zh-CN" altLang="en-US" sz="1800" dirty="0"/>
+              <a:t>    表示“棋盘”订阅了每一个格子的点击事件。</a:t>
+            </a:r>
+          </a:p>
+          <a:p>
+            <a:pPr marL="0" indent="0">
+              <a:buNone/>
+            </a:pPr>
+            <a:r>
+              <a:rPr lang="zh-CN" altLang="en-US" sz="1800" dirty="0"/>
+              <a:t>    通知机制：当按钮被点击时，</a:t>
+            </a:r>
+            <a:r>
+              <a:rPr lang="en-US" altLang="zh-CN" sz="1800" dirty="0"/>
+              <a:t>Swing </a:t>
+            </a:r>
+            <a:r>
+              <a:rPr lang="zh-CN" altLang="en-US" sz="1800" dirty="0"/>
+              <a:t>框架调用 </a:t>
+            </a:r>
+            <a:r>
+              <a:rPr lang="en-US" altLang="zh-CN" sz="1800" dirty="0" err="1"/>
+              <a:t>actionPerformed</a:t>
+            </a:r>
+            <a:r>
+              <a:rPr lang="en-US" altLang="zh-CN" sz="1800" dirty="0"/>
+              <a:t>(</a:t>
+            </a:r>
+            <a:r>
+              <a:rPr lang="en-US" altLang="zh-CN" sz="1800" dirty="0" err="1"/>
+              <a:t>ActionEvent</a:t>
+            </a:r>
+            <a:r>
+              <a:rPr lang="en-US" altLang="zh-CN" sz="1800" dirty="0"/>
+              <a:t> e)</a:t>
+            </a:r>
+            <a:r>
+              <a:rPr lang="zh-CN" altLang="en-US" sz="1800" dirty="0"/>
+              <a:t>，</a:t>
+            </a:r>
+            <a:r>
+              <a:rPr lang="en-US" altLang="zh-CN" sz="1800" dirty="0" err="1"/>
+              <a:t>GameBoard</a:t>
+            </a:r>
+            <a:r>
+              <a:rPr lang="en-US" altLang="zh-CN" sz="1800" dirty="0"/>
+              <a:t> </a:t>
+            </a:r>
+            <a:r>
+              <a:rPr lang="zh-CN" altLang="en-US" sz="1800" dirty="0"/>
+              <a:t>就会被回调，这就是典型的“被观察者状态变化 → 通知观察者”的过程。</a:t>
+            </a:r>
+          </a:p>
+        </p:txBody>
+      </p:sp>
+      <p:pic>
+        <p:nvPicPr>
+          <p:cNvPr id="4" name="图片 3">
+            <a:extLst>
+              <a:ext uri="{FF2B5EF4-FFF2-40B4-BE49-F238E27FC236}">
+                <a16:creationId xmlns:a16="http://schemas.microsoft.com/office/drawing/2014/main" id="{111B27FE-441F-78CC-F97B-08AE451CFA51}"/>
+              </a:ext>
+            </a:extLst>
+          </p:cNvPr>
+          <p:cNvPicPr>
+            <a:picLocks noChangeAspect="1"/>
+          </p:cNvPicPr>
+          <p:nvPr/>
+        </p:nvPicPr>
+        <p:blipFill>
+          <a:blip r:embed="rId3"/>
+          <a:stretch>
+            <a:fillRect/>
+          </a:stretch>
+        </p:blipFill>
+        <p:spPr>
+          <a:xfrm>
+            <a:off x="6242073" y="713588"/>
+            <a:ext cx="5377273" cy="5569007"/>
+          </a:xfrm>
+          <a:prstGeom prst="rect">
+            <a:avLst/>
+          </a:prstGeom>
+        </p:spPr>
+      </p:pic>
+    </p:spTree>
+    <p:extLst>
+      <p:ext uri="{BB962C8B-B14F-4D97-AF65-F5344CB8AC3E}">
+        <p14:creationId xmlns:p14="http://schemas.microsoft.com/office/powerpoint/2010/main" val="2862629721"/>
+      </p:ext>
+    </p:extLst>
+  </p:cSld>
+  <p:clrMapOvr>
+    <a:masterClrMapping/>
+  </p:clrMapOvr>
+</p:sld>
+</file>
+
+<file path=ppt/slides/slide11.xml><?xml version="1.0" encoding="utf-8"?>
+<p:sld xmlns:a="http://schemas.openxmlformats.org/drawingml/2006/main" xmlns:r="http://schemas.openxmlformats.org/officeDocument/2006/relationships" xmlns:p="http://schemas.openxmlformats.org/presentationml/2006/main">
+  <p:cSld>
+    <p:spTree>
+      <p:nvGrpSpPr>
+        <p:cNvPr id="1" name=""/>
+        <p:cNvGrpSpPr/>
+        <p:nvPr/>
+      </p:nvGrpSpPr>
+      <p:grpSpPr>
+        <a:xfrm>
+          <a:off x="0" y="0"/>
+          <a:ext cx="0" cy="0"/>
+          <a:chOff x="0" y="0"/>
+          <a:chExt cx="0" cy="0"/>
+        </a:xfrm>
+      </p:grpSpPr>
+      <p:sp>
+        <p:nvSpPr>
           <p:cNvPr id="2" name="标题 1">
             <a:extLst>
               <a:ext uri="{FF2B5EF4-FFF2-40B4-BE49-F238E27FC236}">
@@ -8305,7 +8567,7 @@
 </p:sld>
 </file>
 
-<file path=ppt/slides/slide11.xml><?xml version="1.0" encoding="utf-8"?>
+<file path=ppt/slides/slide12.xml><?xml version="1.0" encoding="utf-8"?>
 <p:sld xmlns:a="http://schemas.openxmlformats.org/drawingml/2006/main" xmlns:r="http://schemas.openxmlformats.org/officeDocument/2006/relationships" xmlns:p="http://schemas.openxmlformats.org/presentationml/2006/main">
   <p:cSld>
     <p:spTree>
@@ -8687,7 +8949,7 @@
 </p:sld>
 </file>
 
-<file path=ppt/slides/slide12.xml><?xml version="1.0" encoding="utf-8"?>
+<file path=ppt/slides/slide13.xml><?xml version="1.0" encoding="utf-8"?>
 <p:sld xmlns:a="http://schemas.openxmlformats.org/drawingml/2006/main" xmlns:r="http://schemas.openxmlformats.org/officeDocument/2006/relationships" xmlns:p="http://schemas.openxmlformats.org/presentationml/2006/main">
   <p:cSld>
     <p:spTree>
@@ -8816,7 +9078,7 @@
                 <a:tabLst/>
                 <a:defRPr/>
               </a:pPr>
-              <a:t>12</a:t>
+              <a:t>13</a:t>
             </a:fld>
             <a:endParaRPr kumimoji="0" lang="en-US" sz="1000" b="0" i="0" u="none" strike="noStrike" kern="1200" cap="none" spc="0" normalizeH="0" baseline="0" noProof="0">
               <a:ln>
@@ -8850,7 +9112,7 @@
 </p:sld>
 </file>
 
-<file path=ppt/slides/slide13.xml><?xml version="1.0" encoding="utf-8"?>
+<file path=ppt/slides/slide14.xml><?xml version="1.0" encoding="utf-8"?>
 <p:sld xmlns:a="http://schemas.openxmlformats.org/drawingml/2006/main" xmlns:r="http://schemas.openxmlformats.org/officeDocument/2006/relationships" xmlns:p="http://schemas.openxmlformats.org/presentationml/2006/main">
   <p:cSld>
     <p:spTree>
@@ -9798,7 +10060,7 @@
 </p:sld>
 </file>
 
-<file path=ppt/slides/slide14.xml><?xml version="1.0" encoding="utf-8"?>
+<file path=ppt/slides/slide15.xml><?xml version="1.0" encoding="utf-8"?>
 <p:sld xmlns:a="http://schemas.openxmlformats.org/drawingml/2006/main" xmlns:r="http://schemas.openxmlformats.org/officeDocument/2006/relationships" xmlns:p="http://schemas.openxmlformats.org/presentationml/2006/main">
   <p:cSld>
     <p:spTree>
@@ -10286,7 +10548,7 @@
 </p:sld>
 </file>
 
-<file path=ppt/slides/slide15.xml><?xml version="1.0" encoding="utf-8"?>
+<file path=ppt/slides/slide16.xml><?xml version="1.0" encoding="utf-8"?>
 <p:sld xmlns:a="http://schemas.openxmlformats.org/drawingml/2006/main" xmlns:r="http://schemas.openxmlformats.org/officeDocument/2006/relationships" xmlns:p="http://schemas.openxmlformats.org/presentationml/2006/main">
   <p:cSld>
     <p:spTree>
@@ -10343,10 +10605,10 @@
       </p:sp>
       <p:pic>
         <p:nvPicPr>
-          <p:cNvPr id="2" name="图片 1">
+          <p:cNvPr id="3" name="图片 2">
             <a:extLst>
               <a:ext uri="{FF2B5EF4-FFF2-40B4-BE49-F238E27FC236}">
-                <a16:creationId xmlns:a16="http://schemas.microsoft.com/office/drawing/2014/main" id="{5D6F5B6A-7C4B-D6B3-3DBB-486B75E20A1C}"/>
+                <a16:creationId xmlns:a16="http://schemas.microsoft.com/office/drawing/2014/main" id="{ACD46A58-999C-5FF6-5A48-174B299DDE08}"/>
               </a:ext>
             </a:extLst>
           </p:cNvPr>
@@ -10363,20 +10625,73 @@
         </p:blipFill>
         <p:spPr>
           <a:xfrm>
-            <a:off x="444461" y="1342017"/>
-            <a:ext cx="4267796" cy="4696480"/>
+            <a:off x="5202878" y="1342017"/>
+            <a:ext cx="4286848" cy="4658375"/>
           </a:xfrm>
           <a:prstGeom prst="rect">
             <a:avLst/>
           </a:prstGeom>
         </p:spPr>
       </p:pic>
+      <p:sp>
+        <p:nvSpPr>
+          <p:cNvPr id="4" name="文本框 3">
+            <a:extLst>
+              <a:ext uri="{FF2B5EF4-FFF2-40B4-BE49-F238E27FC236}">
+                <a16:creationId xmlns:a16="http://schemas.microsoft.com/office/drawing/2014/main" id="{BF1604F8-B818-9F7D-5D1F-FF9470D61500}"/>
+              </a:ext>
+            </a:extLst>
+          </p:cNvPr>
+          <p:cNvSpPr txBox="1"/>
+          <p:nvPr/>
+        </p:nvSpPr>
+        <p:spPr>
+          <a:xfrm>
+            <a:off x="9741159" y="1342017"/>
+            <a:ext cx="2262158" cy="923330"/>
+          </a:xfrm>
+          <a:prstGeom prst="rect">
+            <a:avLst/>
+          </a:prstGeom>
+          <a:noFill/>
+        </p:spPr>
+        <p:txBody>
+          <a:bodyPr wrap="none" rtlCol="0">
+            <a:spAutoFit/>
+          </a:bodyPr>
+          <a:lstStyle/>
+          <a:p>
+            <a:r>
+              <a:rPr lang="zh-CN" altLang="en-US" dirty="0"/>
+              <a:t>记录每个模式前十的</a:t>
+            </a:r>
+            <a:endParaRPr lang="en-US" altLang="zh-CN" dirty="0"/>
+          </a:p>
+          <a:p>
+            <a:r>
+              <a:rPr lang="zh-CN" altLang="en-US" dirty="0"/>
+              <a:t>成绩，成绩记录在</a:t>
+            </a:r>
+            <a:endParaRPr lang="en-US" altLang="zh-CN" dirty="0"/>
+          </a:p>
+          <a:p>
+            <a:r>
+              <a:rPr lang="en-US" altLang="zh-CN" dirty="0"/>
+              <a:t>Records.dat</a:t>
+            </a:r>
+            <a:r>
+              <a:rPr lang="zh-CN" altLang="en-US" dirty="0"/>
+              <a:t>文件中</a:t>
+            </a:r>
+          </a:p>
+        </p:txBody>
+      </p:sp>
       <p:pic>
         <p:nvPicPr>
-          <p:cNvPr id="3" name="图片 2">
+          <p:cNvPr id="5" name="图片 4">
             <a:extLst>
               <a:ext uri="{FF2B5EF4-FFF2-40B4-BE49-F238E27FC236}">
-                <a16:creationId xmlns:a16="http://schemas.microsoft.com/office/drawing/2014/main" id="{ACD46A58-999C-5FF6-5A48-174B299DDE08}"/>
+                <a16:creationId xmlns:a16="http://schemas.microsoft.com/office/drawing/2014/main" id="{549CBDEC-59C8-A416-18F8-6BB4CB2F3B78}"/>
               </a:ext>
             </a:extLst>
           </p:cNvPr>
@@ -10393,8 +10708,8 @@
         </p:blipFill>
         <p:spPr>
           <a:xfrm>
-            <a:off x="5202878" y="1342017"/>
-            <a:ext cx="4286848" cy="4658375"/>
+            <a:off x="733156" y="1342017"/>
+            <a:ext cx="4344006" cy="4696480"/>
           </a:xfrm>
           <a:prstGeom prst="rect">
             <a:avLst/>
@@ -10414,7 +10729,7 @@
 </p:sld>
 </file>
 
-<file path=ppt/slides/slide16.xml><?xml version="1.0" encoding="utf-8"?>
+<file path=ppt/slides/slide17.xml><?xml version="1.0" encoding="utf-8"?>
 <p:sld xmlns:a="http://schemas.openxmlformats.org/drawingml/2006/main" xmlns:r="http://schemas.openxmlformats.org/officeDocument/2006/relationships" xmlns:p="http://schemas.openxmlformats.org/presentationml/2006/main">
   <p:cSld>
     <p:spTree>
@@ -10703,7 +11018,7 @@
 </p:sld>
 </file>
 
-<file path=ppt/slides/slide17.xml><?xml version="1.0" encoding="utf-8"?>
+<file path=ppt/slides/slide18.xml><?xml version="1.0" encoding="utf-8"?>
 <p:sld xmlns:a="http://schemas.openxmlformats.org/drawingml/2006/main" xmlns:r="http://schemas.openxmlformats.org/officeDocument/2006/relationships" xmlns:p="http://schemas.openxmlformats.org/presentationml/2006/main">
   <p:cSld>
     <p:spTree>
@@ -11084,7 +11399,7 @@
 </p:sld>
 </file>
 
-<file path=ppt/slides/slide18.xml><?xml version="1.0" encoding="utf-8"?>
+<file path=ppt/slides/slide19.xml><?xml version="1.0" encoding="utf-8"?>
 <p:sld xmlns:a="http://schemas.openxmlformats.org/drawingml/2006/main" xmlns:r="http://schemas.openxmlformats.org/officeDocument/2006/relationships" xmlns:p="http://schemas.openxmlformats.org/presentationml/2006/main">
   <p:cSld>
     <p:spTree>
@@ -11327,7 +11642,165 @@
 </p:sld>
 </file>
 
-<file path=ppt/slides/slide19.xml><?xml version="1.0" encoding="utf-8"?>
+<file path=ppt/slides/slide2.xml><?xml version="1.0" encoding="utf-8"?>
+<p:sld xmlns:a="http://schemas.openxmlformats.org/drawingml/2006/main" xmlns:r="http://schemas.openxmlformats.org/officeDocument/2006/relationships" xmlns:p="http://schemas.openxmlformats.org/presentationml/2006/main">
+  <p:cSld>
+    <p:spTree>
+      <p:nvGrpSpPr>
+        <p:cNvPr id="1" name=""/>
+        <p:cNvGrpSpPr/>
+        <p:nvPr/>
+      </p:nvGrpSpPr>
+      <p:grpSpPr>
+        <a:xfrm>
+          <a:off x="0" y="0"/>
+          <a:ext cx="0" cy="0"/>
+          <a:chOff x="0" y="0"/>
+          <a:chExt cx="0" cy="0"/>
+        </a:xfrm>
+      </p:grpSpPr>
+      <p:sp>
+        <p:nvSpPr>
+          <p:cNvPr id="2" name="Title 1">
+            <a:extLst>
+              <a:ext uri="{FF2B5EF4-FFF2-40B4-BE49-F238E27FC236}">
+                <a16:creationId xmlns:a16="http://schemas.microsoft.com/office/drawing/2014/main" id="{DC824AA1-09D7-EC3A-301E-028F418A25B3}"/>
+              </a:ext>
+            </a:extLst>
+          </p:cNvPr>
+          <p:cNvSpPr>
+            <a:spLocks noGrp="1"/>
+          </p:cNvSpPr>
+          <p:nvPr>
+            <p:ph type="title"/>
+          </p:nvPr>
+        </p:nvSpPr>
+        <p:spPr>
+          <a:xfrm>
+            <a:off x="660400" y="1500187"/>
+            <a:ext cx="2836562" cy="915667"/>
+          </a:xfrm>
+        </p:spPr>
+        <p:txBody>
+          <a:bodyPr/>
+          <a:lstStyle/>
+          <a:p>
+            <a:pPr lvl="0"/>
+            <a:r>
+              <a:rPr lang="en-US"/>
+              <a:t>Agenda</a:t>
+            </a:r>
+          </a:p>
+        </p:txBody>
+      </p:sp>
+      <p:sp>
+        <p:nvSpPr>
+          <p:cNvPr id="3" name="Content Placeholder 2">
+            <a:extLst>
+              <a:ext uri="{FF2B5EF4-FFF2-40B4-BE49-F238E27FC236}">
+                <a16:creationId xmlns:a16="http://schemas.microsoft.com/office/drawing/2014/main" id="{94C7ACB6-4040-4F8E-DAE4-CD916FCA3B1A}"/>
+              </a:ext>
+            </a:extLst>
+          </p:cNvPr>
+          <p:cNvSpPr>
+            <a:spLocks noGrp="1"/>
+          </p:cNvSpPr>
+          <p:nvPr>
+            <p:ph sz="quarter" idx="1"/>
+          </p:nvPr>
+        </p:nvSpPr>
+        <p:spPr>
+          <a:xfrm>
+            <a:off x="3745078" y="1500188"/>
+            <a:ext cx="7773821" cy="4633912"/>
+          </a:xfrm>
+        </p:spPr>
+        <p:txBody>
+          <a:bodyPr/>
+          <a:lstStyle/>
+          <a:p>
+            <a:pPr lvl="0"/>
+            <a:r>
+              <a:rPr lang="zh-CN" altLang="en-US" dirty="0"/>
+              <a:t>修改前后的类图</a:t>
+            </a:r>
+            <a:endParaRPr lang="en-US" dirty="0"/>
+          </a:p>
+          <a:p>
+            <a:pPr lvl="0"/>
+            <a:r>
+              <a:rPr lang="zh-CN" altLang="en-US" dirty="0"/>
+              <a:t>在原有基础上的修改</a:t>
+            </a:r>
+            <a:endParaRPr lang="en-US" dirty="0"/>
+          </a:p>
+          <a:p>
+            <a:pPr lvl="0"/>
+            <a:r>
+              <a:rPr lang="zh-CN" altLang="en-US" dirty="0"/>
+              <a:t>一些新增的内容</a:t>
+            </a:r>
+            <a:endParaRPr lang="en-US" altLang="zh-CN" dirty="0"/>
+          </a:p>
+          <a:p>
+            <a:pPr lvl="0"/>
+            <a:r>
+              <a:rPr lang="zh-CN" altLang="en-US" dirty="0"/>
+              <a:t>主要运行界面</a:t>
+            </a:r>
+            <a:endParaRPr lang="en-US" dirty="0"/>
+          </a:p>
+        </p:txBody>
+      </p:sp>
+      <p:sp>
+        <p:nvSpPr>
+          <p:cNvPr id="4" name="Slide Number Placeholder 3">
+            <a:extLst>
+              <a:ext uri="{FF2B5EF4-FFF2-40B4-BE49-F238E27FC236}">
+                <a16:creationId xmlns:a16="http://schemas.microsoft.com/office/drawing/2014/main" id="{9C40017B-9BDF-5D77-335B-2FE0EAEE92E6}"/>
+              </a:ext>
+            </a:extLst>
+          </p:cNvPr>
+          <p:cNvSpPr>
+            <a:spLocks noGrp="1"/>
+          </p:cNvSpPr>
+          <p:nvPr>
+            <p:ph type="sldNum" sz="quarter" idx="12"/>
+          </p:nvPr>
+        </p:nvSpPr>
+        <p:spPr>
+          <a:xfrm>
+            <a:off x="7861300" y="6409690"/>
+            <a:ext cx="3657600" cy="274320"/>
+          </a:xfrm>
+        </p:spPr>
+        <p:txBody>
+          <a:bodyPr/>
+          <a:lstStyle/>
+          <a:p>
+            <a:fld id="{C8BB1146-E542-4D4E-B8E9-6919A11DDD48}" type="slidenum">
+              <a:rPr lang="en-US" smtClean="0"/>
+              <a:pPr/>
+              <a:t>2</a:t>
+            </a:fld>
+            <a:endParaRPr lang="en-US" dirty="0"/>
+          </a:p>
+        </p:txBody>
+      </p:sp>
+    </p:spTree>
+    <p:extLst>
+      <p:ext uri="{BB962C8B-B14F-4D97-AF65-F5344CB8AC3E}">
+        <p14:creationId xmlns:p14="http://schemas.microsoft.com/office/powerpoint/2010/main" val="3361711315"/>
+      </p:ext>
+    </p:extLst>
+  </p:cSld>
+  <p:clrMapOvr>
+    <a:masterClrMapping/>
+  </p:clrMapOvr>
+</p:sld>
+</file>
+
+<file path=ppt/slides/slide20.xml><?xml version="1.0" encoding="utf-8"?>
 <p:sld xmlns:a="http://schemas.openxmlformats.org/drawingml/2006/main" xmlns:r="http://schemas.openxmlformats.org/officeDocument/2006/relationships" xmlns:p="http://schemas.openxmlformats.org/presentationml/2006/main">
   <p:cSld>
     <p:spTree>
@@ -11656,165 +12129,7 @@
 </p:sld>
 </file>
 
-<file path=ppt/slides/slide2.xml><?xml version="1.0" encoding="utf-8"?>
-<p:sld xmlns:a="http://schemas.openxmlformats.org/drawingml/2006/main" xmlns:r="http://schemas.openxmlformats.org/officeDocument/2006/relationships" xmlns:p="http://schemas.openxmlformats.org/presentationml/2006/main">
-  <p:cSld>
-    <p:spTree>
-      <p:nvGrpSpPr>
-        <p:cNvPr id="1" name=""/>
-        <p:cNvGrpSpPr/>
-        <p:nvPr/>
-      </p:nvGrpSpPr>
-      <p:grpSpPr>
-        <a:xfrm>
-          <a:off x="0" y="0"/>
-          <a:ext cx="0" cy="0"/>
-          <a:chOff x="0" y="0"/>
-          <a:chExt cx="0" cy="0"/>
-        </a:xfrm>
-      </p:grpSpPr>
-      <p:sp>
-        <p:nvSpPr>
-          <p:cNvPr id="2" name="Title 1">
-            <a:extLst>
-              <a:ext uri="{FF2B5EF4-FFF2-40B4-BE49-F238E27FC236}">
-                <a16:creationId xmlns:a16="http://schemas.microsoft.com/office/drawing/2014/main" id="{DC824AA1-09D7-EC3A-301E-028F418A25B3}"/>
-              </a:ext>
-            </a:extLst>
-          </p:cNvPr>
-          <p:cNvSpPr>
-            <a:spLocks noGrp="1"/>
-          </p:cNvSpPr>
-          <p:nvPr>
-            <p:ph type="title"/>
-          </p:nvPr>
-        </p:nvSpPr>
-        <p:spPr>
-          <a:xfrm>
-            <a:off x="660400" y="1500187"/>
-            <a:ext cx="2836562" cy="915667"/>
-          </a:xfrm>
-        </p:spPr>
-        <p:txBody>
-          <a:bodyPr/>
-          <a:lstStyle/>
-          <a:p>
-            <a:pPr lvl="0"/>
-            <a:r>
-              <a:rPr lang="en-US"/>
-              <a:t>Agenda</a:t>
-            </a:r>
-          </a:p>
-        </p:txBody>
-      </p:sp>
-      <p:sp>
-        <p:nvSpPr>
-          <p:cNvPr id="3" name="Content Placeholder 2">
-            <a:extLst>
-              <a:ext uri="{FF2B5EF4-FFF2-40B4-BE49-F238E27FC236}">
-                <a16:creationId xmlns:a16="http://schemas.microsoft.com/office/drawing/2014/main" id="{94C7ACB6-4040-4F8E-DAE4-CD916FCA3B1A}"/>
-              </a:ext>
-            </a:extLst>
-          </p:cNvPr>
-          <p:cNvSpPr>
-            <a:spLocks noGrp="1"/>
-          </p:cNvSpPr>
-          <p:nvPr>
-            <p:ph sz="quarter" idx="1"/>
-          </p:nvPr>
-        </p:nvSpPr>
-        <p:spPr>
-          <a:xfrm>
-            <a:off x="3745078" y="1500188"/>
-            <a:ext cx="7773821" cy="4633912"/>
-          </a:xfrm>
-        </p:spPr>
-        <p:txBody>
-          <a:bodyPr/>
-          <a:lstStyle/>
-          <a:p>
-            <a:pPr lvl="0"/>
-            <a:r>
-              <a:rPr lang="zh-CN" altLang="en-US" dirty="0"/>
-              <a:t>修改前后的类图</a:t>
-            </a:r>
-            <a:endParaRPr lang="en-US" dirty="0"/>
-          </a:p>
-          <a:p>
-            <a:pPr lvl="0"/>
-            <a:r>
-              <a:rPr lang="zh-CN" altLang="en-US" dirty="0"/>
-              <a:t>在原有基础上的修改</a:t>
-            </a:r>
-            <a:endParaRPr lang="en-US" dirty="0"/>
-          </a:p>
-          <a:p>
-            <a:pPr lvl="0"/>
-            <a:r>
-              <a:rPr lang="zh-CN" altLang="en-US" dirty="0"/>
-              <a:t>一些新增的内容</a:t>
-            </a:r>
-            <a:endParaRPr lang="en-US" altLang="zh-CN" dirty="0"/>
-          </a:p>
-          <a:p>
-            <a:pPr lvl="0"/>
-            <a:r>
-              <a:rPr lang="zh-CN" altLang="en-US" dirty="0"/>
-              <a:t>主要运行界面</a:t>
-            </a:r>
-            <a:endParaRPr lang="en-US" dirty="0"/>
-          </a:p>
-        </p:txBody>
-      </p:sp>
-      <p:sp>
-        <p:nvSpPr>
-          <p:cNvPr id="4" name="Slide Number Placeholder 3">
-            <a:extLst>
-              <a:ext uri="{FF2B5EF4-FFF2-40B4-BE49-F238E27FC236}">
-                <a16:creationId xmlns:a16="http://schemas.microsoft.com/office/drawing/2014/main" id="{9C40017B-9BDF-5D77-335B-2FE0EAEE92E6}"/>
-              </a:ext>
-            </a:extLst>
-          </p:cNvPr>
-          <p:cNvSpPr>
-            <a:spLocks noGrp="1"/>
-          </p:cNvSpPr>
-          <p:nvPr>
-            <p:ph type="sldNum" sz="quarter" idx="12"/>
-          </p:nvPr>
-        </p:nvSpPr>
-        <p:spPr>
-          <a:xfrm>
-            <a:off x="7861300" y="6409690"/>
-            <a:ext cx="3657600" cy="274320"/>
-          </a:xfrm>
-        </p:spPr>
-        <p:txBody>
-          <a:bodyPr/>
-          <a:lstStyle/>
-          <a:p>
-            <a:fld id="{C8BB1146-E542-4D4E-B8E9-6919A11DDD48}" type="slidenum">
-              <a:rPr lang="en-US" smtClean="0"/>
-              <a:pPr/>
-              <a:t>2</a:t>
-            </a:fld>
-            <a:endParaRPr lang="en-US" dirty="0"/>
-          </a:p>
-        </p:txBody>
-      </p:sp>
-    </p:spTree>
-    <p:extLst>
-      <p:ext uri="{BB962C8B-B14F-4D97-AF65-F5344CB8AC3E}">
-        <p14:creationId xmlns:p14="http://schemas.microsoft.com/office/powerpoint/2010/main" val="3361711315"/>
-      </p:ext>
-    </p:extLst>
-  </p:cSld>
-  <p:clrMapOvr>
-    <a:masterClrMapping/>
-  </p:clrMapOvr>
-</p:sld>
-</file>
-
-<file path=ppt/slides/slide20.xml><?xml version="1.0" encoding="utf-8"?>
+<file path=ppt/slides/slide21.xml><?xml version="1.0" encoding="utf-8"?>
 <p:sld xmlns:a="http://schemas.openxmlformats.org/drawingml/2006/main" xmlns:r="http://schemas.openxmlformats.org/officeDocument/2006/relationships" xmlns:p="http://schemas.openxmlformats.org/presentationml/2006/main">
   <p:cSld>
     <p:spTree>
@@ -11916,7 +12231,7 @@
 </p:sld>
 </file>
 
-<file path=ppt/slides/slide21.xml><?xml version="1.0" encoding="utf-8"?>
+<file path=ppt/slides/slide22.xml><?xml version="1.0" encoding="utf-8"?>
 <p:sld xmlns:a="http://schemas.openxmlformats.org/drawingml/2006/main" xmlns:r="http://schemas.openxmlformats.org/officeDocument/2006/relationships" xmlns:p="http://schemas.openxmlformats.org/presentationml/2006/main">
   <p:cSld>
     <p:spTree>
@@ -12128,7 +12443,7 @@
 </p:sld>
 </file>
 
-<file path=ppt/slides/slide22.xml><?xml version="1.0" encoding="utf-8"?>
+<file path=ppt/slides/slide23.xml><?xml version="1.0" encoding="utf-8"?>
 <p:sld xmlns:a="http://schemas.openxmlformats.org/drawingml/2006/main" xmlns:r="http://schemas.openxmlformats.org/officeDocument/2006/relationships" xmlns:p="http://schemas.openxmlformats.org/presentationml/2006/main">
   <p:cSld>
     <p:spTree>
@@ -12243,7 +12558,7 @@
             <a:fld id="{C8BB1146-E542-4D4E-B8E9-6919A11DDD48}" type="slidenum">
               <a:rPr lang="en-US" smtClean="0"/>
               <a:pPr/>
-              <a:t>22</a:t>
+              <a:t>23</a:t>
             </a:fld>
             <a:endParaRPr lang="en-US"/>
           </a:p>
@@ -12262,7 +12577,7 @@
 </p:sld>
 </file>
 
-<file path=ppt/slides/slide23.xml><?xml version="1.0" encoding="utf-8"?>
+<file path=ppt/slides/slide24.xml><?xml version="1.0" encoding="utf-8"?>
 <p:sld xmlns:a="http://schemas.openxmlformats.org/drawingml/2006/main" xmlns:r="http://schemas.openxmlformats.org/officeDocument/2006/relationships" xmlns:p="http://schemas.openxmlformats.org/presentationml/2006/main">
   <p:cSld>
     <p:spTree>
@@ -12455,7 +12770,7 @@
 </p:sld>
 </file>
 
-<file path=ppt/slides/slide24.xml><?xml version="1.0" encoding="utf-8"?>
+<file path=ppt/slides/slide25.xml><?xml version="1.0" encoding="utf-8"?>
 <p:sld xmlns:a="http://schemas.openxmlformats.org/drawingml/2006/main" xmlns:r="http://schemas.openxmlformats.org/officeDocument/2006/relationships" xmlns:p="http://schemas.openxmlformats.org/presentationml/2006/main">
   <p:cSld>
     <p:spTree>
@@ -12615,7 +12930,7 @@
 </p:sld>
 </file>
 
-<file path=ppt/slides/slide25.xml><?xml version="1.0" encoding="utf-8"?>
+<file path=ppt/slides/slide26.xml><?xml version="1.0" encoding="utf-8"?>
 <p:sld xmlns:a="http://schemas.openxmlformats.org/drawingml/2006/main" xmlns:r="http://schemas.openxmlformats.org/officeDocument/2006/relationships" xmlns:p="http://schemas.openxmlformats.org/presentationml/2006/main">
   <p:cSld>
     <p:spTree>
@@ -12744,7 +13059,7 @@
                 <a:tabLst/>
                 <a:defRPr/>
               </a:pPr>
-              <a:t>25</a:t>
+              <a:t>26</a:t>
             </a:fld>
             <a:endParaRPr kumimoji="0" lang="en-US" sz="1000" b="0" i="0" u="none" strike="noStrike" kern="1200" cap="none" spc="0" normalizeH="0" baseline="0" noProof="0">
               <a:ln>
@@ -12778,7 +13093,7 @@
 </p:sld>
 </file>
 
-<file path=ppt/slides/slide26.xml><?xml version="1.0" encoding="utf-8"?>
+<file path=ppt/slides/slide27.xml><?xml version="1.0" encoding="utf-8"?>
 <p:sld xmlns:a="http://schemas.openxmlformats.org/drawingml/2006/main" xmlns:r="http://schemas.openxmlformats.org/officeDocument/2006/relationships" xmlns:p="http://schemas.openxmlformats.org/presentationml/2006/main">
   <p:cSld>
     <p:spTree>
@@ -13066,7 +13381,7 @@
 </p:sld>
 </file>
 
-<file path=ppt/slides/slide27.xml><?xml version="1.0" encoding="utf-8"?>
+<file path=ppt/slides/slide28.xml><?xml version="1.0" encoding="utf-8"?>
 <p:sld xmlns:a="http://schemas.openxmlformats.org/drawingml/2006/main" xmlns:r="http://schemas.openxmlformats.org/officeDocument/2006/relationships" xmlns:p="http://schemas.openxmlformats.org/presentationml/2006/main">
   <p:cSld>
     <p:spTree>
@@ -13496,7 +13811,7 @@
 </p:sld>
 </file>
 
-<file path=ppt/slides/slide28.xml><?xml version="1.0" encoding="utf-8"?>
+<file path=ppt/slides/slide29.xml><?xml version="1.0" encoding="utf-8"?>
 <p:sld xmlns:a="http://schemas.openxmlformats.org/drawingml/2006/main" xmlns:r="http://schemas.openxmlformats.org/officeDocument/2006/relationships" xmlns:p="http://schemas.openxmlformats.org/presentationml/2006/main">
   <p:cSld>
     <p:spTree>
@@ -13625,7 +13940,7 @@
                 <a:tabLst/>
                 <a:defRPr/>
               </a:pPr>
-              <a:t>28</a:t>
+              <a:t>29</a:t>
             </a:fld>
             <a:endParaRPr kumimoji="0" lang="en-US" sz="1000" b="0" i="0" u="none" strike="noStrike" kern="1200" cap="none" spc="0" normalizeH="0" baseline="0" noProof="0">
               <a:ln>
@@ -13650,125 +13965,6 @@
     <p:extLst>
       <p:ext uri="{BB962C8B-B14F-4D97-AF65-F5344CB8AC3E}">
         <p14:creationId xmlns:p14="http://schemas.microsoft.com/office/powerpoint/2010/main" val="2037806091"/>
-      </p:ext>
-    </p:extLst>
-  </p:cSld>
-  <p:clrMapOvr>
-    <a:masterClrMapping/>
-  </p:clrMapOvr>
-</p:sld>
-</file>
-
-<file path=ppt/slides/slide29.xml><?xml version="1.0" encoding="utf-8"?>
-<p:sld xmlns:a="http://schemas.openxmlformats.org/drawingml/2006/main" xmlns:r="http://schemas.openxmlformats.org/officeDocument/2006/relationships" xmlns:p="http://schemas.openxmlformats.org/presentationml/2006/main">
-  <p:cSld>
-    <p:spTree>
-      <p:nvGrpSpPr>
-        <p:cNvPr id="1" name=""/>
-        <p:cNvGrpSpPr/>
-        <p:nvPr/>
-      </p:nvGrpSpPr>
-      <p:grpSpPr>
-        <a:xfrm>
-          <a:off x="0" y="0"/>
-          <a:ext cx="0" cy="0"/>
-          <a:chOff x="0" y="0"/>
-          <a:chExt cx="0" cy="0"/>
-        </a:xfrm>
-      </p:grpSpPr>
-      <p:sp>
-        <p:nvSpPr>
-          <p:cNvPr id="3" name="内容占位符 2">
-            <a:extLst>
-              <a:ext uri="{FF2B5EF4-FFF2-40B4-BE49-F238E27FC236}">
-                <a16:creationId xmlns:a16="http://schemas.microsoft.com/office/drawing/2014/main" id="{A7A34688-7E2F-1277-CEF9-7F052770D20D}"/>
-              </a:ext>
-            </a:extLst>
-          </p:cNvPr>
-          <p:cNvSpPr>
-            <a:spLocks noGrp="1"/>
-          </p:cNvSpPr>
-          <p:nvPr>
-            <p:ph idx="1"/>
-          </p:nvPr>
-        </p:nvSpPr>
-        <p:spPr>
-          <a:xfrm>
-            <a:off x="838200" y="475861"/>
-            <a:ext cx="10515600" cy="5701102"/>
-          </a:xfrm>
-        </p:spPr>
-        <p:txBody>
-          <a:bodyPr>
-            <a:normAutofit/>
-          </a:bodyPr>
-          <a:lstStyle/>
-          <a:p>
-            <a:pPr marL="0" indent="0">
-              <a:buNone/>
-            </a:pPr>
-            <a:r>
-              <a:rPr lang="zh-CN" altLang="en-US" sz="1800" dirty="0"/>
-              <a:t>初始代码参考：</a:t>
-            </a:r>
-            <a:r>
-              <a:rPr lang="en-US" altLang="zh-CN" sz="1800" dirty="0"/>
-              <a:t>https://xie.infoq.cn/article/7b075b4b29ac1544822b2fd52</a:t>
-            </a:r>
-          </a:p>
-          <a:p>
-            <a:pPr marL="0" indent="0">
-              <a:buNone/>
-            </a:pPr>
-            <a:r>
-              <a:rPr lang="en-US" altLang="zh-CN" sz="1800" dirty="0"/>
-              <a:t>DAO</a:t>
-            </a:r>
-            <a:r>
-              <a:rPr lang="zh-CN" altLang="en-US" sz="1800" dirty="0"/>
-              <a:t>模式：</a:t>
-            </a:r>
-            <a:r>
-              <a:rPr lang="en-US" altLang="zh-CN" sz="1800" dirty="0"/>
-              <a:t>https://blog.csdn.net/weixin_59755109/article/details/124105783</a:t>
-            </a:r>
-          </a:p>
-          <a:p>
-            <a:pPr marL="0" indent="0">
-              <a:buNone/>
-            </a:pPr>
-            <a:r>
-              <a:rPr lang="zh-CN" altLang="en-US" sz="1800" dirty="0"/>
-              <a:t>建造者模式：</a:t>
-            </a:r>
-            <a:r>
-              <a:rPr lang="en-US" altLang="zh-CN" sz="1800" dirty="0">
-                <a:hlinkClick r:id="rId2"/>
-              </a:rPr>
-              <a:t>https://blog.csdn.net/weixin_45433817/article/details/131175862</a:t>
-            </a:r>
-            <a:endParaRPr lang="en-US" altLang="zh-CN" sz="1800" dirty="0"/>
-          </a:p>
-          <a:p>
-            <a:pPr marL="0" indent="0">
-              <a:buNone/>
-            </a:pPr>
-            <a:r>
-              <a:rPr lang="zh-CN" altLang="en-US" sz="1800" dirty="0"/>
-              <a:t>项目地址：</a:t>
-            </a:r>
-            <a:r>
-              <a:rPr lang="en-US" altLang="zh-CN" sz="1800" dirty="0"/>
-              <a:t>https://github.com/wzc506/mineswapper</a:t>
-            </a:r>
-            <a:endParaRPr lang="zh-CN" altLang="en-US" sz="1800" dirty="0"/>
-          </a:p>
-        </p:txBody>
-      </p:sp>
-    </p:spTree>
-    <p:extLst>
-      <p:ext uri="{BB962C8B-B14F-4D97-AF65-F5344CB8AC3E}">
-        <p14:creationId xmlns:p14="http://schemas.microsoft.com/office/powerpoint/2010/main" val="926487047"/>
       </p:ext>
     </p:extLst>
   </p:cSld>
@@ -13960,6 +14156,125 @@
       </p:grpSpPr>
       <p:sp>
         <p:nvSpPr>
+          <p:cNvPr id="3" name="内容占位符 2">
+            <a:extLst>
+              <a:ext uri="{FF2B5EF4-FFF2-40B4-BE49-F238E27FC236}">
+                <a16:creationId xmlns:a16="http://schemas.microsoft.com/office/drawing/2014/main" id="{A7A34688-7E2F-1277-CEF9-7F052770D20D}"/>
+              </a:ext>
+            </a:extLst>
+          </p:cNvPr>
+          <p:cNvSpPr>
+            <a:spLocks noGrp="1"/>
+          </p:cNvSpPr>
+          <p:nvPr>
+            <p:ph idx="1"/>
+          </p:nvPr>
+        </p:nvSpPr>
+        <p:spPr>
+          <a:xfrm>
+            <a:off x="838200" y="475861"/>
+            <a:ext cx="10515600" cy="5701102"/>
+          </a:xfrm>
+        </p:spPr>
+        <p:txBody>
+          <a:bodyPr>
+            <a:normAutofit/>
+          </a:bodyPr>
+          <a:lstStyle/>
+          <a:p>
+            <a:pPr marL="0" indent="0">
+              <a:buNone/>
+            </a:pPr>
+            <a:r>
+              <a:rPr lang="zh-CN" altLang="en-US" sz="1800" dirty="0"/>
+              <a:t>初始代码参考：</a:t>
+            </a:r>
+            <a:r>
+              <a:rPr lang="en-US" altLang="zh-CN" sz="1800" dirty="0"/>
+              <a:t>https://xie.infoq.cn/article/7b075b4b29ac1544822b2fd52</a:t>
+            </a:r>
+          </a:p>
+          <a:p>
+            <a:pPr marL="0" indent="0">
+              <a:buNone/>
+            </a:pPr>
+            <a:r>
+              <a:rPr lang="en-US" altLang="zh-CN" sz="1800" dirty="0"/>
+              <a:t>DAO</a:t>
+            </a:r>
+            <a:r>
+              <a:rPr lang="zh-CN" altLang="en-US" sz="1800" dirty="0"/>
+              <a:t>模式：</a:t>
+            </a:r>
+            <a:r>
+              <a:rPr lang="en-US" altLang="zh-CN" sz="1800" dirty="0"/>
+              <a:t>https://blog.csdn.net/weixin_59755109/article/details/124105783</a:t>
+            </a:r>
+          </a:p>
+          <a:p>
+            <a:pPr marL="0" indent="0">
+              <a:buNone/>
+            </a:pPr>
+            <a:r>
+              <a:rPr lang="zh-CN" altLang="en-US" sz="1800" dirty="0"/>
+              <a:t>建造者模式：</a:t>
+            </a:r>
+            <a:r>
+              <a:rPr lang="en-US" altLang="zh-CN" sz="1800" dirty="0">
+                <a:hlinkClick r:id="rId2"/>
+              </a:rPr>
+              <a:t>https://blog.csdn.net/weixin_45433817/article/details/131175862</a:t>
+            </a:r>
+            <a:endParaRPr lang="en-US" altLang="zh-CN" sz="1800" dirty="0"/>
+          </a:p>
+          <a:p>
+            <a:pPr marL="0" indent="0">
+              <a:buNone/>
+            </a:pPr>
+            <a:r>
+              <a:rPr lang="zh-CN" altLang="en-US" sz="1800" dirty="0"/>
+              <a:t>项目地址：</a:t>
+            </a:r>
+            <a:r>
+              <a:rPr lang="en-US" altLang="zh-CN" sz="1800" dirty="0"/>
+              <a:t>https://github.com/wzc506/mineswapper</a:t>
+            </a:r>
+            <a:endParaRPr lang="zh-CN" altLang="en-US" sz="1800" dirty="0"/>
+          </a:p>
+        </p:txBody>
+      </p:sp>
+    </p:spTree>
+    <p:extLst>
+      <p:ext uri="{BB962C8B-B14F-4D97-AF65-F5344CB8AC3E}">
+        <p14:creationId xmlns:p14="http://schemas.microsoft.com/office/powerpoint/2010/main" val="926487047"/>
+      </p:ext>
+    </p:extLst>
+  </p:cSld>
+  <p:clrMapOvr>
+    <a:masterClrMapping/>
+  </p:clrMapOvr>
+</p:sld>
+</file>
+
+<file path=ppt/slides/slide31.xml><?xml version="1.0" encoding="utf-8"?>
+<p:sld xmlns:a="http://schemas.openxmlformats.org/drawingml/2006/main" xmlns:r="http://schemas.openxmlformats.org/officeDocument/2006/relationships" xmlns:p="http://schemas.openxmlformats.org/presentationml/2006/main">
+  <p:cSld>
+    <p:spTree>
+      <p:nvGrpSpPr>
+        <p:cNvPr id="1" name=""/>
+        <p:cNvGrpSpPr/>
+        <p:nvPr/>
+      </p:nvGrpSpPr>
+      <p:grpSpPr>
+        <a:xfrm>
+          <a:off x="0" y="0"/>
+          <a:ext cx="0" cy="0"/>
+          <a:chOff x="0" y="0"/>
+          <a:chExt cx="0" cy="0"/>
+        </a:xfrm>
+      </p:grpSpPr>
+      <p:sp>
+        <p:nvSpPr>
           <p:cNvPr id="2" name="Title 1">
             <a:extLst>
               <a:ext uri="{FF2B5EF4-FFF2-40B4-BE49-F238E27FC236}">
@@ -14005,7 +14320,7 @@
 </p:sld>
 </file>
 
-<file path=ppt/slides/slide31.xml><?xml version="1.0" encoding="utf-8"?>
+<file path=ppt/slides/slide32.xml><?xml version="1.0" encoding="utf-8"?>
 <p:sld xmlns:a="http://schemas.openxmlformats.org/drawingml/2006/main" xmlns:r="http://schemas.openxmlformats.org/officeDocument/2006/relationships" xmlns:p="http://schemas.openxmlformats.org/presentationml/2006/main">
   <p:cSld>
     <p:spTree>
@@ -14098,7 +14413,7 @@
 </p:sld>
 </file>
 
-<file path=ppt/slides/slide32.xml><?xml version="1.0" encoding="utf-8"?>
+<file path=ppt/slides/slide33.xml><?xml version="1.0" encoding="utf-8"?>
 <p:sld xmlns:a="http://schemas.openxmlformats.org/drawingml/2006/main" xmlns:r="http://schemas.openxmlformats.org/officeDocument/2006/relationships" xmlns:p="http://schemas.openxmlformats.org/presentationml/2006/main">
   <p:cSld>
     <p:spTree>
@@ -14344,7 +14659,7 @@
 </p:sld>
 </file>
 
-<file path=ppt/slides/slide33.xml><?xml version="1.0" encoding="utf-8"?>
+<file path=ppt/slides/slide34.xml><?xml version="1.0" encoding="utf-8"?>
 <p:sld xmlns:a="http://schemas.openxmlformats.org/drawingml/2006/main" xmlns:r="http://schemas.openxmlformats.org/officeDocument/2006/relationships" xmlns:p="http://schemas.openxmlformats.org/presentationml/2006/main">
   <p:cSld>
     <p:spTree>
@@ -14459,7 +14774,7 @@
 </p:sld>
 </file>
 
-<file path=ppt/slides/slide34.xml><?xml version="1.0" encoding="utf-8"?>
+<file path=ppt/slides/slide35.xml><?xml version="1.0" encoding="utf-8"?>
 <p:sld xmlns:a="http://schemas.openxmlformats.org/drawingml/2006/main" xmlns:r="http://schemas.openxmlformats.org/officeDocument/2006/relationships" xmlns:p="http://schemas.openxmlformats.org/presentationml/2006/main">
   <p:cSld>
     <p:spTree>
@@ -14622,7 +14937,7 @@
 </p:sld>
 </file>
 
-<file path=ppt/slides/slide35.xml><?xml version="1.0" encoding="utf-8"?>
+<file path=ppt/slides/slide36.xml><?xml version="1.0" encoding="utf-8"?>
 <p:sld xmlns:a="http://schemas.openxmlformats.org/drawingml/2006/main" xmlns:r="http://schemas.openxmlformats.org/officeDocument/2006/relationships" xmlns:p="http://schemas.openxmlformats.org/presentationml/2006/main">
   <p:cSld>
     <p:spTree>
@@ -14772,7 +15087,7 @@
 </p:sld>
 </file>
 
-<file path=ppt/slides/slide36.xml><?xml version="1.0" encoding="utf-8"?>
+<file path=ppt/slides/slide37.xml><?xml version="1.0" encoding="utf-8"?>
 <p:sld xmlns:a="http://schemas.openxmlformats.org/drawingml/2006/main" xmlns:r="http://schemas.openxmlformats.org/officeDocument/2006/relationships" xmlns:p="http://schemas.openxmlformats.org/presentationml/2006/main">
   <p:cSld>
     <p:spTree>
@@ -15009,6 +15324,66 @@
           <a:chExt cx="0" cy="0"/>
         </a:xfrm>
       </p:grpSpPr>
+      <p:pic>
+        <p:nvPicPr>
+          <p:cNvPr id="4" name="图片 3">
+            <a:extLst>
+              <a:ext uri="{FF2B5EF4-FFF2-40B4-BE49-F238E27FC236}">
+                <a16:creationId xmlns:a16="http://schemas.microsoft.com/office/drawing/2014/main" id="{5CB169CD-CAD1-7E86-25D7-39C7B8AB509C}"/>
+              </a:ext>
+            </a:extLst>
+          </p:cNvPr>
+          <p:cNvPicPr>
+            <a:picLocks noChangeAspect="1"/>
+          </p:cNvPicPr>
+          <p:nvPr/>
+        </p:nvPicPr>
+        <p:blipFill>
+          <a:blip r:embed="rId2"/>
+          <a:stretch>
+            <a:fillRect/>
+          </a:stretch>
+        </p:blipFill>
+        <p:spPr>
+          <a:xfrm>
+            <a:off x="0" y="0"/>
+            <a:ext cx="2641951" cy="6858000"/>
+          </a:xfrm>
+          <a:prstGeom prst="rect">
+            <a:avLst/>
+          </a:prstGeom>
+        </p:spPr>
+      </p:pic>
+    </p:spTree>
+    <p:extLst>
+      <p:ext uri="{BB962C8B-B14F-4D97-AF65-F5344CB8AC3E}">
+        <p14:creationId xmlns:p14="http://schemas.microsoft.com/office/powerpoint/2010/main" val="620807765"/>
+      </p:ext>
+    </p:extLst>
+  </p:cSld>
+  <p:clrMapOvr>
+    <a:masterClrMapping/>
+  </p:clrMapOvr>
+</p:sld>
+</file>
+
+<file path=ppt/slides/slide6.xml><?xml version="1.0" encoding="utf-8"?>
+<p:sld xmlns:a="http://schemas.openxmlformats.org/drawingml/2006/main" xmlns:r="http://schemas.openxmlformats.org/officeDocument/2006/relationships" xmlns:p="http://schemas.openxmlformats.org/presentationml/2006/main">
+  <p:cSld>
+    <p:spTree>
+      <p:nvGrpSpPr>
+        <p:cNvPr id="1" name=""/>
+        <p:cNvGrpSpPr/>
+        <p:nvPr/>
+      </p:nvGrpSpPr>
+      <p:grpSpPr>
+        <a:xfrm>
+          <a:off x="0" y="0"/>
+          <a:ext cx="0" cy="0"/>
+          <a:chOff x="0" y="0"/>
+          <a:chExt cx="0" cy="0"/>
+        </a:xfrm>
+      </p:grpSpPr>
       <p:sp>
         <p:nvSpPr>
           <p:cNvPr id="2" name="Title 1">
@@ -15121,7 +15496,7 @@
                 <a:tabLst/>
                 <a:defRPr/>
               </a:pPr>
-              <a:t>5</a:t>
+              <a:t>6</a:t>
             </a:fld>
             <a:endParaRPr kumimoji="0" lang="en-US" sz="1000" b="0" i="0" u="none" strike="noStrike" kern="1200" cap="none" spc="0" normalizeH="0" baseline="0" noProof="0">
               <a:ln>
@@ -15155,7 +15530,7 @@
 </p:sld>
 </file>
 
-<file path=ppt/slides/slide6.xml><?xml version="1.0" encoding="utf-8"?>
+<file path=ppt/slides/slide7.xml><?xml version="1.0" encoding="utf-8"?>
 <p:sld xmlns:a="http://schemas.openxmlformats.org/drawingml/2006/main" xmlns:r="http://schemas.openxmlformats.org/officeDocument/2006/relationships" xmlns:p="http://schemas.openxmlformats.org/presentationml/2006/main">
   <p:cSld>
     <p:spTree>
@@ -15537,7 +15912,7 @@
 </p:sld>
 </file>
 
-<file path=ppt/slides/slide7.xml><?xml version="1.0" encoding="utf-8"?>
+<file path=ppt/slides/slide8.xml><?xml version="1.0" encoding="utf-8"?>
 <p:sld xmlns:a="http://schemas.openxmlformats.org/drawingml/2006/main" xmlns:r="http://schemas.openxmlformats.org/officeDocument/2006/relationships" xmlns:p="http://schemas.openxmlformats.org/presentationml/2006/main">
   <p:cSld>
     <p:spTree>
@@ -15875,7 +16250,7 @@
 </p:sld>
 </file>
 
-<file path=ppt/slides/slide8.xml><?xml version="1.0" encoding="utf-8"?>
+<file path=ppt/slides/slide9.xml><?xml version="1.0" encoding="utf-8"?>
 <p:sld xmlns:a="http://schemas.openxmlformats.org/drawingml/2006/main" xmlns:r="http://schemas.openxmlformats.org/officeDocument/2006/relationships" xmlns:p="http://schemas.openxmlformats.org/presentationml/2006/main">
   <p:cSld>
     <p:spTree>
@@ -16236,267 +16611,6 @@
     <p:extLst>
       <p:ext uri="{BB962C8B-B14F-4D97-AF65-F5344CB8AC3E}">
         <p14:creationId xmlns:p14="http://schemas.microsoft.com/office/powerpoint/2010/main" val="2336585099"/>
-      </p:ext>
-    </p:extLst>
-  </p:cSld>
-  <p:clrMapOvr>
-    <a:masterClrMapping/>
-  </p:clrMapOvr>
-</p:sld>
-</file>
-
-<file path=ppt/slides/slide9.xml><?xml version="1.0" encoding="utf-8"?>
-<p:sld xmlns:a="http://schemas.openxmlformats.org/drawingml/2006/main" xmlns:r="http://schemas.openxmlformats.org/officeDocument/2006/relationships" xmlns:p="http://schemas.openxmlformats.org/presentationml/2006/main">
-  <p:cSld>
-    <p:spTree>
-      <p:nvGrpSpPr>
-        <p:cNvPr id="1" name=""/>
-        <p:cNvGrpSpPr/>
-        <p:nvPr/>
-      </p:nvGrpSpPr>
-      <p:grpSpPr>
-        <a:xfrm>
-          <a:off x="0" y="0"/>
-          <a:ext cx="0" cy="0"/>
-          <a:chOff x="0" y="0"/>
-          <a:chExt cx="0" cy="0"/>
-        </a:xfrm>
-      </p:grpSpPr>
-      <p:sp>
-        <p:nvSpPr>
-          <p:cNvPr id="3" name="内容占位符 2">
-            <a:extLst>
-              <a:ext uri="{FF2B5EF4-FFF2-40B4-BE49-F238E27FC236}">
-                <a16:creationId xmlns:a16="http://schemas.microsoft.com/office/drawing/2014/main" id="{B2DEC175-0E5A-C2DF-8326-24E8CAC038E8}"/>
-              </a:ext>
-            </a:extLst>
-          </p:cNvPr>
-          <p:cNvSpPr>
-            <a:spLocks noGrp="1"/>
-          </p:cNvSpPr>
-          <p:nvPr>
-            <p:ph idx="1"/>
-          </p:nvPr>
-        </p:nvSpPr>
-        <p:spPr>
-          <a:xfrm>
-            <a:off x="293254" y="907552"/>
-            <a:ext cx="5656673" cy="4994483"/>
-          </a:xfrm>
-        </p:spPr>
-        <p:txBody>
-          <a:bodyPr>
-            <a:normAutofit/>
-          </a:bodyPr>
-          <a:lstStyle/>
-          <a:p>
-            <a:pPr marL="0" indent="0">
-              <a:buNone/>
-            </a:pPr>
-            <a:r>
-              <a:rPr lang="en-US" altLang="zh-CN" sz="1800" dirty="0" err="1"/>
-              <a:t>GameBoard</a:t>
-            </a:r>
-            <a:r>
-              <a:rPr lang="en-US" altLang="zh-CN" sz="1800" dirty="0"/>
-              <a:t> </a:t>
-            </a:r>
-            <a:r>
-              <a:rPr lang="zh-CN" altLang="en-US" sz="1800" dirty="0"/>
-              <a:t>作为按钮点击的观察者</a:t>
-            </a:r>
-          </a:p>
-          <a:p>
-            <a:pPr marL="0" indent="0">
-              <a:buNone/>
-            </a:pPr>
-            <a:r>
-              <a:rPr lang="en-US" altLang="zh-CN" sz="1800" dirty="0"/>
-              <a:t>GameBoard.java </a:t>
-            </a:r>
-            <a:r>
-              <a:rPr lang="zh-CN" altLang="en-US" sz="1800" dirty="0"/>
-              <a:t>中：</a:t>
-            </a:r>
-            <a:endParaRPr lang="en-US" altLang="zh-CN" sz="1800" dirty="0"/>
-          </a:p>
-          <a:p>
-            <a:pPr marL="0" indent="0">
-              <a:buNone/>
-            </a:pPr>
-            <a:r>
-              <a:rPr lang="en-US" altLang="zh-CN" sz="1800" dirty="0"/>
-              <a:t>    Subject</a:t>
-            </a:r>
-            <a:r>
-              <a:rPr lang="zh-CN" altLang="en-US" sz="1800" dirty="0"/>
-              <a:t>（被观察者）：每一个 </a:t>
-            </a:r>
-            <a:r>
-              <a:rPr lang="en-US" altLang="zh-CN" sz="1800" dirty="0" err="1"/>
-              <a:t>GameSquare</a:t>
-            </a:r>
-            <a:r>
-              <a:rPr lang="en-US" altLang="zh-CN" sz="1800" dirty="0"/>
-              <a:t> / </a:t>
-            </a:r>
-            <a:r>
-              <a:rPr lang="en-US" altLang="zh-CN" sz="1800" dirty="0" err="1"/>
-              <a:t>SmartSquare</a:t>
-            </a:r>
-            <a:r>
-              <a:rPr lang="en-US" altLang="zh-CN" sz="1800" dirty="0"/>
-              <a:t> </a:t>
-            </a:r>
-            <a:r>
-              <a:rPr lang="zh-CN" altLang="en-US" sz="1800" dirty="0"/>
-              <a:t>按钮。</a:t>
-            </a:r>
-          </a:p>
-          <a:p>
-            <a:pPr marL="0" indent="0">
-              <a:buNone/>
-            </a:pPr>
-            <a:r>
-              <a:rPr lang="en-US" altLang="zh-CN" sz="1800" dirty="0"/>
-              <a:t>    Observer</a:t>
-            </a:r>
-            <a:r>
-              <a:rPr lang="zh-CN" altLang="en-US" sz="1800" dirty="0"/>
-              <a:t>（观察者）：</a:t>
-            </a:r>
-            <a:r>
-              <a:rPr lang="en-US" altLang="zh-CN" sz="1800" dirty="0" err="1"/>
-              <a:t>GameBoard</a:t>
-            </a:r>
-            <a:r>
-              <a:rPr lang="zh-CN" altLang="en-US" sz="1800" dirty="0"/>
-              <a:t>，实现了 </a:t>
-            </a:r>
-            <a:r>
-              <a:rPr lang="en-US" altLang="zh-CN" sz="1800" dirty="0"/>
-              <a:t>ActionListener</a:t>
-            </a:r>
-            <a:r>
-              <a:rPr lang="zh-CN" altLang="en-US" sz="1800" dirty="0"/>
-              <a:t>。</a:t>
-            </a:r>
-          </a:p>
-          <a:p>
-            <a:pPr marL="0" indent="0">
-              <a:buNone/>
-            </a:pPr>
-            <a:r>
-              <a:rPr lang="zh-CN" altLang="en-US" sz="1800" dirty="0"/>
-              <a:t>    订阅关系：</a:t>
-            </a:r>
-            <a:r>
-              <a:rPr lang="en-US" altLang="zh-CN" sz="1800" dirty="0"/>
-              <a:t>board[x][y].</a:t>
-            </a:r>
-            <a:r>
-              <a:rPr lang="en-US" altLang="zh-CN" sz="1800" dirty="0" err="1"/>
-              <a:t>addActionListener</a:t>
-            </a:r>
-            <a:r>
-              <a:rPr lang="en-US" altLang="zh-CN" sz="1800" dirty="0"/>
-              <a:t>(this);</a:t>
-            </a:r>
-          </a:p>
-          <a:p>
-            <a:pPr marL="0" indent="0">
-              <a:buNone/>
-            </a:pPr>
-            <a:r>
-              <a:rPr lang="zh-CN" altLang="en-US" sz="1800" dirty="0"/>
-              <a:t>    表示“棋盘”订阅了每一个格子的点击事件。</a:t>
-            </a:r>
-          </a:p>
-          <a:p>
-            <a:pPr marL="0" indent="0">
-              <a:buNone/>
-            </a:pPr>
-            <a:r>
-              <a:rPr lang="zh-CN" altLang="en-US" sz="1800" dirty="0"/>
-              <a:t>    通知机制：当按钮被点击时，</a:t>
-            </a:r>
-            <a:r>
-              <a:rPr lang="en-US" altLang="zh-CN" sz="1800" dirty="0"/>
-              <a:t>Swing </a:t>
-            </a:r>
-            <a:r>
-              <a:rPr lang="zh-CN" altLang="en-US" sz="1800" dirty="0"/>
-              <a:t>框架调用 </a:t>
-            </a:r>
-            <a:r>
-              <a:rPr lang="en-US" altLang="zh-CN" sz="1800" dirty="0" err="1"/>
-              <a:t>actionPerformed</a:t>
-            </a:r>
-            <a:r>
-              <a:rPr lang="en-US" altLang="zh-CN" sz="1800" dirty="0"/>
-              <a:t>(</a:t>
-            </a:r>
-            <a:r>
-              <a:rPr lang="en-US" altLang="zh-CN" sz="1800" dirty="0" err="1"/>
-              <a:t>ActionEvent</a:t>
-            </a:r>
-            <a:r>
-              <a:rPr lang="en-US" altLang="zh-CN" sz="1800" dirty="0"/>
-              <a:t> e)</a:t>
-            </a:r>
-            <a:r>
-              <a:rPr lang="zh-CN" altLang="en-US" sz="1800" dirty="0"/>
-              <a:t>，</a:t>
-            </a:r>
-            <a:r>
-              <a:rPr lang="en-US" altLang="zh-CN" sz="1800" dirty="0" err="1"/>
-              <a:t>GameBoard</a:t>
-            </a:r>
-            <a:r>
-              <a:rPr lang="en-US" altLang="zh-CN" sz="1800" dirty="0"/>
-              <a:t> </a:t>
-            </a:r>
-            <a:r>
-              <a:rPr lang="zh-CN" altLang="en-US" sz="1800" dirty="0"/>
-              <a:t>就会被回调，这就是典型的“被观察者状态变化 → 通知观察者”的过程。</a:t>
-            </a:r>
-          </a:p>
-        </p:txBody>
-      </p:sp>
-      <p:pic>
-        <p:nvPicPr>
-          <p:cNvPr id="4" name="图片 3">
-            <a:extLst>
-              <a:ext uri="{FF2B5EF4-FFF2-40B4-BE49-F238E27FC236}">
-                <a16:creationId xmlns:a16="http://schemas.microsoft.com/office/drawing/2014/main" id="{111B27FE-441F-78CC-F97B-08AE451CFA51}"/>
-              </a:ext>
-            </a:extLst>
-          </p:cNvPr>
-          <p:cNvPicPr>
-            <a:picLocks noChangeAspect="1"/>
-          </p:cNvPicPr>
-          <p:nvPr/>
-        </p:nvPicPr>
-        <p:blipFill>
-          <a:blip r:embed="rId3"/>
-          <a:stretch>
-            <a:fillRect/>
-          </a:stretch>
-        </p:blipFill>
-        <p:spPr>
-          <a:xfrm>
-            <a:off x="6242073" y="713588"/>
-            <a:ext cx="5377273" cy="5569007"/>
-          </a:xfrm>
-          <a:prstGeom prst="rect">
-            <a:avLst/>
-          </a:prstGeom>
-        </p:spPr>
-      </p:pic>
-    </p:spTree>
-    <p:extLst>
-      <p:ext uri="{BB962C8B-B14F-4D97-AF65-F5344CB8AC3E}">
-        <p14:creationId xmlns:p14="http://schemas.microsoft.com/office/powerpoint/2010/main" val="2862629721"/>
       </p:ext>
     </p:extLst>
   </p:cSld>

--- a/uml.pptx
+++ b/uml.pptx
@@ -15348,6 +15348,42 @@
           <a:xfrm>
             <a:off x="0" y="0"/>
             <a:ext cx="2641951" cy="6858000"/>
+          </a:xfrm>
+          <a:prstGeom prst="rect">
+            <a:avLst/>
+          </a:prstGeom>
+        </p:spPr>
+      </p:pic>
+      <p:pic>
+        <p:nvPicPr>
+          <p:cNvPr id="6" name="图片 5" descr="图示, 工程绘图">
+            <a:extLst>
+              <a:ext uri="{FF2B5EF4-FFF2-40B4-BE49-F238E27FC236}">
+                <a16:creationId xmlns:a16="http://schemas.microsoft.com/office/drawing/2014/main" id="{E618F3C6-FEA1-33FA-B392-64C8266B1CEB}"/>
+              </a:ext>
+            </a:extLst>
+          </p:cNvPr>
+          <p:cNvPicPr>
+            <a:picLocks noChangeAspect="1"/>
+          </p:cNvPicPr>
+          <p:nvPr/>
+        </p:nvPicPr>
+        <p:blipFill>
+          <a:blip r:embed="rId3">
+            <a:extLst>
+              <a:ext uri="{28A0092B-C50C-407E-A947-70E740481C1C}">
+                <a14:useLocalDpi xmlns:a14="http://schemas.microsoft.com/office/drawing/2010/main" val="0"/>
+              </a:ext>
+            </a:extLst>
+          </a:blip>
+          <a:stretch>
+            <a:fillRect/>
+          </a:stretch>
+        </p:blipFill>
+        <p:spPr>
+          <a:xfrm>
+            <a:off x="2864672" y="0"/>
+            <a:ext cx="6462656" cy="6858000"/>
           </a:xfrm>
           <a:prstGeom prst="rect">
             <a:avLst/>

--- a/uml.pptx
+++ b/uml.pptx
@@ -6,7 +6,7 @@
     <p:sldMasterId id="2147483661" r:id="rId2"/>
   </p:sldMasterIdLst>
   <p:notesMasterIdLst>
-    <p:notesMasterId r:id="rId40"/>
+    <p:notesMasterId r:id="rId34"/>
   </p:notesMasterIdLst>
   <p:sldIdLst>
     <p:sldId id="256" r:id="rId3"/>
@@ -40,12 +40,6 @@
     <p:sldId id="297" r:id="rId31"/>
     <p:sldId id="299" r:id="rId32"/>
     <p:sldId id="279" r:id="rId33"/>
-    <p:sldId id="262" r:id="rId34"/>
-    <p:sldId id="261" r:id="rId35"/>
-    <p:sldId id="257" r:id="rId36"/>
-    <p:sldId id="258" r:id="rId37"/>
-    <p:sldId id="259" r:id="rId38"/>
-    <p:sldId id="260" r:id="rId39"/>
   </p:sldIdLst>
   <p:sldSz cx="12192000" cy="6858000"/>
   <p:notesSz cx="6858000" cy="9144000"/>
@@ -14320,931 +14314,6 @@
 </p:sld>
 </file>
 
-<file path=ppt/slides/slide32.xml><?xml version="1.0" encoding="utf-8"?>
-<p:sld xmlns:a="http://schemas.openxmlformats.org/drawingml/2006/main" xmlns:r="http://schemas.openxmlformats.org/officeDocument/2006/relationships" xmlns:p="http://schemas.openxmlformats.org/presentationml/2006/main">
-  <p:cSld>
-    <p:spTree>
-      <p:nvGrpSpPr>
-        <p:cNvPr id="1" name=""/>
-        <p:cNvGrpSpPr/>
-        <p:nvPr/>
-      </p:nvGrpSpPr>
-      <p:grpSpPr>
-        <a:xfrm>
-          <a:off x="0" y="0"/>
-          <a:ext cx="0" cy="0"/>
-          <a:chOff x="0" y="0"/>
-          <a:chExt cx="0" cy="0"/>
-        </a:xfrm>
-      </p:grpSpPr>
-      <p:sp>
-        <p:nvSpPr>
-          <p:cNvPr id="2" name="标题 1">
-            <a:extLst>
-              <a:ext uri="{FF2B5EF4-FFF2-40B4-BE49-F238E27FC236}">
-                <a16:creationId xmlns:a16="http://schemas.microsoft.com/office/drawing/2014/main" id="{50D41DFF-1629-C20C-A9C2-083AFD257A66}"/>
-              </a:ext>
-            </a:extLst>
-          </p:cNvPr>
-          <p:cNvSpPr>
-            <a:spLocks noGrp="1"/>
-          </p:cNvSpPr>
-          <p:nvPr>
-            <p:ph type="title"/>
-          </p:nvPr>
-        </p:nvSpPr>
-        <p:spPr/>
-        <p:txBody>
-          <a:bodyPr/>
-          <a:lstStyle/>
-          <a:p>
-            <a:r>
-              <a:rPr lang="zh-CN" altLang="en-US" dirty="0"/>
-              <a:t>代码的主体框架分为三个包九个类</a:t>
-            </a:r>
-          </a:p>
-        </p:txBody>
-      </p:sp>
-      <p:pic>
-        <p:nvPicPr>
-          <p:cNvPr id="9" name="内容占位符 8" descr="图示&#10;&#10;AI 生成的内容可能不正确。">
-            <a:extLst>
-              <a:ext uri="{FF2B5EF4-FFF2-40B4-BE49-F238E27FC236}">
-                <a16:creationId xmlns:a16="http://schemas.microsoft.com/office/drawing/2014/main" id="{29878778-ED61-AD55-8FC4-F6D00A797FD9}"/>
-              </a:ext>
-            </a:extLst>
-          </p:cNvPr>
-          <p:cNvPicPr>
-            <a:picLocks noGrp="1" noChangeAspect="1"/>
-          </p:cNvPicPr>
-          <p:nvPr>
-            <p:ph idx="1"/>
-          </p:nvPr>
-        </p:nvPicPr>
-        <p:blipFill>
-          <a:blip r:embed="rId3">
-            <a:extLst>
-              <a:ext uri="{28A0092B-C50C-407E-A947-70E740481C1C}">
-                <a14:useLocalDpi xmlns:a14="http://schemas.microsoft.com/office/drawing/2010/main" val="0"/>
-              </a:ext>
-            </a:extLst>
-          </a:blip>
-          <a:stretch>
-            <a:fillRect/>
-          </a:stretch>
-        </p:blipFill>
-        <p:spPr>
-          <a:xfrm>
-            <a:off x="1034472" y="1321690"/>
-            <a:ext cx="5347855" cy="5541225"/>
-          </a:xfrm>
-        </p:spPr>
-      </p:pic>
-    </p:spTree>
-    <p:extLst>
-      <p:ext uri="{BB962C8B-B14F-4D97-AF65-F5344CB8AC3E}">
-        <p14:creationId xmlns:p14="http://schemas.microsoft.com/office/powerpoint/2010/main" val="1075705022"/>
-      </p:ext>
-    </p:extLst>
-  </p:cSld>
-  <p:clrMapOvr>
-    <a:masterClrMapping/>
-  </p:clrMapOvr>
-</p:sld>
-</file>
-
-<file path=ppt/slides/slide33.xml><?xml version="1.0" encoding="utf-8"?>
-<p:sld xmlns:a="http://schemas.openxmlformats.org/drawingml/2006/main" xmlns:r="http://schemas.openxmlformats.org/officeDocument/2006/relationships" xmlns:p="http://schemas.openxmlformats.org/presentationml/2006/main">
-  <p:cSld>
-    <p:spTree>
-      <p:nvGrpSpPr>
-        <p:cNvPr id="1" name=""/>
-        <p:cNvGrpSpPr/>
-        <p:nvPr/>
-      </p:nvGrpSpPr>
-      <p:grpSpPr>
-        <a:xfrm>
-          <a:off x="0" y="0"/>
-          <a:ext cx="0" cy="0"/>
-          <a:chOff x="0" y="0"/>
-          <a:chExt cx="0" cy="0"/>
-        </a:xfrm>
-      </p:grpSpPr>
-      <p:sp>
-        <p:nvSpPr>
-          <p:cNvPr id="2" name="标题 1">
-            <a:extLst>
-              <a:ext uri="{FF2B5EF4-FFF2-40B4-BE49-F238E27FC236}">
-                <a16:creationId xmlns:a16="http://schemas.microsoft.com/office/drawing/2014/main" id="{71144530-05A0-203A-B14F-9A742B34F97B}"/>
-              </a:ext>
-            </a:extLst>
-          </p:cNvPr>
-          <p:cNvSpPr>
-            <a:spLocks noGrp="1"/>
-          </p:cNvSpPr>
-          <p:nvPr>
-            <p:ph type="title"/>
-          </p:nvPr>
-        </p:nvSpPr>
-        <p:spPr/>
-        <p:txBody>
-          <a:bodyPr/>
-          <a:lstStyle/>
-          <a:p>
-            <a:r>
-              <a:rPr lang="zh-CN" altLang="en-US" dirty="0"/>
-              <a:t>三个包的作用</a:t>
-            </a:r>
-          </a:p>
-        </p:txBody>
-      </p:sp>
-      <p:sp>
-        <p:nvSpPr>
-          <p:cNvPr id="3" name="内容占位符 2">
-            <a:extLst>
-              <a:ext uri="{FF2B5EF4-FFF2-40B4-BE49-F238E27FC236}">
-                <a16:creationId xmlns:a16="http://schemas.microsoft.com/office/drawing/2014/main" id="{7648B93C-E3D9-6981-49A5-D693ACA6C4D0}"/>
-              </a:ext>
-            </a:extLst>
-          </p:cNvPr>
-          <p:cNvSpPr>
-            <a:spLocks noGrp="1"/>
-          </p:cNvSpPr>
-          <p:nvPr>
-            <p:ph idx="1"/>
-          </p:nvPr>
-        </p:nvSpPr>
-        <p:spPr/>
-        <p:txBody>
-          <a:bodyPr>
-            <a:normAutofit lnSpcReduction="10000"/>
-          </a:bodyPr>
-          <a:lstStyle/>
-          <a:p>
-            <a:r>
-              <a:rPr lang="en-US" altLang="zh-CN" dirty="0" err="1"/>
-              <a:t>GameDriver</a:t>
-            </a:r>
-            <a:r>
-              <a:rPr lang="en-US" altLang="zh-CN" dirty="0"/>
-              <a:t> </a:t>
-            </a:r>
-            <a:r>
-              <a:rPr lang="zh-CN" altLang="en-US" dirty="0"/>
-              <a:t>包</a:t>
-            </a:r>
-            <a:r>
-              <a:rPr lang="en-US" altLang="zh-CN" dirty="0"/>
-              <a:t>: </a:t>
-            </a:r>
-            <a:r>
-              <a:rPr lang="zh-CN" altLang="en-US" dirty="0"/>
-              <a:t>程序启动包。它包含了 </a:t>
-            </a:r>
-            <a:r>
-              <a:rPr lang="en-US" altLang="zh-CN" dirty="0"/>
-              <a:t>Driver.java </a:t>
-            </a:r>
-            <a:r>
-              <a:rPr lang="zh-CN" altLang="en-US" dirty="0"/>
-              <a:t>文件，其中的 </a:t>
-            </a:r>
-            <a:r>
-              <a:rPr lang="en-US" altLang="zh-CN" dirty="0"/>
-              <a:t>main </a:t>
-            </a:r>
-            <a:r>
-              <a:rPr lang="zh-CN" altLang="en-US" dirty="0"/>
-              <a:t>方法是整个</a:t>
-            </a:r>
-            <a:r>
-              <a:rPr lang="en-US" altLang="zh-CN" dirty="0"/>
-              <a:t>Java</a:t>
-            </a:r>
-            <a:r>
-              <a:rPr lang="zh-CN" altLang="en-US" dirty="0"/>
-              <a:t>应用程序的入口点。它的唯一职责就是创建 </a:t>
-            </a:r>
-            <a:r>
-              <a:rPr lang="en-US" altLang="zh-CN" dirty="0"/>
-              <a:t>Menu </a:t>
-            </a:r>
-            <a:r>
-              <a:rPr lang="zh-CN" altLang="en-US" dirty="0"/>
-              <a:t>对象，从而启动游戏。</a:t>
-            </a:r>
-            <a:endParaRPr lang="en-US" altLang="zh-CN" dirty="0"/>
-          </a:p>
-          <a:p>
-            <a:r>
-              <a:rPr lang="en-US" altLang="zh-CN" dirty="0" err="1"/>
-              <a:t>UserInterface</a:t>
-            </a:r>
-            <a:r>
-              <a:rPr lang="en-US" altLang="zh-CN" dirty="0"/>
-              <a:t> </a:t>
-            </a:r>
-            <a:r>
-              <a:rPr lang="zh-CN" altLang="en-US" dirty="0"/>
-              <a:t>包</a:t>
-            </a:r>
-            <a:r>
-              <a:rPr lang="en-US" altLang="zh-CN" dirty="0"/>
-              <a:t>:</a:t>
-            </a:r>
-            <a:r>
-              <a:rPr lang="zh-CN" altLang="en-US" dirty="0"/>
-              <a:t>作用</a:t>
-            </a:r>
-            <a:r>
-              <a:rPr lang="en-US" altLang="zh-CN" dirty="0"/>
-              <a:t>: </a:t>
-            </a:r>
-            <a:r>
-              <a:rPr lang="zh-CN" altLang="en-US" dirty="0"/>
-              <a:t>用户界面与交互包。这是项目的核心部分，包含了所有与图形用户界面相关的类，例如 </a:t>
-            </a:r>
-            <a:r>
-              <a:rPr lang="en-US" altLang="zh-CN" dirty="0"/>
-              <a:t>Menu</a:t>
-            </a:r>
-            <a:r>
-              <a:rPr lang="zh-CN" altLang="en-US" dirty="0"/>
-              <a:t>、</a:t>
-            </a:r>
-            <a:r>
-              <a:rPr lang="en-US" altLang="zh-CN" dirty="0" err="1"/>
-              <a:t>GameBoard</a:t>
-            </a:r>
-            <a:r>
-              <a:rPr lang="zh-CN" altLang="en-US" dirty="0"/>
-              <a:t>、</a:t>
-            </a:r>
-            <a:r>
-              <a:rPr lang="en-US" altLang="zh-CN" dirty="0" err="1"/>
-              <a:t>SmartSquare</a:t>
-            </a:r>
-            <a:r>
-              <a:rPr lang="zh-CN" altLang="en-US" dirty="0"/>
-              <a:t>。同时，它也包含了一些直接服务于界面的逻辑类，如 </a:t>
-            </a:r>
-            <a:r>
-              <a:rPr lang="en-US" altLang="zh-CN" dirty="0" err="1"/>
-              <a:t>ProduceBombs</a:t>
-            </a:r>
-            <a:r>
-              <a:rPr lang="zh-CN" altLang="en-US" dirty="0"/>
-              <a:t>和 </a:t>
-            </a:r>
-            <a:r>
-              <a:rPr lang="en-US" altLang="zh-CN" dirty="0" err="1"/>
-              <a:t>CheckSquare</a:t>
-            </a:r>
-            <a:r>
-              <a:rPr lang="zh-CN" altLang="en-US" dirty="0"/>
-              <a:t>这些类紧密地与界面交互。</a:t>
-            </a:r>
-            <a:endParaRPr lang="en-US" altLang="zh-CN" dirty="0"/>
-          </a:p>
-          <a:p>
-            <a:r>
-              <a:rPr lang="en-US" altLang="zh-CN" dirty="0"/>
-              <a:t>Library </a:t>
-            </a:r>
-            <a:r>
-              <a:rPr lang="zh-CN" altLang="en-US" dirty="0"/>
-              <a:t>包</a:t>
-            </a:r>
-            <a:r>
-              <a:rPr lang="en-US" altLang="zh-CN" dirty="0"/>
-              <a:t>: </a:t>
-            </a:r>
-            <a:r>
-              <a:rPr lang="zh-CN" altLang="en-US" dirty="0"/>
-              <a:t>通用功能库包。它提供了一些通用的、可被其他包复用的组件或工具。例如，</a:t>
-            </a:r>
-            <a:r>
-              <a:rPr lang="en-US" altLang="zh-CN" dirty="0" err="1"/>
-              <a:t>TimeChecker</a:t>
-            </a:r>
-            <a:r>
-              <a:rPr lang="en-US" altLang="zh-CN" dirty="0"/>
-              <a:t> </a:t>
-            </a:r>
-            <a:r>
-              <a:rPr lang="zh-CN" altLang="en-US" dirty="0"/>
-              <a:t>是一个时间格式化工具，而 </a:t>
-            </a:r>
-            <a:r>
-              <a:rPr lang="en-US" altLang="zh-CN" dirty="0"/>
-              <a:t>Bomb </a:t>
-            </a:r>
-            <a:r>
-              <a:rPr lang="zh-CN" altLang="en-US" dirty="0"/>
-              <a:t>是一个抽象基类，为地雷的生成提供了一个通用的模板。这个包旨在将一些基础或辅助功能与具体的界面逻辑分离开。</a:t>
-            </a:r>
-          </a:p>
-        </p:txBody>
-      </p:sp>
-    </p:spTree>
-    <p:extLst>
-      <p:ext uri="{BB962C8B-B14F-4D97-AF65-F5344CB8AC3E}">
-        <p14:creationId xmlns:p14="http://schemas.microsoft.com/office/powerpoint/2010/main" val="192070929"/>
-      </p:ext>
-    </p:extLst>
-  </p:cSld>
-  <p:clrMapOvr>
-    <a:masterClrMapping/>
-  </p:clrMapOvr>
-</p:sld>
-</file>
-
-<file path=ppt/slides/slide34.xml><?xml version="1.0" encoding="utf-8"?>
-<p:sld xmlns:a="http://schemas.openxmlformats.org/drawingml/2006/main" xmlns:r="http://schemas.openxmlformats.org/officeDocument/2006/relationships" xmlns:p="http://schemas.openxmlformats.org/presentationml/2006/main">
-  <p:cSld>
-    <p:spTree>
-      <p:nvGrpSpPr>
-        <p:cNvPr id="1" name=""/>
-        <p:cNvGrpSpPr/>
-        <p:nvPr/>
-      </p:nvGrpSpPr>
-      <p:grpSpPr>
-        <a:xfrm>
-          <a:off x="0" y="0"/>
-          <a:ext cx="0" cy="0"/>
-          <a:chOff x="0" y="0"/>
-          <a:chExt cx="0" cy="0"/>
-        </a:xfrm>
-      </p:grpSpPr>
-      <p:sp>
-        <p:nvSpPr>
-          <p:cNvPr id="2" name="标题 1">
-            <a:extLst>
-              <a:ext uri="{FF2B5EF4-FFF2-40B4-BE49-F238E27FC236}">
-                <a16:creationId xmlns:a16="http://schemas.microsoft.com/office/drawing/2014/main" id="{37C80F1D-9C19-0F17-A2C6-66E47211E381}"/>
-              </a:ext>
-            </a:extLst>
-          </p:cNvPr>
-          <p:cNvSpPr>
-            <a:spLocks noGrp="1"/>
-          </p:cNvSpPr>
-          <p:nvPr>
-            <p:ph type="title"/>
-          </p:nvPr>
-        </p:nvSpPr>
-        <p:spPr/>
-        <p:txBody>
-          <a:bodyPr/>
-          <a:lstStyle/>
-          <a:p>
-            <a:r>
-              <a:rPr lang="en-US" altLang="zh-CN" dirty="0" err="1"/>
-              <a:t>GameDriver</a:t>
-            </a:r>
-            <a:endParaRPr lang="zh-CN" altLang="en-US" dirty="0"/>
-          </a:p>
-        </p:txBody>
-      </p:sp>
-      <p:sp>
-        <p:nvSpPr>
-          <p:cNvPr id="3" name="内容占位符 2">
-            <a:extLst>
-              <a:ext uri="{FF2B5EF4-FFF2-40B4-BE49-F238E27FC236}">
-                <a16:creationId xmlns:a16="http://schemas.microsoft.com/office/drawing/2014/main" id="{A7AEE359-51F2-6716-C5F5-0CF4784BF4FE}"/>
-              </a:ext>
-            </a:extLst>
-          </p:cNvPr>
-          <p:cNvSpPr>
-            <a:spLocks noGrp="1"/>
-          </p:cNvSpPr>
-          <p:nvPr>
-            <p:ph idx="1"/>
-          </p:nvPr>
-        </p:nvSpPr>
-        <p:spPr/>
-        <p:txBody>
-          <a:bodyPr/>
-          <a:lstStyle/>
-          <a:p>
-            <a:r>
-              <a:rPr lang="en-US" altLang="zh-CN" dirty="0"/>
-              <a:t>Driver.java: </a:t>
-            </a:r>
-            <a:r>
-              <a:rPr lang="zh-CN" altLang="en-US" dirty="0"/>
-              <a:t>作用</a:t>
-            </a:r>
-            <a:r>
-              <a:rPr lang="en-US" altLang="zh-CN" dirty="0"/>
-              <a:t>: </a:t>
-            </a:r>
-            <a:r>
-              <a:rPr lang="zh-CN" altLang="en-US" dirty="0"/>
-              <a:t>程序的入口。它的</a:t>
-            </a:r>
-            <a:r>
-              <a:rPr lang="en-US" altLang="zh-CN" dirty="0"/>
-              <a:t>main</a:t>
-            </a:r>
-            <a:r>
-              <a:rPr lang="zh-CN" altLang="en-US" dirty="0"/>
-              <a:t>方法通过创建</a:t>
-            </a:r>
-            <a:r>
-              <a:rPr lang="en-US" altLang="zh-CN" dirty="0"/>
-              <a:t>Menu</a:t>
-            </a:r>
-            <a:r>
-              <a:rPr lang="zh-CN" altLang="en-US" dirty="0"/>
-              <a:t>对象来启动整个游戏</a:t>
-            </a:r>
-          </a:p>
-        </p:txBody>
-      </p:sp>
-    </p:spTree>
-    <p:extLst>
-      <p:ext uri="{BB962C8B-B14F-4D97-AF65-F5344CB8AC3E}">
-        <p14:creationId xmlns:p14="http://schemas.microsoft.com/office/powerpoint/2010/main" val="1624450863"/>
-      </p:ext>
-    </p:extLst>
-  </p:cSld>
-  <p:clrMapOvr>
-    <a:masterClrMapping/>
-  </p:clrMapOvr>
-</p:sld>
-</file>
-
-<file path=ppt/slides/slide35.xml><?xml version="1.0" encoding="utf-8"?>
-<p:sld xmlns:a="http://schemas.openxmlformats.org/drawingml/2006/main" xmlns:r="http://schemas.openxmlformats.org/officeDocument/2006/relationships" xmlns:p="http://schemas.openxmlformats.org/presentationml/2006/main">
-  <p:cSld>
-    <p:spTree>
-      <p:nvGrpSpPr>
-        <p:cNvPr id="1" name=""/>
-        <p:cNvGrpSpPr/>
-        <p:nvPr/>
-      </p:nvGrpSpPr>
-      <p:grpSpPr>
-        <a:xfrm>
-          <a:off x="0" y="0"/>
-          <a:ext cx="0" cy="0"/>
-          <a:chOff x="0" y="0"/>
-          <a:chExt cx="0" cy="0"/>
-        </a:xfrm>
-      </p:grpSpPr>
-      <p:sp>
-        <p:nvSpPr>
-          <p:cNvPr id="2" name="标题 1">
-            <a:extLst>
-              <a:ext uri="{FF2B5EF4-FFF2-40B4-BE49-F238E27FC236}">
-                <a16:creationId xmlns:a16="http://schemas.microsoft.com/office/drawing/2014/main" id="{9209CCCB-2E08-C360-FAC9-458DFA8D1065}"/>
-              </a:ext>
-            </a:extLst>
-          </p:cNvPr>
-          <p:cNvSpPr>
-            <a:spLocks noGrp="1"/>
-          </p:cNvSpPr>
-          <p:nvPr>
-            <p:ph type="title"/>
-          </p:nvPr>
-        </p:nvSpPr>
-        <p:spPr/>
-        <p:txBody>
-          <a:bodyPr/>
-          <a:lstStyle/>
-          <a:p>
-            <a:r>
-              <a:rPr lang="en-US" altLang="zh-CN" dirty="0" err="1"/>
-              <a:t>UserInterface</a:t>
-            </a:r>
-            <a:endParaRPr lang="zh-CN" altLang="en-US" dirty="0"/>
-          </a:p>
-        </p:txBody>
-      </p:sp>
-      <p:sp>
-        <p:nvSpPr>
-          <p:cNvPr id="3" name="内容占位符 2">
-            <a:extLst>
-              <a:ext uri="{FF2B5EF4-FFF2-40B4-BE49-F238E27FC236}">
-                <a16:creationId xmlns:a16="http://schemas.microsoft.com/office/drawing/2014/main" id="{DEC19B4A-6F0D-8251-45BB-43100646FBFA}"/>
-              </a:ext>
-            </a:extLst>
-          </p:cNvPr>
-          <p:cNvSpPr>
-            <a:spLocks noGrp="1"/>
-          </p:cNvSpPr>
-          <p:nvPr>
-            <p:ph idx="1"/>
-          </p:nvPr>
-        </p:nvSpPr>
-        <p:spPr/>
-        <p:txBody>
-          <a:bodyPr>
-            <a:normAutofit/>
-          </a:bodyPr>
-          <a:lstStyle/>
-          <a:p>
-            <a:r>
-              <a:rPr lang="en-US" altLang="zh-CN" dirty="0"/>
-              <a:t>Menu.java: </a:t>
-            </a:r>
-            <a:r>
-              <a:rPr lang="zh-CN" altLang="en-US" dirty="0"/>
-              <a:t>游戏开始菜单。它提供一个窗口让玩家选择游戏难度（初级、中级、高级）或自定义棋盘的尺寸和雷数。选择后，它会根据设置创建</a:t>
-            </a:r>
-            <a:r>
-              <a:rPr lang="en-US" altLang="zh-CN" dirty="0" err="1"/>
-              <a:t>GameBoard</a:t>
-            </a:r>
-            <a:r>
-              <a:rPr lang="zh-CN" altLang="en-US" dirty="0"/>
-              <a:t>对象开始新游戏。</a:t>
-            </a:r>
-            <a:endParaRPr lang="en-US" altLang="zh-CN" dirty="0"/>
-          </a:p>
-          <a:p>
-            <a:r>
-              <a:rPr lang="en-US" altLang="zh-CN" dirty="0"/>
-              <a:t>GameBoard.java: </a:t>
-            </a:r>
-            <a:r>
-              <a:rPr lang="zh-CN" altLang="en-US" dirty="0"/>
-              <a:t>游戏主棋盘。这是一个</a:t>
-            </a:r>
-            <a:r>
-              <a:rPr lang="en-US" altLang="zh-CN" dirty="0" err="1"/>
-              <a:t>JFrame</a:t>
-            </a:r>
-            <a:r>
-              <a:rPr lang="zh-CN" altLang="en-US" dirty="0"/>
-              <a:t>窗口，使用</a:t>
-            </a:r>
-            <a:r>
-              <a:rPr lang="en-US" altLang="zh-CN" dirty="0" err="1"/>
-              <a:t>GridLayout</a:t>
-            </a:r>
-            <a:r>
-              <a:rPr lang="zh-CN" altLang="en-US" dirty="0"/>
-              <a:t>网格布局来容纳所有的</a:t>
-            </a:r>
-            <a:r>
-              <a:rPr lang="en-US" altLang="zh-CN" dirty="0" err="1"/>
-              <a:t>GameSquare</a:t>
-            </a:r>
-            <a:r>
-              <a:rPr lang="zh-CN" altLang="en-US" dirty="0"/>
-              <a:t>（方块）。它负责创建并管理二维数组的方块</a:t>
-            </a:r>
-            <a:endParaRPr lang="en-US" altLang="zh-CN" dirty="0"/>
-          </a:p>
-          <a:p>
-            <a:r>
-              <a:rPr lang="en-US" altLang="zh-CN" dirty="0"/>
-              <a:t>GameSquare.java: </a:t>
-            </a:r>
-            <a:r>
-              <a:rPr lang="zh-CN" altLang="en-US" dirty="0"/>
-              <a:t>游戏方块的抽象基类。它继承自</a:t>
-            </a:r>
-            <a:r>
-              <a:rPr lang="en-US" altLang="zh-CN" dirty="0" err="1"/>
-              <a:t>JButton</a:t>
-            </a:r>
-            <a:r>
-              <a:rPr lang="zh-CN" altLang="en-US" dirty="0"/>
-              <a:t>，定义了所有方块共有的属性（如坐标）和行为（如抽象的</a:t>
-            </a:r>
-            <a:r>
-              <a:rPr lang="en-US" altLang="zh-CN" dirty="0"/>
-              <a:t>clicked()</a:t>
-            </a:r>
-            <a:r>
-              <a:rPr lang="zh-CN" altLang="en-US" dirty="0"/>
-              <a:t>方法）。</a:t>
-            </a:r>
-          </a:p>
-        </p:txBody>
-      </p:sp>
-    </p:spTree>
-    <p:extLst>
-      <p:ext uri="{BB962C8B-B14F-4D97-AF65-F5344CB8AC3E}">
-        <p14:creationId xmlns:p14="http://schemas.microsoft.com/office/powerpoint/2010/main" val="2250320814"/>
-      </p:ext>
-    </p:extLst>
-  </p:cSld>
-  <p:clrMapOvr>
-    <a:masterClrMapping/>
-  </p:clrMapOvr>
-</p:sld>
-</file>
-
-<file path=ppt/slides/slide36.xml><?xml version="1.0" encoding="utf-8"?>
-<p:sld xmlns:a="http://schemas.openxmlformats.org/drawingml/2006/main" xmlns:r="http://schemas.openxmlformats.org/officeDocument/2006/relationships" xmlns:p="http://schemas.openxmlformats.org/presentationml/2006/main">
-  <p:cSld>
-    <p:spTree>
-      <p:nvGrpSpPr>
-        <p:cNvPr id="1" name=""/>
-        <p:cNvGrpSpPr/>
-        <p:nvPr/>
-      </p:nvGrpSpPr>
-      <p:grpSpPr>
-        <a:xfrm>
-          <a:off x="0" y="0"/>
-          <a:ext cx="0" cy="0"/>
-          <a:chOff x="0" y="0"/>
-          <a:chExt cx="0" cy="0"/>
-        </a:xfrm>
-      </p:grpSpPr>
-      <p:sp>
-        <p:nvSpPr>
-          <p:cNvPr id="2" name="标题 1">
-            <a:extLst>
-              <a:ext uri="{FF2B5EF4-FFF2-40B4-BE49-F238E27FC236}">
-                <a16:creationId xmlns:a16="http://schemas.microsoft.com/office/drawing/2014/main" id="{F828C39A-3CAC-C1EC-15EE-F3938C946B40}"/>
-              </a:ext>
-            </a:extLst>
-          </p:cNvPr>
-          <p:cNvSpPr>
-            <a:spLocks noGrp="1"/>
-          </p:cNvSpPr>
-          <p:nvPr>
-            <p:ph type="title"/>
-          </p:nvPr>
-        </p:nvSpPr>
-        <p:spPr/>
-        <p:txBody>
-          <a:bodyPr/>
-          <a:lstStyle/>
-          <a:p>
-            <a:r>
-              <a:rPr lang="en-US" altLang="zh-CN" dirty="0" err="1"/>
-              <a:t>UserInterface</a:t>
-            </a:r>
-            <a:endParaRPr lang="zh-CN" altLang="en-US" dirty="0"/>
-          </a:p>
-        </p:txBody>
-      </p:sp>
-      <p:sp>
-        <p:nvSpPr>
-          <p:cNvPr id="3" name="内容占位符 2">
-            <a:extLst>
-              <a:ext uri="{FF2B5EF4-FFF2-40B4-BE49-F238E27FC236}">
-                <a16:creationId xmlns:a16="http://schemas.microsoft.com/office/drawing/2014/main" id="{5A3941BD-EECC-1AAE-7CE4-1D7CF3139FE9}"/>
-              </a:ext>
-            </a:extLst>
-          </p:cNvPr>
-          <p:cNvSpPr>
-            <a:spLocks noGrp="1"/>
-          </p:cNvSpPr>
-          <p:nvPr>
-            <p:ph idx="1"/>
-          </p:nvPr>
-        </p:nvSpPr>
-        <p:spPr/>
-        <p:txBody>
-          <a:bodyPr>
-            <a:normAutofit/>
-          </a:bodyPr>
-          <a:lstStyle/>
-          <a:p>
-            <a:r>
-              <a:rPr lang="en-US" altLang="zh-CN" dirty="0"/>
-              <a:t>SmartSquare.java: </a:t>
-            </a:r>
-            <a:r>
-              <a:rPr lang="zh-CN" altLang="en-US" dirty="0"/>
-              <a:t>游戏方块的具体实现。它继承自</a:t>
-            </a:r>
-            <a:r>
-              <a:rPr lang="en-US" altLang="zh-CN" dirty="0" err="1"/>
-              <a:t>GameSquare</a:t>
-            </a:r>
-            <a:r>
-              <a:rPr lang="zh-CN" altLang="en-US" dirty="0"/>
-              <a:t>，并实现了</a:t>
-            </a:r>
-            <a:r>
-              <a:rPr lang="en-US" altLang="zh-CN" dirty="0" err="1"/>
-              <a:t>MouseListener</a:t>
-            </a:r>
-            <a:r>
-              <a:rPr lang="zh-CN" altLang="en-US" dirty="0"/>
-              <a:t>来处理玩家的点击操作（左键挖开，右键标记）。它包含了方块的核心逻辑，例如：是否是雷、是否被翻开、是否被标记等状态。当被点击时，它会执行相应的游戏逻辑。</a:t>
-            </a:r>
-            <a:endParaRPr lang="en-US" altLang="zh-CN" dirty="0"/>
-          </a:p>
-          <a:p>
-            <a:r>
-              <a:rPr lang="en-US" altLang="zh-CN" dirty="0"/>
-              <a:t>ProduceBombs.java: </a:t>
-            </a:r>
-            <a:r>
-              <a:rPr lang="zh-CN" altLang="en-US" dirty="0"/>
-              <a:t>地雷的生成器。它继承自</a:t>
-            </a:r>
-            <a:r>
-              <a:rPr lang="en-US" altLang="zh-CN" dirty="0"/>
-              <a:t>Bomb</a:t>
-            </a:r>
-            <a:r>
-              <a:rPr lang="zh-CN" altLang="en-US" dirty="0"/>
-              <a:t>，负责在</a:t>
-            </a:r>
-            <a:r>
-              <a:rPr lang="en-US" altLang="zh-CN" dirty="0" err="1"/>
-              <a:t>GameBoard</a:t>
-            </a:r>
-            <a:r>
-              <a:rPr lang="zh-CN" altLang="en-US" dirty="0"/>
-              <a:t>上随机地布置指定数量的地雷。为了避免在同一个位置重复生成地雷，它包含了一个检查机制。</a:t>
-            </a:r>
-            <a:endParaRPr lang="en-US" altLang="zh-CN" dirty="0"/>
-          </a:p>
-          <a:p>
-            <a:r>
-              <a:rPr lang="en-US" altLang="zh-CN" dirty="0"/>
-              <a:t>CheckSquare.java: </a:t>
-            </a:r>
-            <a:r>
-              <a:rPr lang="zh-CN" altLang="en-US" dirty="0"/>
-              <a:t>游戏逻辑检查器。当玩家点击一个非雷方块时，这个类负责计算其周围的雷数，并递归地翻开相邻的空白方块（如果周围没有雷）。它也负责判断游戏是否胜利。</a:t>
-            </a:r>
-          </a:p>
-          <a:p>
-            <a:endParaRPr lang="zh-CN" altLang="en-US" dirty="0"/>
-          </a:p>
-        </p:txBody>
-      </p:sp>
-    </p:spTree>
-    <p:extLst>
-      <p:ext uri="{BB962C8B-B14F-4D97-AF65-F5344CB8AC3E}">
-        <p14:creationId xmlns:p14="http://schemas.microsoft.com/office/powerpoint/2010/main" val="2964252276"/>
-      </p:ext>
-    </p:extLst>
-  </p:cSld>
-  <p:clrMapOvr>
-    <a:masterClrMapping/>
-  </p:clrMapOvr>
-</p:sld>
-</file>
-
-<file path=ppt/slides/slide37.xml><?xml version="1.0" encoding="utf-8"?>
-<p:sld xmlns:a="http://schemas.openxmlformats.org/drawingml/2006/main" xmlns:r="http://schemas.openxmlformats.org/officeDocument/2006/relationships" xmlns:p="http://schemas.openxmlformats.org/presentationml/2006/main">
-  <p:cSld>
-    <p:spTree>
-      <p:nvGrpSpPr>
-        <p:cNvPr id="1" name=""/>
-        <p:cNvGrpSpPr/>
-        <p:nvPr/>
-      </p:nvGrpSpPr>
-      <p:grpSpPr>
-        <a:xfrm>
-          <a:off x="0" y="0"/>
-          <a:ext cx="0" cy="0"/>
-          <a:chOff x="0" y="0"/>
-          <a:chExt cx="0" cy="0"/>
-        </a:xfrm>
-      </p:grpSpPr>
-      <p:sp>
-        <p:nvSpPr>
-          <p:cNvPr id="2" name="标题 1">
-            <a:extLst>
-              <a:ext uri="{FF2B5EF4-FFF2-40B4-BE49-F238E27FC236}">
-                <a16:creationId xmlns:a16="http://schemas.microsoft.com/office/drawing/2014/main" id="{F37A5398-88B2-97E2-3F0C-8C8A13774D89}"/>
-              </a:ext>
-            </a:extLst>
-          </p:cNvPr>
-          <p:cNvSpPr>
-            <a:spLocks noGrp="1"/>
-          </p:cNvSpPr>
-          <p:nvPr>
-            <p:ph type="title"/>
-          </p:nvPr>
-        </p:nvSpPr>
-        <p:spPr/>
-        <p:txBody>
-          <a:bodyPr/>
-          <a:lstStyle/>
-          <a:p>
-            <a:r>
-              <a:rPr lang="en-US" altLang="zh-CN" dirty="0"/>
-              <a:t>Library</a:t>
-            </a:r>
-            <a:endParaRPr lang="zh-CN" altLang="en-US" dirty="0"/>
-          </a:p>
-        </p:txBody>
-      </p:sp>
-      <p:sp>
-        <p:nvSpPr>
-          <p:cNvPr id="3" name="内容占位符 2">
-            <a:extLst>
-              <a:ext uri="{FF2B5EF4-FFF2-40B4-BE49-F238E27FC236}">
-                <a16:creationId xmlns:a16="http://schemas.microsoft.com/office/drawing/2014/main" id="{52EB2B6A-8EE7-0360-1EE9-87248F2DEA3E}"/>
-              </a:ext>
-            </a:extLst>
-          </p:cNvPr>
-          <p:cNvSpPr>
-            <a:spLocks noGrp="1"/>
-          </p:cNvSpPr>
-          <p:nvPr>
-            <p:ph idx="1"/>
-          </p:nvPr>
-        </p:nvSpPr>
-        <p:spPr/>
-        <p:txBody>
-          <a:bodyPr/>
-          <a:lstStyle/>
-          <a:p>
-            <a:r>
-              <a:rPr lang="en-US" altLang="zh-CN" dirty="0"/>
-              <a:t>Bomb.java: </a:t>
-            </a:r>
-            <a:r>
-              <a:rPr lang="zh-CN" altLang="en-US" dirty="0"/>
-              <a:t>雷的抽象基类。它定义了生成雷所需要的基本属性（如游戏棋盘</a:t>
-            </a:r>
-            <a:r>
-              <a:rPr lang="en-US" altLang="zh-CN" dirty="0"/>
-              <a:t>board</a:t>
-            </a:r>
-            <a:r>
-              <a:rPr lang="zh-CN" altLang="en-US" dirty="0"/>
-              <a:t>）和抽象行为（</a:t>
-            </a:r>
-            <a:r>
-              <a:rPr lang="en-US" altLang="zh-CN" dirty="0" err="1"/>
-              <a:t>reproduceBomb</a:t>
-            </a:r>
-            <a:r>
-              <a:rPr lang="zh-CN" altLang="en-US" dirty="0"/>
-              <a:t>方法），具体的生成逻辑由子类</a:t>
-            </a:r>
-            <a:r>
-              <a:rPr lang="en-US" altLang="zh-CN" dirty="0" err="1"/>
-              <a:t>ProduceBombs</a:t>
-            </a:r>
-            <a:r>
-              <a:rPr lang="zh-CN" altLang="en-US" dirty="0"/>
-              <a:t>实现。</a:t>
-            </a:r>
-            <a:endParaRPr lang="en-US" altLang="zh-CN" dirty="0"/>
-          </a:p>
-          <a:p>
-            <a:r>
-              <a:rPr lang="en-US" altLang="zh-CN" dirty="0"/>
-              <a:t>TimeChecker.java: </a:t>
-            </a:r>
-            <a:r>
-              <a:rPr lang="zh-CN" altLang="en-US" dirty="0"/>
-              <a:t>时间计算工具。这是一个接口，提供了一个静态方法</a:t>
-            </a:r>
-            <a:r>
-              <a:rPr lang="en-US" altLang="zh-CN" dirty="0" err="1"/>
-              <a:t>calculateTime</a:t>
-            </a:r>
-            <a:r>
-              <a:rPr lang="zh-CN" altLang="en-US" dirty="0"/>
-              <a:t>，用于将毫秒数格式化为更易读的“时</a:t>
-            </a:r>
-            <a:r>
-              <a:rPr lang="en-US" altLang="zh-CN" dirty="0"/>
-              <a:t>-</a:t>
-            </a:r>
-            <a:r>
-              <a:rPr lang="zh-CN" altLang="en-US" dirty="0"/>
-              <a:t>分</a:t>
-            </a:r>
-            <a:r>
-              <a:rPr lang="en-US" altLang="zh-CN" dirty="0"/>
-              <a:t>-</a:t>
-            </a:r>
-            <a:r>
-              <a:rPr lang="zh-CN" altLang="en-US" dirty="0"/>
-              <a:t>秒</a:t>
-            </a:r>
-            <a:r>
-              <a:rPr lang="en-US" altLang="zh-CN" dirty="0"/>
-              <a:t>-</a:t>
-            </a:r>
-            <a:r>
-              <a:rPr lang="zh-CN" altLang="en-US" dirty="0"/>
-              <a:t>毫秒”字符串。</a:t>
-            </a:r>
-          </a:p>
-        </p:txBody>
-      </p:sp>
-    </p:spTree>
-    <p:extLst>
-      <p:ext uri="{BB962C8B-B14F-4D97-AF65-F5344CB8AC3E}">
-        <p14:creationId xmlns:p14="http://schemas.microsoft.com/office/powerpoint/2010/main" val="1985954015"/>
-      </p:ext>
-    </p:extLst>
-  </p:cSld>
-  <p:clrMapOvr>
-    <a:masterClrMapping/>
-  </p:clrMapOvr>
-</p:sld>
-</file>
-
 <file path=ppt/slides/slide4.xml><?xml version="1.0" encoding="utf-8"?>
 <p:sld xmlns:a="http://schemas.openxmlformats.org/drawingml/2006/main" xmlns:r="http://schemas.openxmlformats.org/officeDocument/2006/relationships" xmlns:p="http://schemas.openxmlformats.org/presentationml/2006/main">
   <p:cSld>
@@ -15294,6 +14363,293 @@
           </a:prstGeom>
         </p:spPr>
       </p:pic>
+      <p:sp>
+        <p:nvSpPr>
+          <p:cNvPr id="2" name="文本框 1">
+            <a:extLst>
+              <a:ext uri="{FF2B5EF4-FFF2-40B4-BE49-F238E27FC236}">
+                <a16:creationId xmlns:a16="http://schemas.microsoft.com/office/drawing/2014/main" id="{0745A0CA-5D0C-C704-BB51-36338D121505}"/>
+              </a:ext>
+            </a:extLst>
+          </p:cNvPr>
+          <p:cNvSpPr txBox="1"/>
+          <p:nvPr/>
+        </p:nvSpPr>
+        <p:spPr>
+          <a:xfrm>
+            <a:off x="5411756" y="378358"/>
+            <a:ext cx="6780244" cy="6186309"/>
+          </a:xfrm>
+          <a:prstGeom prst="rect">
+            <a:avLst/>
+          </a:prstGeom>
+          <a:noFill/>
+        </p:spPr>
+        <p:txBody>
+          <a:bodyPr wrap="square" rtlCol="0">
+            <a:spAutoFit/>
+          </a:bodyPr>
+          <a:lstStyle/>
+          <a:p>
+            <a:r>
+              <a:rPr lang="en-US" altLang="zh-CN" b="1" dirty="0"/>
+              <a:t>1. </a:t>
+            </a:r>
+            <a:r>
+              <a:rPr lang="en-US" altLang="zh-CN" b="1" dirty="0" err="1"/>
+              <a:t>BombPlacer</a:t>
+            </a:r>
+            <a:r>
+              <a:rPr lang="zh-CN" altLang="en-US" b="1" dirty="0"/>
+              <a:t>和</a:t>
+            </a:r>
+            <a:r>
+              <a:rPr lang="en-US" altLang="zh-CN" b="1" dirty="0" err="1"/>
+              <a:t>GameBoard</a:t>
+            </a:r>
+            <a:r>
+              <a:rPr lang="zh-CN" altLang="en-US" b="1" dirty="0"/>
+              <a:t>之间存在紧密耦合</a:t>
+            </a:r>
+            <a:r>
+              <a:rPr lang="en-US" altLang="zh-CN" b="1" dirty="0"/>
+              <a:t>: </a:t>
+            </a:r>
+            <a:r>
+              <a:rPr lang="en-US" altLang="zh-CN" dirty="0" err="1"/>
+              <a:t>BombPlacer</a:t>
+            </a:r>
+            <a:r>
+              <a:rPr lang="zh-CN" altLang="en-US" dirty="0"/>
+              <a:t>在其构造函数中直接接收一个</a:t>
+            </a:r>
+            <a:r>
+              <a:rPr lang="en-US" altLang="zh-CN" dirty="0" err="1"/>
+              <a:t>GameBoard</a:t>
+            </a:r>
+            <a:r>
+              <a:rPr lang="zh-CN" altLang="en-US" dirty="0"/>
+              <a:t>实例。它直接调用</a:t>
+            </a:r>
+            <a:r>
+              <a:rPr lang="en-US" altLang="zh-CN" dirty="0" err="1"/>
+              <a:t>board.getSquareAt</a:t>
+            </a:r>
+            <a:r>
+              <a:rPr lang="en-US" altLang="zh-CN" dirty="0"/>
+              <a:t>()</a:t>
+            </a:r>
+            <a:r>
+              <a:rPr lang="zh-CN" altLang="en-US" dirty="0"/>
+              <a:t>和</a:t>
+            </a:r>
+            <a:r>
+              <a:rPr lang="en-US" altLang="zh-CN" dirty="0" err="1"/>
+              <a:t>square.setBombExist</a:t>
+            </a:r>
+            <a:r>
+              <a:rPr lang="en-US" altLang="zh-CN" dirty="0"/>
+              <a:t>()</a:t>
+            </a:r>
+            <a:r>
+              <a:rPr lang="zh-CN" altLang="en-US" dirty="0"/>
+              <a:t>来修改</a:t>
+            </a:r>
+            <a:r>
+              <a:rPr lang="en-US" altLang="zh-CN" dirty="0" err="1"/>
+              <a:t>GameBoard</a:t>
+            </a:r>
+            <a:r>
+              <a:rPr lang="zh-CN" altLang="en-US" dirty="0"/>
+              <a:t>的内部状态。这种紧密耦合使得</a:t>
+            </a:r>
+            <a:r>
+              <a:rPr lang="en-US" altLang="zh-CN" dirty="0" err="1"/>
+              <a:t>BombPlacer</a:t>
+            </a:r>
+            <a:r>
+              <a:rPr lang="zh-CN" altLang="en-US" dirty="0"/>
+              <a:t>无法独立于</a:t>
+            </a:r>
+            <a:r>
+              <a:rPr lang="en-US" altLang="zh-CN" dirty="0" err="1"/>
+              <a:t>GameBoard</a:t>
+            </a:r>
+            <a:r>
+              <a:rPr lang="zh-CN" altLang="en-US" dirty="0"/>
+              <a:t>进行测试或重用。如果</a:t>
+            </a:r>
+            <a:r>
+              <a:rPr lang="en-US" altLang="zh-CN" dirty="0" err="1"/>
+              <a:t>GameBoard</a:t>
+            </a:r>
+            <a:r>
+              <a:rPr lang="zh-CN" altLang="en-US" dirty="0"/>
+              <a:t>的实现发生变化（例如，改变其存储</a:t>
+            </a:r>
+            <a:r>
+              <a:rPr lang="en-US" altLang="zh-CN" dirty="0" err="1"/>
+              <a:t>GameSquare</a:t>
+            </a:r>
+            <a:r>
+              <a:rPr lang="zh-CN" altLang="en-US" dirty="0"/>
+              <a:t>的方式），</a:t>
+            </a:r>
+            <a:r>
+              <a:rPr lang="en-US" altLang="zh-CN" dirty="0" err="1"/>
+              <a:t>BombPlacer</a:t>
+            </a:r>
+            <a:r>
+              <a:rPr lang="zh-CN" altLang="en-US" dirty="0"/>
+              <a:t>的代码也可能需要修改。</a:t>
+            </a:r>
+            <a:endParaRPr lang="en-US" altLang="zh-CN" dirty="0"/>
+          </a:p>
+          <a:p>
+            <a:endParaRPr lang="en-US" altLang="zh-CN" dirty="0"/>
+          </a:p>
+          <a:p>
+            <a:r>
+              <a:rPr lang="en-US" altLang="zh-CN" b="1" dirty="0"/>
+              <a:t>2. </a:t>
+            </a:r>
+            <a:r>
+              <a:rPr lang="zh-CN" altLang="en-US" b="1" dirty="0"/>
+              <a:t>职责分散，逻辑混乱</a:t>
+            </a:r>
+            <a:r>
+              <a:rPr lang="en-US" altLang="zh-CN" b="1" dirty="0"/>
+              <a:t>: </a:t>
+            </a:r>
+            <a:r>
+              <a:rPr lang="zh-CN" altLang="en-US" dirty="0"/>
+              <a:t>在</a:t>
+            </a:r>
+            <a:r>
+              <a:rPr lang="en-US" altLang="zh-CN" dirty="0"/>
+              <a:t>BombPlacer.java</a:t>
+            </a:r>
+            <a:r>
+              <a:rPr lang="zh-CN" altLang="en-US" dirty="0"/>
+              <a:t>中，布雷逻辑 </a:t>
+            </a:r>
+            <a:r>
+              <a:rPr lang="en-US" altLang="zh-CN" dirty="0" err="1"/>
+              <a:t>placeBombs</a:t>
+            </a:r>
+            <a:r>
+              <a:rPr lang="en-US" altLang="zh-CN" dirty="0"/>
+              <a:t>()</a:t>
+            </a:r>
+            <a:r>
+              <a:rPr lang="zh-CN" altLang="en-US" dirty="0"/>
+              <a:t>被放在了构造函数里。这通常不是一个好的实践，构造函数应该只负责对象的初始化。将核心逻辑放在构造函数中会使类的行为变得不明确，并且难以测试。   </a:t>
+            </a:r>
+            <a:r>
+              <a:rPr lang="en-US" altLang="zh-CN" dirty="0" err="1"/>
+              <a:t>BombPlacer</a:t>
+            </a:r>
+            <a:r>
+              <a:rPr lang="zh-CN" altLang="en-US" dirty="0"/>
+              <a:t>中有一行可疑的代码</a:t>
+            </a:r>
+            <a:r>
+              <a:rPr lang="en-US" altLang="zh-CN" dirty="0" err="1"/>
+              <a:t>square.setTraverse</a:t>
+            </a:r>
+            <a:r>
+              <a:rPr lang="en-US" altLang="zh-CN" dirty="0"/>
+              <a:t>(true)</a:t>
+            </a:r>
+            <a:r>
+              <a:rPr lang="zh-CN" altLang="en-US" dirty="0"/>
+              <a:t>。这似乎是一个 </a:t>
+            </a:r>
+            <a:r>
+              <a:rPr lang="en-US" altLang="zh-CN" dirty="0"/>
+              <a:t>bug</a:t>
+            </a:r>
+            <a:r>
+              <a:rPr lang="zh-CN" altLang="en-US" dirty="0"/>
+              <a:t>，因为有炸弹的方块不应该被设置为“已遍历”。这反映出</a:t>
+            </a:r>
+            <a:r>
+              <a:rPr lang="en-US" altLang="zh-CN" dirty="0" err="1"/>
+              <a:t>BombPlacer</a:t>
+            </a:r>
+            <a:r>
+              <a:rPr lang="zh-CN" altLang="en-US" dirty="0"/>
+              <a:t>承担了它不应该承担的责任（修改方块的遍历状态），从而导致了潜在的错误。</a:t>
+            </a:r>
+            <a:endParaRPr lang="en-US" altLang="zh-CN" dirty="0"/>
+          </a:p>
+          <a:p>
+            <a:endParaRPr lang="en-US" altLang="zh-CN" dirty="0"/>
+          </a:p>
+          <a:p>
+            <a:r>
+              <a:rPr lang="en-US" altLang="zh-CN" b="1" dirty="0"/>
+              <a:t>3. </a:t>
+            </a:r>
+            <a:r>
+              <a:rPr lang="zh-CN" altLang="en-US" b="1" dirty="0"/>
+              <a:t>缺乏清晰的抽象和接口</a:t>
+            </a:r>
+            <a:r>
+              <a:rPr lang="en-US" altLang="zh-CN" b="1" dirty="0"/>
+              <a:t>: </a:t>
+            </a:r>
+            <a:r>
+              <a:rPr lang="zh-CN" altLang="en-US" dirty="0"/>
+              <a:t>类之间直接通过它们的具体实现进行交互，而不是通过抽象的接口。例如，</a:t>
+            </a:r>
+            <a:r>
+              <a:rPr lang="en-US" altLang="zh-CN" dirty="0" err="1"/>
+              <a:t>BombPlacer</a:t>
+            </a:r>
+            <a:r>
+              <a:rPr lang="zh-CN" altLang="en-US" dirty="0"/>
+              <a:t>直接依赖于</a:t>
+            </a:r>
+            <a:r>
+              <a:rPr lang="en-US" altLang="zh-CN" dirty="0" err="1"/>
+              <a:t>GameBoard</a:t>
+            </a:r>
+            <a:r>
+              <a:rPr lang="zh-CN" altLang="en-US" dirty="0"/>
+              <a:t>的具体类。如果使用接口（例如</a:t>
+            </a:r>
+            <a:r>
+              <a:rPr lang="en-US" altLang="zh-CN" dirty="0" err="1"/>
+              <a:t>IBoard</a:t>
+            </a:r>
+            <a:r>
+              <a:rPr lang="zh-CN" altLang="en-US" dirty="0"/>
+              <a:t>），我们可以为</a:t>
+            </a:r>
+            <a:r>
+              <a:rPr lang="en-US" altLang="zh-CN" dirty="0" err="1"/>
+              <a:t>GameBoard</a:t>
+            </a:r>
+            <a:r>
+              <a:rPr lang="zh-CN" altLang="en-US" dirty="0"/>
+              <a:t>提供不同的实现（例如，用于测试的模拟棋盘），而无需更改</a:t>
+            </a:r>
+            <a:r>
+              <a:rPr lang="en-US" altLang="zh-CN" dirty="0" err="1"/>
+              <a:t>BombPlacer</a:t>
+            </a:r>
+            <a:r>
+              <a:rPr lang="zh-CN" altLang="en-US" dirty="0"/>
+              <a:t>。</a:t>
+            </a:r>
+            <a:endParaRPr lang="en-US" altLang="zh-CN" dirty="0"/>
+          </a:p>
+          <a:p>
+            <a:endParaRPr lang="en-US" altLang="zh-CN" dirty="0"/>
+          </a:p>
+        </p:txBody>
+      </p:sp>
     </p:spTree>
     <p:extLst>
       <p:ext uri="{BB962C8B-B14F-4D97-AF65-F5344CB8AC3E}">
@@ -18046,264 +17402,6 @@
 </a:themeOverride>
 </file>
 
-<file path=ppt/theme/themeOverride21.xml><?xml version="1.0" encoding="utf-8"?>
-<a:themeOverride xmlns:a="http://schemas.openxmlformats.org/drawingml/2006/main">
-  <a:clrScheme name="Office">
-    <a:dk1>
-      <a:srgbClr val="000000"/>
-    </a:dk1>
-    <a:lt1>
-      <a:srgbClr val="FFFFFF"/>
-    </a:lt1>
-    <a:dk2>
-      <a:srgbClr val="778495"/>
-    </a:dk2>
-    <a:lt2>
-      <a:srgbClr val="F0F0F0"/>
-    </a:lt2>
-    <a:accent1>
-      <a:srgbClr val="F84D4D"/>
-    </a:accent1>
-    <a:accent2>
-      <a:srgbClr val="FF6B42"/>
-    </a:accent2>
-    <a:accent3>
-      <a:srgbClr val="5BA3EB"/>
-    </a:accent3>
-    <a:accent4>
-      <a:srgbClr val="06BB9A"/>
-    </a:accent4>
-    <a:accent5>
-      <a:srgbClr val="8E7EF0"/>
-    </a:accent5>
-    <a:accent6>
-      <a:srgbClr val="F4B919"/>
-    </a:accent6>
-    <a:hlink>
-      <a:srgbClr val="4472C4"/>
-    </a:hlink>
-    <a:folHlink>
-      <a:srgbClr val="BFBFBF"/>
-    </a:folHlink>
-  </a:clrScheme>
-</a:themeOverride>
-</file>
-
-<file path=ppt/theme/themeOverride22.xml><?xml version="1.0" encoding="utf-8"?>
-<a:themeOverride xmlns:a="http://schemas.openxmlformats.org/drawingml/2006/main">
-  <a:clrScheme name="Office">
-    <a:dk1>
-      <a:srgbClr val="000000"/>
-    </a:dk1>
-    <a:lt1>
-      <a:srgbClr val="FFFFFF"/>
-    </a:lt1>
-    <a:dk2>
-      <a:srgbClr val="778495"/>
-    </a:dk2>
-    <a:lt2>
-      <a:srgbClr val="F0F0F0"/>
-    </a:lt2>
-    <a:accent1>
-      <a:srgbClr val="F84D4D"/>
-    </a:accent1>
-    <a:accent2>
-      <a:srgbClr val="FF6B42"/>
-    </a:accent2>
-    <a:accent3>
-      <a:srgbClr val="5BA3EB"/>
-    </a:accent3>
-    <a:accent4>
-      <a:srgbClr val="06BB9A"/>
-    </a:accent4>
-    <a:accent5>
-      <a:srgbClr val="8E7EF0"/>
-    </a:accent5>
-    <a:accent6>
-      <a:srgbClr val="F4B919"/>
-    </a:accent6>
-    <a:hlink>
-      <a:srgbClr val="4472C4"/>
-    </a:hlink>
-    <a:folHlink>
-      <a:srgbClr val="BFBFBF"/>
-    </a:folHlink>
-  </a:clrScheme>
-</a:themeOverride>
-</file>
-
-<file path=ppt/theme/themeOverride23.xml><?xml version="1.0" encoding="utf-8"?>
-<a:themeOverride xmlns:a="http://schemas.openxmlformats.org/drawingml/2006/main">
-  <a:clrScheme name="Office">
-    <a:dk1>
-      <a:srgbClr val="000000"/>
-    </a:dk1>
-    <a:lt1>
-      <a:srgbClr val="FFFFFF"/>
-    </a:lt1>
-    <a:dk2>
-      <a:srgbClr val="778495"/>
-    </a:dk2>
-    <a:lt2>
-      <a:srgbClr val="F0F0F0"/>
-    </a:lt2>
-    <a:accent1>
-      <a:srgbClr val="F84D4D"/>
-    </a:accent1>
-    <a:accent2>
-      <a:srgbClr val="FF6B42"/>
-    </a:accent2>
-    <a:accent3>
-      <a:srgbClr val="5BA3EB"/>
-    </a:accent3>
-    <a:accent4>
-      <a:srgbClr val="06BB9A"/>
-    </a:accent4>
-    <a:accent5>
-      <a:srgbClr val="8E7EF0"/>
-    </a:accent5>
-    <a:accent6>
-      <a:srgbClr val="F4B919"/>
-    </a:accent6>
-    <a:hlink>
-      <a:srgbClr val="4472C4"/>
-    </a:hlink>
-    <a:folHlink>
-      <a:srgbClr val="BFBFBF"/>
-    </a:folHlink>
-  </a:clrScheme>
-</a:themeOverride>
-</file>
-
-<file path=ppt/theme/themeOverride24.xml><?xml version="1.0" encoding="utf-8"?>
-<a:themeOverride xmlns:a="http://schemas.openxmlformats.org/drawingml/2006/main">
-  <a:clrScheme name="Office">
-    <a:dk1>
-      <a:srgbClr val="000000"/>
-    </a:dk1>
-    <a:lt1>
-      <a:srgbClr val="FFFFFF"/>
-    </a:lt1>
-    <a:dk2>
-      <a:srgbClr val="778495"/>
-    </a:dk2>
-    <a:lt2>
-      <a:srgbClr val="F0F0F0"/>
-    </a:lt2>
-    <a:accent1>
-      <a:srgbClr val="F84D4D"/>
-    </a:accent1>
-    <a:accent2>
-      <a:srgbClr val="FF6B42"/>
-    </a:accent2>
-    <a:accent3>
-      <a:srgbClr val="5BA3EB"/>
-    </a:accent3>
-    <a:accent4>
-      <a:srgbClr val="06BB9A"/>
-    </a:accent4>
-    <a:accent5>
-      <a:srgbClr val="8E7EF0"/>
-    </a:accent5>
-    <a:accent6>
-      <a:srgbClr val="F4B919"/>
-    </a:accent6>
-    <a:hlink>
-      <a:srgbClr val="4472C4"/>
-    </a:hlink>
-    <a:folHlink>
-      <a:srgbClr val="BFBFBF"/>
-    </a:folHlink>
-  </a:clrScheme>
-</a:themeOverride>
-</file>
-
-<file path=ppt/theme/themeOverride25.xml><?xml version="1.0" encoding="utf-8"?>
-<a:themeOverride xmlns:a="http://schemas.openxmlformats.org/drawingml/2006/main">
-  <a:clrScheme name="Office">
-    <a:dk1>
-      <a:srgbClr val="000000"/>
-    </a:dk1>
-    <a:lt1>
-      <a:srgbClr val="FFFFFF"/>
-    </a:lt1>
-    <a:dk2>
-      <a:srgbClr val="778495"/>
-    </a:dk2>
-    <a:lt2>
-      <a:srgbClr val="F0F0F0"/>
-    </a:lt2>
-    <a:accent1>
-      <a:srgbClr val="F84D4D"/>
-    </a:accent1>
-    <a:accent2>
-      <a:srgbClr val="FF6B42"/>
-    </a:accent2>
-    <a:accent3>
-      <a:srgbClr val="5BA3EB"/>
-    </a:accent3>
-    <a:accent4>
-      <a:srgbClr val="06BB9A"/>
-    </a:accent4>
-    <a:accent5>
-      <a:srgbClr val="8E7EF0"/>
-    </a:accent5>
-    <a:accent6>
-      <a:srgbClr val="F4B919"/>
-    </a:accent6>
-    <a:hlink>
-      <a:srgbClr val="4472C4"/>
-    </a:hlink>
-    <a:folHlink>
-      <a:srgbClr val="BFBFBF"/>
-    </a:folHlink>
-  </a:clrScheme>
-</a:themeOverride>
-</file>
-
-<file path=ppt/theme/themeOverride26.xml><?xml version="1.0" encoding="utf-8"?>
-<a:themeOverride xmlns:a="http://schemas.openxmlformats.org/drawingml/2006/main">
-  <a:clrScheme name="Office">
-    <a:dk1>
-      <a:srgbClr val="000000"/>
-    </a:dk1>
-    <a:lt1>
-      <a:srgbClr val="FFFFFF"/>
-    </a:lt1>
-    <a:dk2>
-      <a:srgbClr val="778495"/>
-    </a:dk2>
-    <a:lt2>
-      <a:srgbClr val="F0F0F0"/>
-    </a:lt2>
-    <a:accent1>
-      <a:srgbClr val="F84D4D"/>
-    </a:accent1>
-    <a:accent2>
-      <a:srgbClr val="FF6B42"/>
-    </a:accent2>
-    <a:accent3>
-      <a:srgbClr val="5BA3EB"/>
-    </a:accent3>
-    <a:accent4>
-      <a:srgbClr val="06BB9A"/>
-    </a:accent4>
-    <a:accent5>
-      <a:srgbClr val="8E7EF0"/>
-    </a:accent5>
-    <a:accent6>
-      <a:srgbClr val="F4B919"/>
-    </a:accent6>
-    <a:hlink>
-      <a:srgbClr val="4472C4"/>
-    </a:hlink>
-    <a:folHlink>
-      <a:srgbClr val="BFBFBF"/>
-    </a:folHlink>
-  </a:clrScheme>
-</a:themeOverride>
-</file>
-
 <file path=ppt/theme/themeOverride3.xml><?xml version="1.0" encoding="utf-8"?>
 <a:themeOverride xmlns:a="http://schemas.openxmlformats.org/drawingml/2006/main">
   <a:clrScheme name="iSlide">

--- a/uml.pptx
+++ b/uml.pptx
@@ -6,7 +6,7 @@
     <p:sldMasterId id="2147483661" r:id="rId2"/>
   </p:sldMasterIdLst>
   <p:notesMasterIdLst>
-    <p:notesMasterId r:id="rId34"/>
+    <p:notesMasterId r:id="rId37"/>
   </p:notesMasterIdLst>
   <p:sldIdLst>
     <p:sldId id="256" r:id="rId3"/>
@@ -23,23 +23,26 @@
     <p:sldId id="283" r:id="rId14"/>
     <p:sldId id="276" r:id="rId15"/>
     <p:sldId id="286" r:id="rId16"/>
-    <p:sldId id="287" r:id="rId17"/>
-    <p:sldId id="290" r:id="rId18"/>
-    <p:sldId id="289" r:id="rId19"/>
-    <p:sldId id="291" r:id="rId20"/>
-    <p:sldId id="292" r:id="rId21"/>
-    <p:sldId id="293" r:id="rId22"/>
-    <p:sldId id="294" r:id="rId23"/>
-    <p:sldId id="295" r:id="rId24"/>
-    <p:sldId id="277" r:id="rId25"/>
-    <p:sldId id="263" r:id="rId26"/>
-    <p:sldId id="296" r:id="rId27"/>
-    <p:sldId id="278" r:id="rId28"/>
-    <p:sldId id="264" r:id="rId29"/>
-    <p:sldId id="265" r:id="rId30"/>
-    <p:sldId id="297" r:id="rId31"/>
-    <p:sldId id="299" r:id="rId32"/>
-    <p:sldId id="279" r:id="rId33"/>
+    <p:sldId id="301" r:id="rId17"/>
+    <p:sldId id="287" r:id="rId18"/>
+    <p:sldId id="290" r:id="rId19"/>
+    <p:sldId id="303" r:id="rId20"/>
+    <p:sldId id="289" r:id="rId21"/>
+    <p:sldId id="291" r:id="rId22"/>
+    <p:sldId id="292" r:id="rId23"/>
+    <p:sldId id="302" r:id="rId24"/>
+    <p:sldId id="293" r:id="rId25"/>
+    <p:sldId id="294" r:id="rId26"/>
+    <p:sldId id="295" r:id="rId27"/>
+    <p:sldId id="277" r:id="rId28"/>
+    <p:sldId id="263" r:id="rId29"/>
+    <p:sldId id="296" r:id="rId30"/>
+    <p:sldId id="278" r:id="rId31"/>
+    <p:sldId id="264" r:id="rId32"/>
+    <p:sldId id="265" r:id="rId33"/>
+    <p:sldId id="297" r:id="rId34"/>
+    <p:sldId id="299" r:id="rId35"/>
+    <p:sldId id="279" r:id="rId36"/>
   </p:sldIdLst>
   <p:sldSz cx="12192000" cy="6858000"/>
   <p:notesSz cx="6858000" cy="9144000"/>
@@ -228,7 +231,7 @@
           <a:p>
             <a:fld id="{55EDAE95-B47A-40F4-B88B-3211CDD72963}" type="datetimeFigureOut">
               <a:rPr lang="zh-CN" altLang="en-US" smtClean="0"/>
-              <a:t>2025/12/7</a:t>
+              <a:t>2025/12/17</a:t>
             </a:fld>
             <a:endParaRPr lang="zh-CN" altLang="en-US"/>
           </a:p>
@@ -642,7 +645,7 @@
           <a:p>
             <a:fld id="{49511754-73E3-4E6F-AF62-38683F8056B7}" type="datetimeFigureOut">
               <a:rPr lang="zh-CN" altLang="en-US" smtClean="0"/>
-              <a:t>2025/12/7</a:t>
+              <a:t>2025/12/17</a:t>
             </a:fld>
             <a:endParaRPr lang="zh-CN" altLang="en-US"/>
           </a:p>
@@ -840,7 +843,7 @@
           <a:p>
             <a:fld id="{49511754-73E3-4E6F-AF62-38683F8056B7}" type="datetimeFigureOut">
               <a:rPr lang="zh-CN" altLang="en-US" smtClean="0"/>
-              <a:t>2025/12/7</a:t>
+              <a:t>2025/12/17</a:t>
             </a:fld>
             <a:endParaRPr lang="zh-CN" altLang="en-US"/>
           </a:p>
@@ -1048,7 +1051,7 @@
           <a:p>
             <a:fld id="{49511754-73E3-4E6F-AF62-38683F8056B7}" type="datetimeFigureOut">
               <a:rPr lang="zh-CN" altLang="en-US" smtClean="0"/>
-              <a:t>2025/12/7</a:t>
+              <a:t>2025/12/17</a:t>
             </a:fld>
             <a:endParaRPr lang="zh-CN" altLang="en-US"/>
           </a:p>
@@ -4808,7 +4811,7 @@
           <a:p>
             <a:fld id="{49511754-73E3-4E6F-AF62-38683F8056B7}" type="datetimeFigureOut">
               <a:rPr lang="zh-CN" altLang="en-US" smtClean="0"/>
-              <a:t>2025/12/7</a:t>
+              <a:t>2025/12/17</a:t>
             </a:fld>
             <a:endParaRPr lang="zh-CN" altLang="en-US"/>
           </a:p>
@@ -5083,7 +5086,7 @@
           <a:p>
             <a:fld id="{49511754-73E3-4E6F-AF62-38683F8056B7}" type="datetimeFigureOut">
               <a:rPr lang="zh-CN" altLang="en-US" smtClean="0"/>
-              <a:t>2025/12/7</a:t>
+              <a:t>2025/12/17</a:t>
             </a:fld>
             <a:endParaRPr lang="zh-CN" altLang="en-US"/>
           </a:p>
@@ -5348,7 +5351,7 @@
           <a:p>
             <a:fld id="{49511754-73E3-4E6F-AF62-38683F8056B7}" type="datetimeFigureOut">
               <a:rPr lang="zh-CN" altLang="en-US" smtClean="0"/>
-              <a:t>2025/12/7</a:t>
+              <a:t>2025/12/17</a:t>
             </a:fld>
             <a:endParaRPr lang="zh-CN" altLang="en-US"/>
           </a:p>
@@ -5760,7 +5763,7 @@
           <a:p>
             <a:fld id="{49511754-73E3-4E6F-AF62-38683F8056B7}" type="datetimeFigureOut">
               <a:rPr lang="zh-CN" altLang="en-US" smtClean="0"/>
-              <a:t>2025/12/7</a:t>
+              <a:t>2025/12/17</a:t>
             </a:fld>
             <a:endParaRPr lang="zh-CN" altLang="en-US"/>
           </a:p>
@@ -5901,7 +5904,7 @@
           <a:p>
             <a:fld id="{49511754-73E3-4E6F-AF62-38683F8056B7}" type="datetimeFigureOut">
               <a:rPr lang="zh-CN" altLang="en-US" smtClean="0"/>
-              <a:t>2025/12/7</a:t>
+              <a:t>2025/12/17</a:t>
             </a:fld>
             <a:endParaRPr lang="zh-CN" altLang="en-US"/>
           </a:p>
@@ -6014,7 +6017,7 @@
           <a:p>
             <a:fld id="{49511754-73E3-4E6F-AF62-38683F8056B7}" type="datetimeFigureOut">
               <a:rPr lang="zh-CN" altLang="en-US" smtClean="0"/>
-              <a:t>2025/12/7</a:t>
+              <a:t>2025/12/17</a:t>
             </a:fld>
             <a:endParaRPr lang="zh-CN" altLang="en-US"/>
           </a:p>
@@ -6325,7 +6328,7 @@
           <a:p>
             <a:fld id="{49511754-73E3-4E6F-AF62-38683F8056B7}" type="datetimeFigureOut">
               <a:rPr lang="zh-CN" altLang="en-US" smtClean="0"/>
-              <a:t>2025/12/7</a:t>
+              <a:t>2025/12/17</a:t>
             </a:fld>
             <a:endParaRPr lang="zh-CN" altLang="en-US"/>
           </a:p>
@@ -6613,7 +6616,7 @@
           <a:p>
             <a:fld id="{49511754-73E3-4E6F-AF62-38683F8056B7}" type="datetimeFigureOut">
               <a:rPr lang="zh-CN" altLang="en-US" smtClean="0"/>
-              <a:t>2025/12/7</a:t>
+              <a:t>2025/12/17</a:t>
             </a:fld>
             <a:endParaRPr lang="zh-CN" altLang="en-US"/>
           </a:p>
@@ -6854,7 +6857,7 @@
           <a:p>
             <a:fld id="{49511754-73E3-4E6F-AF62-38683F8056B7}" type="datetimeFigureOut">
               <a:rPr lang="zh-CN" altLang="en-US" smtClean="0"/>
-              <a:t>2025/12/7</a:t>
+              <a:t>2025/12/17</a:t>
             </a:fld>
             <a:endParaRPr lang="zh-CN" altLang="en-US"/>
           </a:p>
@@ -10076,6 +10079,93 @@
           <p:cNvPr id="2" name="标题 1">
             <a:extLst>
               <a:ext uri="{FF2B5EF4-FFF2-40B4-BE49-F238E27FC236}">
+                <a16:creationId xmlns:a16="http://schemas.microsoft.com/office/drawing/2014/main" id="{4D27370E-8CD8-1B71-8D3D-0FC7D7C59172}"/>
+              </a:ext>
+            </a:extLst>
+          </p:cNvPr>
+          <p:cNvSpPr>
+            <a:spLocks noGrp="1"/>
+          </p:cNvSpPr>
+          <p:nvPr>
+            <p:ph type="title"/>
+          </p:nvPr>
+        </p:nvSpPr>
+        <p:spPr/>
+        <p:txBody>
+          <a:bodyPr/>
+          <a:lstStyle/>
+          <a:p>
+            <a:endParaRPr lang="zh-CN" altLang="en-US"/>
+          </a:p>
+        </p:txBody>
+      </p:sp>
+      <p:pic>
+        <p:nvPicPr>
+          <p:cNvPr id="4" name="内容占位符 3">
+            <a:extLst>
+              <a:ext uri="{FF2B5EF4-FFF2-40B4-BE49-F238E27FC236}">
+                <a16:creationId xmlns:a16="http://schemas.microsoft.com/office/drawing/2014/main" id="{505FE8B9-FB2E-7AFB-2723-D0A6567190CF}"/>
+              </a:ext>
+            </a:extLst>
+          </p:cNvPr>
+          <p:cNvPicPr>
+            <a:picLocks noGrp="1" noChangeAspect="1"/>
+          </p:cNvPicPr>
+          <p:nvPr>
+            <p:ph idx="1"/>
+          </p:nvPr>
+        </p:nvPicPr>
+        <p:blipFill>
+          <a:blip r:embed="rId2"/>
+          <a:stretch>
+            <a:fillRect/>
+          </a:stretch>
+        </p:blipFill>
+        <p:spPr>
+          <a:xfrm>
+            <a:off x="5060950" y="1131887"/>
+            <a:ext cx="2057400" cy="5000625"/>
+          </a:xfrm>
+          <a:prstGeom prst="rect">
+            <a:avLst/>
+          </a:prstGeom>
+        </p:spPr>
+      </p:pic>
+    </p:spTree>
+    <p:extLst>
+      <p:ext uri="{BB962C8B-B14F-4D97-AF65-F5344CB8AC3E}">
+        <p14:creationId xmlns:p14="http://schemas.microsoft.com/office/powerpoint/2010/main" val="972204118"/>
+      </p:ext>
+    </p:extLst>
+  </p:cSld>
+  <p:clrMapOvr>
+    <a:masterClrMapping/>
+  </p:clrMapOvr>
+</p:sld>
+</file>
+
+<file path=ppt/slides/slide16.xml><?xml version="1.0" encoding="utf-8"?>
+<p:sld xmlns:a="http://schemas.openxmlformats.org/drawingml/2006/main" xmlns:r="http://schemas.openxmlformats.org/officeDocument/2006/relationships" xmlns:p="http://schemas.openxmlformats.org/presentationml/2006/main">
+  <p:cSld>
+    <p:spTree>
+      <p:nvGrpSpPr>
+        <p:cNvPr id="1" name=""/>
+        <p:cNvGrpSpPr/>
+        <p:nvPr/>
+      </p:nvGrpSpPr>
+      <p:grpSpPr>
+        <a:xfrm>
+          <a:off x="0" y="0"/>
+          <a:ext cx="0" cy="0"/>
+          <a:chOff x="0" y="0"/>
+          <a:chExt cx="0" cy="0"/>
+        </a:xfrm>
+      </p:grpSpPr>
+      <p:sp>
+        <p:nvSpPr>
+          <p:cNvPr id="2" name="标题 1">
+            <a:extLst>
+              <a:ext uri="{FF2B5EF4-FFF2-40B4-BE49-F238E27FC236}">
                 <a16:creationId xmlns:a16="http://schemas.microsoft.com/office/drawing/2014/main" id="{30304B3C-8C40-FB4E-E0D6-DF54A0F64717}"/>
               </a:ext>
             </a:extLst>
@@ -10542,7 +10632,7 @@
 </p:sld>
 </file>
 
-<file path=ppt/slides/slide16.xml><?xml version="1.0" encoding="utf-8"?>
+<file path=ppt/slides/slide17.xml><?xml version="1.0" encoding="utf-8"?>
 <p:sld xmlns:a="http://schemas.openxmlformats.org/drawingml/2006/main" xmlns:r="http://schemas.openxmlformats.org/officeDocument/2006/relationships" xmlns:p="http://schemas.openxmlformats.org/presentationml/2006/main">
   <p:cSld>
     <p:spTree>
@@ -10723,7 +10813,94 @@
 </p:sld>
 </file>
 
-<file path=ppt/slides/slide17.xml><?xml version="1.0" encoding="utf-8"?>
+<file path=ppt/slides/slide18.xml><?xml version="1.0" encoding="utf-8"?>
+<p:sld xmlns:a="http://schemas.openxmlformats.org/drawingml/2006/main" xmlns:r="http://schemas.openxmlformats.org/officeDocument/2006/relationships" xmlns:p="http://schemas.openxmlformats.org/presentationml/2006/main">
+  <p:cSld>
+    <p:spTree>
+      <p:nvGrpSpPr>
+        <p:cNvPr id="1" name=""/>
+        <p:cNvGrpSpPr/>
+        <p:nvPr/>
+      </p:nvGrpSpPr>
+      <p:grpSpPr>
+        <a:xfrm>
+          <a:off x="0" y="0"/>
+          <a:ext cx="0" cy="0"/>
+          <a:chOff x="0" y="0"/>
+          <a:chExt cx="0" cy="0"/>
+        </a:xfrm>
+      </p:grpSpPr>
+      <p:sp>
+        <p:nvSpPr>
+          <p:cNvPr id="2" name="标题 1">
+            <a:extLst>
+              <a:ext uri="{FF2B5EF4-FFF2-40B4-BE49-F238E27FC236}">
+                <a16:creationId xmlns:a16="http://schemas.microsoft.com/office/drawing/2014/main" id="{A55E64C2-E3ED-0AF8-A0A8-94AD4F3B4CA8}"/>
+              </a:ext>
+            </a:extLst>
+          </p:cNvPr>
+          <p:cNvSpPr>
+            <a:spLocks noGrp="1"/>
+          </p:cNvSpPr>
+          <p:nvPr>
+            <p:ph type="title"/>
+          </p:nvPr>
+        </p:nvSpPr>
+        <p:spPr/>
+        <p:txBody>
+          <a:bodyPr/>
+          <a:lstStyle/>
+          <a:p>
+            <a:endParaRPr lang="zh-CN" altLang="en-US"/>
+          </a:p>
+        </p:txBody>
+      </p:sp>
+      <p:pic>
+        <p:nvPicPr>
+          <p:cNvPr id="4" name="内容占位符 3">
+            <a:extLst>
+              <a:ext uri="{FF2B5EF4-FFF2-40B4-BE49-F238E27FC236}">
+                <a16:creationId xmlns:a16="http://schemas.microsoft.com/office/drawing/2014/main" id="{9EE65C16-E33B-B5F4-D31D-F5AD1454B36E}"/>
+              </a:ext>
+            </a:extLst>
+          </p:cNvPr>
+          <p:cNvPicPr>
+            <a:picLocks noGrp="1" noChangeAspect="1"/>
+          </p:cNvPicPr>
+          <p:nvPr>
+            <p:ph idx="1"/>
+          </p:nvPr>
+        </p:nvPicPr>
+        <p:blipFill>
+          <a:blip r:embed="rId2"/>
+          <a:stretch>
+            <a:fillRect/>
+          </a:stretch>
+        </p:blipFill>
+        <p:spPr>
+          <a:xfrm>
+            <a:off x="4284662" y="1303337"/>
+            <a:ext cx="3609975" cy="4657725"/>
+          </a:xfrm>
+          <a:prstGeom prst="rect">
+            <a:avLst/>
+          </a:prstGeom>
+        </p:spPr>
+      </p:pic>
+    </p:spTree>
+    <p:extLst>
+      <p:ext uri="{BB962C8B-B14F-4D97-AF65-F5344CB8AC3E}">
+        <p14:creationId xmlns:p14="http://schemas.microsoft.com/office/powerpoint/2010/main" val="3137587958"/>
+      </p:ext>
+    </p:extLst>
+  </p:cSld>
+  <p:clrMapOvr>
+    <a:masterClrMapping/>
+  </p:clrMapOvr>
+</p:sld>
+</file>
+
+<file path=ppt/slides/slide19.xml><?xml version="1.0" encoding="utf-8"?>
 <p:sld xmlns:a="http://schemas.openxmlformats.org/drawingml/2006/main" xmlns:r="http://schemas.openxmlformats.org/officeDocument/2006/relationships" xmlns:p="http://schemas.openxmlformats.org/presentationml/2006/main">
   <p:cSld>
     <p:spTree>
@@ -11012,7 +11189,165 @@
 </p:sld>
 </file>
 
-<file path=ppt/slides/slide18.xml><?xml version="1.0" encoding="utf-8"?>
+<file path=ppt/slides/slide2.xml><?xml version="1.0" encoding="utf-8"?>
+<p:sld xmlns:a="http://schemas.openxmlformats.org/drawingml/2006/main" xmlns:r="http://schemas.openxmlformats.org/officeDocument/2006/relationships" xmlns:p="http://schemas.openxmlformats.org/presentationml/2006/main">
+  <p:cSld>
+    <p:spTree>
+      <p:nvGrpSpPr>
+        <p:cNvPr id="1" name=""/>
+        <p:cNvGrpSpPr/>
+        <p:nvPr/>
+      </p:nvGrpSpPr>
+      <p:grpSpPr>
+        <a:xfrm>
+          <a:off x="0" y="0"/>
+          <a:ext cx="0" cy="0"/>
+          <a:chOff x="0" y="0"/>
+          <a:chExt cx="0" cy="0"/>
+        </a:xfrm>
+      </p:grpSpPr>
+      <p:sp>
+        <p:nvSpPr>
+          <p:cNvPr id="2" name="Title 1">
+            <a:extLst>
+              <a:ext uri="{FF2B5EF4-FFF2-40B4-BE49-F238E27FC236}">
+                <a16:creationId xmlns:a16="http://schemas.microsoft.com/office/drawing/2014/main" id="{DC824AA1-09D7-EC3A-301E-028F418A25B3}"/>
+              </a:ext>
+            </a:extLst>
+          </p:cNvPr>
+          <p:cNvSpPr>
+            <a:spLocks noGrp="1"/>
+          </p:cNvSpPr>
+          <p:nvPr>
+            <p:ph type="title"/>
+          </p:nvPr>
+        </p:nvSpPr>
+        <p:spPr>
+          <a:xfrm>
+            <a:off x="660400" y="1500187"/>
+            <a:ext cx="2836562" cy="915667"/>
+          </a:xfrm>
+        </p:spPr>
+        <p:txBody>
+          <a:bodyPr/>
+          <a:lstStyle/>
+          <a:p>
+            <a:pPr lvl="0"/>
+            <a:r>
+              <a:rPr lang="en-US"/>
+              <a:t>Agenda</a:t>
+            </a:r>
+          </a:p>
+        </p:txBody>
+      </p:sp>
+      <p:sp>
+        <p:nvSpPr>
+          <p:cNvPr id="3" name="Content Placeholder 2">
+            <a:extLst>
+              <a:ext uri="{FF2B5EF4-FFF2-40B4-BE49-F238E27FC236}">
+                <a16:creationId xmlns:a16="http://schemas.microsoft.com/office/drawing/2014/main" id="{94C7ACB6-4040-4F8E-DAE4-CD916FCA3B1A}"/>
+              </a:ext>
+            </a:extLst>
+          </p:cNvPr>
+          <p:cNvSpPr>
+            <a:spLocks noGrp="1"/>
+          </p:cNvSpPr>
+          <p:nvPr>
+            <p:ph sz="quarter" idx="1"/>
+          </p:nvPr>
+        </p:nvSpPr>
+        <p:spPr>
+          <a:xfrm>
+            <a:off x="3745078" y="1500188"/>
+            <a:ext cx="7773821" cy="4633912"/>
+          </a:xfrm>
+        </p:spPr>
+        <p:txBody>
+          <a:bodyPr/>
+          <a:lstStyle/>
+          <a:p>
+            <a:pPr lvl="0"/>
+            <a:r>
+              <a:rPr lang="zh-CN" altLang="en-US" dirty="0"/>
+              <a:t>修改前后的类图</a:t>
+            </a:r>
+            <a:endParaRPr lang="en-US" dirty="0"/>
+          </a:p>
+          <a:p>
+            <a:pPr lvl="0"/>
+            <a:r>
+              <a:rPr lang="zh-CN" altLang="en-US" dirty="0"/>
+              <a:t>在原有基础上的修改</a:t>
+            </a:r>
+            <a:endParaRPr lang="en-US" dirty="0"/>
+          </a:p>
+          <a:p>
+            <a:pPr lvl="0"/>
+            <a:r>
+              <a:rPr lang="zh-CN" altLang="en-US" dirty="0"/>
+              <a:t>一些新增的内容</a:t>
+            </a:r>
+            <a:endParaRPr lang="en-US" altLang="zh-CN" dirty="0"/>
+          </a:p>
+          <a:p>
+            <a:pPr lvl="0"/>
+            <a:r>
+              <a:rPr lang="zh-CN" altLang="en-US" dirty="0"/>
+              <a:t>主要运行界面</a:t>
+            </a:r>
+            <a:endParaRPr lang="en-US" dirty="0"/>
+          </a:p>
+        </p:txBody>
+      </p:sp>
+      <p:sp>
+        <p:nvSpPr>
+          <p:cNvPr id="4" name="Slide Number Placeholder 3">
+            <a:extLst>
+              <a:ext uri="{FF2B5EF4-FFF2-40B4-BE49-F238E27FC236}">
+                <a16:creationId xmlns:a16="http://schemas.microsoft.com/office/drawing/2014/main" id="{9C40017B-9BDF-5D77-335B-2FE0EAEE92E6}"/>
+              </a:ext>
+            </a:extLst>
+          </p:cNvPr>
+          <p:cNvSpPr>
+            <a:spLocks noGrp="1"/>
+          </p:cNvSpPr>
+          <p:nvPr>
+            <p:ph type="sldNum" sz="quarter" idx="12"/>
+          </p:nvPr>
+        </p:nvSpPr>
+        <p:spPr>
+          <a:xfrm>
+            <a:off x="7861300" y="6409690"/>
+            <a:ext cx="3657600" cy="274320"/>
+          </a:xfrm>
+        </p:spPr>
+        <p:txBody>
+          <a:bodyPr/>
+          <a:lstStyle/>
+          <a:p>
+            <a:fld id="{C8BB1146-E542-4D4E-B8E9-6919A11DDD48}" type="slidenum">
+              <a:rPr lang="en-US" smtClean="0"/>
+              <a:pPr/>
+              <a:t>2</a:t>
+            </a:fld>
+            <a:endParaRPr lang="en-US" dirty="0"/>
+          </a:p>
+        </p:txBody>
+      </p:sp>
+    </p:spTree>
+    <p:extLst>
+      <p:ext uri="{BB962C8B-B14F-4D97-AF65-F5344CB8AC3E}">
+        <p14:creationId xmlns:p14="http://schemas.microsoft.com/office/powerpoint/2010/main" val="3361711315"/>
+      </p:ext>
+    </p:extLst>
+  </p:cSld>
+  <p:clrMapOvr>
+    <a:masterClrMapping/>
+  </p:clrMapOvr>
+</p:sld>
+</file>
+
+<file path=ppt/slides/slide20.xml><?xml version="1.0" encoding="utf-8"?>
 <p:sld xmlns:a="http://schemas.openxmlformats.org/drawingml/2006/main" xmlns:r="http://schemas.openxmlformats.org/officeDocument/2006/relationships" xmlns:p="http://schemas.openxmlformats.org/presentationml/2006/main">
   <p:cSld>
     <p:spTree>
@@ -11393,7 +11728,7 @@
 </p:sld>
 </file>
 
-<file path=ppt/slides/slide19.xml><?xml version="1.0" encoding="utf-8"?>
+<file path=ppt/slides/slide21.xml><?xml version="1.0" encoding="utf-8"?>
 <p:sld xmlns:a="http://schemas.openxmlformats.org/drawingml/2006/main" xmlns:r="http://schemas.openxmlformats.org/officeDocument/2006/relationships" xmlns:p="http://schemas.openxmlformats.org/presentationml/2006/main">
   <p:cSld>
     <p:spTree>
@@ -11615,7 +11950,7 @@
         </p:blipFill>
         <p:spPr>
           <a:xfrm>
-            <a:off x="4937702" y="666489"/>
+            <a:off x="9575529" y="410332"/>
             <a:ext cx="1943371" cy="2333951"/>
           </a:xfrm>
           <a:prstGeom prst="rect">
@@ -11623,6 +11958,106 @@
           </a:prstGeom>
         </p:spPr>
       </p:pic>
+      <p:pic>
+        <p:nvPicPr>
+          <p:cNvPr id="2" name="图片 1">
+            <a:extLst>
+              <a:ext uri="{FF2B5EF4-FFF2-40B4-BE49-F238E27FC236}">
+                <a16:creationId xmlns:a16="http://schemas.microsoft.com/office/drawing/2014/main" id="{9B6F2E1E-BCF2-B840-74A8-012AC13C6822}"/>
+              </a:ext>
+            </a:extLst>
+          </p:cNvPr>
+          <p:cNvPicPr>
+            <a:picLocks noChangeAspect="1"/>
+          </p:cNvPicPr>
+          <p:nvPr/>
+        </p:nvPicPr>
+        <p:blipFill>
+          <a:blip r:embed="rId4"/>
+          <a:stretch>
+            <a:fillRect/>
+          </a:stretch>
+        </p:blipFill>
+        <p:spPr>
+          <a:xfrm>
+            <a:off x="4863449" y="428542"/>
+            <a:ext cx="1905266" cy="2324424"/>
+          </a:xfrm>
+          <a:prstGeom prst="rect">
+            <a:avLst/>
+          </a:prstGeom>
+        </p:spPr>
+      </p:pic>
+      <p:sp>
+        <p:nvSpPr>
+          <p:cNvPr id="7" name="文本框 6">
+            <a:extLst>
+              <a:ext uri="{FF2B5EF4-FFF2-40B4-BE49-F238E27FC236}">
+                <a16:creationId xmlns:a16="http://schemas.microsoft.com/office/drawing/2014/main" id="{A6D4A2F3-28F8-234E-970E-D02F24439484}"/>
+              </a:ext>
+            </a:extLst>
+          </p:cNvPr>
+          <p:cNvSpPr txBox="1"/>
+          <p:nvPr/>
+        </p:nvSpPr>
+        <p:spPr>
+          <a:xfrm>
+            <a:off x="5159829" y="2905444"/>
+            <a:ext cx="569387" cy="323165"/>
+          </a:xfrm>
+          <a:prstGeom prst="rect">
+            <a:avLst/>
+          </a:prstGeom>
+          <a:noFill/>
+        </p:spPr>
+        <p:txBody>
+          <a:bodyPr wrap="none" rtlCol="0">
+            <a:spAutoFit/>
+          </a:bodyPr>
+          <a:lstStyle/>
+          <a:p>
+            <a:r>
+              <a:rPr lang="zh-CN" altLang="en-US" sz="1500" dirty="0"/>
+              <a:t>经典</a:t>
+            </a:r>
+          </a:p>
+        </p:txBody>
+      </p:sp>
+      <p:sp>
+        <p:nvSpPr>
+          <p:cNvPr id="8" name="文本框 7">
+            <a:extLst>
+              <a:ext uri="{FF2B5EF4-FFF2-40B4-BE49-F238E27FC236}">
+                <a16:creationId xmlns:a16="http://schemas.microsoft.com/office/drawing/2014/main" id="{F85380DC-7F84-8747-3F4A-1A524B7F9534}"/>
+              </a:ext>
+            </a:extLst>
+          </p:cNvPr>
+          <p:cNvSpPr txBox="1"/>
+          <p:nvPr/>
+        </p:nvSpPr>
+        <p:spPr>
+          <a:xfrm>
+            <a:off x="10453395" y="2864444"/>
+            <a:ext cx="569387" cy="323165"/>
+          </a:xfrm>
+          <a:prstGeom prst="rect">
+            <a:avLst/>
+          </a:prstGeom>
+          <a:noFill/>
+        </p:spPr>
+        <p:txBody>
+          <a:bodyPr wrap="none" rtlCol="0">
+            <a:spAutoFit/>
+          </a:bodyPr>
+          <a:lstStyle/>
+          <a:p>
+            <a:r>
+              <a:rPr lang="zh-CN" altLang="en-US" sz="1500" dirty="0"/>
+              <a:t>森林</a:t>
+            </a:r>
+          </a:p>
+        </p:txBody>
+      </p:sp>
     </p:spTree>
     <p:extLst>
       <p:ext uri="{BB962C8B-B14F-4D97-AF65-F5344CB8AC3E}">
@@ -11636,7 +12071,7 @@
 </p:sld>
 </file>
 
-<file path=ppt/slides/slide2.xml><?xml version="1.0" encoding="utf-8"?>
+<file path=ppt/slides/slide22.xml><?xml version="1.0" encoding="utf-8"?>
 <p:sld xmlns:a="http://schemas.openxmlformats.org/drawingml/2006/main" xmlns:r="http://schemas.openxmlformats.org/officeDocument/2006/relationships" xmlns:p="http://schemas.openxmlformats.org/presentationml/2006/main">
   <p:cSld>
     <p:spTree>
@@ -11655,10 +12090,10 @@
       </p:grpSpPr>
       <p:sp>
         <p:nvSpPr>
-          <p:cNvPr id="2" name="Title 1">
+          <p:cNvPr id="2" name="标题 1">
             <a:extLst>
               <a:ext uri="{FF2B5EF4-FFF2-40B4-BE49-F238E27FC236}">
-                <a16:creationId xmlns:a16="http://schemas.microsoft.com/office/drawing/2014/main" id="{DC824AA1-09D7-EC3A-301E-028F418A25B3}"/>
+                <a16:creationId xmlns:a16="http://schemas.microsoft.com/office/drawing/2014/main" id="{57431D7A-42F2-F803-39A0-1B5924E3F67B}"/>
               </a:ext>
             </a:extLst>
           </p:cNvPr>
@@ -11669,122 +12104,51 @@
             <p:ph type="title"/>
           </p:nvPr>
         </p:nvSpPr>
-        <p:spPr>
-          <a:xfrm>
-            <a:off x="660400" y="1500187"/>
-            <a:ext cx="2836562" cy="915667"/>
-          </a:xfrm>
-        </p:spPr>
+        <p:spPr/>
         <p:txBody>
           <a:bodyPr/>
           <a:lstStyle/>
           <a:p>
-            <a:pPr lvl="0"/>
-            <a:r>
-              <a:rPr lang="en-US"/>
-              <a:t>Agenda</a:t>
-            </a:r>
+            <a:endParaRPr lang="zh-CN" altLang="en-US"/>
           </a:p>
         </p:txBody>
       </p:sp>
-      <p:sp>
-        <p:nvSpPr>
-          <p:cNvPr id="3" name="Content Placeholder 2">
+      <p:pic>
+        <p:nvPicPr>
+          <p:cNvPr id="4" name="内容占位符 3">
             <a:extLst>
               <a:ext uri="{FF2B5EF4-FFF2-40B4-BE49-F238E27FC236}">
-                <a16:creationId xmlns:a16="http://schemas.microsoft.com/office/drawing/2014/main" id="{94C7ACB6-4040-4F8E-DAE4-CD916FCA3B1A}"/>
+                <a16:creationId xmlns:a16="http://schemas.microsoft.com/office/drawing/2014/main" id="{B6840114-64BD-1316-3315-A655FA36B9E0}"/>
               </a:ext>
             </a:extLst>
           </p:cNvPr>
-          <p:cNvSpPr>
-            <a:spLocks noGrp="1"/>
-          </p:cNvSpPr>
+          <p:cNvPicPr>
+            <a:picLocks noGrp="1" noChangeAspect="1"/>
+          </p:cNvPicPr>
           <p:nvPr>
-            <p:ph sz="quarter" idx="1"/>
+            <p:ph idx="1"/>
           </p:nvPr>
-        </p:nvSpPr>
+        </p:nvPicPr>
+        <p:blipFill>
+          <a:blip r:embed="rId2"/>
+          <a:stretch>
+            <a:fillRect/>
+          </a:stretch>
+        </p:blipFill>
         <p:spPr>
           <a:xfrm>
-            <a:off x="3745078" y="1500188"/>
-            <a:ext cx="7773821" cy="4633912"/>
+            <a:off x="3131627" y="1130300"/>
+            <a:ext cx="5916045" cy="5003800"/>
           </a:xfrm>
+          <a:prstGeom prst="rect">
+            <a:avLst/>
+          </a:prstGeom>
         </p:spPr>
-        <p:txBody>
-          <a:bodyPr/>
-          <a:lstStyle/>
-          <a:p>
-            <a:pPr lvl="0"/>
-            <a:r>
-              <a:rPr lang="zh-CN" altLang="en-US" dirty="0"/>
-              <a:t>修改前后的类图</a:t>
-            </a:r>
-            <a:endParaRPr lang="en-US" dirty="0"/>
-          </a:p>
-          <a:p>
-            <a:pPr lvl="0"/>
-            <a:r>
-              <a:rPr lang="zh-CN" altLang="en-US" dirty="0"/>
-              <a:t>在原有基础上的修改</a:t>
-            </a:r>
-            <a:endParaRPr lang="en-US" dirty="0"/>
-          </a:p>
-          <a:p>
-            <a:pPr lvl="0"/>
-            <a:r>
-              <a:rPr lang="zh-CN" altLang="en-US" dirty="0"/>
-              <a:t>一些新增的内容</a:t>
-            </a:r>
-            <a:endParaRPr lang="en-US" altLang="zh-CN" dirty="0"/>
-          </a:p>
-          <a:p>
-            <a:pPr lvl="0"/>
-            <a:r>
-              <a:rPr lang="zh-CN" altLang="en-US" dirty="0"/>
-              <a:t>主要运行界面</a:t>
-            </a:r>
-            <a:endParaRPr lang="en-US" dirty="0"/>
-          </a:p>
-        </p:txBody>
-      </p:sp>
-      <p:sp>
-        <p:nvSpPr>
-          <p:cNvPr id="4" name="Slide Number Placeholder 3">
-            <a:extLst>
-              <a:ext uri="{FF2B5EF4-FFF2-40B4-BE49-F238E27FC236}">
-                <a16:creationId xmlns:a16="http://schemas.microsoft.com/office/drawing/2014/main" id="{9C40017B-9BDF-5D77-335B-2FE0EAEE92E6}"/>
-              </a:ext>
-            </a:extLst>
-          </p:cNvPr>
-          <p:cNvSpPr>
-            <a:spLocks noGrp="1"/>
-          </p:cNvSpPr>
-          <p:nvPr>
-            <p:ph type="sldNum" sz="quarter" idx="12"/>
-          </p:nvPr>
-        </p:nvSpPr>
-        <p:spPr>
-          <a:xfrm>
-            <a:off x="7861300" y="6409690"/>
-            <a:ext cx="3657600" cy="274320"/>
-          </a:xfrm>
-        </p:spPr>
-        <p:txBody>
-          <a:bodyPr/>
-          <a:lstStyle/>
-          <a:p>
-            <a:fld id="{C8BB1146-E542-4D4E-B8E9-6919A11DDD48}" type="slidenum">
-              <a:rPr lang="en-US" smtClean="0"/>
-              <a:pPr/>
-              <a:t>2</a:t>
-            </a:fld>
-            <a:endParaRPr lang="en-US" dirty="0"/>
-          </a:p>
-        </p:txBody>
-      </p:sp>
+      </p:pic>
     </p:spTree>
     <p:extLst>
       <p:ext uri="{BB962C8B-B14F-4D97-AF65-F5344CB8AC3E}">
-        <p14:creationId xmlns:p14="http://schemas.microsoft.com/office/powerpoint/2010/main" val="3361711315"/>
+        <p14:creationId xmlns:p14="http://schemas.microsoft.com/office/powerpoint/2010/main" val="542416045"/>
       </p:ext>
     </p:extLst>
   </p:cSld>
@@ -11794,7 +12158,7 @@
 </p:sld>
 </file>
 
-<file path=ppt/slides/slide20.xml><?xml version="1.0" encoding="utf-8"?>
+<file path=ppt/slides/slide23.xml><?xml version="1.0" encoding="utf-8"?>
 <p:sld xmlns:a="http://schemas.openxmlformats.org/drawingml/2006/main" xmlns:r="http://schemas.openxmlformats.org/officeDocument/2006/relationships" xmlns:p="http://schemas.openxmlformats.org/presentationml/2006/main">
   <p:cSld>
     <p:spTree>
@@ -12123,7 +12487,7 @@
 </p:sld>
 </file>
 
-<file path=ppt/slides/slide21.xml><?xml version="1.0" encoding="utf-8"?>
+<file path=ppt/slides/slide24.xml><?xml version="1.0" encoding="utf-8"?>
 <p:sld xmlns:a="http://schemas.openxmlformats.org/drawingml/2006/main" xmlns:r="http://schemas.openxmlformats.org/officeDocument/2006/relationships" xmlns:p="http://schemas.openxmlformats.org/presentationml/2006/main">
   <p:cSld>
     <p:spTree>
@@ -12225,7 +12589,7 @@
 </p:sld>
 </file>
 
-<file path=ppt/slides/slide22.xml><?xml version="1.0" encoding="utf-8"?>
+<file path=ppt/slides/slide25.xml><?xml version="1.0" encoding="utf-8"?>
 <p:sld xmlns:a="http://schemas.openxmlformats.org/drawingml/2006/main" xmlns:r="http://schemas.openxmlformats.org/officeDocument/2006/relationships" xmlns:p="http://schemas.openxmlformats.org/presentationml/2006/main">
   <p:cSld>
     <p:spTree>
@@ -12437,7 +12801,7 @@
 </p:sld>
 </file>
 
-<file path=ppt/slides/slide23.xml><?xml version="1.0" encoding="utf-8"?>
+<file path=ppt/slides/slide26.xml><?xml version="1.0" encoding="utf-8"?>
 <p:sld xmlns:a="http://schemas.openxmlformats.org/drawingml/2006/main" xmlns:r="http://schemas.openxmlformats.org/officeDocument/2006/relationships" xmlns:p="http://schemas.openxmlformats.org/presentationml/2006/main">
   <p:cSld>
     <p:spTree>
@@ -12552,7 +12916,7 @@
             <a:fld id="{C8BB1146-E542-4D4E-B8E9-6919A11DDD48}" type="slidenum">
               <a:rPr lang="en-US" smtClean="0"/>
               <a:pPr/>
-              <a:t>23</a:t>
+              <a:t>26</a:t>
             </a:fld>
             <a:endParaRPr lang="en-US"/>
           </a:p>
@@ -12571,7 +12935,7 @@
 </p:sld>
 </file>
 
-<file path=ppt/slides/slide24.xml><?xml version="1.0" encoding="utf-8"?>
+<file path=ppt/slides/slide27.xml><?xml version="1.0" encoding="utf-8"?>
 <p:sld xmlns:a="http://schemas.openxmlformats.org/drawingml/2006/main" xmlns:r="http://schemas.openxmlformats.org/officeDocument/2006/relationships" xmlns:p="http://schemas.openxmlformats.org/presentationml/2006/main">
   <p:cSld>
     <p:spTree>
@@ -12764,7 +13128,7 @@
 </p:sld>
 </file>
 
-<file path=ppt/slides/slide25.xml><?xml version="1.0" encoding="utf-8"?>
+<file path=ppt/slides/slide28.xml><?xml version="1.0" encoding="utf-8"?>
 <p:sld xmlns:a="http://schemas.openxmlformats.org/drawingml/2006/main" xmlns:r="http://schemas.openxmlformats.org/officeDocument/2006/relationships" xmlns:p="http://schemas.openxmlformats.org/presentationml/2006/main">
   <p:cSld>
     <p:spTree>
@@ -12924,887 +13288,6 @@
 </p:sld>
 </file>
 
-<file path=ppt/slides/slide26.xml><?xml version="1.0" encoding="utf-8"?>
-<p:sld xmlns:a="http://schemas.openxmlformats.org/drawingml/2006/main" xmlns:r="http://schemas.openxmlformats.org/officeDocument/2006/relationships" xmlns:p="http://schemas.openxmlformats.org/presentationml/2006/main">
-  <p:cSld>
-    <p:spTree>
-      <p:nvGrpSpPr>
-        <p:cNvPr id="1" name=""/>
-        <p:cNvGrpSpPr/>
-        <p:nvPr/>
-      </p:nvGrpSpPr>
-      <p:grpSpPr>
-        <a:xfrm>
-          <a:off x="0" y="0"/>
-          <a:ext cx="0" cy="0"/>
-          <a:chOff x="0" y="0"/>
-          <a:chExt cx="0" cy="0"/>
-        </a:xfrm>
-      </p:grpSpPr>
-      <p:sp>
-        <p:nvSpPr>
-          <p:cNvPr id="2" name="Title 1">
-            <a:extLst>
-              <a:ext uri="{FF2B5EF4-FFF2-40B4-BE49-F238E27FC236}">
-                <a16:creationId xmlns:a16="http://schemas.microsoft.com/office/drawing/2014/main" id="{D2F64FCC-5933-6E59-5552-E329458E4D5C}"/>
-              </a:ext>
-            </a:extLst>
-          </p:cNvPr>
-          <p:cNvSpPr>
-            <a:spLocks noGrp="1"/>
-          </p:cNvSpPr>
-          <p:nvPr>
-            <p:ph type="title"/>
-          </p:nvPr>
-        </p:nvSpPr>
-        <p:spPr>
-          <a:xfrm>
-            <a:off x="857170" y="1130300"/>
-            <a:ext cx="7253368" cy="1371600"/>
-          </a:xfrm>
-        </p:spPr>
-        <p:txBody>
-          <a:bodyPr/>
-          <a:lstStyle/>
-          <a:p>
-            <a:pPr lvl="0"/>
-            <a:r>
-              <a:rPr lang="zh-CN" altLang="en-US" dirty="0"/>
-              <a:t>代码的主要流程</a:t>
-            </a:r>
-            <a:endParaRPr lang="en-US" dirty="0"/>
-          </a:p>
-        </p:txBody>
-      </p:sp>
-      <p:sp>
-        <p:nvSpPr>
-          <p:cNvPr id="4" name="Slide Number Placeholder 3">
-            <a:extLst>
-              <a:ext uri="{FF2B5EF4-FFF2-40B4-BE49-F238E27FC236}">
-                <a16:creationId xmlns:a16="http://schemas.microsoft.com/office/drawing/2014/main" id="{FD1D7CBC-F975-8DE9-35EC-139DE50F2B9A}"/>
-              </a:ext>
-            </a:extLst>
-          </p:cNvPr>
-          <p:cNvSpPr>
-            <a:spLocks noGrp="1"/>
-          </p:cNvSpPr>
-          <p:nvPr>
-            <p:ph type="sldNum" sz="quarter" idx="12"/>
-          </p:nvPr>
-        </p:nvSpPr>
-        <p:spPr>
-          <a:xfrm>
-            <a:off x="7861300" y="6409690"/>
-            <a:ext cx="3657600" cy="274320"/>
-          </a:xfrm>
-        </p:spPr>
-        <p:txBody>
-          <a:bodyPr/>
-          <a:lstStyle/>
-          <a:p>
-            <a:pPr marL="0" marR="0" lvl="0" indent="0" algn="r" defTabSz="914400" rtl="0" eaLnBrk="1" fontAlgn="auto" latinLnBrk="0" hangingPunct="1">
-              <a:lnSpc>
-                <a:spcPct val="100000"/>
-              </a:lnSpc>
-              <a:spcBef>
-                <a:spcPts val="0"/>
-              </a:spcBef>
-              <a:spcAft>
-                <a:spcPts val="0"/>
-              </a:spcAft>
-              <a:buClrTx/>
-              <a:buSzTx/>
-              <a:buFontTx/>
-              <a:buNone/>
-              <a:tabLst/>
-              <a:defRPr/>
-            </a:pPr>
-            <a:fld id="{C8BB1146-E542-4D4E-B8E9-6919A11DDD48}" type="slidenum">
-              <a:rPr kumimoji="0" lang="en-US" sz="1000" b="0" i="0" u="none" strike="noStrike" kern="1200" cap="none" spc="0" normalizeH="0" baseline="0" noProof="0" smtClean="0">
-                <a:ln>
-                  <a:noFill/>
-                </a:ln>
-                <a:solidFill>
-                  <a:srgbClr val="FFFFFF">
-                    <a:tint val="75000"/>
-                  </a:srgbClr>
-                </a:solidFill>
-                <a:effectLst/>
-                <a:uLnTx/>
-                <a:uFillTx/>
-                <a:latin typeface="Arial"/>
-                <a:ea typeface="微软雅黑"/>
-                <a:cs typeface="+mn-cs"/>
-              </a:rPr>
-              <a:pPr marL="0" marR="0" lvl="0" indent="0" algn="r" defTabSz="914400" rtl="0" eaLnBrk="1" fontAlgn="auto" latinLnBrk="0" hangingPunct="1">
-                <a:lnSpc>
-                  <a:spcPct val="100000"/>
-                </a:lnSpc>
-                <a:spcBef>
-                  <a:spcPts val="0"/>
-                </a:spcBef>
-                <a:spcAft>
-                  <a:spcPts val="0"/>
-                </a:spcAft>
-                <a:buClrTx/>
-                <a:buSzTx/>
-                <a:buFontTx/>
-                <a:buNone/>
-                <a:tabLst/>
-                <a:defRPr/>
-              </a:pPr>
-              <a:t>26</a:t>
-            </a:fld>
-            <a:endParaRPr kumimoji="0" lang="en-US" sz="1000" b="0" i="0" u="none" strike="noStrike" kern="1200" cap="none" spc="0" normalizeH="0" baseline="0" noProof="0">
-              <a:ln>
-                <a:noFill/>
-              </a:ln>
-              <a:solidFill>
-                <a:srgbClr val="FFFFFF">
-                  <a:tint val="75000"/>
-                </a:srgbClr>
-              </a:solidFill>
-              <a:effectLst/>
-              <a:uLnTx/>
-              <a:uFillTx/>
-              <a:latin typeface="Arial"/>
-              <a:ea typeface="微软雅黑"/>
-              <a:cs typeface="+mn-cs"/>
-            </a:endParaRPr>
-          </a:p>
-        </p:txBody>
-      </p:sp>
-    </p:spTree>
-    <p:extLst>
-      <p:ext uri="{BB962C8B-B14F-4D97-AF65-F5344CB8AC3E}">
-        <p14:creationId xmlns:p14="http://schemas.microsoft.com/office/powerpoint/2010/main" val="2090395348"/>
-      </p:ext>
-    </p:extLst>
-  </p:cSld>
-  <p:clrMapOvr>
-    <a:masterClrMapping/>
-  </p:clrMapOvr>
-</p:sld>
-</file>
-
-<file path=ppt/slides/slide27.xml><?xml version="1.0" encoding="utf-8"?>
-<p:sld xmlns:a="http://schemas.openxmlformats.org/drawingml/2006/main" xmlns:r="http://schemas.openxmlformats.org/officeDocument/2006/relationships" xmlns:p="http://schemas.openxmlformats.org/presentationml/2006/main">
-  <p:cSld>
-    <p:spTree>
-      <p:nvGrpSpPr>
-        <p:cNvPr id="1" name=""/>
-        <p:cNvGrpSpPr/>
-        <p:nvPr/>
-      </p:nvGrpSpPr>
-      <p:grpSpPr>
-        <a:xfrm>
-          <a:off x="0" y="0"/>
-          <a:ext cx="0" cy="0"/>
-          <a:chOff x="0" y="0"/>
-          <a:chExt cx="0" cy="0"/>
-        </a:xfrm>
-      </p:grpSpPr>
-      <p:sp>
-        <p:nvSpPr>
-          <p:cNvPr id="2" name="标题 1">
-            <a:extLst>
-              <a:ext uri="{FF2B5EF4-FFF2-40B4-BE49-F238E27FC236}">
-                <a16:creationId xmlns:a16="http://schemas.microsoft.com/office/drawing/2014/main" id="{01A9D795-14E2-7575-E795-3CD81ED60636}"/>
-              </a:ext>
-            </a:extLst>
-          </p:cNvPr>
-          <p:cNvSpPr>
-            <a:spLocks noGrp="1"/>
-          </p:cNvSpPr>
-          <p:nvPr>
-            <p:ph type="title"/>
-          </p:nvPr>
-        </p:nvSpPr>
-        <p:spPr/>
-        <p:txBody>
-          <a:bodyPr/>
-          <a:lstStyle/>
-          <a:p>
-            <a:r>
-              <a:rPr lang="zh-CN" altLang="en-US" dirty="0"/>
-              <a:t>主要流程</a:t>
-            </a:r>
-          </a:p>
-        </p:txBody>
-      </p:sp>
-      <p:sp>
-        <p:nvSpPr>
-          <p:cNvPr id="8" name="内容占位符 7">
-            <a:extLst>
-              <a:ext uri="{FF2B5EF4-FFF2-40B4-BE49-F238E27FC236}">
-                <a16:creationId xmlns:a16="http://schemas.microsoft.com/office/drawing/2014/main" id="{C843D376-F7D3-7658-7546-BD88D50ED806}"/>
-              </a:ext>
-            </a:extLst>
-          </p:cNvPr>
-          <p:cNvSpPr>
-            <a:spLocks noGrp="1"/>
-          </p:cNvSpPr>
-          <p:nvPr>
-            <p:ph idx="1"/>
-          </p:nvPr>
-        </p:nvSpPr>
-        <p:spPr/>
-        <p:txBody>
-          <a:bodyPr>
-            <a:normAutofit/>
-          </a:bodyPr>
-          <a:lstStyle/>
-          <a:p>
-            <a:pPr marL="0" indent="0">
-              <a:buNone/>
-            </a:pPr>
-            <a:r>
-              <a:rPr lang="en-US" altLang="zh-CN" dirty="0"/>
-              <a:t>1. </a:t>
-            </a:r>
-            <a:r>
-              <a:rPr lang="zh-CN" altLang="en-US" dirty="0"/>
-              <a:t>游戏启动与菜单选择 </a:t>
-            </a:r>
-            <a:r>
-              <a:rPr lang="en-US" altLang="zh-CN" dirty="0"/>
-              <a:t>(group)</a:t>
-            </a:r>
-          </a:p>
-          <a:p>
-            <a:pPr marL="0" indent="0">
-              <a:buNone/>
-            </a:pPr>
-            <a:r>
-              <a:rPr lang="en-US" altLang="zh-CN" dirty="0"/>
-              <a:t>	Driver </a:t>
-            </a:r>
-            <a:r>
-              <a:rPr lang="zh-CN" altLang="en-US" dirty="0"/>
-              <a:t>创建 </a:t>
-            </a:r>
-            <a:r>
-              <a:rPr lang="en-US" altLang="zh-CN" dirty="0"/>
-              <a:t>Menu </a:t>
-            </a:r>
-            <a:r>
-              <a:rPr lang="zh-CN" altLang="en-US" dirty="0"/>
-              <a:t>实例，向玩家显示菜单。</a:t>
-            </a:r>
-          </a:p>
-          <a:p>
-            <a:pPr marL="0" indent="0">
-              <a:buNone/>
-            </a:pPr>
-            <a:r>
-              <a:rPr lang="en-US" altLang="zh-CN" dirty="0"/>
-              <a:t>	</a:t>
-            </a:r>
-            <a:r>
-              <a:rPr lang="zh-CN" altLang="en-US" dirty="0"/>
-              <a:t>玩家选择难度后，</a:t>
-            </a:r>
-            <a:r>
-              <a:rPr lang="en-US" altLang="zh-CN" dirty="0"/>
-              <a:t>Menu </a:t>
-            </a:r>
-            <a:r>
-              <a:rPr lang="zh-CN" altLang="en-US" dirty="0"/>
-              <a:t>的 </a:t>
-            </a:r>
-            <a:r>
-              <a:rPr lang="en-US" altLang="zh-CN" dirty="0" err="1"/>
-              <a:t>actionPerformed</a:t>
-            </a:r>
-            <a:r>
-              <a:rPr lang="en-US" altLang="zh-CN" dirty="0"/>
-              <a:t> </a:t>
-            </a:r>
-            <a:r>
-              <a:rPr lang="zh-CN" altLang="en-US" dirty="0"/>
-              <a:t>方法被触发。</a:t>
-            </a:r>
-          </a:p>
-          <a:p>
-            <a:pPr marL="0" indent="0">
-              <a:buNone/>
-            </a:pPr>
-            <a:r>
-              <a:rPr lang="en-US" altLang="zh-CN" dirty="0"/>
-              <a:t>	Menu </a:t>
-            </a:r>
-            <a:r>
-              <a:rPr lang="zh-CN" altLang="en-US" dirty="0"/>
-              <a:t>负责创建 </a:t>
-            </a:r>
-            <a:r>
-              <a:rPr lang="en-US" altLang="zh-CN" dirty="0" err="1"/>
-              <a:t>GameBoard</a:t>
-            </a:r>
-            <a:r>
-              <a:rPr lang="zh-CN" altLang="en-US" dirty="0"/>
-              <a:t>，</a:t>
-            </a:r>
-            <a:r>
-              <a:rPr lang="en-US" altLang="zh-CN" dirty="0" err="1"/>
-              <a:t>GameBoard</a:t>
-            </a:r>
-            <a:r>
-              <a:rPr lang="en-US" altLang="zh-CN" dirty="0"/>
-              <a:t> </a:t>
-            </a:r>
-            <a:r>
-              <a:rPr lang="zh-CN" altLang="en-US" dirty="0"/>
-              <a:t>则循环创建所有的 </a:t>
-            </a:r>
-            <a:r>
-              <a:rPr lang="en-US" altLang="zh-CN" dirty="0" err="1"/>
-              <a:t>SmartSquare</a:t>
-            </a:r>
-            <a:r>
-              <a:rPr lang="en-US" altLang="zh-CN" dirty="0"/>
-              <a:t> </a:t>
-            </a:r>
-            <a:r>
-              <a:rPr lang="zh-CN" altLang="en-US" dirty="0"/>
-              <a:t>方块。</a:t>
-            </a:r>
-          </a:p>
-          <a:p>
-            <a:pPr marL="0" indent="0">
-              <a:buNone/>
-            </a:pPr>
-            <a:r>
-              <a:rPr lang="en-US" altLang="zh-CN" dirty="0"/>
-              <a:t>	</a:t>
-            </a:r>
-            <a:r>
-              <a:rPr lang="zh-CN" altLang="en-US" dirty="0"/>
-              <a:t>接着，</a:t>
-            </a:r>
-            <a:r>
-              <a:rPr lang="en-US" altLang="zh-CN" dirty="0"/>
-              <a:t>Menu </a:t>
-            </a:r>
-            <a:r>
-              <a:rPr lang="zh-CN" altLang="en-US" dirty="0"/>
-              <a:t>创建 </a:t>
-            </a:r>
-            <a:r>
-              <a:rPr lang="en-US" altLang="zh-CN" dirty="0" err="1"/>
-              <a:t>ProduceBombs</a:t>
-            </a:r>
-            <a:r>
-              <a:rPr lang="en-US" altLang="zh-CN" dirty="0"/>
-              <a:t> </a:t>
-            </a:r>
-            <a:r>
-              <a:rPr lang="zh-CN" altLang="en-US" dirty="0"/>
-              <a:t>来在棋盘上布雷。这个过程涉及到随机选择 </a:t>
-            </a:r>
-            <a:r>
-              <a:rPr lang="en-US" altLang="zh-CN" dirty="0" err="1"/>
-              <a:t>SmartSquare</a:t>
-            </a:r>
-            <a:r>
-              <a:rPr lang="en-US" altLang="zh-CN" dirty="0"/>
-              <a:t> </a:t>
-            </a:r>
-            <a:r>
-              <a:rPr lang="zh-CN" altLang="en-US" dirty="0"/>
-              <a:t>并调用其 </a:t>
-            </a:r>
-            <a:r>
-              <a:rPr lang="en-US" altLang="zh-CN" dirty="0" err="1"/>
-              <a:t>setBombExist</a:t>
-            </a:r>
-            <a:r>
-              <a:rPr lang="en-US" altLang="zh-CN" dirty="0"/>
-              <a:t>(true) </a:t>
-            </a:r>
-            <a:r>
-              <a:rPr lang="zh-CN" altLang="en-US" dirty="0"/>
-              <a:t>方法。</a:t>
-            </a:r>
-          </a:p>
-          <a:p>
-            <a:pPr marL="0" indent="0">
-              <a:buNone/>
-            </a:pPr>
-            <a:r>
-              <a:rPr lang="en-US" altLang="zh-CN" dirty="0"/>
-              <a:t>	</a:t>
-            </a:r>
-            <a:r>
-              <a:rPr lang="zh-CN" altLang="en-US" dirty="0"/>
-              <a:t>最后，</a:t>
-            </a:r>
-            <a:r>
-              <a:rPr lang="en-US" altLang="zh-CN" dirty="0"/>
-              <a:t>Menu </a:t>
-            </a:r>
-            <a:r>
-              <a:rPr lang="zh-CN" altLang="en-US" dirty="0"/>
-              <a:t>调用一个方块的 </a:t>
-            </a:r>
-            <a:r>
-              <a:rPr lang="en-US" altLang="zh-CN" dirty="0" err="1"/>
-              <a:t>setStartTime</a:t>
-            </a:r>
-            <a:r>
-              <a:rPr lang="en-US" altLang="zh-CN" dirty="0"/>
-              <a:t>() </a:t>
-            </a:r>
-            <a:r>
-              <a:rPr lang="zh-CN" altLang="en-US" dirty="0"/>
-              <a:t>来记录开始时间，然后关闭自己，游戏棋盘对玩家可见。</a:t>
-            </a:r>
-          </a:p>
-        </p:txBody>
-      </p:sp>
-    </p:spTree>
-    <p:extLst>
-      <p:ext uri="{BB962C8B-B14F-4D97-AF65-F5344CB8AC3E}">
-        <p14:creationId xmlns:p14="http://schemas.microsoft.com/office/powerpoint/2010/main" val="2250420652"/>
-      </p:ext>
-    </p:extLst>
-  </p:cSld>
-  <p:clrMapOvr>
-    <a:masterClrMapping/>
-  </p:clrMapOvr>
-</p:sld>
-</file>
-
-<file path=ppt/slides/slide28.xml><?xml version="1.0" encoding="utf-8"?>
-<p:sld xmlns:a="http://schemas.openxmlformats.org/drawingml/2006/main" xmlns:r="http://schemas.openxmlformats.org/officeDocument/2006/relationships" xmlns:p="http://schemas.openxmlformats.org/presentationml/2006/main">
-  <p:cSld>
-    <p:spTree>
-      <p:nvGrpSpPr>
-        <p:cNvPr id="1" name=""/>
-        <p:cNvGrpSpPr/>
-        <p:nvPr/>
-      </p:nvGrpSpPr>
-      <p:grpSpPr>
-        <a:xfrm>
-          <a:off x="0" y="0"/>
-          <a:ext cx="0" cy="0"/>
-          <a:chOff x="0" y="0"/>
-          <a:chExt cx="0" cy="0"/>
-        </a:xfrm>
-      </p:grpSpPr>
-      <p:sp>
-        <p:nvSpPr>
-          <p:cNvPr id="3" name="内容占位符 2">
-            <a:extLst>
-              <a:ext uri="{FF2B5EF4-FFF2-40B4-BE49-F238E27FC236}">
-                <a16:creationId xmlns:a16="http://schemas.microsoft.com/office/drawing/2014/main" id="{4310A578-EB2D-EAD5-098B-740547130E89}"/>
-              </a:ext>
-            </a:extLst>
-          </p:cNvPr>
-          <p:cNvSpPr>
-            <a:spLocks noGrp="1"/>
-          </p:cNvSpPr>
-          <p:nvPr>
-            <p:ph idx="1"/>
-          </p:nvPr>
-        </p:nvSpPr>
-        <p:spPr>
-          <a:xfrm>
-            <a:off x="3398982" y="406400"/>
-            <a:ext cx="7954817" cy="6216073"/>
-          </a:xfrm>
-        </p:spPr>
-        <p:txBody>
-          <a:bodyPr>
-            <a:normAutofit fontScale="77500" lnSpcReduction="20000"/>
-          </a:bodyPr>
-          <a:lstStyle/>
-          <a:p>
-            <a:pPr marL="0" indent="0">
-              <a:buNone/>
-            </a:pPr>
-            <a:r>
-              <a:rPr lang="en-US" altLang="zh-CN" dirty="0"/>
-              <a:t>2. </a:t>
-            </a:r>
-            <a:r>
-              <a:rPr lang="zh-CN" altLang="en-US" dirty="0"/>
-              <a:t>玩家进行游戏</a:t>
-            </a:r>
-            <a:endParaRPr lang="en-US" altLang="zh-CN" dirty="0"/>
-          </a:p>
-          <a:p>
-            <a:pPr marL="0" indent="0">
-              <a:buNone/>
-            </a:pPr>
-            <a:r>
-              <a:rPr lang="en-US" altLang="zh-CN" dirty="0"/>
-              <a:t>	</a:t>
-            </a:r>
-            <a:r>
-              <a:rPr lang="zh-CN" altLang="en-US" dirty="0"/>
-              <a:t>玩家点击一个 </a:t>
-            </a:r>
-            <a:r>
-              <a:rPr lang="en-US" altLang="zh-CN" dirty="0" err="1"/>
-              <a:t>SmartSquare</a:t>
-            </a:r>
-            <a:r>
-              <a:rPr lang="zh-CN" altLang="en-US" dirty="0"/>
-              <a:t>（它是一个 </a:t>
-            </a:r>
-            <a:r>
-              <a:rPr lang="en-US" altLang="zh-CN" dirty="0" err="1"/>
-              <a:t>JButton</a:t>
-            </a:r>
-            <a:r>
-              <a:rPr lang="zh-CN" altLang="en-US" dirty="0"/>
-              <a:t>）。</a:t>
-            </a:r>
-          </a:p>
-          <a:p>
-            <a:pPr marL="0" indent="0">
-              <a:buNone/>
-            </a:pPr>
-            <a:r>
-              <a:rPr lang="en-US" altLang="zh-CN" dirty="0"/>
-              <a:t>	Swing </a:t>
-            </a:r>
-            <a:r>
-              <a:rPr lang="zh-CN" altLang="en-US" dirty="0"/>
-              <a:t>的事件处理机制最终会调用到被点击</a:t>
-            </a:r>
-            <a:r>
-              <a:rPr lang="en-US" altLang="zh-CN" dirty="0" err="1"/>
-              <a:t>SmartSquare</a:t>
-            </a:r>
-            <a:r>
-              <a:rPr lang="en-US" altLang="zh-CN" dirty="0"/>
-              <a:t> </a:t>
-            </a:r>
-            <a:r>
-              <a:rPr lang="zh-CN" altLang="en-US" dirty="0"/>
-              <a:t>实例的 </a:t>
-            </a:r>
-            <a:r>
-              <a:rPr lang="en-US" altLang="zh-CN" dirty="0"/>
-              <a:t>clicked() </a:t>
-            </a:r>
-            <a:r>
-              <a:rPr lang="zh-CN" altLang="en-US" dirty="0"/>
-              <a:t>方法。</a:t>
-            </a:r>
-          </a:p>
-          <a:p>
-            <a:pPr marL="0" indent="0">
-              <a:buNone/>
-            </a:pPr>
-            <a:r>
-              <a:rPr lang="en-US" altLang="zh-CN" dirty="0"/>
-              <a:t>	</a:t>
-            </a:r>
-            <a:r>
-              <a:rPr lang="zh-CN" altLang="en-US" dirty="0"/>
-              <a:t>在 </a:t>
-            </a:r>
-            <a:r>
-              <a:rPr lang="en-US" altLang="zh-CN" dirty="0"/>
-              <a:t>clicked() </a:t>
-            </a:r>
-            <a:r>
-              <a:rPr lang="zh-CN" altLang="en-US" dirty="0"/>
-              <a:t>方法内部：</a:t>
-            </a:r>
-          </a:p>
-          <a:p>
-            <a:pPr marL="0" indent="0">
-              <a:buNone/>
-            </a:pPr>
-            <a:r>
-              <a:rPr lang="en-US" altLang="zh-CN" dirty="0"/>
-              <a:t>	</a:t>
-            </a:r>
-            <a:r>
-              <a:rPr lang="zh-CN" altLang="en-US" b="1" dirty="0"/>
-              <a:t>分支</a:t>
-            </a:r>
-            <a:r>
-              <a:rPr lang="en-US" altLang="zh-CN" b="1" dirty="0"/>
-              <a:t>1 (alt): </a:t>
-            </a:r>
-            <a:r>
-              <a:rPr lang="zh-CN" altLang="en-US" dirty="0"/>
-              <a:t>点击到地雷</a:t>
-            </a:r>
-            <a:endParaRPr lang="en-US" altLang="zh-CN" dirty="0"/>
-          </a:p>
-          <a:p>
-            <a:pPr marL="0" indent="0">
-              <a:buNone/>
-            </a:pPr>
-            <a:r>
-              <a:rPr lang="en-US" altLang="zh-CN" dirty="0"/>
-              <a:t>		</a:t>
-            </a:r>
-            <a:r>
-              <a:rPr lang="en-US" altLang="zh-CN" dirty="0" err="1"/>
-              <a:t>thisSquareHasBomb</a:t>
-            </a:r>
-            <a:r>
-              <a:rPr lang="zh-CN" altLang="en-US" dirty="0"/>
-              <a:t>为 </a:t>
-            </a:r>
-            <a:r>
-              <a:rPr lang="en-US" altLang="zh-CN" dirty="0"/>
-              <a:t>true</a:t>
-            </a:r>
-            <a:r>
-              <a:rPr lang="zh-CN" altLang="en-US" dirty="0"/>
-              <a:t>。</a:t>
-            </a:r>
-          </a:p>
-          <a:p>
-            <a:pPr marL="0" indent="0">
-              <a:buNone/>
-            </a:pPr>
-            <a:r>
-              <a:rPr lang="en-US" altLang="zh-CN" dirty="0"/>
-              <a:t>		</a:t>
-            </a:r>
-            <a:r>
-              <a:rPr lang="zh-CN" altLang="en-US" dirty="0"/>
-              <a:t>程序调用 </a:t>
-            </a:r>
-            <a:r>
-              <a:rPr lang="en-US" altLang="zh-CN" dirty="0"/>
-              <a:t>window() </a:t>
-            </a:r>
-            <a:r>
-              <a:rPr lang="zh-CN" altLang="en-US" dirty="0"/>
-              <a:t>方法，向玩家显示一个包含</a:t>
-            </a:r>
-            <a:r>
-              <a:rPr lang="en-US" altLang="zh-CN" dirty="0"/>
-              <a:t>		</a:t>
-            </a:r>
-            <a:r>
-              <a:rPr lang="zh-CN" altLang="en-US" dirty="0"/>
-              <a:t>“游戏结束”信息和重玩选项的对话框。</a:t>
-            </a:r>
-          </a:p>
-          <a:p>
-            <a:pPr marL="0" indent="0">
-              <a:buNone/>
-            </a:pPr>
-            <a:r>
-              <a:rPr lang="en-US" altLang="zh-CN" dirty="0"/>
-              <a:t>	</a:t>
-            </a:r>
-            <a:r>
-              <a:rPr lang="zh-CN" altLang="en-US" b="1" dirty="0"/>
-              <a:t>分支</a:t>
-            </a:r>
-            <a:r>
-              <a:rPr lang="en-US" altLang="zh-CN" b="1" dirty="0"/>
-              <a:t>2 (alt): </a:t>
-            </a:r>
-            <a:r>
-              <a:rPr lang="zh-CN" altLang="en-US" dirty="0"/>
-              <a:t>点击到安全方块</a:t>
-            </a:r>
-          </a:p>
-          <a:p>
-            <a:pPr marL="0" indent="0">
-              <a:buNone/>
-            </a:pPr>
-            <a:r>
-              <a:rPr lang="en-US" altLang="zh-CN" dirty="0"/>
-              <a:t>		</a:t>
-            </a:r>
-            <a:r>
-              <a:rPr lang="zh-CN" altLang="en-US" dirty="0"/>
-              <a:t>程序创建一个 </a:t>
-            </a:r>
-            <a:r>
-              <a:rPr lang="en-US" altLang="zh-CN" dirty="0" err="1"/>
-              <a:t>CheckSquare</a:t>
-            </a:r>
-            <a:r>
-              <a:rPr lang="en-US" altLang="zh-CN" dirty="0"/>
-              <a:t> </a:t>
-            </a:r>
-            <a:r>
-              <a:rPr lang="zh-CN" altLang="en-US" dirty="0"/>
-              <a:t>对象来处理逻辑。</a:t>
-            </a:r>
-          </a:p>
-          <a:p>
-            <a:pPr marL="0" indent="0">
-              <a:buNone/>
-            </a:pPr>
-            <a:r>
-              <a:rPr lang="en-US" altLang="zh-CN" dirty="0"/>
-              <a:t>		</a:t>
-            </a:r>
-            <a:r>
-              <a:rPr lang="zh-CN" altLang="en-US" dirty="0"/>
-              <a:t>调用 </a:t>
-            </a:r>
-            <a:r>
-              <a:rPr lang="en-US" altLang="zh-CN" dirty="0" err="1"/>
-              <a:t>countBomb</a:t>
-            </a:r>
-            <a:r>
-              <a:rPr lang="en-US" altLang="zh-CN" dirty="0"/>
-              <a:t>() </a:t>
-            </a:r>
-            <a:r>
-              <a:rPr lang="zh-CN" altLang="en-US" dirty="0"/>
-              <a:t>来计算周围地雷数并递归地揭</a:t>
-            </a:r>
-            <a:r>
-              <a:rPr lang="en-US" altLang="zh-CN" dirty="0"/>
-              <a:t>		</a:t>
-            </a:r>
-            <a:r>
-              <a:rPr lang="zh-CN" altLang="en-US" dirty="0"/>
-              <a:t>开相邻的空白区域。</a:t>
-            </a:r>
-          </a:p>
-          <a:p>
-            <a:pPr marL="0" indent="0">
-              <a:buNone/>
-            </a:pPr>
-            <a:r>
-              <a:rPr lang="en-US" altLang="zh-CN" dirty="0"/>
-              <a:t>		</a:t>
-            </a:r>
-            <a:r>
-              <a:rPr lang="zh-CN" altLang="en-US" dirty="0"/>
-              <a:t>之后，调用 </a:t>
-            </a:r>
-            <a:r>
-              <a:rPr lang="en-US" altLang="zh-CN" dirty="0" err="1"/>
-              <a:t>isSuccess</a:t>
-            </a:r>
-            <a:r>
-              <a:rPr lang="en-US" altLang="zh-CN" dirty="0"/>
-              <a:t>() </a:t>
-            </a:r>
-            <a:r>
-              <a:rPr lang="zh-CN" altLang="en-US" dirty="0"/>
-              <a:t>检查是否满足胜利条件（</a:t>
-            </a:r>
-            <a:r>
-              <a:rPr lang="en-US" altLang="zh-CN" dirty="0"/>
-              <a:t>		</a:t>
-            </a:r>
-            <a:r>
-              <a:rPr lang="zh-CN" altLang="en-US" dirty="0"/>
-              <a:t>所有非雷块都已揭开）。</a:t>
-            </a:r>
-          </a:p>
-          <a:p>
-            <a:pPr marL="0" indent="0">
-              <a:buNone/>
-            </a:pPr>
-            <a:r>
-              <a:rPr lang="en-US" altLang="zh-CN" dirty="0"/>
-              <a:t>		</a:t>
-            </a:r>
-            <a:r>
-              <a:rPr lang="zh-CN" altLang="en-US" dirty="0"/>
-              <a:t>如果胜利 </a:t>
-            </a:r>
-            <a:r>
-              <a:rPr lang="en-US" altLang="zh-CN" dirty="0"/>
-              <a:t>(alt)</a:t>
-            </a:r>
-            <a:r>
-              <a:rPr lang="zh-CN" altLang="en-US" dirty="0"/>
-              <a:t>，调用 </a:t>
-            </a:r>
-            <a:r>
-              <a:rPr lang="en-US" altLang="zh-CN" dirty="0"/>
-              <a:t>window() </a:t>
-            </a:r>
-            <a:r>
-              <a:rPr lang="zh-CN" altLang="en-US" dirty="0"/>
-              <a:t>显示“恭喜”信息。</a:t>
-            </a:r>
-          </a:p>
-          <a:p>
-            <a:pPr marL="0" indent="0">
-              <a:buNone/>
-            </a:pPr>
-            <a:r>
-              <a:rPr lang="en-US" altLang="zh-CN" dirty="0"/>
-              <a:t>		</a:t>
-            </a:r>
-            <a:r>
-              <a:rPr lang="zh-CN" altLang="en-US" dirty="0"/>
-              <a:t>如果游戏未结束 ，更新方块视图（显示数字），</a:t>
-            </a:r>
-            <a:r>
-              <a:rPr lang="en-US" altLang="zh-CN" dirty="0"/>
-              <a:t>		</a:t>
-            </a:r>
-            <a:r>
-              <a:rPr lang="zh-CN" altLang="en-US" dirty="0"/>
-              <a:t>等待玩家下一次操作。</a:t>
-            </a:r>
-          </a:p>
-        </p:txBody>
-      </p:sp>
-      <p:pic>
-        <p:nvPicPr>
-          <p:cNvPr id="6" name="内容占位符 5" descr="图示&#10;&#10;AI 生成的内容可能不正确。">
-            <a:extLst>
-              <a:ext uri="{FF2B5EF4-FFF2-40B4-BE49-F238E27FC236}">
-                <a16:creationId xmlns:a16="http://schemas.microsoft.com/office/drawing/2014/main" id="{A75778AD-2108-FBBB-CBD3-9AAAC07A2359}"/>
-              </a:ext>
-            </a:extLst>
-          </p:cNvPr>
-          <p:cNvPicPr>
-            <a:picLocks noChangeAspect="1"/>
-          </p:cNvPicPr>
-          <p:nvPr/>
-        </p:nvPicPr>
-        <p:blipFill>
-          <a:blip r:embed="rId3">
-            <a:extLst>
-              <a:ext uri="{28A0092B-C50C-407E-A947-70E740481C1C}">
-                <a14:useLocalDpi xmlns:a14="http://schemas.microsoft.com/office/drawing/2010/main" val="0"/>
-              </a:ext>
-            </a:extLst>
-          </a:blip>
-          <a:stretch>
-            <a:fillRect/>
-          </a:stretch>
-        </p:blipFill>
-        <p:spPr>
-          <a:xfrm>
-            <a:off x="85177" y="107661"/>
-            <a:ext cx="2879695" cy="6599919"/>
-          </a:xfrm>
-          <a:prstGeom prst="rect">
-            <a:avLst/>
-          </a:prstGeom>
-        </p:spPr>
-      </p:pic>
-    </p:spTree>
-    <p:extLst>
-      <p:ext uri="{BB962C8B-B14F-4D97-AF65-F5344CB8AC3E}">
-        <p14:creationId xmlns:p14="http://schemas.microsoft.com/office/powerpoint/2010/main" val="4098639013"/>
-      </p:ext>
-    </p:extLst>
-  </p:cSld>
-  <p:clrMapOvr>
-    <a:masterClrMapping/>
-  </p:clrMapOvr>
-</p:sld>
-</file>
-
 <file path=ppt/slides/slide29.xml><?xml version="1.0" encoding="utf-8"?>
 <p:sld xmlns:a="http://schemas.openxmlformats.org/drawingml/2006/main" xmlns:r="http://schemas.openxmlformats.org/officeDocument/2006/relationships" xmlns:p="http://schemas.openxmlformats.org/presentationml/2006/main">
   <p:cSld>
@@ -13851,7 +13334,7 @@
             <a:pPr lvl="0"/>
             <a:r>
               <a:rPr lang="zh-CN" altLang="en-US" dirty="0"/>
-              <a:t>参考内容</a:t>
+              <a:t>代码的主要流程</a:t>
             </a:r>
             <a:endParaRPr lang="en-US" dirty="0"/>
           </a:p>
@@ -13958,7 +13441,7 @@
     </p:spTree>
     <p:extLst>
       <p:ext uri="{BB962C8B-B14F-4D97-AF65-F5344CB8AC3E}">
-        <p14:creationId xmlns:p14="http://schemas.microsoft.com/office/powerpoint/2010/main" val="2037806091"/>
+        <p14:creationId xmlns:p14="http://schemas.microsoft.com/office/powerpoint/2010/main" val="2090395348"/>
       </p:ext>
     </p:extLst>
   </p:cSld>
@@ -14150,6 +13633,887 @@
       </p:grpSpPr>
       <p:sp>
         <p:nvSpPr>
+          <p:cNvPr id="2" name="标题 1">
+            <a:extLst>
+              <a:ext uri="{FF2B5EF4-FFF2-40B4-BE49-F238E27FC236}">
+                <a16:creationId xmlns:a16="http://schemas.microsoft.com/office/drawing/2014/main" id="{01A9D795-14E2-7575-E795-3CD81ED60636}"/>
+              </a:ext>
+            </a:extLst>
+          </p:cNvPr>
+          <p:cNvSpPr>
+            <a:spLocks noGrp="1"/>
+          </p:cNvSpPr>
+          <p:nvPr>
+            <p:ph type="title"/>
+          </p:nvPr>
+        </p:nvSpPr>
+        <p:spPr/>
+        <p:txBody>
+          <a:bodyPr/>
+          <a:lstStyle/>
+          <a:p>
+            <a:r>
+              <a:rPr lang="zh-CN" altLang="en-US" dirty="0"/>
+              <a:t>主要流程</a:t>
+            </a:r>
+          </a:p>
+        </p:txBody>
+      </p:sp>
+      <p:sp>
+        <p:nvSpPr>
+          <p:cNvPr id="8" name="内容占位符 7">
+            <a:extLst>
+              <a:ext uri="{FF2B5EF4-FFF2-40B4-BE49-F238E27FC236}">
+                <a16:creationId xmlns:a16="http://schemas.microsoft.com/office/drawing/2014/main" id="{C843D376-F7D3-7658-7546-BD88D50ED806}"/>
+              </a:ext>
+            </a:extLst>
+          </p:cNvPr>
+          <p:cNvSpPr>
+            <a:spLocks noGrp="1"/>
+          </p:cNvSpPr>
+          <p:nvPr>
+            <p:ph idx="1"/>
+          </p:nvPr>
+        </p:nvSpPr>
+        <p:spPr/>
+        <p:txBody>
+          <a:bodyPr>
+            <a:normAutofit/>
+          </a:bodyPr>
+          <a:lstStyle/>
+          <a:p>
+            <a:pPr marL="0" indent="0">
+              <a:buNone/>
+            </a:pPr>
+            <a:r>
+              <a:rPr lang="en-US" altLang="zh-CN" dirty="0"/>
+              <a:t>1. </a:t>
+            </a:r>
+            <a:r>
+              <a:rPr lang="zh-CN" altLang="en-US" dirty="0"/>
+              <a:t>游戏启动与菜单选择 </a:t>
+            </a:r>
+            <a:r>
+              <a:rPr lang="en-US" altLang="zh-CN" dirty="0"/>
+              <a:t>(group)</a:t>
+            </a:r>
+          </a:p>
+          <a:p>
+            <a:pPr marL="0" indent="0">
+              <a:buNone/>
+            </a:pPr>
+            <a:r>
+              <a:rPr lang="en-US" altLang="zh-CN" dirty="0"/>
+              <a:t>	Driver </a:t>
+            </a:r>
+            <a:r>
+              <a:rPr lang="zh-CN" altLang="en-US" dirty="0"/>
+              <a:t>创建 </a:t>
+            </a:r>
+            <a:r>
+              <a:rPr lang="en-US" altLang="zh-CN" dirty="0"/>
+              <a:t>Menu </a:t>
+            </a:r>
+            <a:r>
+              <a:rPr lang="zh-CN" altLang="en-US" dirty="0"/>
+              <a:t>实例，向玩家显示菜单。</a:t>
+            </a:r>
+          </a:p>
+          <a:p>
+            <a:pPr marL="0" indent="0">
+              <a:buNone/>
+            </a:pPr>
+            <a:r>
+              <a:rPr lang="en-US" altLang="zh-CN" dirty="0"/>
+              <a:t>	</a:t>
+            </a:r>
+            <a:r>
+              <a:rPr lang="zh-CN" altLang="en-US" dirty="0"/>
+              <a:t>玩家选择难度后，</a:t>
+            </a:r>
+            <a:r>
+              <a:rPr lang="en-US" altLang="zh-CN" dirty="0"/>
+              <a:t>Menu </a:t>
+            </a:r>
+            <a:r>
+              <a:rPr lang="zh-CN" altLang="en-US" dirty="0"/>
+              <a:t>的 </a:t>
+            </a:r>
+            <a:r>
+              <a:rPr lang="en-US" altLang="zh-CN" dirty="0" err="1"/>
+              <a:t>actionPerformed</a:t>
+            </a:r>
+            <a:r>
+              <a:rPr lang="en-US" altLang="zh-CN" dirty="0"/>
+              <a:t> </a:t>
+            </a:r>
+            <a:r>
+              <a:rPr lang="zh-CN" altLang="en-US" dirty="0"/>
+              <a:t>方法被触发。</a:t>
+            </a:r>
+          </a:p>
+          <a:p>
+            <a:pPr marL="0" indent="0">
+              <a:buNone/>
+            </a:pPr>
+            <a:r>
+              <a:rPr lang="en-US" altLang="zh-CN" dirty="0"/>
+              <a:t>	Menu </a:t>
+            </a:r>
+            <a:r>
+              <a:rPr lang="zh-CN" altLang="en-US" dirty="0"/>
+              <a:t>负责创建 </a:t>
+            </a:r>
+            <a:r>
+              <a:rPr lang="en-US" altLang="zh-CN" dirty="0" err="1"/>
+              <a:t>GameBoard</a:t>
+            </a:r>
+            <a:r>
+              <a:rPr lang="zh-CN" altLang="en-US" dirty="0"/>
+              <a:t>，</a:t>
+            </a:r>
+            <a:r>
+              <a:rPr lang="en-US" altLang="zh-CN" dirty="0" err="1"/>
+              <a:t>GameBoard</a:t>
+            </a:r>
+            <a:r>
+              <a:rPr lang="en-US" altLang="zh-CN" dirty="0"/>
+              <a:t> </a:t>
+            </a:r>
+            <a:r>
+              <a:rPr lang="zh-CN" altLang="en-US" dirty="0"/>
+              <a:t>则循环创建所有的 </a:t>
+            </a:r>
+            <a:r>
+              <a:rPr lang="en-US" altLang="zh-CN" dirty="0" err="1"/>
+              <a:t>SmartSquare</a:t>
+            </a:r>
+            <a:r>
+              <a:rPr lang="en-US" altLang="zh-CN" dirty="0"/>
+              <a:t> </a:t>
+            </a:r>
+            <a:r>
+              <a:rPr lang="zh-CN" altLang="en-US" dirty="0"/>
+              <a:t>方块。</a:t>
+            </a:r>
+          </a:p>
+          <a:p>
+            <a:pPr marL="0" indent="0">
+              <a:buNone/>
+            </a:pPr>
+            <a:r>
+              <a:rPr lang="en-US" altLang="zh-CN" dirty="0"/>
+              <a:t>	</a:t>
+            </a:r>
+            <a:r>
+              <a:rPr lang="zh-CN" altLang="en-US" dirty="0"/>
+              <a:t>接着，</a:t>
+            </a:r>
+            <a:r>
+              <a:rPr lang="en-US" altLang="zh-CN" dirty="0"/>
+              <a:t>Menu </a:t>
+            </a:r>
+            <a:r>
+              <a:rPr lang="zh-CN" altLang="en-US" dirty="0"/>
+              <a:t>创建 </a:t>
+            </a:r>
+            <a:r>
+              <a:rPr lang="en-US" altLang="zh-CN" dirty="0" err="1"/>
+              <a:t>ProduceBombs</a:t>
+            </a:r>
+            <a:r>
+              <a:rPr lang="en-US" altLang="zh-CN" dirty="0"/>
+              <a:t> </a:t>
+            </a:r>
+            <a:r>
+              <a:rPr lang="zh-CN" altLang="en-US" dirty="0"/>
+              <a:t>来在棋盘上布雷。这个过程涉及到随机选择 </a:t>
+            </a:r>
+            <a:r>
+              <a:rPr lang="en-US" altLang="zh-CN" dirty="0" err="1"/>
+              <a:t>SmartSquare</a:t>
+            </a:r>
+            <a:r>
+              <a:rPr lang="en-US" altLang="zh-CN" dirty="0"/>
+              <a:t> </a:t>
+            </a:r>
+            <a:r>
+              <a:rPr lang="zh-CN" altLang="en-US" dirty="0"/>
+              <a:t>并调用其 </a:t>
+            </a:r>
+            <a:r>
+              <a:rPr lang="en-US" altLang="zh-CN" dirty="0" err="1"/>
+              <a:t>setBombExist</a:t>
+            </a:r>
+            <a:r>
+              <a:rPr lang="en-US" altLang="zh-CN" dirty="0"/>
+              <a:t>(true) </a:t>
+            </a:r>
+            <a:r>
+              <a:rPr lang="zh-CN" altLang="en-US" dirty="0"/>
+              <a:t>方法。</a:t>
+            </a:r>
+          </a:p>
+          <a:p>
+            <a:pPr marL="0" indent="0">
+              <a:buNone/>
+            </a:pPr>
+            <a:r>
+              <a:rPr lang="en-US" altLang="zh-CN" dirty="0"/>
+              <a:t>	</a:t>
+            </a:r>
+            <a:r>
+              <a:rPr lang="zh-CN" altLang="en-US" dirty="0"/>
+              <a:t>最后，</a:t>
+            </a:r>
+            <a:r>
+              <a:rPr lang="en-US" altLang="zh-CN" dirty="0"/>
+              <a:t>Menu </a:t>
+            </a:r>
+            <a:r>
+              <a:rPr lang="zh-CN" altLang="en-US" dirty="0"/>
+              <a:t>调用一个方块的 </a:t>
+            </a:r>
+            <a:r>
+              <a:rPr lang="en-US" altLang="zh-CN" dirty="0" err="1"/>
+              <a:t>setStartTime</a:t>
+            </a:r>
+            <a:r>
+              <a:rPr lang="en-US" altLang="zh-CN" dirty="0"/>
+              <a:t>() </a:t>
+            </a:r>
+            <a:r>
+              <a:rPr lang="zh-CN" altLang="en-US" dirty="0"/>
+              <a:t>来记录开始时间，然后关闭自己，游戏棋盘对玩家可见。</a:t>
+            </a:r>
+          </a:p>
+        </p:txBody>
+      </p:sp>
+    </p:spTree>
+    <p:extLst>
+      <p:ext uri="{BB962C8B-B14F-4D97-AF65-F5344CB8AC3E}">
+        <p14:creationId xmlns:p14="http://schemas.microsoft.com/office/powerpoint/2010/main" val="2250420652"/>
+      </p:ext>
+    </p:extLst>
+  </p:cSld>
+  <p:clrMapOvr>
+    <a:masterClrMapping/>
+  </p:clrMapOvr>
+</p:sld>
+</file>
+
+<file path=ppt/slides/slide31.xml><?xml version="1.0" encoding="utf-8"?>
+<p:sld xmlns:a="http://schemas.openxmlformats.org/drawingml/2006/main" xmlns:r="http://schemas.openxmlformats.org/officeDocument/2006/relationships" xmlns:p="http://schemas.openxmlformats.org/presentationml/2006/main">
+  <p:cSld>
+    <p:spTree>
+      <p:nvGrpSpPr>
+        <p:cNvPr id="1" name=""/>
+        <p:cNvGrpSpPr/>
+        <p:nvPr/>
+      </p:nvGrpSpPr>
+      <p:grpSpPr>
+        <a:xfrm>
+          <a:off x="0" y="0"/>
+          <a:ext cx="0" cy="0"/>
+          <a:chOff x="0" y="0"/>
+          <a:chExt cx="0" cy="0"/>
+        </a:xfrm>
+      </p:grpSpPr>
+      <p:sp>
+        <p:nvSpPr>
+          <p:cNvPr id="3" name="内容占位符 2">
+            <a:extLst>
+              <a:ext uri="{FF2B5EF4-FFF2-40B4-BE49-F238E27FC236}">
+                <a16:creationId xmlns:a16="http://schemas.microsoft.com/office/drawing/2014/main" id="{4310A578-EB2D-EAD5-098B-740547130E89}"/>
+              </a:ext>
+            </a:extLst>
+          </p:cNvPr>
+          <p:cNvSpPr>
+            <a:spLocks noGrp="1"/>
+          </p:cNvSpPr>
+          <p:nvPr>
+            <p:ph idx="1"/>
+          </p:nvPr>
+        </p:nvSpPr>
+        <p:spPr>
+          <a:xfrm>
+            <a:off x="3398982" y="406400"/>
+            <a:ext cx="7954817" cy="6216073"/>
+          </a:xfrm>
+        </p:spPr>
+        <p:txBody>
+          <a:bodyPr>
+            <a:normAutofit fontScale="77500" lnSpcReduction="20000"/>
+          </a:bodyPr>
+          <a:lstStyle/>
+          <a:p>
+            <a:pPr marL="0" indent="0">
+              <a:buNone/>
+            </a:pPr>
+            <a:r>
+              <a:rPr lang="en-US" altLang="zh-CN" dirty="0"/>
+              <a:t>2. </a:t>
+            </a:r>
+            <a:r>
+              <a:rPr lang="zh-CN" altLang="en-US" dirty="0"/>
+              <a:t>玩家进行游戏</a:t>
+            </a:r>
+            <a:endParaRPr lang="en-US" altLang="zh-CN" dirty="0"/>
+          </a:p>
+          <a:p>
+            <a:pPr marL="0" indent="0">
+              <a:buNone/>
+            </a:pPr>
+            <a:r>
+              <a:rPr lang="en-US" altLang="zh-CN" dirty="0"/>
+              <a:t>	</a:t>
+            </a:r>
+            <a:r>
+              <a:rPr lang="zh-CN" altLang="en-US" dirty="0"/>
+              <a:t>玩家点击一个 </a:t>
+            </a:r>
+            <a:r>
+              <a:rPr lang="en-US" altLang="zh-CN" dirty="0" err="1"/>
+              <a:t>SmartSquare</a:t>
+            </a:r>
+            <a:r>
+              <a:rPr lang="zh-CN" altLang="en-US" dirty="0"/>
+              <a:t>（它是一个 </a:t>
+            </a:r>
+            <a:r>
+              <a:rPr lang="en-US" altLang="zh-CN" dirty="0" err="1"/>
+              <a:t>JButton</a:t>
+            </a:r>
+            <a:r>
+              <a:rPr lang="zh-CN" altLang="en-US" dirty="0"/>
+              <a:t>）。</a:t>
+            </a:r>
+          </a:p>
+          <a:p>
+            <a:pPr marL="0" indent="0">
+              <a:buNone/>
+            </a:pPr>
+            <a:r>
+              <a:rPr lang="en-US" altLang="zh-CN" dirty="0"/>
+              <a:t>	Swing </a:t>
+            </a:r>
+            <a:r>
+              <a:rPr lang="zh-CN" altLang="en-US" dirty="0"/>
+              <a:t>的事件处理机制最终会调用到被点击</a:t>
+            </a:r>
+            <a:r>
+              <a:rPr lang="en-US" altLang="zh-CN" dirty="0" err="1"/>
+              <a:t>SmartSquare</a:t>
+            </a:r>
+            <a:r>
+              <a:rPr lang="en-US" altLang="zh-CN" dirty="0"/>
+              <a:t> </a:t>
+            </a:r>
+            <a:r>
+              <a:rPr lang="zh-CN" altLang="en-US" dirty="0"/>
+              <a:t>实例的 </a:t>
+            </a:r>
+            <a:r>
+              <a:rPr lang="en-US" altLang="zh-CN" dirty="0"/>
+              <a:t>clicked() </a:t>
+            </a:r>
+            <a:r>
+              <a:rPr lang="zh-CN" altLang="en-US" dirty="0"/>
+              <a:t>方法。</a:t>
+            </a:r>
+          </a:p>
+          <a:p>
+            <a:pPr marL="0" indent="0">
+              <a:buNone/>
+            </a:pPr>
+            <a:r>
+              <a:rPr lang="en-US" altLang="zh-CN" dirty="0"/>
+              <a:t>	</a:t>
+            </a:r>
+            <a:r>
+              <a:rPr lang="zh-CN" altLang="en-US" dirty="0"/>
+              <a:t>在 </a:t>
+            </a:r>
+            <a:r>
+              <a:rPr lang="en-US" altLang="zh-CN" dirty="0"/>
+              <a:t>clicked() </a:t>
+            </a:r>
+            <a:r>
+              <a:rPr lang="zh-CN" altLang="en-US" dirty="0"/>
+              <a:t>方法内部：</a:t>
+            </a:r>
+          </a:p>
+          <a:p>
+            <a:pPr marL="0" indent="0">
+              <a:buNone/>
+            </a:pPr>
+            <a:r>
+              <a:rPr lang="en-US" altLang="zh-CN" dirty="0"/>
+              <a:t>	</a:t>
+            </a:r>
+            <a:r>
+              <a:rPr lang="zh-CN" altLang="en-US" b="1" dirty="0"/>
+              <a:t>分支</a:t>
+            </a:r>
+            <a:r>
+              <a:rPr lang="en-US" altLang="zh-CN" b="1" dirty="0"/>
+              <a:t>1 (alt): </a:t>
+            </a:r>
+            <a:r>
+              <a:rPr lang="zh-CN" altLang="en-US" dirty="0"/>
+              <a:t>点击到地雷</a:t>
+            </a:r>
+            <a:endParaRPr lang="en-US" altLang="zh-CN" dirty="0"/>
+          </a:p>
+          <a:p>
+            <a:pPr marL="0" indent="0">
+              <a:buNone/>
+            </a:pPr>
+            <a:r>
+              <a:rPr lang="en-US" altLang="zh-CN" dirty="0"/>
+              <a:t>		</a:t>
+            </a:r>
+            <a:r>
+              <a:rPr lang="en-US" altLang="zh-CN" dirty="0" err="1"/>
+              <a:t>thisSquareHasBomb</a:t>
+            </a:r>
+            <a:r>
+              <a:rPr lang="zh-CN" altLang="en-US" dirty="0"/>
+              <a:t>为 </a:t>
+            </a:r>
+            <a:r>
+              <a:rPr lang="en-US" altLang="zh-CN" dirty="0"/>
+              <a:t>true</a:t>
+            </a:r>
+            <a:r>
+              <a:rPr lang="zh-CN" altLang="en-US" dirty="0"/>
+              <a:t>。</a:t>
+            </a:r>
+          </a:p>
+          <a:p>
+            <a:pPr marL="0" indent="0">
+              <a:buNone/>
+            </a:pPr>
+            <a:r>
+              <a:rPr lang="en-US" altLang="zh-CN" dirty="0"/>
+              <a:t>		</a:t>
+            </a:r>
+            <a:r>
+              <a:rPr lang="zh-CN" altLang="en-US" dirty="0"/>
+              <a:t>程序调用 </a:t>
+            </a:r>
+            <a:r>
+              <a:rPr lang="en-US" altLang="zh-CN" dirty="0"/>
+              <a:t>window() </a:t>
+            </a:r>
+            <a:r>
+              <a:rPr lang="zh-CN" altLang="en-US" dirty="0"/>
+              <a:t>方法，向玩家显示一个包含</a:t>
+            </a:r>
+            <a:r>
+              <a:rPr lang="en-US" altLang="zh-CN" dirty="0"/>
+              <a:t>		</a:t>
+            </a:r>
+            <a:r>
+              <a:rPr lang="zh-CN" altLang="en-US" dirty="0"/>
+              <a:t>“游戏结束”信息和重玩选项的对话框。</a:t>
+            </a:r>
+          </a:p>
+          <a:p>
+            <a:pPr marL="0" indent="0">
+              <a:buNone/>
+            </a:pPr>
+            <a:r>
+              <a:rPr lang="en-US" altLang="zh-CN" dirty="0"/>
+              <a:t>	</a:t>
+            </a:r>
+            <a:r>
+              <a:rPr lang="zh-CN" altLang="en-US" b="1" dirty="0"/>
+              <a:t>分支</a:t>
+            </a:r>
+            <a:r>
+              <a:rPr lang="en-US" altLang="zh-CN" b="1" dirty="0"/>
+              <a:t>2 (alt): </a:t>
+            </a:r>
+            <a:r>
+              <a:rPr lang="zh-CN" altLang="en-US" dirty="0"/>
+              <a:t>点击到安全方块</a:t>
+            </a:r>
+          </a:p>
+          <a:p>
+            <a:pPr marL="0" indent="0">
+              <a:buNone/>
+            </a:pPr>
+            <a:r>
+              <a:rPr lang="en-US" altLang="zh-CN" dirty="0"/>
+              <a:t>		</a:t>
+            </a:r>
+            <a:r>
+              <a:rPr lang="zh-CN" altLang="en-US" dirty="0"/>
+              <a:t>程序创建一个 </a:t>
+            </a:r>
+            <a:r>
+              <a:rPr lang="en-US" altLang="zh-CN" dirty="0" err="1"/>
+              <a:t>CheckSquare</a:t>
+            </a:r>
+            <a:r>
+              <a:rPr lang="en-US" altLang="zh-CN" dirty="0"/>
+              <a:t> </a:t>
+            </a:r>
+            <a:r>
+              <a:rPr lang="zh-CN" altLang="en-US" dirty="0"/>
+              <a:t>对象来处理逻辑。</a:t>
+            </a:r>
+          </a:p>
+          <a:p>
+            <a:pPr marL="0" indent="0">
+              <a:buNone/>
+            </a:pPr>
+            <a:r>
+              <a:rPr lang="en-US" altLang="zh-CN" dirty="0"/>
+              <a:t>		</a:t>
+            </a:r>
+            <a:r>
+              <a:rPr lang="zh-CN" altLang="en-US" dirty="0"/>
+              <a:t>调用 </a:t>
+            </a:r>
+            <a:r>
+              <a:rPr lang="en-US" altLang="zh-CN" dirty="0" err="1"/>
+              <a:t>countBomb</a:t>
+            </a:r>
+            <a:r>
+              <a:rPr lang="en-US" altLang="zh-CN" dirty="0"/>
+              <a:t>() </a:t>
+            </a:r>
+            <a:r>
+              <a:rPr lang="zh-CN" altLang="en-US" dirty="0"/>
+              <a:t>来计算周围地雷数并递归地揭</a:t>
+            </a:r>
+            <a:r>
+              <a:rPr lang="en-US" altLang="zh-CN" dirty="0"/>
+              <a:t>		</a:t>
+            </a:r>
+            <a:r>
+              <a:rPr lang="zh-CN" altLang="en-US" dirty="0"/>
+              <a:t>开相邻的空白区域。</a:t>
+            </a:r>
+          </a:p>
+          <a:p>
+            <a:pPr marL="0" indent="0">
+              <a:buNone/>
+            </a:pPr>
+            <a:r>
+              <a:rPr lang="en-US" altLang="zh-CN" dirty="0"/>
+              <a:t>		</a:t>
+            </a:r>
+            <a:r>
+              <a:rPr lang="zh-CN" altLang="en-US" dirty="0"/>
+              <a:t>之后，调用 </a:t>
+            </a:r>
+            <a:r>
+              <a:rPr lang="en-US" altLang="zh-CN" dirty="0" err="1"/>
+              <a:t>isSuccess</a:t>
+            </a:r>
+            <a:r>
+              <a:rPr lang="en-US" altLang="zh-CN" dirty="0"/>
+              <a:t>() </a:t>
+            </a:r>
+            <a:r>
+              <a:rPr lang="zh-CN" altLang="en-US" dirty="0"/>
+              <a:t>检查是否满足胜利条件（</a:t>
+            </a:r>
+            <a:r>
+              <a:rPr lang="en-US" altLang="zh-CN" dirty="0"/>
+              <a:t>		</a:t>
+            </a:r>
+            <a:r>
+              <a:rPr lang="zh-CN" altLang="en-US" dirty="0"/>
+              <a:t>所有非雷块都已揭开）。</a:t>
+            </a:r>
+          </a:p>
+          <a:p>
+            <a:pPr marL="0" indent="0">
+              <a:buNone/>
+            </a:pPr>
+            <a:r>
+              <a:rPr lang="en-US" altLang="zh-CN" dirty="0"/>
+              <a:t>		</a:t>
+            </a:r>
+            <a:r>
+              <a:rPr lang="zh-CN" altLang="en-US" dirty="0"/>
+              <a:t>如果胜利 </a:t>
+            </a:r>
+            <a:r>
+              <a:rPr lang="en-US" altLang="zh-CN" dirty="0"/>
+              <a:t>(alt)</a:t>
+            </a:r>
+            <a:r>
+              <a:rPr lang="zh-CN" altLang="en-US" dirty="0"/>
+              <a:t>，调用 </a:t>
+            </a:r>
+            <a:r>
+              <a:rPr lang="en-US" altLang="zh-CN" dirty="0"/>
+              <a:t>window() </a:t>
+            </a:r>
+            <a:r>
+              <a:rPr lang="zh-CN" altLang="en-US" dirty="0"/>
+              <a:t>显示“恭喜”信息。</a:t>
+            </a:r>
+          </a:p>
+          <a:p>
+            <a:pPr marL="0" indent="0">
+              <a:buNone/>
+            </a:pPr>
+            <a:r>
+              <a:rPr lang="en-US" altLang="zh-CN" dirty="0"/>
+              <a:t>		</a:t>
+            </a:r>
+            <a:r>
+              <a:rPr lang="zh-CN" altLang="en-US" dirty="0"/>
+              <a:t>如果游戏未结束 ，更新方块视图（显示数字），</a:t>
+            </a:r>
+            <a:r>
+              <a:rPr lang="en-US" altLang="zh-CN" dirty="0"/>
+              <a:t>		</a:t>
+            </a:r>
+            <a:r>
+              <a:rPr lang="zh-CN" altLang="en-US" dirty="0"/>
+              <a:t>等待玩家下一次操作。</a:t>
+            </a:r>
+          </a:p>
+        </p:txBody>
+      </p:sp>
+      <p:pic>
+        <p:nvPicPr>
+          <p:cNvPr id="6" name="内容占位符 5" descr="图示&#10;&#10;AI 生成的内容可能不正确。">
+            <a:extLst>
+              <a:ext uri="{FF2B5EF4-FFF2-40B4-BE49-F238E27FC236}">
+                <a16:creationId xmlns:a16="http://schemas.microsoft.com/office/drawing/2014/main" id="{A75778AD-2108-FBBB-CBD3-9AAAC07A2359}"/>
+              </a:ext>
+            </a:extLst>
+          </p:cNvPr>
+          <p:cNvPicPr>
+            <a:picLocks noChangeAspect="1"/>
+          </p:cNvPicPr>
+          <p:nvPr/>
+        </p:nvPicPr>
+        <p:blipFill>
+          <a:blip r:embed="rId3">
+            <a:extLst>
+              <a:ext uri="{28A0092B-C50C-407E-A947-70E740481C1C}">
+                <a14:useLocalDpi xmlns:a14="http://schemas.microsoft.com/office/drawing/2010/main" val="0"/>
+              </a:ext>
+            </a:extLst>
+          </a:blip>
+          <a:stretch>
+            <a:fillRect/>
+          </a:stretch>
+        </p:blipFill>
+        <p:spPr>
+          <a:xfrm>
+            <a:off x="85177" y="107661"/>
+            <a:ext cx="2879695" cy="6599919"/>
+          </a:xfrm>
+          <a:prstGeom prst="rect">
+            <a:avLst/>
+          </a:prstGeom>
+        </p:spPr>
+      </p:pic>
+    </p:spTree>
+    <p:extLst>
+      <p:ext uri="{BB962C8B-B14F-4D97-AF65-F5344CB8AC3E}">
+        <p14:creationId xmlns:p14="http://schemas.microsoft.com/office/powerpoint/2010/main" val="4098639013"/>
+      </p:ext>
+    </p:extLst>
+  </p:cSld>
+  <p:clrMapOvr>
+    <a:masterClrMapping/>
+  </p:clrMapOvr>
+</p:sld>
+</file>
+
+<file path=ppt/slides/slide32.xml><?xml version="1.0" encoding="utf-8"?>
+<p:sld xmlns:a="http://schemas.openxmlformats.org/drawingml/2006/main" xmlns:r="http://schemas.openxmlformats.org/officeDocument/2006/relationships" xmlns:p="http://schemas.openxmlformats.org/presentationml/2006/main">
+  <p:cSld>
+    <p:spTree>
+      <p:nvGrpSpPr>
+        <p:cNvPr id="1" name=""/>
+        <p:cNvGrpSpPr/>
+        <p:nvPr/>
+      </p:nvGrpSpPr>
+      <p:grpSpPr>
+        <a:xfrm>
+          <a:off x="0" y="0"/>
+          <a:ext cx="0" cy="0"/>
+          <a:chOff x="0" y="0"/>
+          <a:chExt cx="0" cy="0"/>
+        </a:xfrm>
+      </p:grpSpPr>
+      <p:sp>
+        <p:nvSpPr>
+          <p:cNvPr id="2" name="Title 1">
+            <a:extLst>
+              <a:ext uri="{FF2B5EF4-FFF2-40B4-BE49-F238E27FC236}">
+                <a16:creationId xmlns:a16="http://schemas.microsoft.com/office/drawing/2014/main" id="{D2F64FCC-5933-6E59-5552-E329458E4D5C}"/>
+              </a:ext>
+            </a:extLst>
+          </p:cNvPr>
+          <p:cNvSpPr>
+            <a:spLocks noGrp="1"/>
+          </p:cNvSpPr>
+          <p:nvPr>
+            <p:ph type="title"/>
+          </p:nvPr>
+        </p:nvSpPr>
+        <p:spPr>
+          <a:xfrm>
+            <a:off x="857170" y="1130300"/>
+            <a:ext cx="7253368" cy="1371600"/>
+          </a:xfrm>
+        </p:spPr>
+        <p:txBody>
+          <a:bodyPr/>
+          <a:lstStyle/>
+          <a:p>
+            <a:pPr lvl="0"/>
+            <a:r>
+              <a:rPr lang="zh-CN" altLang="en-US" dirty="0"/>
+              <a:t>参考内容</a:t>
+            </a:r>
+            <a:endParaRPr lang="en-US" dirty="0"/>
+          </a:p>
+        </p:txBody>
+      </p:sp>
+      <p:sp>
+        <p:nvSpPr>
+          <p:cNvPr id="4" name="Slide Number Placeholder 3">
+            <a:extLst>
+              <a:ext uri="{FF2B5EF4-FFF2-40B4-BE49-F238E27FC236}">
+                <a16:creationId xmlns:a16="http://schemas.microsoft.com/office/drawing/2014/main" id="{FD1D7CBC-F975-8DE9-35EC-139DE50F2B9A}"/>
+              </a:ext>
+            </a:extLst>
+          </p:cNvPr>
+          <p:cNvSpPr>
+            <a:spLocks noGrp="1"/>
+          </p:cNvSpPr>
+          <p:nvPr>
+            <p:ph type="sldNum" sz="quarter" idx="12"/>
+          </p:nvPr>
+        </p:nvSpPr>
+        <p:spPr>
+          <a:xfrm>
+            <a:off x="7861300" y="6409690"/>
+            <a:ext cx="3657600" cy="274320"/>
+          </a:xfrm>
+        </p:spPr>
+        <p:txBody>
+          <a:bodyPr/>
+          <a:lstStyle/>
+          <a:p>
+            <a:pPr marL="0" marR="0" lvl="0" indent="0" algn="r" defTabSz="914400" rtl="0" eaLnBrk="1" fontAlgn="auto" latinLnBrk="0" hangingPunct="1">
+              <a:lnSpc>
+                <a:spcPct val="100000"/>
+              </a:lnSpc>
+              <a:spcBef>
+                <a:spcPts val="0"/>
+              </a:spcBef>
+              <a:spcAft>
+                <a:spcPts val="0"/>
+              </a:spcAft>
+              <a:buClrTx/>
+              <a:buSzTx/>
+              <a:buFontTx/>
+              <a:buNone/>
+              <a:tabLst/>
+              <a:defRPr/>
+            </a:pPr>
+            <a:fld id="{C8BB1146-E542-4D4E-B8E9-6919A11DDD48}" type="slidenum">
+              <a:rPr kumimoji="0" lang="en-US" sz="1000" b="0" i="0" u="none" strike="noStrike" kern="1200" cap="none" spc="0" normalizeH="0" baseline="0" noProof="0" smtClean="0">
+                <a:ln>
+                  <a:noFill/>
+                </a:ln>
+                <a:solidFill>
+                  <a:srgbClr val="FFFFFF">
+                    <a:tint val="75000"/>
+                  </a:srgbClr>
+                </a:solidFill>
+                <a:effectLst/>
+                <a:uLnTx/>
+                <a:uFillTx/>
+                <a:latin typeface="Arial"/>
+                <a:ea typeface="微软雅黑"/>
+                <a:cs typeface="+mn-cs"/>
+              </a:rPr>
+              <a:pPr marL="0" marR="0" lvl="0" indent="0" algn="r" defTabSz="914400" rtl="0" eaLnBrk="1" fontAlgn="auto" latinLnBrk="0" hangingPunct="1">
+                <a:lnSpc>
+                  <a:spcPct val="100000"/>
+                </a:lnSpc>
+                <a:spcBef>
+                  <a:spcPts val="0"/>
+                </a:spcBef>
+                <a:spcAft>
+                  <a:spcPts val="0"/>
+                </a:spcAft>
+                <a:buClrTx/>
+                <a:buSzTx/>
+                <a:buFontTx/>
+                <a:buNone/>
+                <a:tabLst/>
+                <a:defRPr/>
+              </a:pPr>
+              <a:t>32</a:t>
+            </a:fld>
+            <a:endParaRPr kumimoji="0" lang="en-US" sz="1000" b="0" i="0" u="none" strike="noStrike" kern="1200" cap="none" spc="0" normalizeH="0" baseline="0" noProof="0">
+              <a:ln>
+                <a:noFill/>
+              </a:ln>
+              <a:solidFill>
+                <a:srgbClr val="FFFFFF">
+                  <a:tint val="75000"/>
+                </a:srgbClr>
+              </a:solidFill>
+              <a:effectLst/>
+              <a:uLnTx/>
+              <a:uFillTx/>
+              <a:latin typeface="Arial"/>
+              <a:ea typeface="微软雅黑"/>
+              <a:cs typeface="+mn-cs"/>
+            </a:endParaRPr>
+          </a:p>
+        </p:txBody>
+      </p:sp>
+    </p:spTree>
+    <p:extLst>
+      <p:ext uri="{BB962C8B-B14F-4D97-AF65-F5344CB8AC3E}">
+        <p14:creationId xmlns:p14="http://schemas.microsoft.com/office/powerpoint/2010/main" val="2037806091"/>
+      </p:ext>
+    </p:extLst>
+  </p:cSld>
+  <p:clrMapOvr>
+    <a:masterClrMapping/>
+  </p:clrMapOvr>
+</p:sld>
+</file>
+
+<file path=ppt/slides/slide33.xml><?xml version="1.0" encoding="utf-8"?>
+<p:sld xmlns:a="http://schemas.openxmlformats.org/drawingml/2006/main" xmlns:r="http://schemas.openxmlformats.org/officeDocument/2006/relationships" xmlns:p="http://schemas.openxmlformats.org/presentationml/2006/main">
+  <p:cSld>
+    <p:spTree>
+      <p:nvGrpSpPr>
+        <p:cNvPr id="1" name=""/>
+        <p:cNvGrpSpPr/>
+        <p:nvPr/>
+      </p:nvGrpSpPr>
+      <p:grpSpPr>
+        <a:xfrm>
+          <a:off x="0" y="0"/>
+          <a:ext cx="0" cy="0"/>
+          <a:chOff x="0" y="0"/>
+          <a:chExt cx="0" cy="0"/>
+        </a:xfrm>
+      </p:grpSpPr>
+      <p:sp>
+        <p:nvSpPr>
           <p:cNvPr id="3" name="内容占位符 2">
             <a:extLst>
               <a:ext uri="{FF2B5EF4-FFF2-40B4-BE49-F238E27FC236}">
@@ -14250,7 +14614,7 @@
 </p:sld>
 </file>
 
-<file path=ppt/slides/slide31.xml><?xml version="1.0" encoding="utf-8"?>
+<file path=ppt/slides/slide34.xml><?xml version="1.0" encoding="utf-8"?>
 <p:sld xmlns:a="http://schemas.openxmlformats.org/drawingml/2006/main" xmlns:r="http://schemas.openxmlformats.org/officeDocument/2006/relationships" xmlns:p="http://schemas.openxmlformats.org/presentationml/2006/main">
   <p:cSld>
     <p:spTree>

--- a/uml.pptx
+++ b/uml.pptx
@@ -244,7 +244,7 @@
           <a:p>
             <a:fld id="{55EDAE95-B47A-40F4-B88B-3211CDD72963}" type="datetimeFigureOut">
               <a:rPr lang="zh-CN" altLang="en-US" smtClean="0"/>
-              <a:t>2025/12/25</a:t>
+              <a:t>2025/12/27</a:t>
             </a:fld>
             <a:endParaRPr lang="zh-CN" altLang="en-US"/>
           </a:p>
@@ -658,7 +658,7 @@
           <a:p>
             <a:fld id="{49511754-73E3-4E6F-AF62-38683F8056B7}" type="datetimeFigureOut">
               <a:rPr lang="zh-CN" altLang="en-US" smtClean="0"/>
-              <a:t>2025/12/25</a:t>
+              <a:t>2025/12/27</a:t>
             </a:fld>
             <a:endParaRPr lang="zh-CN" altLang="en-US"/>
           </a:p>
@@ -856,7 +856,7 @@
           <a:p>
             <a:fld id="{49511754-73E3-4E6F-AF62-38683F8056B7}" type="datetimeFigureOut">
               <a:rPr lang="zh-CN" altLang="en-US" smtClean="0"/>
-              <a:t>2025/12/25</a:t>
+              <a:t>2025/12/27</a:t>
             </a:fld>
             <a:endParaRPr lang="zh-CN" altLang="en-US"/>
           </a:p>
@@ -1064,7 +1064,7 @@
           <a:p>
             <a:fld id="{49511754-73E3-4E6F-AF62-38683F8056B7}" type="datetimeFigureOut">
               <a:rPr lang="zh-CN" altLang="en-US" smtClean="0"/>
-              <a:t>2025/12/25</a:t>
+              <a:t>2025/12/27</a:t>
             </a:fld>
             <a:endParaRPr lang="zh-CN" altLang="en-US"/>
           </a:p>
@@ -6787,7 +6787,7 @@
           <a:p>
             <a:fld id="{49511754-73E3-4E6F-AF62-38683F8056B7}" type="datetimeFigureOut">
               <a:rPr lang="zh-CN" altLang="en-US" smtClean="0"/>
-              <a:t>2025/12/25</a:t>
+              <a:t>2025/12/27</a:t>
             </a:fld>
             <a:endParaRPr lang="zh-CN" altLang="en-US"/>
           </a:p>
@@ -7453,7 +7453,7 @@
           <a:p>
             <a:fld id="{49511754-73E3-4E6F-AF62-38683F8056B7}" type="datetimeFigureOut">
               <a:rPr lang="zh-CN" altLang="en-US" smtClean="0"/>
-              <a:t>2025/12/25</a:t>
+              <a:t>2025/12/27</a:t>
             </a:fld>
             <a:endParaRPr lang="zh-CN" altLang="en-US"/>
           </a:p>
@@ -7718,7 +7718,7 @@
           <a:p>
             <a:fld id="{49511754-73E3-4E6F-AF62-38683F8056B7}" type="datetimeFigureOut">
               <a:rPr lang="zh-CN" altLang="en-US" smtClean="0"/>
-              <a:t>2025/12/25</a:t>
+              <a:t>2025/12/27</a:t>
             </a:fld>
             <a:endParaRPr lang="zh-CN" altLang="en-US"/>
           </a:p>
@@ -8130,7 +8130,7 @@
           <a:p>
             <a:fld id="{49511754-73E3-4E6F-AF62-38683F8056B7}" type="datetimeFigureOut">
               <a:rPr lang="zh-CN" altLang="en-US" smtClean="0"/>
-              <a:t>2025/12/25</a:t>
+              <a:t>2025/12/27</a:t>
             </a:fld>
             <a:endParaRPr lang="zh-CN" altLang="en-US"/>
           </a:p>
@@ -8271,7 +8271,7 @@
           <a:p>
             <a:fld id="{49511754-73E3-4E6F-AF62-38683F8056B7}" type="datetimeFigureOut">
               <a:rPr lang="zh-CN" altLang="en-US" smtClean="0"/>
-              <a:t>2025/12/25</a:t>
+              <a:t>2025/12/27</a:t>
             </a:fld>
             <a:endParaRPr lang="zh-CN" altLang="en-US"/>
           </a:p>
@@ -8384,7 +8384,7 @@
           <a:p>
             <a:fld id="{49511754-73E3-4E6F-AF62-38683F8056B7}" type="datetimeFigureOut">
               <a:rPr lang="zh-CN" altLang="en-US" smtClean="0"/>
-              <a:t>2025/12/25</a:t>
+              <a:t>2025/12/27</a:t>
             </a:fld>
             <a:endParaRPr lang="zh-CN" altLang="en-US"/>
           </a:p>
@@ -8695,7 +8695,7 @@
           <a:p>
             <a:fld id="{49511754-73E3-4E6F-AF62-38683F8056B7}" type="datetimeFigureOut">
               <a:rPr lang="zh-CN" altLang="en-US" smtClean="0"/>
-              <a:t>2025/12/25</a:t>
+              <a:t>2025/12/27</a:t>
             </a:fld>
             <a:endParaRPr lang="zh-CN" altLang="en-US"/>
           </a:p>
@@ -8983,7 +8983,7 @@
           <a:p>
             <a:fld id="{49511754-73E3-4E6F-AF62-38683F8056B7}" type="datetimeFigureOut">
               <a:rPr lang="zh-CN" altLang="en-US" smtClean="0"/>
-              <a:t>2025/12/25</a:t>
+              <a:t>2025/12/27</a:t>
             </a:fld>
             <a:endParaRPr lang="zh-CN" altLang="en-US"/>
           </a:p>
@@ -9224,7 +9224,7 @@
           <a:p>
             <a:fld id="{49511754-73E3-4E6F-AF62-38683F8056B7}" type="datetimeFigureOut">
               <a:rPr lang="zh-CN" altLang="en-US" smtClean="0"/>
-              <a:t>2025/12/25</a:t>
+              <a:t>2025/12/27</a:t>
             </a:fld>
             <a:endParaRPr lang="zh-CN" altLang="en-US"/>
           </a:p>
@@ -10687,13 +10687,13 @@
   <p:clrMapOvr>
     <a:masterClrMapping/>
   </p:clrMapOvr>
-  <mc:AlternateContent xmlns:mc="http://schemas.openxmlformats.org/markup-compatibility/2006">
-    <mc:Choice xmlns:p159="http://schemas.microsoft.com/office/powerpoint/2015/09/main" Requires="p159">
+  <mc:AlternateContent xmlns:mc="http://schemas.openxmlformats.org/markup-compatibility/2006" xmlns:p159="http://schemas.microsoft.com/office/powerpoint/2015/09/main">
+    <mc:Choice Requires="p159">
       <p:transition xmlns:p14="http://schemas.microsoft.com/office/powerpoint/2010/main" spd="slow" p14:dur="2000">
         <p159:morph option="byObject"/>
       </p:transition>
     </mc:Choice>
-    <mc:Fallback>
+    <mc:Fallback xmlns="">
       <p:transition spd="slow">
         <p:fade/>
       </p:transition>
@@ -11024,13 +11024,13 @@
   <p:clrMapOvr>
     <a:masterClrMapping/>
   </p:clrMapOvr>
-  <mc:AlternateContent xmlns:mc="http://schemas.openxmlformats.org/markup-compatibility/2006">
-    <mc:Choice xmlns:p159="http://schemas.microsoft.com/office/powerpoint/2015/09/main" Requires="p159">
+  <mc:AlternateContent xmlns:mc="http://schemas.openxmlformats.org/markup-compatibility/2006" xmlns:p159="http://schemas.microsoft.com/office/powerpoint/2015/09/main">
+    <mc:Choice Requires="p159">
       <p:transition xmlns:p14="http://schemas.microsoft.com/office/powerpoint/2010/main" spd="slow" p14:dur="2000">
         <p159:morph option="byObject"/>
       </p:transition>
     </mc:Choice>
-    <mc:Fallback>
+    <mc:Fallback xmlns="">
       <p:transition spd="slow">
         <p:fade/>
       </p:transition>
@@ -14765,13 +14765,13 @@
   <p:clrMapOvr>
     <a:masterClrMapping/>
   </p:clrMapOvr>
-  <mc:AlternateContent xmlns:mc="http://schemas.openxmlformats.org/markup-compatibility/2006">
-    <mc:Choice xmlns:p159="http://schemas.microsoft.com/office/powerpoint/2015/09/main" Requires="p159">
+  <mc:AlternateContent xmlns:mc="http://schemas.openxmlformats.org/markup-compatibility/2006" xmlns:p159="http://schemas.microsoft.com/office/powerpoint/2015/09/main">
+    <mc:Choice Requires="p159">
       <p:transition xmlns:p14="http://schemas.microsoft.com/office/powerpoint/2010/main" spd="slow" p14:dur="2000">
         <p159:morph option="byObject"/>
       </p:transition>
     </mc:Choice>
-    <mc:Fallback>
+    <mc:Fallback xmlns="">
       <p:transition spd="slow">
         <p:fade/>
       </p:transition>
@@ -18252,13 +18252,13 @@
   <p:clrMapOvr>
     <a:masterClrMapping/>
   </p:clrMapOvr>
-  <mc:AlternateContent xmlns:mc="http://schemas.openxmlformats.org/markup-compatibility/2006">
-    <mc:Choice xmlns:p159="http://schemas.microsoft.com/office/powerpoint/2015/09/main" Requires="p159">
+  <mc:AlternateContent xmlns:mc="http://schemas.openxmlformats.org/markup-compatibility/2006" xmlns:p159="http://schemas.microsoft.com/office/powerpoint/2015/09/main">
+    <mc:Choice Requires="p159">
       <p:transition xmlns:p14="http://schemas.microsoft.com/office/powerpoint/2010/main" spd="slow" p14:dur="2000">
         <p159:morph option="byObject"/>
       </p:transition>
     </mc:Choice>
-    <mc:Fallback>
+    <mc:Fallback xmlns="">
       <p:transition spd="slow">
         <p:fade/>
       </p:transition>
@@ -18553,60 +18553,6 @@
       </p:sp>
       <p:sp>
         <p:nvSpPr>
-          <p:cNvPr id="9" name="标题 1">
-            <a:extLst>
-              <a:ext uri="{FF2B5EF4-FFF2-40B4-BE49-F238E27FC236}">
-                <a16:creationId xmlns:a16="http://schemas.microsoft.com/office/drawing/2014/main" id="{6E863CAE-6DA3-371B-6820-4C9E395C3B71}"/>
-              </a:ext>
-            </a:extLst>
-          </p:cNvPr>
-          <p:cNvSpPr txBox="1">
-            <a:spLocks/>
-          </p:cNvSpPr>
-          <p:nvPr/>
-        </p:nvSpPr>
-        <p:spPr>
-          <a:xfrm>
-            <a:off x="9182985" y="59730"/>
-            <a:ext cx="2140984" cy="525425"/>
-          </a:xfrm>
-          <a:prstGeom prst="rect">
-            <a:avLst/>
-          </a:prstGeom>
-        </p:spPr>
-        <p:txBody>
-          <a:bodyPr vert="horz" lIns="91440" tIns="45720" rIns="91440" bIns="45720" rtlCol="0" anchor="b">
-            <a:normAutofit/>
-          </a:bodyPr>
-          <a:lstStyle>
-            <a:lvl1pPr algn="l" defTabSz="914400" rtl="0" eaLnBrk="1" latinLnBrk="0" hangingPunct="1">
-              <a:lnSpc>
-                <a:spcPct val="100000"/>
-              </a:lnSpc>
-              <a:spcBef>
-                <a:spcPct val="0"/>
-              </a:spcBef>
-              <a:buNone/>
-              <a:defRPr sz="2800" b="1" kern="1200">
-                <a:solidFill>
-                  <a:schemeClr val="tx1"/>
-                </a:solidFill>
-                <a:latin typeface="+mj-lt"/>
-                <a:ea typeface="+mj-ea"/>
-                <a:cs typeface="+mj-cs"/>
-              </a:defRPr>
-            </a:lvl1pPr>
-          </a:lstStyle>
-          <a:p>
-            <a:r>
-              <a:rPr lang="zh-CN" altLang="en-US" dirty="0"/>
-              <a:t>参考内容</a:t>
-            </a:r>
-          </a:p>
-        </p:txBody>
-      </p:sp>
-      <p:sp>
-        <p:nvSpPr>
           <p:cNvPr id="15" name="矩形 14">
             <a:extLst>
               <a:ext uri="{FF2B5EF4-FFF2-40B4-BE49-F238E27FC236}">
@@ -19855,13 +19801,13 @@
   <p:clrMapOvr>
     <a:masterClrMapping/>
   </p:clrMapOvr>
-  <mc:AlternateContent xmlns:mc="http://schemas.openxmlformats.org/markup-compatibility/2006">
-    <mc:Choice xmlns:p159="http://schemas.microsoft.com/office/powerpoint/2015/09/main" Requires="p159">
+  <mc:AlternateContent xmlns:mc="http://schemas.openxmlformats.org/markup-compatibility/2006" xmlns:p159="http://schemas.microsoft.com/office/powerpoint/2015/09/main">
+    <mc:Choice Requires="p159">
       <p:transition xmlns:p14="http://schemas.microsoft.com/office/powerpoint/2010/main" spd="slow" p14:dur="2000">
         <p159:morph option="byObject"/>
       </p:transition>
     </mc:Choice>
-    <mc:Fallback>
+    <mc:Fallback xmlns="">
       <p:transition spd="slow">
         <p:fade/>
       </p:transition>
@@ -20175,13 +20121,13 @@
   <p:clrMapOvr>
     <a:masterClrMapping/>
   </p:clrMapOvr>
-  <mc:AlternateContent xmlns:mc="http://schemas.openxmlformats.org/markup-compatibility/2006">
-    <mc:Choice xmlns:p159="http://schemas.microsoft.com/office/powerpoint/2015/09/main" Requires="p159">
+  <mc:AlternateContent xmlns:mc="http://schemas.openxmlformats.org/markup-compatibility/2006" xmlns:p159="http://schemas.microsoft.com/office/powerpoint/2015/09/main">
+    <mc:Choice Requires="p159">
       <p:transition xmlns:p14="http://schemas.microsoft.com/office/powerpoint/2010/main" spd="slow" p14:dur="2000">
         <p159:morph option="byObject"/>
       </p:transition>
     </mc:Choice>
-    <mc:Fallback>
+    <mc:Fallback xmlns="">
       <p:transition spd="slow">
         <p:fade/>
       </p:transition>
@@ -20295,13 +20241,13 @@
   <p:clrMapOvr>
     <a:masterClrMapping/>
   </p:clrMapOvr>
-  <mc:AlternateContent xmlns:mc="http://schemas.openxmlformats.org/markup-compatibility/2006">
-    <mc:Choice xmlns:p159="http://schemas.microsoft.com/office/powerpoint/2015/09/main" Requires="p159">
+  <mc:AlternateContent xmlns:mc="http://schemas.openxmlformats.org/markup-compatibility/2006" xmlns:p159="http://schemas.microsoft.com/office/powerpoint/2015/09/main">
+    <mc:Choice Requires="p159">
       <p:transition xmlns:p14="http://schemas.microsoft.com/office/powerpoint/2010/main" spd="slow" p14:dur="2000">
         <p159:morph option="byObject"/>
       </p:transition>
     </mc:Choice>
-    <mc:Fallback>
+    <mc:Fallback xmlns="">
       <p:transition spd="slow">
         <p:fade/>
       </p:transition>
@@ -20415,13 +20361,13 @@
   <p:clrMapOvr>
     <a:masterClrMapping/>
   </p:clrMapOvr>
-  <mc:AlternateContent xmlns:mc="http://schemas.openxmlformats.org/markup-compatibility/2006">
-    <mc:Choice xmlns:p159="http://schemas.microsoft.com/office/powerpoint/2015/09/main" Requires="p159">
+  <mc:AlternateContent xmlns:mc="http://schemas.openxmlformats.org/markup-compatibility/2006" xmlns:p159="http://schemas.microsoft.com/office/powerpoint/2015/09/main">
+    <mc:Choice Requires="p159">
       <p:transition xmlns:p14="http://schemas.microsoft.com/office/powerpoint/2010/main" spd="slow" p14:dur="2000">
         <p159:morph option="byObject"/>
       </p:transition>
     </mc:Choice>
-    <mc:Fallback>
+    <mc:Fallback xmlns="">
       <p:transition spd="slow">
         <p:fade/>
       </p:transition>
@@ -21721,60 +21667,6 @@
       </p:sp>
       <p:sp>
         <p:nvSpPr>
-          <p:cNvPr id="9" name="标题 1">
-            <a:extLst>
-              <a:ext uri="{FF2B5EF4-FFF2-40B4-BE49-F238E27FC236}">
-                <a16:creationId xmlns:a16="http://schemas.microsoft.com/office/drawing/2014/main" id="{90305032-C00A-8377-F6C7-E2FA9FD19A58}"/>
-              </a:ext>
-            </a:extLst>
-          </p:cNvPr>
-          <p:cNvSpPr txBox="1">
-            <a:spLocks/>
-          </p:cNvSpPr>
-          <p:nvPr/>
-        </p:nvSpPr>
-        <p:spPr>
-          <a:xfrm>
-            <a:off x="9182985" y="59730"/>
-            <a:ext cx="2140984" cy="525425"/>
-          </a:xfrm>
-          <a:prstGeom prst="rect">
-            <a:avLst/>
-          </a:prstGeom>
-        </p:spPr>
-        <p:txBody>
-          <a:bodyPr vert="horz" lIns="91440" tIns="45720" rIns="91440" bIns="45720" rtlCol="0" anchor="b">
-            <a:normAutofit/>
-          </a:bodyPr>
-          <a:lstStyle>
-            <a:lvl1pPr algn="l" defTabSz="914400" rtl="0" eaLnBrk="1" latinLnBrk="0" hangingPunct="1">
-              <a:lnSpc>
-                <a:spcPct val="100000"/>
-              </a:lnSpc>
-              <a:spcBef>
-                <a:spcPct val="0"/>
-              </a:spcBef>
-              <a:buNone/>
-              <a:defRPr sz="2800" b="1" kern="1200">
-                <a:solidFill>
-                  <a:schemeClr val="tx1"/>
-                </a:solidFill>
-                <a:latin typeface="+mj-lt"/>
-                <a:ea typeface="+mj-ea"/>
-                <a:cs typeface="+mj-cs"/>
-              </a:defRPr>
-            </a:lvl1pPr>
-          </a:lstStyle>
-          <a:p>
-            <a:r>
-              <a:rPr lang="zh-CN" altLang="en-US" dirty="0"/>
-              <a:t>参考内容</a:t>
-            </a:r>
-          </a:p>
-        </p:txBody>
-      </p:sp>
-      <p:sp>
-        <p:nvSpPr>
           <p:cNvPr id="15" name="矩形 14">
             <a:extLst>
               <a:ext uri="{FF2B5EF4-FFF2-40B4-BE49-F238E27FC236}">
@@ -23201,13 +23093,13 @@
   <p:clrMapOvr>
     <a:masterClrMapping/>
   </p:clrMapOvr>
-  <mc:AlternateContent xmlns:mc="http://schemas.openxmlformats.org/markup-compatibility/2006">
-    <mc:Choice xmlns:p159="http://schemas.microsoft.com/office/powerpoint/2015/09/main" Requires="p159">
+  <mc:AlternateContent xmlns:mc="http://schemas.openxmlformats.org/markup-compatibility/2006" xmlns:p159="http://schemas.microsoft.com/office/powerpoint/2015/09/main">
+    <mc:Choice Requires="p159">
       <p:transition xmlns:p14="http://schemas.microsoft.com/office/powerpoint/2010/main" spd="slow" p14:dur="2000">
         <p159:morph option="byObject"/>
       </p:transition>
     </mc:Choice>
-    <mc:Fallback>
+    <mc:Fallback xmlns="">
       <p:transition spd="slow">
         <p:fade/>
       </p:transition>
@@ -25333,13 +25225,13 @@
   <p:clrMapOvr>
     <a:masterClrMapping/>
   </p:clrMapOvr>
-  <mc:AlternateContent xmlns:mc="http://schemas.openxmlformats.org/markup-compatibility/2006">
-    <mc:Choice xmlns:p159="http://schemas.microsoft.com/office/powerpoint/2015/09/main" Requires="p159">
+  <mc:AlternateContent xmlns:mc="http://schemas.openxmlformats.org/markup-compatibility/2006" xmlns:p159="http://schemas.microsoft.com/office/powerpoint/2015/09/main">
+    <mc:Choice Requires="p159">
       <p:transition xmlns:p14="http://schemas.microsoft.com/office/powerpoint/2010/main" spd="slow" p14:dur="2000">
         <p159:morph option="byObject"/>
       </p:transition>
     </mc:Choice>
-    <mc:Fallback>
+    <mc:Fallback xmlns="">
       <p:transition spd="slow">
         <p:fade/>
       </p:transition>
@@ -26798,13 +26690,13 @@
   <p:clrMapOvr>
     <a:masterClrMapping/>
   </p:clrMapOvr>
-  <mc:AlternateContent xmlns:mc="http://schemas.openxmlformats.org/markup-compatibility/2006">
-    <mc:Choice xmlns:p159="http://schemas.microsoft.com/office/powerpoint/2015/09/main" Requires="p159">
+  <mc:AlternateContent xmlns:mc="http://schemas.openxmlformats.org/markup-compatibility/2006" xmlns:p159="http://schemas.microsoft.com/office/powerpoint/2015/09/main">
+    <mc:Choice Requires="p159">
       <p:transition xmlns:p14="http://schemas.microsoft.com/office/powerpoint/2010/main" spd="slow" p14:dur="2000">
         <p159:morph option="byObject"/>
       </p:transition>
     </mc:Choice>
-    <mc:Fallback>
+    <mc:Fallback xmlns="">
       <p:transition spd="slow">
         <p:fade/>
       </p:transition>

--- a/uml.pptx
+++ b/uml.pptx
@@ -15114,9 +15114,13 @@
             <a:endParaRPr lang="en-US" altLang="zh-CN" sz="1500" dirty="0"/>
           </a:p>
           <a:p>
-            <a:pPr marL="342900" indent="-342900">
-              <a:buAutoNum type="arabicPeriod"/>
+            <a:pPr marL="0" indent="0">
+              <a:buNone/>
             </a:pPr>
+            <a:r>
+              <a:rPr lang="en-US" altLang="zh-CN" sz="1500" dirty="0"/>
+              <a:t>1. </a:t>
+            </a:r>
             <a:r>
               <a:rPr lang="zh-CN" altLang="en-US" sz="1500" dirty="0"/>
               <a:t>分离关注点：业务逻辑与数据访问逻辑完全分离</a:t>
@@ -17631,12 +17635,12 @@
         <p:spPr>
           <a:xfrm>
             <a:off x="37941" y="1118084"/>
-            <a:ext cx="6365423" cy="6184900"/>
+            <a:ext cx="6365423" cy="5739916"/>
           </a:xfrm>
         </p:spPr>
         <p:txBody>
           <a:bodyPr>
-            <a:normAutofit fontScale="92500" lnSpcReduction="20000"/>
+            <a:normAutofit fontScale="85000" lnSpcReduction="10000"/>
           </a:bodyPr>
           <a:lstStyle/>
           <a:p>
@@ -17786,8 +17790,8 @@
         </p:blipFill>
         <p:spPr>
           <a:xfrm>
-            <a:off x="6403364" y="637841"/>
-            <a:ext cx="5788636" cy="8248186"/>
+            <a:off x="7361658" y="0"/>
+            <a:ext cx="4830341" cy="6882718"/>
           </a:xfrm>
           <a:prstGeom prst="rect">
             <a:avLst/>
@@ -18163,8 +18167,8 @@
         </p:blipFill>
         <p:spPr>
           <a:xfrm>
-            <a:off x="6403364" y="-1390186"/>
-            <a:ext cx="5788636" cy="8248186"/>
+            <a:off x="6991546" y="0"/>
+            <a:ext cx="4812993" cy="6858000"/>
           </a:xfrm>
           <a:prstGeom prst="rect">
             <a:avLst/>
@@ -18969,8 +18973,8 @@
         </p:blipFill>
         <p:spPr>
           <a:xfrm>
-            <a:off x="0" y="694625"/>
-            <a:ext cx="5157229" cy="6772974"/>
+            <a:off x="0" y="-1"/>
+            <a:ext cx="5248204" cy="6892451"/>
           </a:xfrm>
           <a:prstGeom prst="rect">
             <a:avLst/>
@@ -19410,8 +19414,8 @@
         </p:blipFill>
         <p:spPr>
           <a:xfrm>
-            <a:off x="0" y="-523012"/>
-            <a:ext cx="5620215" cy="7381012"/>
+            <a:off x="150143" y="0"/>
+            <a:ext cx="5223136" cy="6859529"/>
           </a:xfrm>
           <a:prstGeom prst="rect">
             <a:avLst/>
@@ -19857,8 +19861,8 @@
         </p:blipFill>
         <p:spPr>
           <a:xfrm>
-            <a:off x="1219201" y="882395"/>
-            <a:ext cx="3321570" cy="8622161"/>
+            <a:off x="992957" y="0"/>
+            <a:ext cx="2641951" cy="6858000"/>
           </a:xfrm>
           <a:prstGeom prst="rect">
             <a:avLst/>
@@ -20014,8 +20018,8 @@
         </p:blipFill>
         <p:spPr>
           <a:xfrm>
-            <a:off x="1286108" y="-1764161"/>
-            <a:ext cx="3321570" cy="8622161"/>
+            <a:off x="675157" y="0"/>
+            <a:ext cx="2699639" cy="6858000"/>
           </a:xfrm>
           <a:prstGeom prst="rect">
             <a:avLst/>
